--- a/MIMIC Visualization.pptx
+++ b/MIMIC Visualization.pptx
@@ -7,18 +7,19 @@
   <p:sldIdLst>
     <p:sldId id="256" r:id="rId2"/>
     <p:sldId id="269" r:id="rId3"/>
-    <p:sldId id="257" r:id="rId4"/>
-    <p:sldId id="258" r:id="rId5"/>
-    <p:sldId id="259" r:id="rId6"/>
-    <p:sldId id="260" r:id="rId7"/>
-    <p:sldId id="262" r:id="rId8"/>
-    <p:sldId id="261" r:id="rId9"/>
-    <p:sldId id="264" r:id="rId10"/>
-    <p:sldId id="263" r:id="rId11"/>
-    <p:sldId id="268" r:id="rId12"/>
-    <p:sldId id="267" r:id="rId13"/>
-    <p:sldId id="266" r:id="rId14"/>
-    <p:sldId id="265" r:id="rId15"/>
+    <p:sldId id="270" r:id="rId4"/>
+    <p:sldId id="257" r:id="rId5"/>
+    <p:sldId id="258" r:id="rId6"/>
+    <p:sldId id="259" r:id="rId7"/>
+    <p:sldId id="260" r:id="rId8"/>
+    <p:sldId id="262" r:id="rId9"/>
+    <p:sldId id="261" r:id="rId10"/>
+    <p:sldId id="264" r:id="rId11"/>
+    <p:sldId id="263" r:id="rId12"/>
+    <p:sldId id="268" r:id="rId13"/>
+    <p:sldId id="267" r:id="rId14"/>
+    <p:sldId id="266" r:id="rId15"/>
+    <p:sldId id="265" r:id="rId16"/>
   </p:sldIdLst>
   <p:sldSz cx="12192000" cy="6858000"/>
   <p:notesSz cx="6858000" cy="9144000"/>
@@ -128,7 +129,7 @@
 <file path=ppt/revisionInfo.xml><?xml version="1.0" encoding="utf-8"?>
 <p1510:revInfo xmlns:a="http://schemas.openxmlformats.org/drawingml/2006/main" xmlns:r="http://schemas.openxmlformats.org/officeDocument/2006/relationships" xmlns:p1510="http://schemas.microsoft.com/office/powerpoint/2015/10/main">
   <p1510:revLst>
-    <p1510:client id="{469B3712-C5CB-BBEC-FAE3-9EE8A602600C}" v="235" dt="2025-01-24T00:48:02.656"/>
+    <p1510:client id="{469B3712-C5CB-BBEC-FAE3-9EE8A602600C}" v="500" dt="2025-01-24T13:22:50.773"/>
     <p1510:client id="{C91C6CB5-30EE-1138-D55B-4440F6758D12}" v="581" dt="2025-01-22T22:00:52.819"/>
   </p1510:revLst>
 </p1510:revInfo>
@@ -1575,7 +1576,7 @@
   <pc:docChgLst>
     <pc:chgData name="Ankita L Savaliya" userId="S::als8453@my.utexas.edu::45302890-fb20-4ef9-a20b-62d8ea27512f" providerId="AD" clId="Web-{469B3712-C5CB-BBEC-FAE3-9EE8A602600C}"/>
     <pc:docChg chg="addSld delSld modSld sldOrd">
-      <pc:chgData name="Ankita L Savaliya" userId="S::als8453@my.utexas.edu::45302890-fb20-4ef9-a20b-62d8ea27512f" providerId="AD" clId="Web-{469B3712-C5CB-BBEC-FAE3-9EE8A602600C}" dt="2025-01-24T00:48:02.656" v="235" actId="20577"/>
+      <pc:chgData name="Ankita L Savaliya" userId="S::als8453@my.utexas.edu::45302890-fb20-4ef9-a20b-62d8ea27512f" providerId="AD" clId="Web-{469B3712-C5CB-BBEC-FAE3-9EE8A602600C}" dt="2025-01-24T13:22:50.773" v="513" actId="1076"/>
       <pc:docMkLst>
         <pc:docMk/>
       </pc:docMkLst>
@@ -1636,6 +1637,21 @@
             <pc:docMk/>
             <pc:sldMk cId="2469089735" sldId="261"/>
             <ac:spMk id="2" creationId="{BF65AC6B-C37F-8594-FB87-8458012C9F88}"/>
+          </ac:spMkLst>
+        </pc:spChg>
+      </pc:sldChg>
+      <pc:sldChg chg="modSp">
+        <pc:chgData name="Ankita L Savaliya" userId="S::als8453@my.utexas.edu::45302890-fb20-4ef9-a20b-62d8ea27512f" providerId="AD" clId="Web-{469B3712-C5CB-BBEC-FAE3-9EE8A602600C}" dt="2025-01-24T13:22:33.304" v="510" actId="20577"/>
+        <pc:sldMkLst>
+          <pc:docMk/>
+          <pc:sldMk cId="3068163590" sldId="262"/>
+        </pc:sldMkLst>
+        <pc:spChg chg="mod">
+          <ac:chgData name="Ankita L Savaliya" userId="S::als8453@my.utexas.edu::45302890-fb20-4ef9-a20b-62d8ea27512f" providerId="AD" clId="Web-{469B3712-C5CB-BBEC-FAE3-9EE8A602600C}" dt="2025-01-24T13:22:33.304" v="510" actId="20577"/>
+          <ac:spMkLst>
+            <pc:docMk/>
+            <pc:sldMk cId="3068163590" sldId="262"/>
+            <ac:spMk id="27" creationId="{845D7DA4-0A30-F667-174F-8A99022B50FE}"/>
           </ac:spMkLst>
         </pc:spChg>
       </pc:sldChg>
@@ -1867,7 +1883,7 @@
         </pc:picChg>
       </pc:sldChg>
       <pc:sldChg chg="addSp delSp modSp add replId">
-        <pc:chgData name="Ankita L Savaliya" userId="S::als8453@my.utexas.edu::45302890-fb20-4ef9-a20b-62d8ea27512f" providerId="AD" clId="Web-{469B3712-C5CB-BBEC-FAE3-9EE8A602600C}" dt="2025-01-23T21:42:12.759" v="80" actId="20577"/>
+        <pc:chgData name="Ankita L Savaliya" userId="S::als8453@my.utexas.edu::45302890-fb20-4ef9-a20b-62d8ea27512f" providerId="AD" clId="Web-{469B3712-C5CB-BBEC-FAE3-9EE8A602600C}" dt="2025-01-24T13:22:50.773" v="513" actId="1076"/>
         <pc:sldMkLst>
           <pc:docMk/>
           <pc:sldMk cId="3106800038" sldId="268"/>
@@ -1889,7 +1905,7 @@
           </ac:spMkLst>
         </pc:spChg>
         <pc:picChg chg="add mod">
-          <ac:chgData name="Ankita L Savaliya" userId="S::als8453@my.utexas.edu::45302890-fb20-4ef9-a20b-62d8ea27512f" providerId="AD" clId="Web-{469B3712-C5CB-BBEC-FAE3-9EE8A602600C}" dt="2025-01-23T21:39:48.249" v="71" actId="1076"/>
+          <ac:chgData name="Ankita L Savaliya" userId="S::als8453@my.utexas.edu::45302890-fb20-4ef9-a20b-62d8ea27512f" providerId="AD" clId="Web-{469B3712-C5CB-BBEC-FAE3-9EE8A602600C}" dt="2025-01-24T13:22:50.773" v="513" actId="1076"/>
           <ac:picMkLst>
             <pc:docMk/>
             <pc:sldMk cId="3106800038" sldId="268"/>
@@ -1914,7 +1930,7 @@
         </pc:picChg>
       </pc:sldChg>
       <pc:sldChg chg="modSp new ord">
-        <pc:chgData name="Ankita L Savaliya" userId="S::als8453@my.utexas.edu::45302890-fb20-4ef9-a20b-62d8ea27512f" providerId="AD" clId="Web-{469B3712-C5CB-BBEC-FAE3-9EE8A602600C}" dt="2025-01-24T00:48:02.656" v="235" actId="20577"/>
+        <pc:chgData name="Ankita L Savaliya" userId="S::als8453@my.utexas.edu::45302890-fb20-4ef9-a20b-62d8ea27512f" providerId="AD" clId="Web-{469B3712-C5CB-BBEC-FAE3-9EE8A602600C}" dt="2025-01-24T13:08:34.667" v="297" actId="20577"/>
         <pc:sldMkLst>
           <pc:docMk/>
           <pc:sldMk cId="3308962109" sldId="269"/>
@@ -1928,11 +1944,90 @@
           </ac:spMkLst>
         </pc:spChg>
         <pc:spChg chg="mod">
-          <ac:chgData name="Ankita L Savaliya" userId="S::als8453@my.utexas.edu::45302890-fb20-4ef9-a20b-62d8ea27512f" providerId="AD" clId="Web-{469B3712-C5CB-BBEC-FAE3-9EE8A602600C}" dt="2025-01-24T00:48:02.656" v="235" actId="20577"/>
+          <ac:chgData name="Ankita L Savaliya" userId="S::als8453@my.utexas.edu::45302890-fb20-4ef9-a20b-62d8ea27512f" providerId="AD" clId="Web-{469B3712-C5CB-BBEC-FAE3-9EE8A602600C}" dt="2025-01-24T13:08:34.667" v="297" actId="20577"/>
           <ac:spMkLst>
             <pc:docMk/>
             <pc:sldMk cId="3308962109" sldId="269"/>
             <ac:spMk id="3" creationId="{DA433583-52C4-0DCE-FFA3-57B964F01E36}"/>
+          </ac:spMkLst>
+        </pc:spChg>
+      </pc:sldChg>
+      <pc:sldChg chg="addSp delSp modSp new mod modClrScheme chgLayout">
+        <pc:chgData name="Ankita L Savaliya" userId="S::als8453@my.utexas.edu::45302890-fb20-4ef9-a20b-62d8ea27512f" providerId="AD" clId="Web-{469B3712-C5CB-BBEC-FAE3-9EE8A602600C}" dt="2025-01-24T13:20:56.988" v="509" actId="20577"/>
+        <pc:sldMkLst>
+          <pc:docMk/>
+          <pc:sldMk cId="1144616982" sldId="270"/>
+        </pc:sldMkLst>
+        <pc:spChg chg="del">
+          <ac:chgData name="Ankita L Savaliya" userId="S::als8453@my.utexas.edu::45302890-fb20-4ef9-a20b-62d8ea27512f" providerId="AD" clId="Web-{469B3712-C5CB-BBEC-FAE3-9EE8A602600C}" dt="2025-01-24T13:09:01.027" v="299"/>
+          <ac:spMkLst>
+            <pc:docMk/>
+            <pc:sldMk cId="1144616982" sldId="270"/>
+            <ac:spMk id="2" creationId="{DD7903EC-7131-A493-3C42-9C1CE9FB7A1C}"/>
+          </ac:spMkLst>
+        </pc:spChg>
+        <pc:spChg chg="del">
+          <ac:chgData name="Ankita L Savaliya" userId="S::als8453@my.utexas.edu::45302890-fb20-4ef9-a20b-62d8ea27512f" providerId="AD" clId="Web-{469B3712-C5CB-BBEC-FAE3-9EE8A602600C}" dt="2025-01-24T13:09:01.027" v="299"/>
+          <ac:spMkLst>
+            <pc:docMk/>
+            <pc:sldMk cId="1144616982" sldId="270"/>
+            <ac:spMk id="3" creationId="{B909530D-FC70-5F31-85C8-15D89C351E4B}"/>
+          </ac:spMkLst>
+        </pc:spChg>
+        <pc:spChg chg="mod ord">
+          <ac:chgData name="Ankita L Savaliya" userId="S::als8453@my.utexas.edu::45302890-fb20-4ef9-a20b-62d8ea27512f" providerId="AD" clId="Web-{469B3712-C5CB-BBEC-FAE3-9EE8A602600C}" dt="2025-01-24T13:19:25.407" v="489"/>
+          <ac:spMkLst>
+            <pc:docMk/>
+            <pc:sldMk cId="1144616982" sldId="270"/>
+            <ac:spMk id="4" creationId="{5BF8ED7D-29E5-DECA-7319-AA4FCC4E3849}"/>
+          </ac:spMkLst>
+        </pc:spChg>
+        <pc:spChg chg="del mod ord">
+          <ac:chgData name="Ankita L Savaliya" userId="S::als8453@my.utexas.edu::45302890-fb20-4ef9-a20b-62d8ea27512f" providerId="AD" clId="Web-{469B3712-C5CB-BBEC-FAE3-9EE8A602600C}" dt="2025-01-24T13:12:16.846" v="300"/>
+          <ac:spMkLst>
+            <pc:docMk/>
+            <pc:sldMk cId="1144616982" sldId="270"/>
+            <ac:spMk id="5" creationId="{A2EA8D98-D103-17D5-0AD8-80CB392601B2}"/>
+          </ac:spMkLst>
+        </pc:spChg>
+        <pc:spChg chg="mod ord">
+          <ac:chgData name="Ankita L Savaliya" userId="S::als8453@my.utexas.edu::45302890-fb20-4ef9-a20b-62d8ea27512f" providerId="AD" clId="Web-{469B3712-C5CB-BBEC-FAE3-9EE8A602600C}" dt="2025-01-24T13:19:25.407" v="489"/>
+          <ac:spMkLst>
+            <pc:docMk/>
+            <pc:sldMk cId="1144616982" sldId="270"/>
+            <ac:spMk id="6" creationId="{FCBF52FE-F15F-F061-5344-67FF5A066CE5}"/>
+          </ac:spMkLst>
+        </pc:spChg>
+        <pc:spChg chg="add mod ord">
+          <ac:chgData name="Ankita L Savaliya" userId="S::als8453@my.utexas.edu::45302890-fb20-4ef9-a20b-62d8ea27512f" providerId="AD" clId="Web-{469B3712-C5CB-BBEC-FAE3-9EE8A602600C}" dt="2025-01-24T13:19:25.407" v="489"/>
+          <ac:spMkLst>
+            <pc:docMk/>
+            <pc:sldMk cId="1144616982" sldId="270"/>
+            <ac:spMk id="11" creationId="{BAEF630F-7877-7583-F00D-2F3807A709F8}"/>
+          </ac:spMkLst>
+        </pc:spChg>
+        <pc:spChg chg="add mod ord">
+          <ac:chgData name="Ankita L Savaliya" userId="S::als8453@my.utexas.edu::45302890-fb20-4ef9-a20b-62d8ea27512f" providerId="AD" clId="Web-{469B3712-C5CB-BBEC-FAE3-9EE8A602600C}" dt="2025-01-24T13:20:56.988" v="509" actId="20577"/>
+          <ac:spMkLst>
+            <pc:docMk/>
+            <pc:sldMk cId="1144616982" sldId="270"/>
+            <ac:spMk id="13" creationId="{DDF4B768-7505-5B6C-ABEF-343021950256}"/>
+          </ac:spMkLst>
+        </pc:spChg>
+        <pc:spChg chg="add del mod ord">
+          <ac:chgData name="Ankita L Savaliya" userId="S::als8453@my.utexas.edu::45302890-fb20-4ef9-a20b-62d8ea27512f" providerId="AD" clId="Web-{469B3712-C5CB-BBEC-FAE3-9EE8A602600C}" dt="2025-01-24T13:19:41.408" v="492"/>
+          <ac:spMkLst>
+            <pc:docMk/>
+            <pc:sldMk cId="1144616982" sldId="270"/>
+            <ac:spMk id="15" creationId="{48CBBBAE-41EA-5AC8-3452-16E5B30D7D26}"/>
+          </ac:spMkLst>
+        </pc:spChg>
+        <pc:spChg chg="add mod ord">
+          <ac:chgData name="Ankita L Savaliya" userId="S::als8453@my.utexas.edu::45302890-fb20-4ef9-a20b-62d8ea27512f" providerId="AD" clId="Web-{469B3712-C5CB-BBEC-FAE3-9EE8A602600C}" dt="2025-01-24T13:19:25.407" v="489"/>
+          <ac:spMkLst>
+            <pc:docMk/>
+            <pc:sldMk cId="1144616982" sldId="270"/>
+            <ac:spMk id="17" creationId="{37997F9B-1701-D32D-E56E-6127753CB6CA}"/>
           </ac:spMkLst>
         </pc:spChg>
       </pc:sldChg>
@@ -2097,7 +2192,7 @@
           <a:p>
             <a:fld id="{965A7A7B-B71A-428D-833F-0F3507A6DB13}" type="datetimeFigureOut">
               <a:rPr lang="en-US" dirty="0"/>
-              <a:t>1/23/2025</a:t>
+              <a:t>1/24/2025</a:t>
             </a:fld>
             <a:endParaRPr lang="en-US" dirty="0"/>
           </a:p>
@@ -2392,7 +2487,7 @@
           <a:p>
             <a:fld id="{F248F9EB-9D34-4B41-B66C-5FAF50876D2D}" type="datetimeFigureOut">
               <a:rPr lang="en-US" dirty="0"/>
-              <a:t>1/23/2025</a:t>
+              <a:t>1/24/2025</a:t>
             </a:fld>
             <a:endParaRPr lang="en-US" dirty="0"/>
           </a:p>
@@ -2600,7 +2695,7 @@
           <a:p>
             <a:fld id="{34489A26-CAA1-4690-8C1F-1641B1B97745}" type="datetimeFigureOut">
               <a:rPr lang="en-US" dirty="0"/>
-              <a:t>1/23/2025</a:t>
+              <a:t>1/24/2025</a:t>
             </a:fld>
             <a:endParaRPr lang="en-US" dirty="0"/>
           </a:p>
@@ -2959,7 +3054,7 @@
           <a:p>
             <a:fld id="{5CF65307-640F-4AE7-B0BE-50C709AD86C5}" type="datetimeFigureOut">
               <a:rPr lang="en-US" dirty="0"/>
-              <a:t>1/23/2025</a:t>
+              <a:t>1/24/2025</a:t>
             </a:fld>
             <a:endParaRPr lang="en-US" dirty="0"/>
           </a:p>
@@ -3339,7 +3434,7 @@
           <a:p>
             <a:fld id="{F77EA1F9-1F0F-4C65-8F6E-9729B924AAAC}" type="datetimeFigureOut">
               <a:rPr lang="en-US" dirty="0"/>
-              <a:t>1/23/2025</a:t>
+              <a:t>1/24/2025</a:t>
             </a:fld>
             <a:endParaRPr lang="en-US" dirty="0"/>
           </a:p>
@@ -3760,7 +3855,7 @@
           <a:p>
             <a:fld id="{202278E8-5F4B-47D5-A617-8CCDF75D6A33}" type="datetimeFigureOut">
               <a:rPr lang="en-US" dirty="0"/>
-              <a:t>1/23/2025</a:t>
+              <a:t>1/24/2025</a:t>
             </a:fld>
             <a:endParaRPr lang="en-US" dirty="0"/>
           </a:p>
@@ -4348,7 +4443,7 @@
           <a:p>
             <a:fld id="{16AAFA52-7A21-407F-8339-40DF182D7460}" type="datetimeFigureOut">
               <a:rPr lang="en-US" dirty="0"/>
-              <a:t>1/23/2025</a:t>
+              <a:t>1/24/2025</a:t>
             </a:fld>
             <a:endParaRPr lang="en-US" dirty="0"/>
           </a:p>
@@ -4603,7 +4698,7 @@
           <a:p>
             <a:fld id="{96770335-1C1A-4243-9BDD-9630C417D284}" type="datetimeFigureOut">
               <a:rPr lang="en-US" dirty="0"/>
-              <a:t>1/23/2025</a:t>
+              <a:t>1/24/2025</a:t>
             </a:fld>
             <a:endParaRPr lang="en-US" dirty="0"/>
           </a:p>
@@ -4716,7 +4811,7 @@
           <a:p>
             <a:fld id="{0141513F-8EBD-4612-96F4-CC3E309609AF}" type="datetimeFigureOut">
               <a:rPr lang="en-US" dirty="0"/>
-              <a:t>1/23/2025</a:t>
+              <a:t>1/24/2025</a:t>
             </a:fld>
             <a:endParaRPr lang="en-US" dirty="0"/>
           </a:p>
@@ -5137,7 +5232,7 @@
           <a:p>
             <a:fld id="{6E6483A1-31A8-47A2-AB0A-53A7803D5EBF}" type="datetimeFigureOut">
               <a:rPr lang="en-US" dirty="0"/>
-              <a:t>1/23/2025</a:t>
+              <a:t>1/24/2025</a:t>
             </a:fld>
             <a:endParaRPr lang="en-US" dirty="0"/>
           </a:p>
@@ -5537,7 +5632,7 @@
           <a:p>
             <a:fld id="{6D8810B9-2C7C-4CAF-99E2-617AE20BA331}" type="datetimeFigureOut">
               <a:rPr lang="en-US" dirty="0"/>
-              <a:t>1/23/2025</a:t>
+              <a:t>1/24/2025</a:t>
             </a:fld>
             <a:endParaRPr lang="en-US" dirty="0"/>
           </a:p>
@@ -5778,7 +5873,7 @@
           <a:p>
             <a:fld id="{37E93E0A-5177-400C-87C9-C93AF466EC49}" type="datetimeFigureOut">
               <a:rPr lang="en-US" dirty="0"/>
-              <a:t>1/23/2025</a:t>
+              <a:t>1/24/2025</a:t>
             </a:fld>
             <a:endParaRPr lang="en-US" dirty="0"/>
           </a:p>
@@ -6358,6 +6453,306 @@
           <p:cNvPr id="2" name="Title 1">
             <a:extLst>
               <a:ext uri="{FF2B5EF4-FFF2-40B4-BE49-F238E27FC236}">
+                <a16:creationId xmlns:a16="http://schemas.microsoft.com/office/drawing/2014/main" id="{D4A847F5-FE7F-970F-30A8-F14DC30F0298}"/>
+              </a:ext>
+            </a:extLst>
+          </p:cNvPr>
+          <p:cNvSpPr>
+            <a:spLocks noGrp="1"/>
+          </p:cNvSpPr>
+          <p:nvPr>
+            <p:ph type="title"/>
+          </p:nvPr>
+        </p:nvSpPr>
+        <p:spPr/>
+        <p:txBody>
+          <a:bodyPr vert="horz" lIns="91440" tIns="45720" rIns="91440" bIns="45720" rtlCol="0" anchor="t">
+            <a:normAutofit/>
+          </a:bodyPr>
+          <a:lstStyle/>
+          <a:p>
+            <a:pPr>
+              <a:lnSpc>
+                <a:spcPct val="90000"/>
+              </a:lnSpc>
+            </a:pPr>
+            <a:r>
+              <a:rPr lang="en-US" sz="2900" dirty="0"/>
+              <a:t>Visual 4 - </a:t>
+            </a:r>
+            <a:r>
+              <a:rPr lang="en-US" sz="2000" dirty="0">
+                <a:solidFill>
+                  <a:srgbClr val="1F1F1F"/>
+                </a:solidFill>
+                <a:latin typeface="Roboto"/>
+                <a:ea typeface="Roboto"/>
+                <a:cs typeface="Roboto"/>
+              </a:rPr>
+              <a:t>Average Length Of Stay by Care Unit and Year (Filtered by ICD Code)</a:t>
+            </a:r>
+            <a:endParaRPr lang="en-US" dirty="0">
+              <a:solidFill>
+                <a:srgbClr val="000000"/>
+              </a:solidFill>
+              <a:latin typeface="Avenir Next LT Pro"/>
+              <a:ea typeface="Roboto"/>
+              <a:cs typeface="Roboto"/>
+            </a:endParaRPr>
+          </a:p>
+          <a:p>
+            <a:pPr>
+              <a:lnSpc>
+                <a:spcPct val="90000"/>
+              </a:lnSpc>
+            </a:pPr>
+            <a:endParaRPr lang="en-US" sz="2900" dirty="0"/>
+          </a:p>
+          <a:p>
+            <a:pPr>
+              <a:lnSpc>
+                <a:spcPct val="90000"/>
+              </a:lnSpc>
+            </a:pPr>
+            <a:endParaRPr lang="en-US" sz="2900" dirty="0"/>
+          </a:p>
+        </p:txBody>
+      </p:sp>
+      <p:sp>
+        <p:nvSpPr>
+          <p:cNvPr id="27" name="Text Placeholder 3">
+            <a:extLst>
+              <a:ext uri="{FF2B5EF4-FFF2-40B4-BE49-F238E27FC236}">
+                <a16:creationId xmlns:a16="http://schemas.microsoft.com/office/drawing/2014/main" id="{845D7DA4-0A30-F667-174F-8A99022B50FE}"/>
+              </a:ext>
+            </a:extLst>
+          </p:cNvPr>
+          <p:cNvSpPr>
+            <a:spLocks noGrp="1"/>
+          </p:cNvSpPr>
+          <p:nvPr>
+            <p:ph type="body" sz="half" idx="2"/>
+          </p:nvPr>
+        </p:nvSpPr>
+        <p:spPr>
+          <a:xfrm>
+            <a:off x="941748" y="2990589"/>
+            <a:ext cx="3099816" cy="2066544"/>
+          </a:xfrm>
+        </p:spPr>
+        <p:txBody>
+          <a:bodyPr vert="horz" lIns="91440" tIns="45720" rIns="91440" bIns="45720" rtlCol="0" anchor="t">
+            <a:normAutofit lnSpcReduction="10000"/>
+          </a:bodyPr>
+          <a:lstStyle/>
+          <a:p>
+            <a:r>
+              <a:rPr lang="en-US" dirty="0">
+                <a:ea typeface="+mn-lt"/>
+                <a:cs typeface="+mn-lt"/>
+              </a:rPr>
+              <a:t>This visualization is an interactive line chart created with Altair, analyzing the average length of stay (LOS) by care unit and year, dynamically filtered by ICD-9 codes.</a:t>
+            </a:r>
+          </a:p>
+        </p:txBody>
+      </p:sp>
+      <p:sp>
+        <p:nvSpPr>
+          <p:cNvPr id="28" name="Date Placeholder 4">
+            <a:extLst>
+              <a:ext uri="{FF2B5EF4-FFF2-40B4-BE49-F238E27FC236}">
+                <a16:creationId xmlns:a16="http://schemas.microsoft.com/office/drawing/2014/main" id="{7A6840E9-E4CF-DCC4-9B0D-7D4B8FDC3F5A}"/>
+              </a:ext>
+            </a:extLst>
+          </p:cNvPr>
+          <p:cNvSpPr>
+            <a:spLocks noGrp="1"/>
+          </p:cNvSpPr>
+          <p:nvPr>
+            <p:ph type="dt" sz="half" idx="10"/>
+          </p:nvPr>
+        </p:nvSpPr>
+        <p:spPr/>
+        <p:txBody>
+          <a:bodyPr/>
+          <a:lstStyle/>
+          <a:p>
+            <a:pPr>
+              <a:spcAft>
+                <a:spcPts val="600"/>
+              </a:spcAft>
+            </a:pPr>
+            <a:fld id="{C7DB37F9-8192-43C5-8AD8-3A3669843520}" type="datetime1">
+              <a:pPr>
+                <a:spcAft>
+                  <a:spcPts val="600"/>
+                </a:spcAft>
+              </a:pPr>
+              <a:t>1/24/2025</a:t>
+            </a:fld>
+            <a:endParaRPr lang="en-US"/>
+          </a:p>
+        </p:txBody>
+      </p:sp>
+      <p:sp>
+        <p:nvSpPr>
+          <p:cNvPr id="29" name="Footer Placeholder 5">
+            <a:extLst>
+              <a:ext uri="{FF2B5EF4-FFF2-40B4-BE49-F238E27FC236}">
+                <a16:creationId xmlns:a16="http://schemas.microsoft.com/office/drawing/2014/main" id="{33BFA14B-AF0A-16F8-9A2F-D4A1F799D935}"/>
+              </a:ext>
+            </a:extLst>
+          </p:cNvPr>
+          <p:cNvSpPr>
+            <a:spLocks noGrp="1"/>
+          </p:cNvSpPr>
+          <p:nvPr>
+            <p:ph type="ftr" sz="quarter" idx="11"/>
+          </p:nvPr>
+        </p:nvSpPr>
+        <p:spPr/>
+        <p:txBody>
+          <a:bodyPr/>
+          <a:lstStyle/>
+          <a:p>
+            <a:endParaRPr lang="en-US"/>
+          </a:p>
+        </p:txBody>
+      </p:sp>
+      <p:sp>
+        <p:nvSpPr>
+          <p:cNvPr id="30" name="Slide Number Placeholder 6">
+            <a:extLst>
+              <a:ext uri="{FF2B5EF4-FFF2-40B4-BE49-F238E27FC236}">
+                <a16:creationId xmlns:a16="http://schemas.microsoft.com/office/drawing/2014/main" id="{B9FC7F56-BFF9-92C8-CFE9-7DD25BADAF55}"/>
+              </a:ext>
+            </a:extLst>
+          </p:cNvPr>
+          <p:cNvSpPr>
+            <a:spLocks noGrp="1"/>
+          </p:cNvSpPr>
+          <p:nvPr>
+            <p:ph type="sldNum" sz="quarter" idx="12"/>
+          </p:nvPr>
+        </p:nvSpPr>
+        <p:spPr/>
+        <p:txBody>
+          <a:bodyPr/>
+          <a:lstStyle/>
+          <a:p>
+            <a:pPr>
+              <a:spcAft>
+                <a:spcPts val="600"/>
+              </a:spcAft>
+            </a:pPr>
+            <a:fld id="{A65A5C87-DF58-40C8-B092-1DE63DB4547E}" type="slidenum">
+              <a:rPr lang="en-US" dirty="0"/>
+              <a:pPr>
+                <a:spcAft>
+                  <a:spcPts val="600"/>
+                </a:spcAft>
+              </a:pPr>
+              <a:t>10</a:t>
+            </a:fld>
+            <a:endParaRPr lang="en-US"/>
+          </a:p>
+        </p:txBody>
+      </p:sp>
+      <p:pic>
+        <p:nvPicPr>
+          <p:cNvPr id="6" name="Picture 5" descr="A graph with red and orange lines&#10;&#10;AI-generated content may be incorrect.">
+            <a:extLst>
+              <a:ext uri="{FF2B5EF4-FFF2-40B4-BE49-F238E27FC236}">
+                <a16:creationId xmlns:a16="http://schemas.microsoft.com/office/drawing/2014/main" id="{9112A72F-E326-8FEF-F226-03C7004FC633}"/>
+              </a:ext>
+            </a:extLst>
+          </p:cNvPr>
+          <p:cNvPicPr>
+            <a:picLocks noChangeAspect="1"/>
+          </p:cNvPicPr>
+          <p:nvPr/>
+        </p:nvPicPr>
+        <p:blipFill>
+          <a:blip r:embed="rId2"/>
+          <a:stretch>
+            <a:fillRect/>
+          </a:stretch>
+        </p:blipFill>
+        <p:spPr>
+          <a:xfrm>
+            <a:off x="4427764" y="1000125"/>
+            <a:ext cx="5393872" cy="2930979"/>
+          </a:xfrm>
+          <a:prstGeom prst="rect">
+            <a:avLst/>
+          </a:prstGeom>
+        </p:spPr>
+      </p:pic>
+      <p:pic>
+        <p:nvPicPr>
+          <p:cNvPr id="8" name="Picture 7" descr="A graph of a number of people&#10;&#10;AI-generated content may be incorrect.">
+            <a:extLst>
+              <a:ext uri="{FF2B5EF4-FFF2-40B4-BE49-F238E27FC236}">
+                <a16:creationId xmlns:a16="http://schemas.microsoft.com/office/drawing/2014/main" id="{FC65F96E-A65D-19DD-A121-2E22DA30AE58}"/>
+              </a:ext>
+            </a:extLst>
+          </p:cNvPr>
+          <p:cNvPicPr>
+            <a:picLocks noChangeAspect="1"/>
+          </p:cNvPicPr>
+          <p:nvPr/>
+        </p:nvPicPr>
+        <p:blipFill>
+          <a:blip r:embed="rId3"/>
+          <a:stretch>
+            <a:fillRect/>
+          </a:stretch>
+        </p:blipFill>
+        <p:spPr>
+          <a:xfrm>
+            <a:off x="6587218" y="3807959"/>
+            <a:ext cx="4765222" cy="2736397"/>
+          </a:xfrm>
+          <a:prstGeom prst="rect">
+            <a:avLst/>
+          </a:prstGeom>
+        </p:spPr>
+      </p:pic>
+    </p:spTree>
+    <p:extLst>
+      <p:ext uri="{BB962C8B-B14F-4D97-AF65-F5344CB8AC3E}">
+        <p14:creationId xmlns:p14="http://schemas.microsoft.com/office/powerpoint/2010/main" val="581286553"/>
+      </p:ext>
+    </p:extLst>
+  </p:cSld>
+  <p:clrMapOvr>
+    <a:masterClrMapping/>
+  </p:clrMapOvr>
+</p:sld>
+</file>
+
+<file path=ppt/slides/slide11.xml><?xml version="1.0" encoding="utf-8"?>
+<p:sld xmlns:a="http://schemas.openxmlformats.org/drawingml/2006/main" xmlns:r="http://schemas.openxmlformats.org/officeDocument/2006/relationships" xmlns:p="http://schemas.openxmlformats.org/presentationml/2006/main">
+  <p:cSld>
+    <p:spTree>
+      <p:nvGrpSpPr>
+        <p:cNvPr id="1" name=""/>
+        <p:cNvGrpSpPr/>
+        <p:nvPr/>
+      </p:nvGrpSpPr>
+      <p:grpSpPr>
+        <a:xfrm>
+          <a:off x="0" y="0"/>
+          <a:ext cx="0" cy="0"/>
+          <a:chOff x="0" y="0"/>
+          <a:chExt cx="0" cy="0"/>
+        </a:xfrm>
+      </p:grpSpPr>
+      <p:sp>
+        <p:nvSpPr>
+          <p:cNvPr id="2" name="Title 1">
+            <a:extLst>
+              <a:ext uri="{FF2B5EF4-FFF2-40B4-BE49-F238E27FC236}">
                 <a16:creationId xmlns:a16="http://schemas.microsoft.com/office/drawing/2014/main" id="{BF65AC6B-C37F-8594-FB87-8458012C9F88}"/>
               </a:ext>
             </a:extLst>
@@ -6411,7 +6806,7 @@
           <a:p>
             <a:fld id="{A20EE442-7E2D-4B98-9210-7F067E6F4EDF}" type="datetime1">
               <a:rPr lang="en-US"/>
-              <a:t>1/23/2025</a:t>
+              <a:t>1/24/2025</a:t>
             </a:fld>
             <a:endParaRPr lang="en-US" dirty="0"/>
           </a:p>
@@ -6465,7 +6860,7 @@
           <a:p>
             <a:fld id="{A65A5C87-DF58-40C8-B092-1DE63DB4547E}" type="slidenum">
               <a:rPr lang="en-US" dirty="0"/>
-              <a:t>10</a:t>
+              <a:t>11</a:t>
             </a:fld>
             <a:endParaRPr lang="en-US" dirty="0"/>
           </a:p>
@@ -6595,7 +6990,7 @@
 </p:sld>
 </file>
 
-<file path=ppt/slides/slide11.xml><?xml version="1.0" encoding="utf-8"?>
+<file path=ppt/slides/slide12.xml><?xml version="1.0" encoding="utf-8"?>
 <p:sld xmlns:a="http://schemas.openxmlformats.org/drawingml/2006/main" xmlns:r="http://schemas.openxmlformats.org/officeDocument/2006/relationships" xmlns:p="http://schemas.openxmlformats.org/presentationml/2006/main">
   <p:cSld>
     <p:spTree>
@@ -6767,7 +7162,7 @@
                   <a:spcPts val="600"/>
                 </a:spcAft>
               </a:pPr>
-              <a:t>1/23/2025</a:t>
+              <a:t>1/24/2025</a:t>
             </a:fld>
             <a:endParaRPr lang="en-US"/>
           </a:p>
@@ -6831,7 +7226,7 @@
                   <a:spcPts val="600"/>
                 </a:spcAft>
               </a:pPr>
-              <a:t>11</a:t>
+              <a:t>12</a:t>
             </a:fld>
             <a:endParaRPr lang="en-US"/>
           </a:p>
@@ -6859,8 +7254,8 @@
         </p:blipFill>
         <p:spPr>
           <a:xfrm>
-            <a:off x="3971077" y="414860"/>
-            <a:ext cx="7934586" cy="5642062"/>
+            <a:off x="4603924" y="918555"/>
+            <a:ext cx="7301739" cy="5435418"/>
           </a:xfrm>
           <a:prstGeom prst="rect">
             <a:avLst/>
@@ -6880,7 +7275,7 @@
 </p:sld>
 </file>
 
-<file path=ppt/slides/slide12.xml><?xml version="1.0" encoding="utf-8"?>
+<file path=ppt/slides/slide13.xml><?xml version="1.0" encoding="utf-8"?>
 <p:sld xmlns:a="http://schemas.openxmlformats.org/drawingml/2006/main" xmlns:r="http://schemas.openxmlformats.org/officeDocument/2006/relationships" xmlns:p="http://schemas.openxmlformats.org/presentationml/2006/main">
   <p:cSld>
     <p:spTree>
@@ -6955,7 +7350,7 @@
           <a:p>
             <a:fld id="{A20EE442-7E2D-4B98-9210-7F067E6F4EDF}" type="datetime1">
               <a:rPr lang="en-US"/>
-              <a:t>1/23/2025</a:t>
+              <a:t>1/24/2025</a:t>
             </a:fld>
             <a:endParaRPr lang="en-US" dirty="0"/>
           </a:p>
@@ -7009,7 +7404,7 @@
           <a:p>
             <a:fld id="{A65A5C87-DF58-40C8-B092-1DE63DB4547E}" type="slidenum">
               <a:rPr lang="en-US" dirty="0"/>
-              <a:t>12</a:t>
+              <a:t>13</a:t>
             </a:fld>
             <a:endParaRPr lang="en-US" dirty="0"/>
           </a:p>
@@ -7144,7 +7539,7 @@
 </p:sld>
 </file>
 
-<file path=ppt/slides/slide13.xml><?xml version="1.0" encoding="utf-8"?>
+<file path=ppt/slides/slide14.xml><?xml version="1.0" encoding="utf-8"?>
 <p:sld xmlns:a="http://schemas.openxmlformats.org/drawingml/2006/main" xmlns:r="http://schemas.openxmlformats.org/officeDocument/2006/relationships" xmlns:p="http://schemas.openxmlformats.org/presentationml/2006/main">
   <p:cSld>
     <p:spTree>
@@ -7301,7 +7696,7 @@
                   <a:spcPts val="600"/>
                 </a:spcAft>
               </a:pPr>
-              <a:t>1/23/2025</a:t>
+              <a:t>1/24/2025</a:t>
             </a:fld>
             <a:endParaRPr lang="en-US"/>
           </a:p>
@@ -7365,7 +7760,7 @@
                   <a:spcPts val="600"/>
                 </a:spcAft>
               </a:pPr>
-              <a:t>13</a:t>
+              <a:t>14</a:t>
             </a:fld>
             <a:endParaRPr lang="en-US"/>
           </a:p>
@@ -7413,7 +7808,7 @@
 </p:sld>
 </file>
 
-<file path=ppt/slides/slide14.xml><?xml version="1.0" encoding="utf-8"?>
+<file path=ppt/slides/slide15.xml><?xml version="1.0" encoding="utf-8"?>
 <p:sld xmlns:a="http://schemas.openxmlformats.org/drawingml/2006/main" xmlns:r="http://schemas.openxmlformats.org/officeDocument/2006/relationships" xmlns:p="http://schemas.openxmlformats.org/presentationml/2006/main">
   <p:cSld>
     <p:spTree>
@@ -7487,7 +7882,7 @@
           <a:lstStyle/>
           <a:p>
             <a:fld id="{A20EE442-7E2D-4B98-9210-7F067E6F4EDF}" type="datetime1">
-              <a:t>1/23/2025</a:t>
+              <a:t>1/24/2025</a:t>
             </a:fld>
             <a:endParaRPr lang="en-US" dirty="0"/>
           </a:p>
@@ -7541,7 +7936,7 @@
           <a:p>
             <a:fld id="{A65A5C87-DF58-40C8-B092-1DE63DB4547E}" type="slidenum">
               <a:rPr lang="en-US" dirty="0"/>
-              <a:t>14</a:t>
+              <a:t>15</a:t>
             </a:fld>
             <a:endParaRPr lang="en-US" dirty="0"/>
           </a:p>
@@ -7757,89 +8152,118 @@
         <p:spPr/>
         <p:txBody>
           <a:bodyPr vert="horz" lIns="91440" tIns="45720" rIns="91440" bIns="45720" rtlCol="0" anchor="t">
-            <a:normAutofit lnSpcReduction="10000"/>
+            <a:normAutofit fontScale="92500" lnSpcReduction="10000"/>
           </a:bodyPr>
           <a:lstStyle/>
           <a:p>
             <a:r>
-              <a:rPr lang="en-US" dirty="0">
-                <a:solidFill>
-                  <a:srgbClr val="000000"/>
-                </a:solidFill>
-                <a:latin typeface="Avenir Next LT Pro"/>
-                <a:ea typeface="Roboto"/>
-                <a:cs typeface="Roboto"/>
-              </a:rPr>
-              <a:t>Google </a:t>
-            </a:r>
-            <a:r>
-              <a:rPr lang="en-US">
-                <a:solidFill>
-                  <a:srgbClr val="000000"/>
-                </a:solidFill>
-                <a:latin typeface="Avenir Next LT Pro"/>
-                <a:ea typeface="Roboto"/>
-                <a:cs typeface="Roboto"/>
-              </a:rPr>
-              <a:t>Colab</a:t>
-            </a:r>
-            <a:r>
-              <a:rPr lang="en-US" dirty="0">
+              <a:rPr lang="en-US" sz="2000">
                 <a:ea typeface="+mn-lt"/>
                 <a:cs typeface="+mn-lt"/>
               </a:rPr>
-              <a:t> </a:t>
-            </a:r>
-          </a:p>
-          <a:p>
-            <a:r>
-              <a:rPr lang="en-US"/>
-              <a:t>MIMIC-III Demo Dataset</a:t>
-            </a:r>
-          </a:p>
-          <a:p>
-            <a:r>
-              <a:rPr lang="en-US"/>
-              <a:t>Used Google Drive for saving and loading MIMIC csv data</a:t>
-            </a:r>
-          </a:p>
-          <a:p>
-            <a:r>
-              <a:rPr lang="en-US"/>
-              <a:t>Used </a:t>
-            </a:r>
-            <a:r>
-              <a:rPr lang="en-US">
+              <a:t>Google Colab</a:t>
+            </a:r>
+            <a:endParaRPr lang="en-US" sz="2000" dirty="0">
+              <a:ea typeface="+mn-lt"/>
+              <a:cs typeface="+mn-lt"/>
+            </a:endParaRPr>
+          </a:p>
+          <a:p>
+            <a:r>
+              <a:rPr lang="en-US" sz="2000">
                 <a:ea typeface="+mn-lt"/>
                 <a:cs typeface="+mn-lt"/>
               </a:rPr>
-              <a:t>matplotlib, seaborn, plotly , WordCloud, altair</a:t>
-            </a:r>
-          </a:p>
-          <a:p>
-            <a:r>
-              <a:rPr lang="en-US">
+              <a:t>MIMIC-III Demo Dataset</a:t>
+            </a:r>
+            <a:endParaRPr lang="en-US">
+              <a:ea typeface="+mn-lt"/>
+              <a:cs typeface="+mn-lt"/>
+            </a:endParaRPr>
+          </a:p>
+          <a:p>
+            <a:r>
+              <a:rPr lang="en-US" sz="2000">
                 <a:ea typeface="+mn-lt"/>
                 <a:cs typeface="+mn-lt"/>
               </a:rPr>
-              <a:t>GitHub Link: </a:t>
-            </a:r>
-            <a:r>
-              <a:rPr lang="en-US" dirty="0">
+              <a:t>Used Google Drive for saving and loading MIMIC CSV data</a:t>
+            </a:r>
+            <a:endParaRPr lang="en-US">
+              <a:ea typeface="+mn-lt"/>
+              <a:cs typeface="+mn-lt"/>
+            </a:endParaRPr>
+          </a:p>
+          <a:p>
+            <a:r>
+              <a:rPr lang="en-US" sz="2000">
+                <a:ea typeface="+mn-lt"/>
+                <a:cs typeface="+mn-lt"/>
+              </a:rPr>
+              <a:t>Libraries Used: matplotlib, seaborn, plotly, WordCloud, altair</a:t>
+            </a:r>
+            <a:endParaRPr lang="en-US">
+              <a:ea typeface="+mn-lt"/>
+              <a:cs typeface="+mn-lt"/>
+            </a:endParaRPr>
+          </a:p>
+          <a:p>
+            <a:r>
+              <a:rPr lang="en-US" sz="2000">
+                <a:ea typeface="+mn-lt"/>
+                <a:cs typeface="+mn-lt"/>
+              </a:rPr>
+              <a:t>GitHub and Google Colab Links:</a:t>
+            </a:r>
+            <a:endParaRPr lang="en-US">
+              <a:ea typeface="+mn-lt"/>
+              <a:cs typeface="+mn-lt"/>
+            </a:endParaRPr>
+          </a:p>
+          <a:p>
+            <a:pPr marL="0" indent="0">
+              <a:buNone/>
+            </a:pPr>
+            <a:r>
+              <a:rPr lang="en-US" sz="2000" dirty="0">
                 <a:ea typeface="+mn-lt"/>
                 <a:cs typeface="+mn-lt"/>
                 <a:hlinkClick r:id="rId2"/>
               </a:rPr>
+              <a:t>https://github.com/AnkitaSavaliya/AIH/blob/main/MIMIC_Visualization.ipynb</a:t>
+            </a:r>
+          </a:p>
+          <a:p>
+            <a:pPr marL="0" indent="0">
+              <a:buNone/>
+            </a:pPr>
+            <a:r>
+              <a:rPr lang="en-US" sz="2000" dirty="0">
+                <a:ea typeface="+mn-lt"/>
+                <a:cs typeface="+mn-lt"/>
+                <a:hlinkClick r:id="rId3"/>
+              </a:rPr>
               <a:t>https://colab.research.google.com/github/AnkitaSavaliya/AIH/blob/main/MIMIC_Visualization.ipynb</a:t>
             </a:r>
-          </a:p>
-          <a:p>
-            <a:endParaRPr lang="en-US" dirty="0">
+            <a:endParaRPr lang="en-US" sz="2000" dirty="0">
               <a:ea typeface="+mn-lt"/>
               <a:cs typeface="+mn-lt"/>
             </a:endParaRPr>
           </a:p>
           <a:p>
+            <a:pPr marL="0" indent="0">
+              <a:buNone/>
+            </a:pPr>
+            <a:r>
+              <a:rPr lang="en-US" sz="2000" dirty="0">
+                <a:ea typeface="+mn-lt"/>
+                <a:cs typeface="+mn-lt"/>
+                <a:hlinkClick r:id="rId4"/>
+              </a:rPr>
+              <a:t>https://github.com/AnkitaSavaliya/AIH/blob/main/MIMIC%20Visualization.pptx</a:t>
+            </a:r>
+          </a:p>
+          <a:p>
             <a:endParaRPr lang="en-US" dirty="0"/>
           </a:p>
           <a:p>
@@ -7848,6 +8272,12 @@
           <a:p>
             <a:endParaRPr lang="en-US" dirty="0"/>
           </a:p>
+          <a:p>
+            <a:endParaRPr lang="en-US" dirty="0"/>
+          </a:p>
+          <a:p>
+            <a:endParaRPr lang="en-US" dirty="0"/>
+          </a:p>
         </p:txBody>
       </p:sp>
       <p:sp>
@@ -7872,7 +8302,7 @@
           <a:lstStyle/>
           <a:p>
             <a:fld id="{BCE79401-6E6D-4108-ADC3-94EF23165244}" type="datetime1">
-              <a:t>1/23/2025</a:t>
+              <a:t>1/24/2025</a:t>
             </a:fld>
             <a:endParaRPr lang="en-US" dirty="0"/>
           </a:p>
@@ -7964,10 +8394,10 @@
       </p:grpSpPr>
       <p:sp>
         <p:nvSpPr>
-          <p:cNvPr id="2" name="Title 1">
-            <a:extLst>
-              <a:ext uri="{FF2B5EF4-FFF2-40B4-BE49-F238E27FC236}">
-                <a16:creationId xmlns:a16="http://schemas.microsoft.com/office/drawing/2014/main" id="{D4A847F5-FE7F-970F-30A8-F14DC30F0298}"/>
+          <p:cNvPr id="11" name="Title 1">
+            <a:extLst>
+              <a:ext uri="{FF2B5EF4-FFF2-40B4-BE49-F238E27FC236}">
+                <a16:creationId xmlns:a16="http://schemas.microsoft.com/office/drawing/2014/main" id="{BAEF630F-7877-7583-F00D-2F3807A709F8}"/>
               </a:ext>
             </a:extLst>
           </p:cNvPr>
@@ -7976,6 +8406,38 @@
           </p:cNvSpPr>
           <p:nvPr>
             <p:ph type="title"/>
+          </p:nvPr>
+        </p:nvSpPr>
+        <p:spPr/>
+        <p:txBody>
+          <a:bodyPr/>
+          <a:lstStyle/>
+          <a:p>
+            <a:r>
+              <a:rPr lang="en-US" dirty="0"/>
+              <a:t>Data Load and </a:t>
+            </a:r>
+            <a:r>
+              <a:rPr lang="en-US"/>
+              <a:t>Initial Setup</a:t>
+            </a:r>
+          </a:p>
+        </p:txBody>
+      </p:sp>
+      <p:sp>
+        <p:nvSpPr>
+          <p:cNvPr id="13" name="Content Placeholder 2">
+            <a:extLst>
+              <a:ext uri="{FF2B5EF4-FFF2-40B4-BE49-F238E27FC236}">
+                <a16:creationId xmlns:a16="http://schemas.microsoft.com/office/drawing/2014/main" id="{DDF4B768-7505-5B6C-ABEF-343021950256}"/>
+              </a:ext>
+            </a:extLst>
+          </p:cNvPr>
+          <p:cNvSpPr>
+            <a:spLocks noGrp="1"/>
+          </p:cNvSpPr>
+          <p:nvPr>
+            <p:ph idx="1"/>
           </p:nvPr>
         </p:nvSpPr>
         <p:spPr/>
@@ -7985,101 +8447,49 @@
           </a:bodyPr>
           <a:lstStyle/>
           <a:p>
-            <a:pPr>
-              <a:lnSpc>
-                <a:spcPct val="90000"/>
-              </a:lnSpc>
-            </a:pPr>
-            <a:r>
-              <a:rPr lang="en-US" sz="2900" dirty="0"/>
-              <a:t>Visual 1- Age and Gender-wise Distribution of Diabetes Patients</a:t>
-            </a:r>
-          </a:p>
-        </p:txBody>
-      </p:sp>
-      <p:pic>
-        <p:nvPicPr>
-          <p:cNvPr id="4" name="Content Placeholder 3" descr="A graph of diabetes and a number of patients&#10;&#10;AI-generated content may be incorrect.">
-            <a:extLst>
-              <a:ext uri="{FF2B5EF4-FFF2-40B4-BE49-F238E27FC236}">
-                <a16:creationId xmlns:a16="http://schemas.microsoft.com/office/drawing/2014/main" id="{67F7E326-4B29-1179-77EB-5DBE5B268BE4}"/>
-              </a:ext>
-            </a:extLst>
-          </p:cNvPr>
-          <p:cNvPicPr>
-            <a:picLocks noGrp="1" noChangeAspect="1"/>
-          </p:cNvPicPr>
-          <p:nvPr>
-            <p:ph idx="1"/>
-          </p:nvPr>
-        </p:nvPicPr>
-        <p:blipFill>
-          <a:blip r:embed="rId2"/>
-          <a:stretch/>
-        </p:blipFill>
-        <p:spPr>
-          <a:xfrm>
-            <a:off x="4333544" y="1711276"/>
-            <a:ext cx="7615459" cy="3779791"/>
-          </a:xfrm>
-          <a:prstGeom prst="rect">
-            <a:avLst/>
-          </a:prstGeom>
-        </p:spPr>
-      </p:pic>
-      <p:sp>
-        <p:nvSpPr>
-          <p:cNvPr id="27" name="Text Placeholder 3">
-            <a:extLst>
-              <a:ext uri="{FF2B5EF4-FFF2-40B4-BE49-F238E27FC236}">
-                <a16:creationId xmlns:a16="http://schemas.microsoft.com/office/drawing/2014/main" id="{845D7DA4-0A30-F667-174F-8A99022B50FE}"/>
-              </a:ext>
-            </a:extLst>
-          </p:cNvPr>
-          <p:cNvSpPr>
-            <a:spLocks noGrp="1"/>
-          </p:cNvSpPr>
-          <p:nvPr>
-            <p:ph type="body" sz="half" idx="2"/>
-          </p:nvPr>
-        </p:nvSpPr>
-        <p:spPr/>
-        <p:txBody>
-          <a:bodyPr vert="horz" lIns="91440" tIns="45720" rIns="91440" bIns="45720" rtlCol="0" anchor="t">
-            <a:normAutofit fontScale="92500" lnSpcReduction="20000"/>
-          </a:bodyPr>
-          <a:lstStyle/>
-          <a:p>
-            <a:r>
-              <a:rPr lang="en-US" dirty="0">
+            <a:r>
+              <a:rPr lang="en-US">
                 <a:ea typeface="+mn-lt"/>
                 <a:cs typeface="+mn-lt"/>
               </a:rPr>
-              <a:t>This visualization represents diabetes patients, showcasing their age and gender distribution. It uses Seaborn to create a histogram for age-wise distribution and a </a:t>
-            </a:r>
-            <a:r>
-              <a:rPr lang="en-US" dirty="0" err="1">
+              <a:t>Used PATIENTS .CSV, ADMISSIONS.CSV , DIAGNOSES_ICD.CSV, D_ICD_DIAGNOSES.CSV, ICUSTAYS.CSV, PRESCRIPTIONS.CSV etc.</a:t>
+            </a:r>
+            <a:endParaRPr lang="en-US" dirty="0">
+              <a:ea typeface="+mn-lt"/>
+              <a:cs typeface="+mn-lt"/>
+            </a:endParaRPr>
+          </a:p>
+          <a:p>
+            <a:r>
+              <a:rPr lang="en-US">
                 <a:ea typeface="+mn-lt"/>
                 <a:cs typeface="+mn-lt"/>
               </a:rPr>
-              <a:t>barplot</a:t>
-            </a:r>
-            <a:r>
-              <a:rPr lang="en-US" dirty="0">
+              <a:t>Created the initial dataframe using PATIENTS, ADMISSIONS, and DIAGNOSES_ICD.</a:t>
+            </a:r>
+            <a:endParaRPr lang="en-US"/>
+          </a:p>
+          <a:p>
+            <a:r>
+              <a:rPr lang="en-US">
                 <a:ea typeface="+mn-lt"/>
                 <a:cs typeface="+mn-lt"/>
               </a:rPr>
-              <a:t> for gender-wise distribution.</a:t>
-            </a:r>
-          </a:p>
-        </p:txBody>
-      </p:sp>
-      <p:sp>
-        <p:nvSpPr>
-          <p:cNvPr id="28" name="Date Placeholder 4">
-            <a:extLst>
-              <a:ext uri="{FF2B5EF4-FFF2-40B4-BE49-F238E27FC236}">
-                <a16:creationId xmlns:a16="http://schemas.microsoft.com/office/drawing/2014/main" id="{7A6840E9-E4CF-DCC4-9B0D-7D4B8FDC3F5A}"/>
+              <a:t>Merged the dataframe with other CSV files as needed for visualization requirements.</a:t>
+            </a:r>
+            <a:endParaRPr lang="en-US"/>
+          </a:p>
+          <a:p>
+            <a:endParaRPr lang="en-US" dirty="0"/>
+          </a:p>
+        </p:txBody>
+      </p:sp>
+      <p:sp>
+        <p:nvSpPr>
+          <p:cNvPr id="4" name="Date Placeholder 3">
+            <a:extLst>
+              <a:ext uri="{FF2B5EF4-FFF2-40B4-BE49-F238E27FC236}">
+                <a16:creationId xmlns:a16="http://schemas.microsoft.com/office/drawing/2014/main" id="{5BF8ED7D-29E5-DECA-7319-AA4FCC4E3849}"/>
               </a:ext>
             </a:extLst>
           </p:cNvPr>
@@ -8092,7 +8502,9 @@
         </p:nvSpPr>
         <p:spPr/>
         <p:txBody>
-          <a:bodyPr/>
+          <a:bodyPr anchor="ctr">
+            <a:normAutofit/>
+          </a:bodyPr>
           <a:lstStyle/>
           <a:p>
             <a:pPr>
@@ -8100,13 +8512,13 @@
                 <a:spcPts val="600"/>
               </a:spcAft>
             </a:pPr>
-            <a:fld id="{C7DB37F9-8192-43C5-8AD8-3A3669843520}" type="datetime1">
+            <a:fld id="{C3184BA6-6710-47CD-85DD-07C7453AFE53}" type="datetime1">
               <a:pPr>
                 <a:spcAft>
                   <a:spcPts val="600"/>
                 </a:spcAft>
               </a:pPr>
-              <a:t>1/23/2025</a:t>
+              <a:t>1/24/2025</a:t>
             </a:fld>
             <a:endParaRPr lang="en-US"/>
           </a:p>
@@ -8114,10 +8526,10 @@
       </p:sp>
       <p:sp>
         <p:nvSpPr>
-          <p:cNvPr id="29" name="Footer Placeholder 5">
-            <a:extLst>
-              <a:ext uri="{FF2B5EF4-FFF2-40B4-BE49-F238E27FC236}">
-                <a16:creationId xmlns:a16="http://schemas.microsoft.com/office/drawing/2014/main" id="{33BFA14B-AF0A-16F8-9A2F-D4A1F799D935}"/>
+          <p:cNvPr id="17" name="Footer Placeholder 5">
+            <a:extLst>
+              <a:ext uri="{FF2B5EF4-FFF2-40B4-BE49-F238E27FC236}">
+                <a16:creationId xmlns:a16="http://schemas.microsoft.com/office/drawing/2014/main" id="{37997F9B-1701-D32D-E56E-6127753CB6CA}"/>
               </a:ext>
             </a:extLst>
           </p:cNvPr>
@@ -8139,10 +8551,10 @@
       </p:sp>
       <p:sp>
         <p:nvSpPr>
-          <p:cNvPr id="30" name="Slide Number Placeholder 6">
-            <a:extLst>
-              <a:ext uri="{FF2B5EF4-FFF2-40B4-BE49-F238E27FC236}">
-                <a16:creationId xmlns:a16="http://schemas.microsoft.com/office/drawing/2014/main" id="{B9FC7F56-BFF9-92C8-CFE9-7DD25BADAF55}"/>
+          <p:cNvPr id="6" name="Slide Number Placeholder 5">
+            <a:extLst>
+              <a:ext uri="{FF2B5EF4-FFF2-40B4-BE49-F238E27FC236}">
+                <a16:creationId xmlns:a16="http://schemas.microsoft.com/office/drawing/2014/main" id="{FCBF52FE-F15F-F061-5344-67FF5A066CE5}"/>
               </a:ext>
             </a:extLst>
           </p:cNvPr>
@@ -8155,7 +8567,9 @@
         </p:nvSpPr>
         <p:spPr/>
         <p:txBody>
-          <a:bodyPr/>
+          <a:bodyPr anchor="ctr">
+            <a:normAutofit/>
+          </a:bodyPr>
           <a:lstStyle/>
           <a:p>
             <a:pPr>
@@ -8179,7 +8593,7 @@
     </p:spTree>
     <p:extLst>
       <p:ext uri="{BB962C8B-B14F-4D97-AF65-F5344CB8AC3E}">
-        <p14:creationId xmlns:p14="http://schemas.microsoft.com/office/powerpoint/2010/main" val="2325500405"/>
+        <p14:creationId xmlns:p14="http://schemas.microsoft.com/office/powerpoint/2010/main" val="1144616982"/>
       </p:ext>
     </p:extLst>
   </p:cSld>
@@ -8211,7 +8625,7 @@
           <p:cNvPr id="2" name="Title 1">
             <a:extLst>
               <a:ext uri="{FF2B5EF4-FFF2-40B4-BE49-F238E27FC236}">
-                <a16:creationId xmlns:a16="http://schemas.microsoft.com/office/drawing/2014/main" id="{BF65AC6B-C37F-8594-FB87-8458012C9F88}"/>
+                <a16:creationId xmlns:a16="http://schemas.microsoft.com/office/drawing/2014/main" id="{D4A847F5-FE7F-970F-30A8-F14DC30F0298}"/>
               </a:ext>
             </a:extLst>
           </p:cNvPr>
@@ -8224,29 +8638,29 @@
         </p:nvSpPr>
         <p:spPr/>
         <p:txBody>
-          <a:bodyPr/>
-          <a:lstStyle/>
-          <a:p>
-            <a:r>
-              <a:rPr lang="en-US" dirty="0"/>
-              <a:t>Visual 1 - </a:t>
-            </a:r>
-            <a:r>
-              <a:rPr lang="en-US" dirty="0">
-                <a:ea typeface="+mj-lt"/>
-                <a:cs typeface="+mj-lt"/>
-              </a:rPr>
-              <a:t>How to recreate</a:t>
+          <a:bodyPr vert="horz" lIns="91440" tIns="45720" rIns="91440" bIns="45720" rtlCol="0" anchor="t">
+            <a:normAutofit/>
+          </a:bodyPr>
+          <a:lstStyle/>
+          <a:p>
+            <a:pPr>
+              <a:lnSpc>
+                <a:spcPct val="90000"/>
+              </a:lnSpc>
+            </a:pPr>
+            <a:r>
+              <a:rPr lang="en-US" sz="2900" dirty="0"/>
+              <a:t>Visual 1- Age and Gender-wise Distribution of Diabetes Patients</a:t>
             </a:r>
           </a:p>
         </p:txBody>
       </p:sp>
       <p:pic>
         <p:nvPicPr>
-          <p:cNvPr id="8" name="Content Placeholder 7" descr="A screenshot of a computer program">
-            <a:extLst>
-              <a:ext uri="{FF2B5EF4-FFF2-40B4-BE49-F238E27FC236}">
-                <a16:creationId xmlns:a16="http://schemas.microsoft.com/office/drawing/2014/main" id="{9C1561B6-2DE7-3970-B530-E754B8F93107}"/>
+          <p:cNvPr id="4" name="Content Placeholder 3" descr="A graph of diabetes and a number of patients&#10;&#10;AI-generated content may be incorrect.">
+            <a:extLst>
+              <a:ext uri="{FF2B5EF4-FFF2-40B4-BE49-F238E27FC236}">
+                <a16:creationId xmlns:a16="http://schemas.microsoft.com/office/drawing/2014/main" id="{67F7E326-4B29-1179-77EB-5DBE5B268BE4}"/>
               </a:ext>
             </a:extLst>
           </p:cNvPr>
@@ -8259,14 +8673,12 @@
         </p:nvPicPr>
         <p:blipFill>
           <a:blip r:embed="rId2"/>
-          <a:stretch>
-            <a:fillRect/>
-          </a:stretch>
+          <a:stretch/>
         </p:blipFill>
         <p:spPr>
           <a:xfrm>
-            <a:off x="1120654" y="2303072"/>
-            <a:ext cx="6517840" cy="3794734"/>
+            <a:off x="4333544" y="1711276"/>
+            <a:ext cx="7615459" cy="3779791"/>
           </a:xfrm>
           <a:prstGeom prst="rect">
             <a:avLst/>
@@ -8275,189 +8687,157 @@
       </p:pic>
       <p:sp>
         <p:nvSpPr>
-          <p:cNvPr id="5" name="Date Placeholder 4">
-            <a:extLst>
-              <a:ext uri="{FF2B5EF4-FFF2-40B4-BE49-F238E27FC236}">
-                <a16:creationId xmlns:a16="http://schemas.microsoft.com/office/drawing/2014/main" id="{5D92F13A-6320-B67E-23B2-8F0D6BEC30F6}"/>
-              </a:ext>
-            </a:extLst>
-          </p:cNvPr>
-          <p:cNvSpPr>
-            <a:spLocks noGrp="1"/>
-          </p:cNvSpPr>
-          <p:nvPr>
-            <p:ph type="dt" sz="half" idx="10"/>
+          <p:cNvPr id="27" name="Text Placeholder 3">
+            <a:extLst>
+              <a:ext uri="{FF2B5EF4-FFF2-40B4-BE49-F238E27FC236}">
+                <a16:creationId xmlns:a16="http://schemas.microsoft.com/office/drawing/2014/main" id="{845D7DA4-0A30-F667-174F-8A99022B50FE}"/>
+              </a:ext>
+            </a:extLst>
+          </p:cNvPr>
+          <p:cNvSpPr>
+            <a:spLocks noGrp="1"/>
+          </p:cNvSpPr>
+          <p:nvPr>
+            <p:ph type="body" sz="half" idx="2"/>
           </p:nvPr>
         </p:nvSpPr>
         <p:spPr/>
         <p:txBody>
-          <a:bodyPr/>
-          <a:lstStyle/>
-          <a:p>
-            <a:fld id="{A20EE442-7E2D-4B98-9210-7F067E6F4EDF}" type="datetime1">
-              <a:t>1/23/2025</a:t>
-            </a:fld>
-            <a:endParaRPr lang="en-US" dirty="0"/>
-          </a:p>
-        </p:txBody>
-      </p:sp>
-      <p:sp>
-        <p:nvSpPr>
-          <p:cNvPr id="6" name="Footer Placeholder 5">
-            <a:extLst>
-              <a:ext uri="{FF2B5EF4-FFF2-40B4-BE49-F238E27FC236}">
-                <a16:creationId xmlns:a16="http://schemas.microsoft.com/office/drawing/2014/main" id="{74AA2136-DCE3-3C43-480E-69E0B597C6BC}"/>
-              </a:ext>
-            </a:extLst>
-          </p:cNvPr>
-          <p:cNvSpPr>
-            <a:spLocks noGrp="1"/>
-          </p:cNvSpPr>
-          <p:nvPr>
-            <p:ph type="ftr" sz="quarter" idx="11"/>
-          </p:nvPr>
-        </p:nvSpPr>
-        <p:spPr/>
-        <p:txBody>
-          <a:bodyPr/>
-          <a:lstStyle/>
-          <a:p>
-            <a:endParaRPr lang="en-US" dirty="0"/>
-          </a:p>
-        </p:txBody>
-      </p:sp>
-      <p:sp>
-        <p:nvSpPr>
-          <p:cNvPr id="7" name="Slide Number Placeholder 6">
-            <a:extLst>
-              <a:ext uri="{FF2B5EF4-FFF2-40B4-BE49-F238E27FC236}">
-                <a16:creationId xmlns:a16="http://schemas.microsoft.com/office/drawing/2014/main" id="{3555EC99-46B4-888B-5297-AB12D7AB4C0C}"/>
-              </a:ext>
-            </a:extLst>
-          </p:cNvPr>
-          <p:cNvSpPr>
-            <a:spLocks noGrp="1"/>
-          </p:cNvSpPr>
-          <p:nvPr>
-            <p:ph type="sldNum" sz="quarter" idx="12"/>
-          </p:nvPr>
-        </p:nvSpPr>
-        <p:spPr/>
-        <p:txBody>
-          <a:bodyPr/>
-          <a:lstStyle/>
-          <a:p>
-            <a:fld id="{A65A5C87-DF58-40C8-B092-1DE63DB4547E}" type="slidenum">
-              <a:rPr lang="en-US" dirty="0"/>
-              <a:t>4</a:t>
-            </a:fld>
-            <a:endParaRPr lang="en-US" dirty="0"/>
-          </a:p>
-        </p:txBody>
-      </p:sp>
-      <p:sp>
-        <p:nvSpPr>
-          <p:cNvPr id="11" name="TextBox 10">
-            <a:extLst>
-              <a:ext uri="{FF2B5EF4-FFF2-40B4-BE49-F238E27FC236}">
-                <a16:creationId xmlns:a16="http://schemas.microsoft.com/office/drawing/2014/main" id="{38CFB88B-D0EC-A75F-1E88-435A3BA984DA}"/>
-              </a:ext>
-            </a:extLst>
-          </p:cNvPr>
-          <p:cNvSpPr txBox="1"/>
-          <p:nvPr/>
-        </p:nvSpPr>
-        <p:spPr>
-          <a:xfrm>
-            <a:off x="8263573" y="2291850"/>
-            <a:ext cx="3550754" cy="2308324"/>
-          </a:xfrm>
-          <a:prstGeom prst="rect">
-            <a:avLst/>
-          </a:prstGeom>
-          <a:noFill/>
-        </p:spPr>
-        <p:txBody>
-          <a:bodyPr rot="0" spcFirstLastPara="0" vertOverflow="overflow" horzOverflow="overflow" vert="horz" wrap="square" lIns="91440" tIns="45720" rIns="91440" bIns="45720" numCol="1" spcCol="0" rtlCol="0" fromWordArt="0" anchor="t" anchorCtr="0" forceAA="0" compatLnSpc="1">
-            <a:prstTxWarp prst="textNoShape">
-              <a:avLst/>
-            </a:prstTxWarp>
-            <a:spAutoFit/>
+          <a:bodyPr vert="horz" lIns="91440" tIns="45720" rIns="91440" bIns="45720" rtlCol="0" anchor="t">
+            <a:normAutofit fontScale="92500" lnSpcReduction="20000"/>
           </a:bodyPr>
           <a:lstStyle/>
           <a:p>
-            <a:pPr marL="285750" indent="-285750">
-              <a:buFont typeface="Arial"/>
-              <a:buChar char="•"/>
-            </a:pPr>
             <a:r>
               <a:rPr lang="en-US" dirty="0">
                 <a:ea typeface="+mn-lt"/>
                 <a:cs typeface="+mn-lt"/>
               </a:rPr>
-              <a:t>Filters patient records based on ICD-9 codes (250.x series)</a:t>
-            </a:r>
-            <a:endParaRPr lang="en-US" dirty="0"/>
-          </a:p>
-          <a:p>
-            <a:pPr marL="285750" indent="-285750">
-              <a:buFont typeface="Arial"/>
-              <a:buChar char="•"/>
-            </a:pPr>
+              <a:t>This visualization represents diabetes patients, showcasing their age and gender distribution. It uses Seaborn to create a histogram for age-wise distribution and a </a:t>
+            </a:r>
+            <a:r>
+              <a:rPr lang="en-US" dirty="0" err="1">
+                <a:ea typeface="+mn-lt"/>
+                <a:cs typeface="+mn-lt"/>
+              </a:rPr>
+              <a:t>barplot</a:t>
+            </a:r>
             <a:r>
               <a:rPr lang="en-US" dirty="0">
                 <a:ea typeface="+mn-lt"/>
                 <a:cs typeface="+mn-lt"/>
               </a:rPr>
-              <a:t>Eliminates duplicate patients by their unique IDs.</a:t>
-            </a:r>
-            <a:endParaRPr lang="en-US" dirty="0"/>
-          </a:p>
-          <a:p>
-            <a:pPr marL="285750" indent="-285750">
-              <a:buFont typeface="Arial"/>
-              <a:buChar char="•"/>
+              <a:t> for gender-wise distribution.</a:t>
+            </a:r>
+          </a:p>
+        </p:txBody>
+      </p:sp>
+      <p:sp>
+        <p:nvSpPr>
+          <p:cNvPr id="28" name="Date Placeholder 4">
+            <a:extLst>
+              <a:ext uri="{FF2B5EF4-FFF2-40B4-BE49-F238E27FC236}">
+                <a16:creationId xmlns:a16="http://schemas.microsoft.com/office/drawing/2014/main" id="{7A6840E9-E4CF-DCC4-9B0D-7D4B8FDC3F5A}"/>
+              </a:ext>
+            </a:extLst>
+          </p:cNvPr>
+          <p:cNvSpPr>
+            <a:spLocks noGrp="1"/>
+          </p:cNvSpPr>
+          <p:nvPr>
+            <p:ph type="dt" sz="half" idx="10"/>
+          </p:nvPr>
+        </p:nvSpPr>
+        <p:spPr/>
+        <p:txBody>
+          <a:bodyPr/>
+          <a:lstStyle/>
+          <a:p>
+            <a:pPr>
+              <a:spcAft>
+                <a:spcPts val="600"/>
+              </a:spcAft>
             </a:pPr>
-            <a:r>
-              <a:rPr lang="en-US" dirty="0">
-                <a:ea typeface="+mn-lt"/>
-                <a:cs typeface="+mn-lt"/>
-              </a:rPr>
-              <a:t>Counts gender distribution among unique patients.</a:t>
-            </a:r>
-            <a:endParaRPr lang="en-US" dirty="0"/>
-          </a:p>
-          <a:p>
-            <a:pPr marL="285750" indent="-285750">
-              <a:buFont typeface="Arial"/>
-              <a:buChar char="•"/>
+            <a:fld id="{C7DB37F9-8192-43C5-8AD8-3A3669843520}" type="datetime1">
+              <a:pPr>
+                <a:spcAft>
+                  <a:spcPts val="600"/>
+                </a:spcAft>
+              </a:pPr>
+              <a:t>1/24/2025</a:t>
+            </a:fld>
+            <a:endParaRPr lang="en-US"/>
+          </a:p>
+        </p:txBody>
+      </p:sp>
+      <p:sp>
+        <p:nvSpPr>
+          <p:cNvPr id="29" name="Footer Placeholder 5">
+            <a:extLst>
+              <a:ext uri="{FF2B5EF4-FFF2-40B4-BE49-F238E27FC236}">
+                <a16:creationId xmlns:a16="http://schemas.microsoft.com/office/drawing/2014/main" id="{33BFA14B-AF0A-16F8-9A2F-D4A1F799D935}"/>
+              </a:ext>
+            </a:extLst>
+          </p:cNvPr>
+          <p:cNvSpPr>
+            <a:spLocks noGrp="1"/>
+          </p:cNvSpPr>
+          <p:nvPr>
+            <p:ph type="ftr" sz="quarter" idx="11"/>
+          </p:nvPr>
+        </p:nvSpPr>
+        <p:spPr/>
+        <p:txBody>
+          <a:bodyPr/>
+          <a:lstStyle/>
+          <a:p>
+            <a:endParaRPr lang="en-US"/>
+          </a:p>
+        </p:txBody>
+      </p:sp>
+      <p:sp>
+        <p:nvSpPr>
+          <p:cNvPr id="30" name="Slide Number Placeholder 6">
+            <a:extLst>
+              <a:ext uri="{FF2B5EF4-FFF2-40B4-BE49-F238E27FC236}">
+                <a16:creationId xmlns:a16="http://schemas.microsoft.com/office/drawing/2014/main" id="{B9FC7F56-BFF9-92C8-CFE9-7DD25BADAF55}"/>
+              </a:ext>
+            </a:extLst>
+          </p:cNvPr>
+          <p:cNvSpPr>
+            <a:spLocks noGrp="1"/>
+          </p:cNvSpPr>
+          <p:nvPr>
+            <p:ph type="sldNum" sz="quarter" idx="12"/>
+          </p:nvPr>
+        </p:nvSpPr>
+        <p:spPr/>
+        <p:txBody>
+          <a:bodyPr/>
+          <a:lstStyle/>
+          <a:p>
+            <a:pPr>
+              <a:spcAft>
+                <a:spcPts val="600"/>
+              </a:spcAft>
             </a:pPr>
-            <a:r>
-              <a:rPr lang="en-US" dirty="0">
-                <a:ea typeface="+mn-lt"/>
-                <a:cs typeface="+mn-lt"/>
-              </a:rPr>
-              <a:t>Plot histogram and </a:t>
-            </a:r>
-            <a:r>
-              <a:rPr lang="en-US" err="1">
-                <a:ea typeface="+mn-lt"/>
-                <a:cs typeface="+mn-lt"/>
-              </a:rPr>
-              <a:t>barchart</a:t>
-            </a:r>
-            <a:endParaRPr lang="en-US" err="1"/>
-          </a:p>
-          <a:p>
-            <a:pPr algn="l"/>
-            <a:endParaRPr lang="en-US" dirty="0"/>
+            <a:fld id="{A65A5C87-DF58-40C8-B092-1DE63DB4547E}" type="slidenum">
+              <a:rPr lang="en-US" dirty="0"/>
+              <a:pPr>
+                <a:spcAft>
+                  <a:spcPts val="600"/>
+                </a:spcAft>
+              </a:pPr>
+              <a:t>4</a:t>
+            </a:fld>
+            <a:endParaRPr lang="en-US"/>
           </a:p>
         </p:txBody>
       </p:sp>
     </p:spTree>
     <p:extLst>
       <p:ext uri="{BB962C8B-B14F-4D97-AF65-F5344CB8AC3E}">
-        <p14:creationId xmlns:p14="http://schemas.microsoft.com/office/powerpoint/2010/main" val="3667998280"/>
+        <p14:creationId xmlns:p14="http://schemas.microsoft.com/office/powerpoint/2010/main" val="2325500405"/>
       </p:ext>
     </p:extLst>
   </p:cSld>
@@ -8489,7 +8869,7 @@
           <p:cNvPr id="2" name="Title 1">
             <a:extLst>
               <a:ext uri="{FF2B5EF4-FFF2-40B4-BE49-F238E27FC236}">
-                <a16:creationId xmlns:a16="http://schemas.microsoft.com/office/drawing/2014/main" id="{96860D78-5533-382B-8BC4-FB8AACB18B26}"/>
+                <a16:creationId xmlns:a16="http://schemas.microsoft.com/office/drawing/2014/main" id="{BF65AC6B-C37F-8594-FB87-8458012C9F88}"/>
               </a:ext>
             </a:extLst>
           </p:cNvPr>
@@ -8502,42 +8882,29 @@
         </p:nvSpPr>
         <p:spPr/>
         <p:txBody>
-          <a:bodyPr>
-            <a:normAutofit/>
-          </a:bodyPr>
-          <a:lstStyle/>
-          <a:p>
-            <a:r>
-              <a:rPr lang="en-US" sz="2900" dirty="0"/>
-              <a:t>Visual 2- </a:t>
-            </a:r>
-            <a:r>
-              <a:rPr lang="en-US" sz="1700" dirty="0">
-                <a:solidFill>
-                  <a:srgbClr val="1F1F1F"/>
-                </a:solidFill>
-                <a:latin typeface="Roboto"/>
-                <a:ea typeface="Roboto"/>
-                <a:cs typeface="Roboto"/>
+          <a:bodyPr/>
+          <a:lstStyle/>
+          <a:p>
+            <a:r>
+              <a:rPr lang="en-US" dirty="0"/>
+              <a:t>Visual 1 - </a:t>
+            </a:r>
+            <a:r>
+              <a:rPr lang="en-US" dirty="0">
+                <a:ea typeface="+mj-lt"/>
+                <a:cs typeface="+mj-lt"/>
               </a:rPr>
-              <a:t>Proportional Distribution of Heart Failure Subtypes by ICD-9 Code</a:t>
-            </a:r>
-            <a:endParaRPr lang="en-US" dirty="0"/>
-          </a:p>
-          <a:p>
-            <a:endParaRPr lang="en-US" sz="2900" dirty="0"/>
-          </a:p>
-          <a:p>
-            <a:endParaRPr lang="en-US" dirty="0"/>
+              <a:t>How to recreate</a:t>
+            </a:r>
           </a:p>
         </p:txBody>
       </p:sp>
       <p:pic>
         <p:nvPicPr>
-          <p:cNvPr id="8" name="Content Placeholder 7" descr="A graph showing the evolution of heart failure subtypes&#10;&#10;AI-generated content may be incorrect.">
-            <a:extLst>
-              <a:ext uri="{FF2B5EF4-FFF2-40B4-BE49-F238E27FC236}">
-                <a16:creationId xmlns:a16="http://schemas.microsoft.com/office/drawing/2014/main" id="{0CB682B8-0C6D-8142-36B1-AF8E2C5D1355}"/>
+          <p:cNvPr id="8" name="Content Placeholder 7" descr="A screenshot of a computer program">
+            <a:extLst>
+              <a:ext uri="{FF2B5EF4-FFF2-40B4-BE49-F238E27FC236}">
+                <a16:creationId xmlns:a16="http://schemas.microsoft.com/office/drawing/2014/main" id="{9C1561B6-2DE7-3970-B530-E754B8F93107}"/>
               </a:ext>
             </a:extLst>
           </p:cNvPr>
@@ -8556,134 +8923,191 @@
         </p:blipFill>
         <p:spPr>
           <a:xfrm>
-            <a:off x="4965192" y="1947579"/>
-            <a:ext cx="6729984" cy="3621210"/>
+            <a:off x="1120654" y="2303072"/>
+            <a:ext cx="6517840" cy="3794734"/>
           </a:xfrm>
+          <a:prstGeom prst="rect">
+            <a:avLst/>
+          </a:prstGeom>
         </p:spPr>
       </p:pic>
       <p:sp>
         <p:nvSpPr>
-          <p:cNvPr id="4" name="Text Placeholder 3">
-            <a:extLst>
-              <a:ext uri="{FF2B5EF4-FFF2-40B4-BE49-F238E27FC236}">
-                <a16:creationId xmlns:a16="http://schemas.microsoft.com/office/drawing/2014/main" id="{66A83C4F-6C53-107B-881F-FDA6C5E8E56D}"/>
-              </a:ext>
-            </a:extLst>
-          </p:cNvPr>
-          <p:cNvSpPr>
-            <a:spLocks noGrp="1"/>
-          </p:cNvSpPr>
-          <p:nvPr>
-            <p:ph type="body" sz="half" idx="2"/>
-          </p:nvPr>
+          <p:cNvPr id="5" name="Date Placeholder 4">
+            <a:extLst>
+              <a:ext uri="{FF2B5EF4-FFF2-40B4-BE49-F238E27FC236}">
+                <a16:creationId xmlns:a16="http://schemas.microsoft.com/office/drawing/2014/main" id="{5D92F13A-6320-B67E-23B2-8F0D6BEC30F6}"/>
+              </a:ext>
+            </a:extLst>
+          </p:cNvPr>
+          <p:cNvSpPr>
+            <a:spLocks noGrp="1"/>
+          </p:cNvSpPr>
+          <p:nvPr>
+            <p:ph type="dt" sz="half" idx="10"/>
+          </p:nvPr>
+        </p:nvSpPr>
+        <p:spPr/>
+        <p:txBody>
+          <a:bodyPr/>
+          <a:lstStyle/>
+          <a:p>
+            <a:fld id="{A20EE442-7E2D-4B98-9210-7F067E6F4EDF}" type="datetime1">
+              <a:t>1/24/2025</a:t>
+            </a:fld>
+            <a:endParaRPr lang="en-US" dirty="0"/>
+          </a:p>
+        </p:txBody>
+      </p:sp>
+      <p:sp>
+        <p:nvSpPr>
+          <p:cNvPr id="6" name="Footer Placeholder 5">
+            <a:extLst>
+              <a:ext uri="{FF2B5EF4-FFF2-40B4-BE49-F238E27FC236}">
+                <a16:creationId xmlns:a16="http://schemas.microsoft.com/office/drawing/2014/main" id="{74AA2136-DCE3-3C43-480E-69E0B597C6BC}"/>
+              </a:ext>
+            </a:extLst>
+          </p:cNvPr>
+          <p:cNvSpPr>
+            <a:spLocks noGrp="1"/>
+          </p:cNvSpPr>
+          <p:nvPr>
+            <p:ph type="ftr" sz="quarter" idx="11"/>
+          </p:nvPr>
+        </p:nvSpPr>
+        <p:spPr/>
+        <p:txBody>
+          <a:bodyPr/>
+          <a:lstStyle/>
+          <a:p>
+            <a:endParaRPr lang="en-US" dirty="0"/>
+          </a:p>
+        </p:txBody>
+      </p:sp>
+      <p:sp>
+        <p:nvSpPr>
+          <p:cNvPr id="7" name="Slide Number Placeholder 6">
+            <a:extLst>
+              <a:ext uri="{FF2B5EF4-FFF2-40B4-BE49-F238E27FC236}">
+                <a16:creationId xmlns:a16="http://schemas.microsoft.com/office/drawing/2014/main" id="{3555EC99-46B4-888B-5297-AB12D7AB4C0C}"/>
+              </a:ext>
+            </a:extLst>
+          </p:cNvPr>
+          <p:cNvSpPr>
+            <a:spLocks noGrp="1"/>
+          </p:cNvSpPr>
+          <p:nvPr>
+            <p:ph type="sldNum" sz="quarter" idx="12"/>
+          </p:nvPr>
+        </p:nvSpPr>
+        <p:spPr/>
+        <p:txBody>
+          <a:bodyPr/>
+          <a:lstStyle/>
+          <a:p>
+            <a:fld id="{A65A5C87-DF58-40C8-B092-1DE63DB4547E}" type="slidenum">
+              <a:rPr lang="en-US" dirty="0"/>
+              <a:t>5</a:t>
+            </a:fld>
+            <a:endParaRPr lang="en-US" dirty="0"/>
+          </a:p>
+        </p:txBody>
+      </p:sp>
+      <p:sp>
+        <p:nvSpPr>
+          <p:cNvPr id="11" name="TextBox 10">
+            <a:extLst>
+              <a:ext uri="{FF2B5EF4-FFF2-40B4-BE49-F238E27FC236}">
+                <a16:creationId xmlns:a16="http://schemas.microsoft.com/office/drawing/2014/main" id="{38CFB88B-D0EC-A75F-1E88-435A3BA984DA}"/>
+              </a:ext>
+            </a:extLst>
+          </p:cNvPr>
+          <p:cNvSpPr txBox="1"/>
+          <p:nvPr/>
         </p:nvSpPr>
         <p:spPr>
           <a:xfrm>
-            <a:off x="727166" y="3080657"/>
-            <a:ext cx="3099816" cy="2066544"/>
+            <a:off x="8263573" y="2291850"/>
+            <a:ext cx="3550754" cy="2308324"/>
           </a:xfrm>
+          <a:prstGeom prst="rect">
+            <a:avLst/>
+          </a:prstGeom>
+          <a:noFill/>
         </p:spPr>
         <p:txBody>
-          <a:bodyPr vert="horz" lIns="91440" tIns="45720" rIns="91440" bIns="45720" rtlCol="0" anchor="t">
-            <a:normAutofit/>
+          <a:bodyPr rot="0" spcFirstLastPara="0" vertOverflow="overflow" horzOverflow="overflow" vert="horz" wrap="square" lIns="91440" tIns="45720" rIns="91440" bIns="45720" numCol="1" spcCol="0" rtlCol="0" fromWordArt="0" anchor="t" anchorCtr="0" forceAA="0" compatLnSpc="1">
+            <a:prstTxWarp prst="textNoShape">
+              <a:avLst/>
+            </a:prstTxWarp>
+            <a:spAutoFit/>
           </a:bodyPr>
           <a:lstStyle/>
           <a:p>
-            <a:r>
-              <a:rPr lang="en-US" sz="1500" dirty="0">
+            <a:pPr marL="285750" indent="-285750">
+              <a:buFont typeface="Arial"/>
+              <a:buChar char="•"/>
+            </a:pPr>
+            <a:r>
+              <a:rPr lang="en-US" dirty="0">
                 <a:ea typeface="+mn-lt"/>
                 <a:cs typeface="+mn-lt"/>
               </a:rPr>
-              <a:t>This visualization is an interactive pie chart displaying the proportional distribution of heart failure subtypes.</a:t>
-            </a:r>
-            <a:endParaRPr lang="en-US" dirty="0">
-              <a:ea typeface="+mn-lt"/>
-              <a:cs typeface="+mn-lt"/>
-            </a:endParaRPr>
-          </a:p>
-          <a:p>
-            <a:endParaRPr lang="en-US" sz="1500" dirty="0"/>
-          </a:p>
-        </p:txBody>
-      </p:sp>
-      <p:sp>
-        <p:nvSpPr>
-          <p:cNvPr id="5" name="Date Placeholder 4">
-            <a:extLst>
-              <a:ext uri="{FF2B5EF4-FFF2-40B4-BE49-F238E27FC236}">
-                <a16:creationId xmlns:a16="http://schemas.microsoft.com/office/drawing/2014/main" id="{343B55A5-81C9-A991-18FA-7640C31AC471}"/>
-              </a:ext>
-            </a:extLst>
-          </p:cNvPr>
-          <p:cNvSpPr>
-            <a:spLocks noGrp="1"/>
-          </p:cNvSpPr>
-          <p:nvPr>
-            <p:ph type="dt" sz="half" idx="10"/>
-          </p:nvPr>
-        </p:nvSpPr>
-        <p:spPr/>
-        <p:txBody>
-          <a:bodyPr/>
-          <a:lstStyle/>
-          <a:p>
-            <a:fld id="{6995AFF3-DB6D-4D3A-8B80-0728150A1B0C}" type="datetime1">
-              <a:t>1/23/2025</a:t>
-            </a:fld>
+              <a:t>Filters patient records based on ICD-9 codes (250.x series)</a:t>
+            </a:r>
             <a:endParaRPr lang="en-US" dirty="0"/>
           </a:p>
-        </p:txBody>
-      </p:sp>
-      <p:sp>
-        <p:nvSpPr>
-          <p:cNvPr id="6" name="Footer Placeholder 5">
-            <a:extLst>
-              <a:ext uri="{FF2B5EF4-FFF2-40B4-BE49-F238E27FC236}">
-                <a16:creationId xmlns:a16="http://schemas.microsoft.com/office/drawing/2014/main" id="{7720D3C6-41E8-E729-7EED-9763DAC15315}"/>
-              </a:ext>
-            </a:extLst>
-          </p:cNvPr>
-          <p:cNvSpPr>
-            <a:spLocks noGrp="1"/>
-          </p:cNvSpPr>
-          <p:nvPr>
-            <p:ph type="ftr" sz="quarter" idx="11"/>
-          </p:nvPr>
-        </p:nvSpPr>
-        <p:spPr/>
-        <p:txBody>
-          <a:bodyPr/>
-          <a:lstStyle/>
-          <a:p>
+          <a:p>
+            <a:pPr marL="285750" indent="-285750">
+              <a:buFont typeface="Arial"/>
+              <a:buChar char="•"/>
+            </a:pPr>
+            <a:r>
+              <a:rPr lang="en-US" dirty="0">
+                <a:ea typeface="+mn-lt"/>
+                <a:cs typeface="+mn-lt"/>
+              </a:rPr>
+              <a:t>Eliminates duplicate patients by their unique IDs.</a:t>
+            </a:r>
             <a:endParaRPr lang="en-US" dirty="0"/>
           </a:p>
-        </p:txBody>
-      </p:sp>
-      <p:sp>
-        <p:nvSpPr>
-          <p:cNvPr id="7" name="Slide Number Placeholder 6">
-            <a:extLst>
-              <a:ext uri="{FF2B5EF4-FFF2-40B4-BE49-F238E27FC236}">
-                <a16:creationId xmlns:a16="http://schemas.microsoft.com/office/drawing/2014/main" id="{14056A5B-DB00-FEF8-A95E-7DD1103955F8}"/>
-              </a:ext>
-            </a:extLst>
-          </p:cNvPr>
-          <p:cNvSpPr>
-            <a:spLocks noGrp="1"/>
-          </p:cNvSpPr>
-          <p:nvPr>
-            <p:ph type="sldNum" sz="quarter" idx="12"/>
-          </p:nvPr>
-        </p:nvSpPr>
-        <p:spPr/>
-        <p:txBody>
-          <a:bodyPr/>
-          <a:lstStyle/>
-          <a:p>
-            <a:fld id="{A65A5C87-DF58-40C8-B092-1DE63DB4547E}" type="slidenum">
-              <a:rPr lang="en-US" dirty="0"/>
-              <a:t>5</a:t>
-            </a:fld>
+          <a:p>
+            <a:pPr marL="285750" indent="-285750">
+              <a:buFont typeface="Arial"/>
+              <a:buChar char="•"/>
+            </a:pPr>
+            <a:r>
+              <a:rPr lang="en-US" dirty="0">
+                <a:ea typeface="+mn-lt"/>
+                <a:cs typeface="+mn-lt"/>
+              </a:rPr>
+              <a:t>Counts gender distribution among unique patients.</a:t>
+            </a:r>
+            <a:endParaRPr lang="en-US" dirty="0"/>
+          </a:p>
+          <a:p>
+            <a:pPr marL="285750" indent="-285750">
+              <a:buFont typeface="Arial"/>
+              <a:buChar char="•"/>
+            </a:pPr>
+            <a:r>
+              <a:rPr lang="en-US" dirty="0">
+                <a:ea typeface="+mn-lt"/>
+                <a:cs typeface="+mn-lt"/>
+              </a:rPr>
+              <a:t>Plot histogram and </a:t>
+            </a:r>
+            <a:r>
+              <a:rPr lang="en-US" err="1">
+                <a:ea typeface="+mn-lt"/>
+                <a:cs typeface="+mn-lt"/>
+              </a:rPr>
+              <a:t>barchart</a:t>
+            </a:r>
+            <a:endParaRPr lang="en-US" err="1"/>
+          </a:p>
+          <a:p>
+            <a:pPr algn="l"/>
             <a:endParaRPr lang="en-US" dirty="0"/>
           </a:p>
         </p:txBody>
@@ -8691,7 +9115,7 @@
     </p:spTree>
     <p:extLst>
       <p:ext uri="{BB962C8B-B14F-4D97-AF65-F5344CB8AC3E}">
-        <p14:creationId xmlns:p14="http://schemas.microsoft.com/office/powerpoint/2010/main" val="1500749005"/>
+        <p14:creationId xmlns:p14="http://schemas.microsoft.com/office/powerpoint/2010/main" val="3667998280"/>
       </p:ext>
     </p:extLst>
   </p:cSld>
@@ -8723,6 +9147,240 @@
           <p:cNvPr id="2" name="Title 1">
             <a:extLst>
               <a:ext uri="{FF2B5EF4-FFF2-40B4-BE49-F238E27FC236}">
+                <a16:creationId xmlns:a16="http://schemas.microsoft.com/office/drawing/2014/main" id="{96860D78-5533-382B-8BC4-FB8AACB18B26}"/>
+              </a:ext>
+            </a:extLst>
+          </p:cNvPr>
+          <p:cNvSpPr>
+            <a:spLocks noGrp="1"/>
+          </p:cNvSpPr>
+          <p:nvPr>
+            <p:ph type="title"/>
+          </p:nvPr>
+        </p:nvSpPr>
+        <p:spPr/>
+        <p:txBody>
+          <a:bodyPr>
+            <a:normAutofit/>
+          </a:bodyPr>
+          <a:lstStyle/>
+          <a:p>
+            <a:r>
+              <a:rPr lang="en-US" sz="2900" dirty="0"/>
+              <a:t>Visual 2- </a:t>
+            </a:r>
+            <a:r>
+              <a:rPr lang="en-US" sz="1700" dirty="0">
+                <a:solidFill>
+                  <a:srgbClr val="1F1F1F"/>
+                </a:solidFill>
+                <a:latin typeface="Roboto"/>
+                <a:ea typeface="Roboto"/>
+                <a:cs typeface="Roboto"/>
+              </a:rPr>
+              <a:t>Proportional Distribution of Heart Failure Subtypes by ICD-9 Code</a:t>
+            </a:r>
+            <a:endParaRPr lang="en-US" dirty="0"/>
+          </a:p>
+          <a:p>
+            <a:endParaRPr lang="en-US" sz="2900" dirty="0"/>
+          </a:p>
+          <a:p>
+            <a:endParaRPr lang="en-US" dirty="0"/>
+          </a:p>
+        </p:txBody>
+      </p:sp>
+      <p:pic>
+        <p:nvPicPr>
+          <p:cNvPr id="8" name="Content Placeholder 7" descr="A graph showing the evolution of heart failure subtypes&#10;&#10;AI-generated content may be incorrect.">
+            <a:extLst>
+              <a:ext uri="{FF2B5EF4-FFF2-40B4-BE49-F238E27FC236}">
+                <a16:creationId xmlns:a16="http://schemas.microsoft.com/office/drawing/2014/main" id="{0CB682B8-0C6D-8142-36B1-AF8E2C5D1355}"/>
+              </a:ext>
+            </a:extLst>
+          </p:cNvPr>
+          <p:cNvPicPr>
+            <a:picLocks noGrp="1" noChangeAspect="1"/>
+          </p:cNvPicPr>
+          <p:nvPr>
+            <p:ph idx="1"/>
+          </p:nvPr>
+        </p:nvPicPr>
+        <p:blipFill>
+          <a:blip r:embed="rId2"/>
+          <a:stretch>
+            <a:fillRect/>
+          </a:stretch>
+        </p:blipFill>
+        <p:spPr>
+          <a:xfrm>
+            <a:off x="4965192" y="1947579"/>
+            <a:ext cx="6729984" cy="3621210"/>
+          </a:xfrm>
+        </p:spPr>
+      </p:pic>
+      <p:sp>
+        <p:nvSpPr>
+          <p:cNvPr id="4" name="Text Placeholder 3">
+            <a:extLst>
+              <a:ext uri="{FF2B5EF4-FFF2-40B4-BE49-F238E27FC236}">
+                <a16:creationId xmlns:a16="http://schemas.microsoft.com/office/drawing/2014/main" id="{66A83C4F-6C53-107B-881F-FDA6C5E8E56D}"/>
+              </a:ext>
+            </a:extLst>
+          </p:cNvPr>
+          <p:cNvSpPr>
+            <a:spLocks noGrp="1"/>
+          </p:cNvSpPr>
+          <p:nvPr>
+            <p:ph type="body" sz="half" idx="2"/>
+          </p:nvPr>
+        </p:nvSpPr>
+        <p:spPr>
+          <a:xfrm>
+            <a:off x="727166" y="3080657"/>
+            <a:ext cx="3099816" cy="2066544"/>
+          </a:xfrm>
+        </p:spPr>
+        <p:txBody>
+          <a:bodyPr vert="horz" lIns="91440" tIns="45720" rIns="91440" bIns="45720" rtlCol="0" anchor="t">
+            <a:normAutofit/>
+          </a:bodyPr>
+          <a:lstStyle/>
+          <a:p>
+            <a:r>
+              <a:rPr lang="en-US" sz="1500" dirty="0">
+                <a:ea typeface="+mn-lt"/>
+                <a:cs typeface="+mn-lt"/>
+              </a:rPr>
+              <a:t>This visualization is an interactive pie chart displaying the proportional distribution of heart failure subtypes.</a:t>
+            </a:r>
+            <a:endParaRPr lang="en-US" dirty="0">
+              <a:ea typeface="+mn-lt"/>
+              <a:cs typeface="+mn-lt"/>
+            </a:endParaRPr>
+          </a:p>
+          <a:p>
+            <a:endParaRPr lang="en-US" sz="1500" dirty="0"/>
+          </a:p>
+        </p:txBody>
+      </p:sp>
+      <p:sp>
+        <p:nvSpPr>
+          <p:cNvPr id="5" name="Date Placeholder 4">
+            <a:extLst>
+              <a:ext uri="{FF2B5EF4-FFF2-40B4-BE49-F238E27FC236}">
+                <a16:creationId xmlns:a16="http://schemas.microsoft.com/office/drawing/2014/main" id="{343B55A5-81C9-A991-18FA-7640C31AC471}"/>
+              </a:ext>
+            </a:extLst>
+          </p:cNvPr>
+          <p:cNvSpPr>
+            <a:spLocks noGrp="1"/>
+          </p:cNvSpPr>
+          <p:nvPr>
+            <p:ph type="dt" sz="half" idx="10"/>
+          </p:nvPr>
+        </p:nvSpPr>
+        <p:spPr/>
+        <p:txBody>
+          <a:bodyPr/>
+          <a:lstStyle/>
+          <a:p>
+            <a:fld id="{6995AFF3-DB6D-4D3A-8B80-0728150A1B0C}" type="datetime1">
+              <a:t>1/24/2025</a:t>
+            </a:fld>
+            <a:endParaRPr lang="en-US" dirty="0"/>
+          </a:p>
+        </p:txBody>
+      </p:sp>
+      <p:sp>
+        <p:nvSpPr>
+          <p:cNvPr id="6" name="Footer Placeholder 5">
+            <a:extLst>
+              <a:ext uri="{FF2B5EF4-FFF2-40B4-BE49-F238E27FC236}">
+                <a16:creationId xmlns:a16="http://schemas.microsoft.com/office/drawing/2014/main" id="{7720D3C6-41E8-E729-7EED-9763DAC15315}"/>
+              </a:ext>
+            </a:extLst>
+          </p:cNvPr>
+          <p:cNvSpPr>
+            <a:spLocks noGrp="1"/>
+          </p:cNvSpPr>
+          <p:nvPr>
+            <p:ph type="ftr" sz="quarter" idx="11"/>
+          </p:nvPr>
+        </p:nvSpPr>
+        <p:spPr/>
+        <p:txBody>
+          <a:bodyPr/>
+          <a:lstStyle/>
+          <a:p>
+            <a:endParaRPr lang="en-US" dirty="0"/>
+          </a:p>
+        </p:txBody>
+      </p:sp>
+      <p:sp>
+        <p:nvSpPr>
+          <p:cNvPr id="7" name="Slide Number Placeholder 6">
+            <a:extLst>
+              <a:ext uri="{FF2B5EF4-FFF2-40B4-BE49-F238E27FC236}">
+                <a16:creationId xmlns:a16="http://schemas.microsoft.com/office/drawing/2014/main" id="{14056A5B-DB00-FEF8-A95E-7DD1103955F8}"/>
+              </a:ext>
+            </a:extLst>
+          </p:cNvPr>
+          <p:cNvSpPr>
+            <a:spLocks noGrp="1"/>
+          </p:cNvSpPr>
+          <p:nvPr>
+            <p:ph type="sldNum" sz="quarter" idx="12"/>
+          </p:nvPr>
+        </p:nvSpPr>
+        <p:spPr/>
+        <p:txBody>
+          <a:bodyPr/>
+          <a:lstStyle/>
+          <a:p>
+            <a:fld id="{A65A5C87-DF58-40C8-B092-1DE63DB4547E}" type="slidenum">
+              <a:rPr lang="en-US" dirty="0"/>
+              <a:t>6</a:t>
+            </a:fld>
+            <a:endParaRPr lang="en-US" dirty="0"/>
+          </a:p>
+        </p:txBody>
+      </p:sp>
+    </p:spTree>
+    <p:extLst>
+      <p:ext uri="{BB962C8B-B14F-4D97-AF65-F5344CB8AC3E}">
+        <p14:creationId xmlns:p14="http://schemas.microsoft.com/office/powerpoint/2010/main" val="1500749005"/>
+      </p:ext>
+    </p:extLst>
+  </p:cSld>
+  <p:clrMapOvr>
+    <a:masterClrMapping/>
+  </p:clrMapOvr>
+</p:sld>
+</file>
+
+<file path=ppt/slides/slide7.xml><?xml version="1.0" encoding="utf-8"?>
+<p:sld xmlns:a="http://schemas.openxmlformats.org/drawingml/2006/main" xmlns:r="http://schemas.openxmlformats.org/officeDocument/2006/relationships" xmlns:p="http://schemas.openxmlformats.org/presentationml/2006/main">
+  <p:cSld>
+    <p:spTree>
+      <p:nvGrpSpPr>
+        <p:cNvPr id="1" name=""/>
+        <p:cNvGrpSpPr/>
+        <p:nvPr/>
+      </p:nvGrpSpPr>
+      <p:grpSpPr>
+        <a:xfrm>
+          <a:off x="0" y="0"/>
+          <a:ext cx="0" cy="0"/>
+          <a:chOff x="0" y="0"/>
+          <a:chExt cx="0" cy="0"/>
+        </a:xfrm>
+      </p:grpSpPr>
+      <p:sp>
+        <p:nvSpPr>
+          <p:cNvPr id="2" name="Title 1">
+            <a:extLst>
+              <a:ext uri="{FF2B5EF4-FFF2-40B4-BE49-F238E27FC236}">
                 <a16:creationId xmlns:a16="http://schemas.microsoft.com/office/drawing/2014/main" id="{BF65AC6B-C37F-8594-FB87-8458012C9F88}"/>
               </a:ext>
             </a:extLst>
@@ -8775,7 +9433,7 @@
           <a:lstStyle/>
           <a:p>
             <a:fld id="{A20EE442-7E2D-4B98-9210-7F067E6F4EDF}" type="datetime1">
-              <a:t>1/23/2025</a:t>
+              <a:t>1/24/2025</a:t>
             </a:fld>
             <a:endParaRPr lang="en-US" dirty="0"/>
           </a:p>
@@ -8829,7 +9487,7 @@
           <a:p>
             <a:fld id="{A65A5C87-DF58-40C8-B092-1DE63DB4547E}" type="slidenum">
               <a:rPr lang="en-US" dirty="0"/>
-              <a:t>6</a:t>
+              <a:t>7</a:t>
             </a:fld>
             <a:endParaRPr lang="en-US" dirty="0"/>
           </a:p>
@@ -8968,7 +9626,7 @@
 </p:sld>
 </file>
 
-<file path=ppt/slides/slide7.xml><?xml version="1.0" encoding="utf-8"?>
+<file path=ppt/slides/slide8.xml><?xml version="1.0" encoding="utf-8"?>
 <p:sld xmlns:a="http://schemas.openxmlformats.org/drawingml/2006/main" xmlns:r="http://schemas.openxmlformats.org/officeDocument/2006/relationships" xmlns:p="http://schemas.openxmlformats.org/presentationml/2006/main">
   <p:cSld>
     <p:spTree>
@@ -9073,7 +9731,14 @@
                 <a:ea typeface="+mn-lt"/>
                 <a:cs typeface="+mn-lt"/>
               </a:rPr>
-              <a:t>This visualization is a word cloud showcasing the top 50 most prescribed medications..</a:t>
+              <a:t>This visualization is a word cloud showcasing the top 50 most prescribed </a:t>
+            </a:r>
+            <a:r>
+              <a:rPr lang="en-US">
+                <a:ea typeface="+mn-lt"/>
+                <a:cs typeface="+mn-lt"/>
+              </a:rPr>
+              <a:t>medications.</a:t>
             </a:r>
             <a:endParaRPr lang="en-US" dirty="0"/>
           </a:p>
@@ -9111,7 +9776,7 @@
                   <a:spcPts val="600"/>
                 </a:spcAft>
               </a:pPr>
-              <a:t>1/23/2025</a:t>
+              <a:t>1/24/2025</a:t>
             </a:fld>
             <a:endParaRPr lang="en-US"/>
           </a:p>
@@ -9175,7 +9840,7 @@
                   <a:spcPts val="600"/>
                 </a:spcAft>
               </a:pPr>
-              <a:t>7</a:t>
+              <a:t>8</a:t>
             </a:fld>
             <a:endParaRPr lang="en-US"/>
           </a:p>
@@ -9223,7 +9888,7 @@
 </p:sld>
 </file>
 
-<file path=ppt/slides/slide8.xml><?xml version="1.0" encoding="utf-8"?>
+<file path=ppt/slides/slide9.xml><?xml version="1.0" encoding="utf-8"?>
 <p:sld xmlns:a="http://schemas.openxmlformats.org/drawingml/2006/main" xmlns:r="http://schemas.openxmlformats.org/officeDocument/2006/relationships" xmlns:p="http://schemas.openxmlformats.org/presentationml/2006/main">
   <p:cSld>
     <p:spTree>
@@ -9297,7 +9962,7 @@
           <a:lstStyle/>
           <a:p>
             <a:fld id="{A20EE442-7E2D-4B98-9210-7F067E6F4EDF}" type="datetime1">
-              <a:t>1/23/2025</a:t>
+              <a:t>1/24/2025</a:t>
             </a:fld>
             <a:endParaRPr lang="en-US" dirty="0"/>
           </a:p>
@@ -9351,7 +10016,7 @@
           <a:p>
             <a:fld id="{A65A5C87-DF58-40C8-B092-1DE63DB4547E}" type="slidenum">
               <a:rPr lang="en-US" dirty="0"/>
-              <a:t>8</a:t>
+              <a:t>9</a:t>
             </a:fld>
             <a:endParaRPr lang="en-US" dirty="0"/>
           </a:p>
@@ -9457,306 +10122,6 @@
     <p:extLst>
       <p:ext uri="{BB962C8B-B14F-4D97-AF65-F5344CB8AC3E}">
         <p14:creationId xmlns:p14="http://schemas.microsoft.com/office/powerpoint/2010/main" val="2469089735"/>
-      </p:ext>
-    </p:extLst>
-  </p:cSld>
-  <p:clrMapOvr>
-    <a:masterClrMapping/>
-  </p:clrMapOvr>
-</p:sld>
-</file>
-
-<file path=ppt/slides/slide9.xml><?xml version="1.0" encoding="utf-8"?>
-<p:sld xmlns:a="http://schemas.openxmlformats.org/drawingml/2006/main" xmlns:r="http://schemas.openxmlformats.org/officeDocument/2006/relationships" xmlns:p="http://schemas.openxmlformats.org/presentationml/2006/main">
-  <p:cSld>
-    <p:spTree>
-      <p:nvGrpSpPr>
-        <p:cNvPr id="1" name=""/>
-        <p:cNvGrpSpPr/>
-        <p:nvPr/>
-      </p:nvGrpSpPr>
-      <p:grpSpPr>
-        <a:xfrm>
-          <a:off x="0" y="0"/>
-          <a:ext cx="0" cy="0"/>
-          <a:chOff x="0" y="0"/>
-          <a:chExt cx="0" cy="0"/>
-        </a:xfrm>
-      </p:grpSpPr>
-      <p:sp>
-        <p:nvSpPr>
-          <p:cNvPr id="2" name="Title 1">
-            <a:extLst>
-              <a:ext uri="{FF2B5EF4-FFF2-40B4-BE49-F238E27FC236}">
-                <a16:creationId xmlns:a16="http://schemas.microsoft.com/office/drawing/2014/main" id="{D4A847F5-FE7F-970F-30A8-F14DC30F0298}"/>
-              </a:ext>
-            </a:extLst>
-          </p:cNvPr>
-          <p:cNvSpPr>
-            <a:spLocks noGrp="1"/>
-          </p:cNvSpPr>
-          <p:nvPr>
-            <p:ph type="title"/>
-          </p:nvPr>
-        </p:nvSpPr>
-        <p:spPr/>
-        <p:txBody>
-          <a:bodyPr vert="horz" lIns="91440" tIns="45720" rIns="91440" bIns="45720" rtlCol="0" anchor="t">
-            <a:normAutofit/>
-          </a:bodyPr>
-          <a:lstStyle/>
-          <a:p>
-            <a:pPr>
-              <a:lnSpc>
-                <a:spcPct val="90000"/>
-              </a:lnSpc>
-            </a:pPr>
-            <a:r>
-              <a:rPr lang="en-US" sz="2900" dirty="0"/>
-              <a:t>Visual 4 - </a:t>
-            </a:r>
-            <a:r>
-              <a:rPr lang="en-US" sz="2000" dirty="0">
-                <a:solidFill>
-                  <a:srgbClr val="1F1F1F"/>
-                </a:solidFill>
-                <a:latin typeface="Roboto"/>
-                <a:ea typeface="Roboto"/>
-                <a:cs typeface="Roboto"/>
-              </a:rPr>
-              <a:t>Average Length Of Stay by Care Unit and Year (Filtered by ICD Code)</a:t>
-            </a:r>
-            <a:endParaRPr lang="en-US" dirty="0">
-              <a:solidFill>
-                <a:srgbClr val="000000"/>
-              </a:solidFill>
-              <a:latin typeface="Avenir Next LT Pro"/>
-              <a:ea typeface="Roboto"/>
-              <a:cs typeface="Roboto"/>
-            </a:endParaRPr>
-          </a:p>
-          <a:p>
-            <a:pPr>
-              <a:lnSpc>
-                <a:spcPct val="90000"/>
-              </a:lnSpc>
-            </a:pPr>
-            <a:endParaRPr lang="en-US" sz="2900" dirty="0"/>
-          </a:p>
-          <a:p>
-            <a:pPr>
-              <a:lnSpc>
-                <a:spcPct val="90000"/>
-              </a:lnSpc>
-            </a:pPr>
-            <a:endParaRPr lang="en-US" sz="2900" dirty="0"/>
-          </a:p>
-        </p:txBody>
-      </p:sp>
-      <p:sp>
-        <p:nvSpPr>
-          <p:cNvPr id="27" name="Text Placeholder 3">
-            <a:extLst>
-              <a:ext uri="{FF2B5EF4-FFF2-40B4-BE49-F238E27FC236}">
-                <a16:creationId xmlns:a16="http://schemas.microsoft.com/office/drawing/2014/main" id="{845D7DA4-0A30-F667-174F-8A99022B50FE}"/>
-              </a:ext>
-            </a:extLst>
-          </p:cNvPr>
-          <p:cNvSpPr>
-            <a:spLocks noGrp="1"/>
-          </p:cNvSpPr>
-          <p:nvPr>
-            <p:ph type="body" sz="half" idx="2"/>
-          </p:nvPr>
-        </p:nvSpPr>
-        <p:spPr>
-          <a:xfrm>
-            <a:off x="941748" y="2990589"/>
-            <a:ext cx="3099816" cy="2066544"/>
-          </a:xfrm>
-        </p:spPr>
-        <p:txBody>
-          <a:bodyPr vert="horz" lIns="91440" tIns="45720" rIns="91440" bIns="45720" rtlCol="0" anchor="t">
-            <a:normAutofit lnSpcReduction="10000"/>
-          </a:bodyPr>
-          <a:lstStyle/>
-          <a:p>
-            <a:r>
-              <a:rPr lang="en-US" dirty="0">
-                <a:ea typeface="+mn-lt"/>
-                <a:cs typeface="+mn-lt"/>
-              </a:rPr>
-              <a:t>This visualization is an interactive line chart created with Altair, analyzing the average length of stay (LOS) by care unit and year, dynamically filtered by ICD-9 codes.</a:t>
-            </a:r>
-          </a:p>
-        </p:txBody>
-      </p:sp>
-      <p:sp>
-        <p:nvSpPr>
-          <p:cNvPr id="28" name="Date Placeholder 4">
-            <a:extLst>
-              <a:ext uri="{FF2B5EF4-FFF2-40B4-BE49-F238E27FC236}">
-                <a16:creationId xmlns:a16="http://schemas.microsoft.com/office/drawing/2014/main" id="{7A6840E9-E4CF-DCC4-9B0D-7D4B8FDC3F5A}"/>
-              </a:ext>
-            </a:extLst>
-          </p:cNvPr>
-          <p:cNvSpPr>
-            <a:spLocks noGrp="1"/>
-          </p:cNvSpPr>
-          <p:nvPr>
-            <p:ph type="dt" sz="half" idx="10"/>
-          </p:nvPr>
-        </p:nvSpPr>
-        <p:spPr/>
-        <p:txBody>
-          <a:bodyPr/>
-          <a:lstStyle/>
-          <a:p>
-            <a:pPr>
-              <a:spcAft>
-                <a:spcPts val="600"/>
-              </a:spcAft>
-            </a:pPr>
-            <a:fld id="{C7DB37F9-8192-43C5-8AD8-3A3669843520}" type="datetime1">
-              <a:pPr>
-                <a:spcAft>
-                  <a:spcPts val="600"/>
-                </a:spcAft>
-              </a:pPr>
-              <a:t>1/23/2025</a:t>
-            </a:fld>
-            <a:endParaRPr lang="en-US"/>
-          </a:p>
-        </p:txBody>
-      </p:sp>
-      <p:sp>
-        <p:nvSpPr>
-          <p:cNvPr id="29" name="Footer Placeholder 5">
-            <a:extLst>
-              <a:ext uri="{FF2B5EF4-FFF2-40B4-BE49-F238E27FC236}">
-                <a16:creationId xmlns:a16="http://schemas.microsoft.com/office/drawing/2014/main" id="{33BFA14B-AF0A-16F8-9A2F-D4A1F799D935}"/>
-              </a:ext>
-            </a:extLst>
-          </p:cNvPr>
-          <p:cNvSpPr>
-            <a:spLocks noGrp="1"/>
-          </p:cNvSpPr>
-          <p:nvPr>
-            <p:ph type="ftr" sz="quarter" idx="11"/>
-          </p:nvPr>
-        </p:nvSpPr>
-        <p:spPr/>
-        <p:txBody>
-          <a:bodyPr/>
-          <a:lstStyle/>
-          <a:p>
-            <a:endParaRPr lang="en-US"/>
-          </a:p>
-        </p:txBody>
-      </p:sp>
-      <p:sp>
-        <p:nvSpPr>
-          <p:cNvPr id="30" name="Slide Number Placeholder 6">
-            <a:extLst>
-              <a:ext uri="{FF2B5EF4-FFF2-40B4-BE49-F238E27FC236}">
-                <a16:creationId xmlns:a16="http://schemas.microsoft.com/office/drawing/2014/main" id="{B9FC7F56-BFF9-92C8-CFE9-7DD25BADAF55}"/>
-              </a:ext>
-            </a:extLst>
-          </p:cNvPr>
-          <p:cNvSpPr>
-            <a:spLocks noGrp="1"/>
-          </p:cNvSpPr>
-          <p:nvPr>
-            <p:ph type="sldNum" sz="quarter" idx="12"/>
-          </p:nvPr>
-        </p:nvSpPr>
-        <p:spPr/>
-        <p:txBody>
-          <a:bodyPr/>
-          <a:lstStyle/>
-          <a:p>
-            <a:pPr>
-              <a:spcAft>
-                <a:spcPts val="600"/>
-              </a:spcAft>
-            </a:pPr>
-            <a:fld id="{A65A5C87-DF58-40C8-B092-1DE63DB4547E}" type="slidenum">
-              <a:rPr lang="en-US" dirty="0"/>
-              <a:pPr>
-                <a:spcAft>
-                  <a:spcPts val="600"/>
-                </a:spcAft>
-              </a:pPr>
-              <a:t>9</a:t>
-            </a:fld>
-            <a:endParaRPr lang="en-US"/>
-          </a:p>
-        </p:txBody>
-      </p:sp>
-      <p:pic>
-        <p:nvPicPr>
-          <p:cNvPr id="6" name="Picture 5" descr="A graph with red and orange lines&#10;&#10;AI-generated content may be incorrect.">
-            <a:extLst>
-              <a:ext uri="{FF2B5EF4-FFF2-40B4-BE49-F238E27FC236}">
-                <a16:creationId xmlns:a16="http://schemas.microsoft.com/office/drawing/2014/main" id="{9112A72F-E326-8FEF-F226-03C7004FC633}"/>
-              </a:ext>
-            </a:extLst>
-          </p:cNvPr>
-          <p:cNvPicPr>
-            <a:picLocks noChangeAspect="1"/>
-          </p:cNvPicPr>
-          <p:nvPr/>
-        </p:nvPicPr>
-        <p:blipFill>
-          <a:blip r:embed="rId2"/>
-          <a:stretch>
-            <a:fillRect/>
-          </a:stretch>
-        </p:blipFill>
-        <p:spPr>
-          <a:xfrm>
-            <a:off x="4427764" y="1000125"/>
-            <a:ext cx="5393872" cy="2930979"/>
-          </a:xfrm>
-          <a:prstGeom prst="rect">
-            <a:avLst/>
-          </a:prstGeom>
-        </p:spPr>
-      </p:pic>
-      <p:pic>
-        <p:nvPicPr>
-          <p:cNvPr id="8" name="Picture 7" descr="A graph of a number of people&#10;&#10;AI-generated content may be incorrect.">
-            <a:extLst>
-              <a:ext uri="{FF2B5EF4-FFF2-40B4-BE49-F238E27FC236}">
-                <a16:creationId xmlns:a16="http://schemas.microsoft.com/office/drawing/2014/main" id="{FC65F96E-A65D-19DD-A121-2E22DA30AE58}"/>
-              </a:ext>
-            </a:extLst>
-          </p:cNvPr>
-          <p:cNvPicPr>
-            <a:picLocks noChangeAspect="1"/>
-          </p:cNvPicPr>
-          <p:nvPr/>
-        </p:nvPicPr>
-        <p:blipFill>
-          <a:blip r:embed="rId3"/>
-          <a:stretch>
-            <a:fillRect/>
-          </a:stretch>
-        </p:blipFill>
-        <p:spPr>
-          <a:xfrm>
-            <a:off x="6587218" y="3807959"/>
-            <a:ext cx="4765222" cy="2736397"/>
-          </a:xfrm>
-          <a:prstGeom prst="rect">
-            <a:avLst/>
-          </a:prstGeom>
-        </p:spPr>
-      </p:pic>
-    </p:spTree>
-    <p:extLst>
-      <p:ext uri="{BB962C8B-B14F-4D97-AF65-F5344CB8AC3E}">
-        <p14:creationId xmlns:p14="http://schemas.microsoft.com/office/powerpoint/2010/main" val="581286553"/>
       </p:ext>
     </p:extLst>
   </p:cSld>

--- a/MIMIC Visualization.pptx
+++ b/MIMIC Visualization.pptx
@@ -10,16 +10,14 @@
     <p:sldId id="270" r:id="rId4"/>
     <p:sldId id="257" r:id="rId5"/>
     <p:sldId id="258" r:id="rId6"/>
-    <p:sldId id="259" r:id="rId7"/>
-    <p:sldId id="260" r:id="rId8"/>
-    <p:sldId id="262" r:id="rId9"/>
-    <p:sldId id="261" r:id="rId10"/>
-    <p:sldId id="264" r:id="rId11"/>
-    <p:sldId id="263" r:id="rId12"/>
-    <p:sldId id="268" r:id="rId13"/>
-    <p:sldId id="267" r:id="rId14"/>
-    <p:sldId id="266" r:id="rId15"/>
-    <p:sldId id="265" r:id="rId16"/>
+    <p:sldId id="262" r:id="rId7"/>
+    <p:sldId id="261" r:id="rId8"/>
+    <p:sldId id="264" r:id="rId9"/>
+    <p:sldId id="263" r:id="rId10"/>
+    <p:sldId id="268" r:id="rId11"/>
+    <p:sldId id="267" r:id="rId12"/>
+    <p:sldId id="266" r:id="rId13"/>
+    <p:sldId id="265" r:id="rId14"/>
   </p:sldIdLst>
   <p:sldSz cx="12192000" cy="6858000"/>
   <p:notesSz cx="6858000" cy="9144000"/>
@@ -129,8 +127,9 @@
 <file path=ppt/revisionInfo.xml><?xml version="1.0" encoding="utf-8"?>
 <p1510:revInfo xmlns:a="http://schemas.openxmlformats.org/drawingml/2006/main" xmlns:r="http://schemas.openxmlformats.org/officeDocument/2006/relationships" xmlns:p1510="http://schemas.microsoft.com/office/powerpoint/2015/10/main">
   <p1510:revLst>
-    <p1510:client id="{469B3712-C5CB-BBEC-FAE3-9EE8A602600C}" v="500" dt="2025-01-24T13:22:50.773"/>
-    <p1510:client id="{C91C6CB5-30EE-1138-D55B-4440F6758D12}" v="581" dt="2025-01-22T22:00:52.819"/>
+    <p1510:client id="{68E7B1AE-4B6B-5F4C-F6FE-F3F044889379}" v="296" dt="2025-01-27T17:03:21.440"/>
+    <p1510:client id="{6E3D84ED-85DB-ACBE-3EAC-3EB6DEEF4BA2}" v="59" dt="2025-01-27T17:12:31.989"/>
+    <p1510:client id="{ADA39817-F571-3247-D0BE-A78E3A813ED8}" v="78" dt="2025-01-27T17:24:30.056"/>
   </p1510:revLst>
 </p1510:revInfo>
 </file>
@@ -166,46 +165,6 @@
             <ac:spMk id="3" creationId="{00000000-0000-0000-0000-000000000000}"/>
           </ac:spMkLst>
         </pc:spChg>
-        <pc:spChg chg="add del">
-          <ac:chgData name="Ankita L Savaliya" userId="S::als8453@my.utexas.edu::45302890-fb20-4ef9-a20b-62d8ea27512f" providerId="AD" clId="Web-{C91C6CB5-30EE-1138-D55B-4440F6758D12}" dt="2025-01-22T20:08:06.027" v="1"/>
-          <ac:spMkLst>
-            <pc:docMk/>
-            <pc:sldMk cId="109857222" sldId="256"/>
-            <ac:spMk id="9" creationId="{DF0CAD46-2E46-44EB-A063-C05881768CE6}"/>
-          </ac:spMkLst>
-        </pc:spChg>
-        <pc:spChg chg="add del">
-          <ac:chgData name="Ankita L Savaliya" userId="S::als8453@my.utexas.edu::45302890-fb20-4ef9-a20b-62d8ea27512f" providerId="AD" clId="Web-{C91C6CB5-30EE-1138-D55B-4440F6758D12}" dt="2025-01-22T20:08:06.027" v="1"/>
-          <ac:spMkLst>
-            <pc:docMk/>
-            <pc:sldMk cId="109857222" sldId="256"/>
-            <ac:spMk id="11" creationId="{0FDFF237-4369-41A3-9CE4-CD1A68139E16}"/>
-          </ac:spMkLst>
-        </pc:spChg>
-        <pc:spChg chg="add del">
-          <ac:chgData name="Ankita L Savaliya" userId="S::als8453@my.utexas.edu::45302890-fb20-4ef9-a20b-62d8ea27512f" providerId="AD" clId="Web-{C91C6CB5-30EE-1138-D55B-4440F6758D12}" dt="2025-01-22T20:12:30.331" v="83"/>
-          <ac:spMkLst>
-            <pc:docMk/>
-            <pc:sldMk cId="109857222" sldId="256"/>
-            <ac:spMk id="18" creationId="{44CA2EAD-E7C7-4F64-924A-52D34FD759C7}"/>
-          </ac:spMkLst>
-        </pc:spChg>
-        <pc:grpChg chg="add del">
-          <ac:chgData name="Ankita L Savaliya" userId="S::als8453@my.utexas.edu::45302890-fb20-4ef9-a20b-62d8ea27512f" providerId="AD" clId="Web-{C91C6CB5-30EE-1138-D55B-4440F6758D12}" dt="2025-01-22T20:08:06.027" v="1"/>
-          <ac:grpSpMkLst>
-            <pc:docMk/>
-            <pc:sldMk cId="109857222" sldId="256"/>
-            <ac:grpSpMk id="13" creationId="{C3E45FAB-3768-4529-B0E8-A0E9BE5E382B}"/>
-          </ac:grpSpMkLst>
-        </pc:grpChg>
-        <pc:picChg chg="add del">
-          <ac:chgData name="Ankita L Savaliya" userId="S::als8453@my.utexas.edu::45302890-fb20-4ef9-a20b-62d8ea27512f" providerId="AD" clId="Web-{C91C6CB5-30EE-1138-D55B-4440F6758D12}" dt="2025-01-22T20:08:06.027" v="1"/>
-          <ac:picMkLst>
-            <pc:docMk/>
-            <pc:sldMk cId="109857222" sldId="256"/>
-            <ac:picMk id="4" creationId="{339A4F0A-D161-84D2-DE29-26395AD71B48}"/>
-          </ac:picMkLst>
-        </pc:picChg>
         <pc:picChg chg="add">
           <ac:chgData name="Ankita L Savaliya" userId="S::als8453@my.utexas.edu::45302890-fb20-4ef9-a20b-62d8ea27512f" providerId="AD" clId="Web-{C91C6CB5-30EE-1138-D55B-4440F6758D12}" dt="2025-01-22T20:08:06.074" v="2"/>
           <ac:picMkLst>
@@ -214,14 +173,6 @@
             <ac:picMk id="19" creationId="{760A3F7D-01D3-AC90-8820-DCF5A04A2CDA}"/>
           </ac:picMkLst>
         </pc:picChg>
-        <pc:cxnChg chg="add del">
-          <ac:chgData name="Ankita L Savaliya" userId="S::als8453@my.utexas.edu::45302890-fb20-4ef9-a20b-62d8ea27512f" providerId="AD" clId="Web-{C91C6CB5-30EE-1138-D55B-4440F6758D12}" dt="2025-01-22T20:12:30.331" v="83"/>
-          <ac:cxnSpMkLst>
-            <pc:docMk/>
-            <pc:sldMk cId="109857222" sldId="256"/>
-            <ac:cxnSpMk id="20" creationId="{9E7C23BC-DAA6-40E1-8166-B8C4439D1430}"/>
-          </ac:cxnSpMkLst>
-        </pc:cxnChg>
       </pc:sldChg>
       <pc:sldChg chg="addSp delSp modSp new mod modClrScheme chgLayout">
         <pc:chgData name="Ankita L Savaliya" userId="S::als8453@my.utexas.edu::45302890-fb20-4ef9-a20b-62d8ea27512f" providerId="AD" clId="Web-{C91C6CB5-30EE-1138-D55B-4440F6758D12}" dt="2025-01-22T21:51:35.745" v="502" actId="20577"/>
@@ -237,118 +188,6 @@
             <ac:spMk id="2" creationId="{D4A847F5-FE7F-970F-30A8-F14DC30F0298}"/>
           </ac:spMkLst>
         </pc:spChg>
-        <pc:spChg chg="del mod ord">
-          <ac:chgData name="Ankita L Savaliya" userId="S::als8453@my.utexas.edu::45302890-fb20-4ef9-a20b-62d8ea27512f" providerId="AD" clId="Web-{C91C6CB5-30EE-1138-D55B-4440F6758D12}" dt="2025-01-22T20:16:19.586" v="122"/>
-          <ac:spMkLst>
-            <pc:docMk/>
-            <pc:sldMk cId="2325500405" sldId="257"/>
-            <ac:spMk id="3" creationId="{407941DE-F47C-6E68-354D-8017BD1460E2}"/>
-          </ac:spMkLst>
-        </pc:spChg>
-        <pc:spChg chg="add del">
-          <ac:chgData name="Ankita L Savaliya" userId="S::als8453@my.utexas.edu::45302890-fb20-4ef9-a20b-62d8ea27512f" providerId="AD" clId="Web-{C91C6CB5-30EE-1138-D55B-4440F6758D12}" dt="2025-01-22T20:20:18.936" v="145"/>
-          <ac:spMkLst>
-            <pc:docMk/>
-            <pc:sldMk cId="2325500405" sldId="257"/>
-            <ac:spMk id="5" creationId="{368C7530-7E11-B139-E4C0-11E894C5A2E4}"/>
-          </ac:spMkLst>
-        </pc:spChg>
-        <pc:spChg chg="add del mod">
-          <ac:chgData name="Ankita L Savaliya" userId="S::als8453@my.utexas.edu::45302890-fb20-4ef9-a20b-62d8ea27512f" providerId="AD" clId="Web-{C91C6CB5-30EE-1138-D55B-4440F6758D12}" dt="2025-01-22T20:16:51.712" v="125"/>
-          <ac:spMkLst>
-            <pc:docMk/>
-            <pc:sldMk cId="2325500405" sldId="257"/>
-            <ac:spMk id="9" creationId="{845D7DA4-0A30-F667-174F-8A99022B50FE}"/>
-          </ac:spMkLst>
-        </pc:spChg>
-        <pc:spChg chg="add del mod">
-          <ac:chgData name="Ankita L Savaliya" userId="S::als8453@my.utexas.edu::45302890-fb20-4ef9-a20b-62d8ea27512f" providerId="AD" clId="Web-{C91C6CB5-30EE-1138-D55B-4440F6758D12}" dt="2025-01-22T20:16:51.712" v="125"/>
-          <ac:spMkLst>
-            <pc:docMk/>
-            <pc:sldMk cId="2325500405" sldId="257"/>
-            <ac:spMk id="11" creationId="{7A6840E9-E4CF-DCC4-9B0D-7D4B8FDC3F5A}"/>
-          </ac:spMkLst>
-        </pc:spChg>
-        <pc:spChg chg="add del mod">
-          <ac:chgData name="Ankita L Savaliya" userId="S::als8453@my.utexas.edu::45302890-fb20-4ef9-a20b-62d8ea27512f" providerId="AD" clId="Web-{C91C6CB5-30EE-1138-D55B-4440F6758D12}" dt="2025-01-22T20:16:51.712" v="125"/>
-          <ac:spMkLst>
-            <pc:docMk/>
-            <pc:sldMk cId="2325500405" sldId="257"/>
-            <ac:spMk id="13" creationId="{33BFA14B-AF0A-16F8-9A2F-D4A1F799D935}"/>
-          </ac:spMkLst>
-        </pc:spChg>
-        <pc:spChg chg="add del mod">
-          <ac:chgData name="Ankita L Savaliya" userId="S::als8453@my.utexas.edu::45302890-fb20-4ef9-a20b-62d8ea27512f" providerId="AD" clId="Web-{C91C6CB5-30EE-1138-D55B-4440F6758D12}" dt="2025-01-22T20:16:51.712" v="125"/>
-          <ac:spMkLst>
-            <pc:docMk/>
-            <pc:sldMk cId="2325500405" sldId="257"/>
-            <ac:spMk id="15" creationId="{B9FC7F56-BFF9-92C8-CFE9-7DD25BADAF55}"/>
-          </ac:spMkLst>
-        </pc:spChg>
-        <pc:spChg chg="add del mod">
-          <ac:chgData name="Ankita L Savaliya" userId="S::als8453@my.utexas.edu::45302890-fb20-4ef9-a20b-62d8ea27512f" providerId="AD" clId="Web-{C91C6CB5-30EE-1138-D55B-4440F6758D12}" dt="2025-01-22T20:16:57.697" v="127"/>
-          <ac:spMkLst>
-            <pc:docMk/>
-            <pc:sldMk cId="2325500405" sldId="257"/>
-            <ac:spMk id="17" creationId="{A8FEFC5F-58A1-CAC9-80D5-84E6B5B21375}"/>
-          </ac:spMkLst>
-        </pc:spChg>
-        <pc:spChg chg="add del mod">
-          <ac:chgData name="Ankita L Savaliya" userId="S::als8453@my.utexas.edu::45302890-fb20-4ef9-a20b-62d8ea27512f" providerId="AD" clId="Web-{C91C6CB5-30EE-1138-D55B-4440F6758D12}" dt="2025-01-22T20:16:57.697" v="127"/>
-          <ac:spMkLst>
-            <pc:docMk/>
-            <pc:sldMk cId="2325500405" sldId="257"/>
-            <ac:spMk id="18" creationId="{ED15E8A2-D419-9C0A-32B9-58D00E5C7AB4}"/>
-          </ac:spMkLst>
-        </pc:spChg>
-        <pc:spChg chg="add del mod">
-          <ac:chgData name="Ankita L Savaliya" userId="S::als8453@my.utexas.edu::45302890-fb20-4ef9-a20b-62d8ea27512f" providerId="AD" clId="Web-{C91C6CB5-30EE-1138-D55B-4440F6758D12}" dt="2025-01-22T20:16:57.697" v="127"/>
-          <ac:spMkLst>
-            <pc:docMk/>
-            <pc:sldMk cId="2325500405" sldId="257"/>
-            <ac:spMk id="19" creationId="{F0D63009-2B4F-2842-FC43-B3D8A6E6B9DB}"/>
-          </ac:spMkLst>
-        </pc:spChg>
-        <pc:spChg chg="add del mod">
-          <ac:chgData name="Ankita L Savaliya" userId="S::als8453@my.utexas.edu::45302890-fb20-4ef9-a20b-62d8ea27512f" providerId="AD" clId="Web-{C91C6CB5-30EE-1138-D55B-4440F6758D12}" dt="2025-01-22T20:16:57.697" v="127"/>
-          <ac:spMkLst>
-            <pc:docMk/>
-            <pc:sldMk cId="2325500405" sldId="257"/>
-            <ac:spMk id="20" creationId="{891A393B-1F80-3287-62A0-8B312728A7FE}"/>
-          </ac:spMkLst>
-        </pc:spChg>
-        <pc:spChg chg="add del mod">
-          <ac:chgData name="Ankita L Savaliya" userId="S::als8453@my.utexas.edu::45302890-fb20-4ef9-a20b-62d8ea27512f" providerId="AD" clId="Web-{C91C6CB5-30EE-1138-D55B-4440F6758D12}" dt="2025-01-22T20:17:05.791" v="129"/>
-          <ac:spMkLst>
-            <pc:docMk/>
-            <pc:sldMk cId="2325500405" sldId="257"/>
-            <ac:spMk id="22" creationId="{7201BF3C-8705-9302-3C93-84E8F18BF711}"/>
-          </ac:spMkLst>
-        </pc:spChg>
-        <pc:spChg chg="add del mod">
-          <ac:chgData name="Ankita L Savaliya" userId="S::als8453@my.utexas.edu::45302890-fb20-4ef9-a20b-62d8ea27512f" providerId="AD" clId="Web-{C91C6CB5-30EE-1138-D55B-4440F6758D12}" dt="2025-01-22T20:17:05.791" v="129"/>
-          <ac:spMkLst>
-            <pc:docMk/>
-            <pc:sldMk cId="2325500405" sldId="257"/>
-            <ac:spMk id="23" creationId="{6673B721-4C3D-9865-563B-C67A0C237A1C}"/>
-          </ac:spMkLst>
-        </pc:spChg>
-        <pc:spChg chg="add del mod">
-          <ac:chgData name="Ankita L Savaliya" userId="S::als8453@my.utexas.edu::45302890-fb20-4ef9-a20b-62d8ea27512f" providerId="AD" clId="Web-{C91C6CB5-30EE-1138-D55B-4440F6758D12}" dt="2025-01-22T20:17:05.791" v="129"/>
-          <ac:spMkLst>
-            <pc:docMk/>
-            <pc:sldMk cId="2325500405" sldId="257"/>
-            <ac:spMk id="24" creationId="{00AE726C-0F2E-67E7-6C28-2418C9989DBE}"/>
-          </ac:spMkLst>
-        </pc:spChg>
-        <pc:spChg chg="add del mod">
-          <ac:chgData name="Ankita L Savaliya" userId="S::als8453@my.utexas.edu::45302890-fb20-4ef9-a20b-62d8ea27512f" providerId="AD" clId="Web-{C91C6CB5-30EE-1138-D55B-4440F6758D12}" dt="2025-01-22T20:17:05.791" v="129"/>
-          <ac:spMkLst>
-            <pc:docMk/>
-            <pc:sldMk cId="2325500405" sldId="257"/>
-            <ac:spMk id="25" creationId="{20B6BC90-D9EA-6145-3439-57FF1DFD3B78}"/>
-          </ac:spMkLst>
-        </pc:spChg>
         <pc:spChg chg="add mod ord">
           <ac:chgData name="Ankita L Savaliya" userId="S::als8453@my.utexas.edu::45302890-fb20-4ef9-a20b-62d8ea27512f" providerId="AD" clId="Web-{C91C6CB5-30EE-1138-D55B-4440F6758D12}" dt="2025-01-22T21:51:35.745" v="502" actId="20577"/>
           <ac:spMkLst>
@@ -370,33 +209,9 @@
           <ac:spMkLst>
             <pc:docMk/>
             <pc:sldMk cId="2325500405" sldId="257"/>
-            <ac:spMk id="29" creationId="{33BFA14B-AF0A-16F8-9A2F-D4A1F799D935}"/>
-          </ac:spMkLst>
-        </pc:spChg>
-        <pc:spChg chg="add mod ord">
-          <ac:chgData name="Ankita L Savaliya" userId="S::als8453@my.utexas.edu::45302890-fb20-4ef9-a20b-62d8ea27512f" providerId="AD" clId="Web-{C91C6CB5-30EE-1138-D55B-4440F6758D12}" dt="2025-01-22T20:27:51.385" v="167"/>
-          <ac:spMkLst>
-            <pc:docMk/>
-            <pc:sldMk cId="2325500405" sldId="257"/>
             <ac:spMk id="30" creationId="{B9FC7F56-BFF9-92C8-CFE9-7DD25BADAF55}"/>
           </ac:spMkLst>
         </pc:spChg>
-        <pc:picChg chg="add mod ord modCrop">
-          <ac:chgData name="Ankita L Savaliya" userId="S::als8453@my.utexas.edu::45302890-fb20-4ef9-a20b-62d8ea27512f" providerId="AD" clId="Web-{C91C6CB5-30EE-1138-D55B-4440F6758D12}" dt="2025-01-22T20:31:22.421" v="186" actId="14100"/>
-          <ac:picMkLst>
-            <pc:docMk/>
-            <pc:sldMk cId="2325500405" sldId="257"/>
-            <ac:picMk id="4" creationId="{67F7E326-4B29-1179-77EB-5DBE5B268BE4}"/>
-          </ac:picMkLst>
-        </pc:picChg>
-        <pc:picChg chg="add del mod">
-          <ac:chgData name="Ankita L Savaliya" userId="S::als8453@my.utexas.edu::45302890-fb20-4ef9-a20b-62d8ea27512f" providerId="AD" clId="Web-{C91C6CB5-30EE-1138-D55B-4440F6758D12}" dt="2025-01-22T20:27:54.713" v="168"/>
-          <ac:picMkLst>
-            <pc:docMk/>
-            <pc:sldMk cId="2325500405" sldId="257"/>
-            <ac:picMk id="6" creationId="{7E5D63B3-DB54-6542-D966-D3C5D314A28B}"/>
-          </ac:picMkLst>
-        </pc:picChg>
       </pc:sldChg>
       <pc:sldChg chg="addSp delSp modSp new mod modClrScheme chgLayout">
         <pc:chgData name="Ankita L Savaliya" userId="S::als8453@my.utexas.edu::45302890-fb20-4ef9-a20b-62d8ea27512f" providerId="AD" clId="Web-{C91C6CB5-30EE-1138-D55B-4440F6758D12}" dt="2025-01-22T20:52:17.983" v="297" actId="20577"/>
@@ -412,22 +227,6 @@
             <ac:spMk id="2" creationId="{BF65AC6B-C37F-8594-FB87-8458012C9F88}"/>
           </ac:spMkLst>
         </pc:spChg>
-        <pc:spChg chg="del mod ord">
-          <ac:chgData name="Ankita L Savaliya" userId="S::als8453@my.utexas.edu::45302890-fb20-4ef9-a20b-62d8ea27512f" providerId="AD" clId="Web-{C91C6CB5-30EE-1138-D55B-4440F6758D12}" dt="2025-01-22T20:28:11.776" v="171"/>
-          <ac:spMkLst>
-            <pc:docMk/>
-            <pc:sldMk cId="3667998280" sldId="258"/>
-            <ac:spMk id="3" creationId="{E96BFFFD-C94C-2D03-DC2B-AB6D7E091FA1}"/>
-          </ac:spMkLst>
-        </pc:spChg>
-        <pc:spChg chg="del">
-          <ac:chgData name="Ankita L Savaliya" userId="S::als8453@my.utexas.edu::45302890-fb20-4ef9-a20b-62d8ea27512f" providerId="AD" clId="Web-{C91C6CB5-30EE-1138-D55B-4440F6758D12}" dt="2025-01-22T20:28:07.823" v="170"/>
-          <ac:spMkLst>
-            <pc:docMk/>
-            <pc:sldMk cId="3667998280" sldId="258"/>
-            <ac:spMk id="4" creationId="{4395BD8C-42F2-8101-8C67-09CD8A12379B}"/>
-          </ac:spMkLst>
-        </pc:spChg>
         <pc:spChg chg="mod ord">
           <ac:chgData name="Ankita L Savaliya" userId="S::als8453@my.utexas.edu::45302890-fb20-4ef9-a20b-62d8ea27512f" providerId="AD" clId="Web-{C91C6CB5-30EE-1138-D55B-4440F6758D12}" dt="2025-01-22T20:28:07.823" v="170"/>
           <ac:spMkLst>
@@ -441,49 +240,9 @@
           <ac:spMkLst>
             <pc:docMk/>
             <pc:sldMk cId="3667998280" sldId="258"/>
-            <ac:spMk id="6" creationId="{74AA2136-DCE3-3C43-480E-69E0B597C6BC}"/>
-          </ac:spMkLst>
-        </pc:spChg>
-        <pc:spChg chg="mod ord">
-          <ac:chgData name="Ankita L Savaliya" userId="S::als8453@my.utexas.edu::45302890-fb20-4ef9-a20b-62d8ea27512f" providerId="AD" clId="Web-{C91C6CB5-30EE-1138-D55B-4440F6758D12}" dt="2025-01-22T20:28:07.823" v="170"/>
-          <ac:spMkLst>
-            <pc:docMk/>
-            <pc:sldMk cId="3667998280" sldId="258"/>
             <ac:spMk id="7" creationId="{3555EC99-46B4-888B-5297-AB12D7AB4C0C}"/>
           </ac:spMkLst>
         </pc:spChg>
-        <pc:spChg chg="add del mod">
-          <ac:chgData name="Ankita L Savaliya" userId="S::als8453@my.utexas.edu::45302890-fb20-4ef9-a20b-62d8ea27512f" providerId="AD" clId="Web-{C91C6CB5-30EE-1138-D55B-4440F6758D12}" dt="2025-01-22T20:34:09.097" v="200"/>
-          <ac:spMkLst>
-            <pc:docMk/>
-            <pc:sldMk cId="3667998280" sldId="258"/>
-            <ac:spMk id="9" creationId="{56BF852A-D6B2-877A-2CCE-D54BE497EDFA}"/>
-          </ac:spMkLst>
-        </pc:spChg>
-        <pc:spChg chg="add del mod">
-          <ac:chgData name="Ankita L Savaliya" userId="S::als8453@my.utexas.edu::45302890-fb20-4ef9-a20b-62d8ea27512f" providerId="AD" clId="Web-{C91C6CB5-30EE-1138-D55B-4440F6758D12}" dt="2025-01-22T20:34:28.254" v="205"/>
-          <ac:spMkLst>
-            <pc:docMk/>
-            <pc:sldMk cId="3667998280" sldId="258"/>
-            <ac:spMk id="10" creationId="{6148793E-3DB1-7E41-E218-4B1A1AE883D4}"/>
-          </ac:spMkLst>
-        </pc:spChg>
-        <pc:spChg chg="add mod">
-          <ac:chgData name="Ankita L Savaliya" userId="S::als8453@my.utexas.edu::45302890-fb20-4ef9-a20b-62d8ea27512f" providerId="AD" clId="Web-{C91C6CB5-30EE-1138-D55B-4440F6758D12}" dt="2025-01-22T20:38:09.603" v="240" actId="20577"/>
-          <ac:spMkLst>
-            <pc:docMk/>
-            <pc:sldMk cId="3667998280" sldId="258"/>
-            <ac:spMk id="11" creationId="{38CFB88B-D0EC-A75F-1E88-435A3BA984DA}"/>
-          </ac:spMkLst>
-        </pc:spChg>
-        <pc:picChg chg="add mod ord">
-          <ac:chgData name="Ankita L Savaliya" userId="S::als8453@my.utexas.edu::45302890-fb20-4ef9-a20b-62d8ea27512f" providerId="AD" clId="Web-{C91C6CB5-30EE-1138-D55B-4440F6758D12}" dt="2025-01-22T20:34:48.801" v="210" actId="14100"/>
-          <ac:picMkLst>
-            <pc:docMk/>
-            <pc:sldMk cId="3667998280" sldId="258"/>
-            <ac:picMk id="8" creationId="{9C1561B6-2DE7-3970-B530-E754B8F93107}"/>
-          </ac:picMkLst>
-        </pc:picChg>
       </pc:sldChg>
       <pc:sldChg chg="addSp delSp modSp new ord">
         <pc:chgData name="Ankita L Savaliya" userId="S::als8453@my.utexas.edu::45302890-fb20-4ef9-a20b-62d8ea27512f" providerId="AD" clId="Web-{C91C6CB5-30EE-1138-D55B-4440F6758D12}" dt="2025-01-22T21:52:49.564" v="504" actId="20577"/>
@@ -491,38 +250,6 @@
           <pc:docMk/>
           <pc:sldMk cId="1500749005" sldId="259"/>
         </pc:sldMkLst>
-        <pc:spChg chg="mod">
-          <ac:chgData name="Ankita L Savaliya" userId="S::als8453@my.utexas.edu::45302890-fb20-4ef9-a20b-62d8ea27512f" providerId="AD" clId="Web-{C91C6CB5-30EE-1138-D55B-4440F6758D12}" dt="2025-01-22T20:39:57.809" v="252" actId="20577"/>
-          <ac:spMkLst>
-            <pc:docMk/>
-            <pc:sldMk cId="1500749005" sldId="259"/>
-            <ac:spMk id="2" creationId="{96860D78-5533-382B-8BC4-FB8AACB18B26}"/>
-          </ac:spMkLst>
-        </pc:spChg>
-        <pc:spChg chg="del">
-          <ac:chgData name="Ankita L Savaliya" userId="S::als8453@my.utexas.edu::45302890-fb20-4ef9-a20b-62d8ea27512f" providerId="AD" clId="Web-{C91C6CB5-30EE-1138-D55B-4440F6758D12}" dt="2025-01-22T20:40:41.388" v="253"/>
-          <ac:spMkLst>
-            <pc:docMk/>
-            <pc:sldMk cId="1500749005" sldId="259"/>
-            <ac:spMk id="3" creationId="{08BBE205-7680-FCF0-8FB4-F836AA40DFBE}"/>
-          </ac:spMkLst>
-        </pc:spChg>
-        <pc:spChg chg="mod">
-          <ac:chgData name="Ankita L Savaliya" userId="S::als8453@my.utexas.edu::45302890-fb20-4ef9-a20b-62d8ea27512f" providerId="AD" clId="Web-{C91C6CB5-30EE-1138-D55B-4440F6758D12}" dt="2025-01-22T21:52:49.564" v="504" actId="20577"/>
-          <ac:spMkLst>
-            <pc:docMk/>
-            <pc:sldMk cId="1500749005" sldId="259"/>
-            <ac:spMk id="4" creationId="{66A83C4F-6C53-107B-881F-FDA6C5E8E56D}"/>
-          </ac:spMkLst>
-        </pc:spChg>
-        <pc:picChg chg="add mod ord">
-          <ac:chgData name="Ankita L Savaliya" userId="S::als8453@my.utexas.edu::45302890-fb20-4ef9-a20b-62d8ea27512f" providerId="AD" clId="Web-{C91C6CB5-30EE-1138-D55B-4440F6758D12}" dt="2025-01-22T20:40:41.388" v="253"/>
-          <ac:picMkLst>
-            <pc:docMk/>
-            <pc:sldMk cId="1500749005" sldId="259"/>
-            <ac:picMk id="8" creationId="{0CB682B8-0C6D-8142-36B1-AF8E2C5D1355}"/>
-          </ac:picMkLst>
-        </pc:picChg>
       </pc:sldChg>
       <pc:sldChg chg="new del">
         <pc:chgData name="Ankita L Savaliya" userId="S::als8453@my.utexas.edu::45302890-fb20-4ef9-a20b-62d8ea27512f" providerId="AD" clId="Web-{C91C6CB5-30EE-1138-D55B-4440F6758D12}" dt="2025-01-22T20:44:56.598" v="282"/>
@@ -537,38 +264,6 @@
           <pc:docMk/>
           <pc:sldMk cId="2838710785" sldId="260"/>
         </pc:sldMkLst>
-        <pc:spChg chg="add del mod">
-          <ac:chgData name="Ankita L Savaliya" userId="S::als8453@my.utexas.edu::45302890-fb20-4ef9-a20b-62d8ea27512f" providerId="AD" clId="Web-{C91C6CB5-30EE-1138-D55B-4440F6758D12}" dt="2025-01-22T20:46:36.506" v="293"/>
-          <ac:spMkLst>
-            <pc:docMk/>
-            <pc:sldMk cId="2838710785" sldId="260"/>
-            <ac:spMk id="4" creationId="{D5836C5A-8ACA-3E7C-E826-7BF512A547BC}"/>
-          </ac:spMkLst>
-        </pc:spChg>
-        <pc:spChg chg="mod">
-          <ac:chgData name="Ankita L Savaliya" userId="S::als8453@my.utexas.edu::45302890-fb20-4ef9-a20b-62d8ea27512f" providerId="AD" clId="Web-{C91C6CB5-30EE-1138-D55B-4440F6758D12}" dt="2025-01-22T21:55:27.741" v="517" actId="20577"/>
-          <ac:spMkLst>
-            <pc:docMk/>
-            <pc:sldMk cId="2838710785" sldId="260"/>
-            <ac:spMk id="11" creationId="{38CFB88B-D0EC-A75F-1E88-435A3BA984DA}"/>
-          </ac:spMkLst>
-        </pc:spChg>
-        <pc:picChg chg="del">
-          <ac:chgData name="Ankita L Savaliya" userId="S::als8453@my.utexas.edu::45302890-fb20-4ef9-a20b-62d8ea27512f" providerId="AD" clId="Web-{C91C6CB5-30EE-1138-D55B-4440F6758D12}" dt="2025-01-22T20:45:57.068" v="292"/>
-          <ac:picMkLst>
-            <pc:docMk/>
-            <pc:sldMk cId="2838710785" sldId="260"/>
-            <ac:picMk id="8" creationId="{9C1561B6-2DE7-3970-B530-E754B8F93107}"/>
-          </ac:picMkLst>
-        </pc:picChg>
-        <pc:picChg chg="add mod ord">
-          <ac:chgData name="Ankita L Savaliya" userId="S::als8453@my.utexas.edu::45302890-fb20-4ef9-a20b-62d8ea27512f" providerId="AD" clId="Web-{C91C6CB5-30EE-1138-D55B-4440F6758D12}" dt="2025-01-22T20:46:43.256" v="295" actId="14100"/>
-          <ac:picMkLst>
-            <pc:docMk/>
-            <pc:sldMk cId="2838710785" sldId="260"/>
-            <ac:picMk id="9" creationId="{FCF799C0-807C-1A08-51CC-F5104BF8583A}"/>
-          </ac:picMkLst>
-        </pc:picChg>
       </pc:sldChg>
       <pc:sldChg chg="addSp delSp modSp add ord replId">
         <pc:chgData name="Ankita L Savaliya" userId="S::als8453@my.utexas.edu::45302890-fb20-4ef9-a20b-62d8ea27512f" providerId="AD" clId="Web-{C91C6CB5-30EE-1138-D55B-4440F6758D12}" dt="2025-01-22T21:02:50.515" v="342" actId="20577"/>
@@ -584,14 +279,6 @@
             <ac:spMk id="2" creationId="{BF65AC6B-C37F-8594-FB87-8458012C9F88}"/>
           </ac:spMkLst>
         </pc:spChg>
-        <pc:spChg chg="add del mod">
-          <ac:chgData name="Ankita L Savaliya" userId="S::als8453@my.utexas.edu::45302890-fb20-4ef9-a20b-62d8ea27512f" providerId="AD" clId="Web-{C91C6CB5-30EE-1138-D55B-4440F6758D12}" dt="2025-01-22T21:00:58.981" v="325"/>
-          <ac:spMkLst>
-            <pc:docMk/>
-            <pc:sldMk cId="2469089735" sldId="261"/>
-            <ac:spMk id="4" creationId="{18C00A05-0244-6A88-1A2E-28B240E4BCC8}"/>
-          </ac:spMkLst>
-        </pc:spChg>
         <pc:spChg chg="mod">
           <ac:chgData name="Ankita L Savaliya" userId="S::als8453@my.utexas.edu::45302890-fb20-4ef9-a20b-62d8ea27512f" providerId="AD" clId="Web-{C91C6CB5-30EE-1138-D55B-4440F6758D12}" dt="2025-01-22T20:59:57.807" v="323" actId="20577"/>
           <ac:spMkLst>
@@ -600,46 +287,6 @@
             <ac:spMk id="11" creationId="{38CFB88B-D0EC-A75F-1E88-435A3BA984DA}"/>
           </ac:spMkLst>
         </pc:spChg>
-        <pc:spChg chg="add del mod">
-          <ac:chgData name="Ankita L Savaliya" userId="S::als8453@my.utexas.edu::45302890-fb20-4ef9-a20b-62d8ea27512f" providerId="AD" clId="Web-{C91C6CB5-30EE-1138-D55B-4440F6758D12}" dt="2025-01-22T21:02:28.889" v="338"/>
-          <ac:spMkLst>
-            <pc:docMk/>
-            <pc:sldMk cId="2469089735" sldId="261"/>
-            <ac:spMk id="13" creationId="{668DFD80-CE57-E783-E4C3-EF80C9637A71}"/>
-          </ac:spMkLst>
-        </pc:spChg>
-        <pc:picChg chg="del">
-          <ac:chgData name="Ankita L Savaliya" userId="S::als8453@my.utexas.edu::45302890-fb20-4ef9-a20b-62d8ea27512f" providerId="AD" clId="Web-{C91C6CB5-30EE-1138-D55B-4440F6758D12}" dt="2025-01-22T21:00:57.996" v="324"/>
-          <ac:picMkLst>
-            <pc:docMk/>
-            <pc:sldMk cId="2469089735" sldId="261"/>
-            <ac:picMk id="8" creationId="{9C1561B6-2DE7-3970-B530-E754B8F93107}"/>
-          </ac:picMkLst>
-        </pc:picChg>
-        <pc:picChg chg="add del mod ord">
-          <ac:chgData name="Ankita L Savaliya" userId="S::als8453@my.utexas.edu::45302890-fb20-4ef9-a20b-62d8ea27512f" providerId="AD" clId="Web-{C91C6CB5-30EE-1138-D55B-4440F6758D12}" dt="2025-01-22T21:01:38.107" v="331"/>
-          <ac:picMkLst>
-            <pc:docMk/>
-            <pc:sldMk cId="2469089735" sldId="261"/>
-            <ac:picMk id="9" creationId="{BB934697-AADE-0301-580C-5A86CB57E412}"/>
-          </ac:picMkLst>
-        </pc:picChg>
-        <pc:picChg chg="add del mod">
-          <ac:chgData name="Ankita L Savaliya" userId="S::als8453@my.utexas.edu::45302890-fb20-4ef9-a20b-62d8ea27512f" providerId="AD" clId="Web-{C91C6CB5-30EE-1138-D55B-4440F6758D12}" dt="2025-01-22T21:02:07.717" v="337"/>
-          <ac:picMkLst>
-            <pc:docMk/>
-            <pc:sldMk cId="2469089735" sldId="261"/>
-            <ac:picMk id="10" creationId="{3A412F5A-8E4F-E91A-E19E-3B115BEB79B8}"/>
-          </ac:picMkLst>
-        </pc:picChg>
-        <pc:picChg chg="add mod">
-          <ac:chgData name="Ankita L Savaliya" userId="S::als8453@my.utexas.edu::45302890-fb20-4ef9-a20b-62d8ea27512f" providerId="AD" clId="Web-{C91C6CB5-30EE-1138-D55B-4440F6758D12}" dt="2025-01-22T21:02:38.092" v="341" actId="14100"/>
-          <ac:picMkLst>
-            <pc:docMk/>
-            <pc:sldMk cId="2469089735" sldId="261"/>
-            <ac:picMk id="14" creationId="{7AC79389-110C-A72B-87FA-C9C4682AF93F}"/>
-          </ac:picMkLst>
-        </pc:picChg>
       </pc:sldChg>
       <pc:sldChg chg="addSp delSp modSp add ord replId">
         <pc:chgData name="Ankita L Savaliya" userId="S::als8453@my.utexas.edu::45302890-fb20-4ef9-a20b-62d8ea27512f" providerId="AD" clId="Web-{C91C6CB5-30EE-1138-D55B-4440F6758D12}" dt="2025-01-22T21:53:17.469" v="506" actId="20577"/>
@@ -655,14 +302,6 @@
             <ac:spMk id="2" creationId="{D4A847F5-FE7F-970F-30A8-F14DC30F0298}"/>
           </ac:spMkLst>
         </pc:spChg>
-        <pc:spChg chg="add del mod">
-          <ac:chgData name="Ankita L Savaliya" userId="S::als8453@my.utexas.edu::45302890-fb20-4ef9-a20b-62d8ea27512f" providerId="AD" clId="Web-{C91C6CB5-30EE-1138-D55B-4440F6758D12}" dt="2025-01-22T20:56:19.880" v="314"/>
-          <ac:spMkLst>
-            <pc:docMk/>
-            <pc:sldMk cId="3068163590" sldId="262"/>
-            <ac:spMk id="5" creationId="{A11951DC-1BE3-96FE-DF4A-48A2F7340B5E}"/>
-          </ac:spMkLst>
-        </pc:spChg>
         <pc:spChg chg="mod">
           <ac:chgData name="Ankita L Savaliya" userId="S::als8453@my.utexas.edu::45302890-fb20-4ef9-a20b-62d8ea27512f" providerId="AD" clId="Web-{C91C6CB5-30EE-1138-D55B-4440F6758D12}" dt="2025-01-22T21:53:17.469" v="506" actId="20577"/>
           <ac:spMkLst>
@@ -671,22 +310,6 @@
             <ac:spMk id="27" creationId="{845D7DA4-0A30-F667-174F-8A99022B50FE}"/>
           </ac:spMkLst>
         </pc:spChg>
-        <pc:picChg chg="del">
-          <ac:chgData name="Ankita L Savaliya" userId="S::als8453@my.utexas.edu::45302890-fb20-4ef9-a20b-62d8ea27512f" providerId="AD" clId="Web-{C91C6CB5-30EE-1138-D55B-4440F6758D12}" dt="2025-01-22T20:56:18.536" v="313"/>
-          <ac:picMkLst>
-            <pc:docMk/>
-            <pc:sldMk cId="3068163590" sldId="262"/>
-            <ac:picMk id="4" creationId="{67F7E326-4B29-1179-77EB-5DBE5B268BE4}"/>
-          </ac:picMkLst>
-        </pc:picChg>
-        <pc:picChg chg="add mod ord">
-          <ac:chgData name="Ankita L Savaliya" userId="S::als8453@my.utexas.edu::45302890-fb20-4ef9-a20b-62d8ea27512f" providerId="AD" clId="Web-{C91C6CB5-30EE-1138-D55B-4440F6758D12}" dt="2025-01-22T20:56:19.880" v="314"/>
-          <ac:picMkLst>
-            <pc:docMk/>
-            <pc:sldMk cId="3068163590" sldId="262"/>
-            <ac:picMk id="6" creationId="{3865C398-C6D5-1F5C-D399-95AB24DBB17E}"/>
-          </ac:picMkLst>
-        </pc:picChg>
       </pc:sldChg>
       <pc:sldChg chg="addSp delSp modSp add replId">
         <pc:chgData name="Ankita L Savaliya" userId="S::als8453@my.utexas.edu::45302890-fb20-4ef9-a20b-62d8ea27512f" providerId="AD" clId="Web-{C91C6CB5-30EE-1138-D55B-4440F6758D12}" dt="2025-01-22T21:26:58.316" v="457" actId="20577"/>
@@ -710,22 +333,6 @@
             <ac:spMk id="11" creationId="{38CFB88B-D0EC-A75F-1E88-435A3BA984DA}"/>
           </ac:spMkLst>
         </pc:spChg>
-        <pc:picChg chg="add mod">
-          <ac:chgData name="Ankita L Savaliya" userId="S::als8453@my.utexas.edu::45302890-fb20-4ef9-a20b-62d8ea27512f" providerId="AD" clId="Web-{C91C6CB5-30EE-1138-D55B-4440F6758D12}" dt="2025-01-22T21:20:29.135" v="450" actId="1076"/>
-          <ac:picMkLst>
-            <pc:docMk/>
-            <pc:sldMk cId="2008372941" sldId="263"/>
-            <ac:picMk id="3" creationId="{BA857B5F-208A-CB4D-EF92-8EE7C93AF72A}"/>
-          </ac:picMkLst>
-        </pc:picChg>
-        <pc:picChg chg="del">
-          <ac:chgData name="Ankita L Savaliya" userId="S::als8453@my.utexas.edu::45302890-fb20-4ef9-a20b-62d8ea27512f" providerId="AD" clId="Web-{C91C6CB5-30EE-1138-D55B-4440F6758D12}" dt="2025-01-22T21:20:17.525" v="446"/>
-          <ac:picMkLst>
-            <pc:docMk/>
-            <pc:sldMk cId="2008372941" sldId="263"/>
-            <ac:picMk id="14" creationId="{7AC79389-110C-A72B-87FA-C9C4682AF93F}"/>
-          </ac:picMkLst>
-        </pc:picChg>
       </pc:sldChg>
       <pc:sldChg chg="addSp delSp modSp add replId">
         <pc:chgData name="Ankita L Savaliya" userId="S::als8453@my.utexas.edu::45302890-fb20-4ef9-a20b-62d8ea27512f" providerId="AD" clId="Web-{C91C6CB5-30EE-1138-D55B-4440F6758D12}" dt="2025-01-22T22:00:52.819" v="526" actId="1076"/>
@@ -741,22 +348,6 @@
             <ac:spMk id="2" creationId="{D4A847F5-FE7F-970F-30A8-F14DC30F0298}"/>
           </ac:spMkLst>
         </pc:spChg>
-        <pc:spChg chg="add del mod">
-          <ac:chgData name="Ankita L Savaliya" userId="S::als8453@my.utexas.edu::45302890-fb20-4ef9-a20b-62d8ea27512f" providerId="AD" clId="Web-{C91C6CB5-30EE-1138-D55B-4440F6758D12}" dt="2025-01-22T21:07:26.850" v="380"/>
-          <ac:spMkLst>
-            <pc:docMk/>
-            <pc:sldMk cId="581286553" sldId="264"/>
-            <ac:spMk id="4" creationId="{4E476A24-47E4-7491-6E36-B6F647599799}"/>
-          </ac:spMkLst>
-        </pc:spChg>
-        <pc:spChg chg="add del mod">
-          <ac:chgData name="Ankita L Savaliya" userId="S::als8453@my.utexas.edu::45302890-fb20-4ef9-a20b-62d8ea27512f" providerId="AD" clId="Web-{C91C6CB5-30EE-1138-D55B-4440F6758D12}" dt="2025-01-22T21:58:49.094" v="519"/>
-          <ac:spMkLst>
-            <pc:docMk/>
-            <pc:sldMk cId="581286553" sldId="264"/>
-            <ac:spMk id="4" creationId="{51349BC4-D4F7-1101-7F7D-51662C4EBBF1}"/>
-          </ac:spMkLst>
-        </pc:spChg>
         <pc:spChg chg="mod">
           <ac:chgData name="Ankita L Savaliya" userId="S::als8453@my.utexas.edu::45302890-fb20-4ef9-a20b-62d8ea27512f" providerId="AD" clId="Web-{C91C6CB5-30EE-1138-D55B-4440F6758D12}" dt="2025-01-22T21:53:38.220" v="508" actId="20577"/>
           <ac:spMkLst>
@@ -765,36 +356,12 @@
             <ac:spMk id="27" creationId="{845D7DA4-0A30-F667-174F-8A99022B50FE}"/>
           </ac:spMkLst>
         </pc:spChg>
-        <pc:picChg chg="add del mod ord">
-          <ac:chgData name="Ankita L Savaliya" userId="S::als8453@my.utexas.edu::45302890-fb20-4ef9-a20b-62d8ea27512f" providerId="AD" clId="Web-{C91C6CB5-30EE-1138-D55B-4440F6758D12}" dt="2025-01-22T21:58:41.750" v="518"/>
-          <ac:picMkLst>
-            <pc:docMk/>
-            <pc:sldMk cId="581286553" sldId="264"/>
-            <ac:picMk id="5" creationId="{AF76974A-8785-7856-DE19-C1D2FC0A384B}"/>
-          </ac:picMkLst>
-        </pc:picChg>
-        <pc:picChg chg="del">
-          <ac:chgData name="Ankita L Savaliya" userId="S::als8453@my.utexas.edu::45302890-fb20-4ef9-a20b-62d8ea27512f" providerId="AD" clId="Web-{C91C6CB5-30EE-1138-D55B-4440F6758D12}" dt="2025-01-22T21:07:25.896" v="379"/>
-          <ac:picMkLst>
-            <pc:docMk/>
-            <pc:sldMk cId="581286553" sldId="264"/>
-            <ac:picMk id="6" creationId="{3865C398-C6D5-1F5C-D399-95AB24DBB17E}"/>
-          </ac:picMkLst>
-        </pc:picChg>
         <pc:picChg chg="add mod">
           <ac:chgData name="Ankita L Savaliya" userId="S::als8453@my.utexas.edu::45302890-fb20-4ef9-a20b-62d8ea27512f" providerId="AD" clId="Web-{C91C6CB5-30EE-1138-D55B-4440F6758D12}" dt="2025-01-22T22:00:05.973" v="523" actId="1076"/>
           <ac:picMkLst>
             <pc:docMk/>
             <pc:sldMk cId="581286553" sldId="264"/>
             <ac:picMk id="6" creationId="{9112A72F-E326-8FEF-F226-03C7004FC633}"/>
-          </ac:picMkLst>
-        </pc:picChg>
-        <pc:picChg chg="add del mod">
-          <ac:chgData name="Ankita L Savaliya" userId="S::als8453@my.utexas.edu::45302890-fb20-4ef9-a20b-62d8ea27512f" providerId="AD" clId="Web-{C91C6CB5-30EE-1138-D55B-4440F6758D12}" dt="2025-01-22T21:58:52.469" v="520"/>
-          <ac:picMkLst>
-            <pc:docMk/>
-            <pc:sldMk cId="581286553" sldId="264"/>
-            <ac:picMk id="7" creationId="{62EDC8AC-A1AC-E8A6-1B2E-EB9656017EB5}"/>
           </ac:picMkLst>
         </pc:picChg>
         <pc:picChg chg="add mod">
@@ -836,14 +403,6 @@
             <ac:picMk id="3" creationId="{BBBCC482-A5EB-CD56-FF36-33C4913761D0}"/>
           </ac:picMkLst>
         </pc:picChg>
-        <pc:picChg chg="del">
-          <ac:chgData name="Ankita L Savaliya" userId="S::als8453@my.utexas.edu::45302890-fb20-4ef9-a20b-62d8ea27512f" providerId="AD" clId="Web-{C91C6CB5-30EE-1138-D55B-4440F6758D12}" dt="2025-01-22T21:48:45.956" v="478"/>
-          <ac:picMkLst>
-            <pc:docMk/>
-            <pc:sldMk cId="413670067" sldId="265"/>
-            <ac:picMk id="14" creationId="{7AC79389-110C-A72B-87FA-C9C4682AF93F}"/>
-          </ac:picMkLst>
-        </pc:picChg>
       </pc:sldChg>
       <pc:sldChg chg="addSp delSp modSp add replId">
         <pc:chgData name="Ankita L Savaliya" userId="S::als8453@my.utexas.edu::45302890-fb20-4ef9-a20b-62d8ea27512f" providerId="AD" clId="Web-{C91C6CB5-30EE-1138-D55B-4440F6758D12}" dt="2025-01-22T21:54:05.377" v="510" actId="20577"/>
@@ -859,14 +418,6 @@
             <ac:spMk id="2" creationId="{D4A847F5-FE7F-970F-30A8-F14DC30F0298}"/>
           </ac:spMkLst>
         </pc:spChg>
-        <pc:spChg chg="add del mod">
-          <ac:chgData name="Ankita L Savaliya" userId="S::als8453@my.utexas.edu::45302890-fb20-4ef9-a20b-62d8ea27512f" providerId="AD" clId="Web-{C91C6CB5-30EE-1138-D55B-4440F6758D12}" dt="2025-01-22T21:46:20.105" v="462"/>
-          <ac:spMkLst>
-            <pc:docMk/>
-            <pc:sldMk cId="3450862647" sldId="266"/>
-            <ac:spMk id="4" creationId="{FCFCF833-9BF9-6F0C-5C12-B9278EE31FAF}"/>
-          </ac:spMkLst>
-        </pc:spChg>
         <pc:spChg chg="mod">
           <ac:chgData name="Ankita L Savaliya" userId="S::als8453@my.utexas.edu::45302890-fb20-4ef9-a20b-62d8ea27512f" providerId="AD" clId="Web-{C91C6CB5-30EE-1138-D55B-4440F6758D12}" dt="2025-01-22T21:54:05.377" v="510" actId="20577"/>
           <ac:spMkLst>
@@ -875,22 +426,6 @@
             <ac:spMk id="27" creationId="{845D7DA4-0A30-F667-174F-8A99022B50FE}"/>
           </ac:spMkLst>
         </pc:spChg>
-        <pc:picChg chg="add mod ord">
-          <ac:chgData name="Ankita L Savaliya" userId="S::als8453@my.utexas.edu::45302890-fb20-4ef9-a20b-62d8ea27512f" providerId="AD" clId="Web-{C91C6CB5-30EE-1138-D55B-4440F6758D12}" dt="2025-01-22T21:46:20.105" v="462"/>
-          <ac:picMkLst>
-            <pc:docMk/>
-            <pc:sldMk cId="3450862647" sldId="266"/>
-            <ac:picMk id="5" creationId="{EA2C5589-D538-E100-5A16-626F3D5A2E6F}"/>
-          </ac:picMkLst>
-        </pc:picChg>
-        <pc:picChg chg="del">
-          <ac:chgData name="Ankita L Savaliya" userId="S::als8453@my.utexas.edu::45302890-fb20-4ef9-a20b-62d8ea27512f" providerId="AD" clId="Web-{C91C6CB5-30EE-1138-D55B-4440F6758D12}" dt="2025-01-22T21:46:19.043" v="461"/>
-          <ac:picMkLst>
-            <pc:docMk/>
-            <pc:sldMk cId="3450862647" sldId="266"/>
-            <ac:picMk id="6" creationId="{3865C398-C6D5-1F5C-D399-95AB24DBB17E}"/>
-          </ac:picMkLst>
-        </pc:picChg>
       </pc:sldChg>
       <pc:sldChg chg="add del replId">
         <pc:chgData name="Ankita L Savaliya" userId="S::als8453@my.utexas.edu::45302890-fb20-4ef9-a20b-62d8ea27512f" providerId="AD" clId="Web-{C91C6CB5-30EE-1138-D55B-4440F6758D12}" dt="2025-01-22T21:08:54.352" v="384"/>
@@ -1574,6 +1109,152 @@
     </pc:docChg>
   </pc:docChgLst>
   <pc:docChgLst>
+    <pc:chgData name="Ankita L Savaliya" userId="S::als8453@my.utexas.edu::45302890-fb20-4ef9-a20b-62d8ea27512f" providerId="AD" clId="Web-{ADA39817-F571-3247-D0BE-A78E3A813ED8}"/>
+    <pc:docChg chg="modSld">
+      <pc:chgData name="Ankita L Savaliya" userId="S::als8453@my.utexas.edu::45302890-fb20-4ef9-a20b-62d8ea27512f" providerId="AD" clId="Web-{ADA39817-F571-3247-D0BE-A78E3A813ED8}" dt="2025-01-27T17:24:30.056" v="66" actId="20577"/>
+      <pc:docMkLst>
+        <pc:docMk/>
+      </pc:docMkLst>
+      <pc:sldChg chg="modSp">
+        <pc:chgData name="Ankita L Savaliya" userId="S::als8453@my.utexas.edu::45302890-fb20-4ef9-a20b-62d8ea27512f" providerId="AD" clId="Web-{ADA39817-F571-3247-D0BE-A78E3A813ED8}" dt="2025-01-27T17:19:48.014" v="16" actId="20577"/>
+        <pc:sldMkLst>
+          <pc:docMk/>
+          <pc:sldMk cId="2325500405" sldId="257"/>
+        </pc:sldMkLst>
+        <pc:spChg chg="mod">
+          <ac:chgData name="Ankita L Savaliya" userId="S::als8453@my.utexas.edu::45302890-fb20-4ef9-a20b-62d8ea27512f" providerId="AD" clId="Web-{ADA39817-F571-3247-D0BE-A78E3A813ED8}" dt="2025-01-27T17:19:48.014" v="16" actId="20577"/>
+          <ac:spMkLst>
+            <pc:docMk/>
+            <pc:sldMk cId="2325500405" sldId="257"/>
+            <ac:spMk id="2" creationId="{D4A847F5-FE7F-970F-30A8-F14DC30F0298}"/>
+          </ac:spMkLst>
+        </pc:spChg>
+        <pc:spChg chg="mod">
+          <ac:chgData name="Ankita L Savaliya" userId="S::als8453@my.utexas.edu::45302890-fb20-4ef9-a20b-62d8ea27512f" providerId="AD" clId="Web-{ADA39817-F571-3247-D0BE-A78E3A813ED8}" dt="2025-01-27T17:14:01.735" v="1" actId="20577"/>
+          <ac:spMkLst>
+            <pc:docMk/>
+            <pc:sldMk cId="2325500405" sldId="257"/>
+            <ac:spMk id="27" creationId="{845D7DA4-0A30-F667-174F-8A99022B50FE}"/>
+          </ac:spMkLst>
+        </pc:spChg>
+      </pc:sldChg>
+      <pc:sldChg chg="modSp">
+        <pc:chgData name="Ankita L Savaliya" userId="S::als8453@my.utexas.edu::45302890-fb20-4ef9-a20b-62d8ea27512f" providerId="AD" clId="Web-{ADA39817-F571-3247-D0BE-A78E3A813ED8}" dt="2025-01-27T17:20:14.187" v="18" actId="20577"/>
+        <pc:sldMkLst>
+          <pc:docMk/>
+          <pc:sldMk cId="3068163590" sldId="262"/>
+        </pc:sldMkLst>
+        <pc:spChg chg="mod">
+          <ac:chgData name="Ankita L Savaliya" userId="S::als8453@my.utexas.edu::45302890-fb20-4ef9-a20b-62d8ea27512f" providerId="AD" clId="Web-{ADA39817-F571-3247-D0BE-A78E3A813ED8}" dt="2025-01-27T17:20:14.187" v="18" actId="20577"/>
+          <ac:spMkLst>
+            <pc:docMk/>
+            <pc:sldMk cId="3068163590" sldId="262"/>
+            <ac:spMk id="2" creationId="{D4A847F5-FE7F-970F-30A8-F14DC30F0298}"/>
+          </ac:spMkLst>
+        </pc:spChg>
+      </pc:sldChg>
+      <pc:sldChg chg="modSp">
+        <pc:chgData name="Ankita L Savaliya" userId="S::als8453@my.utexas.edu::45302890-fb20-4ef9-a20b-62d8ea27512f" providerId="AD" clId="Web-{ADA39817-F571-3247-D0BE-A78E3A813ED8}" dt="2025-01-27T17:24:30.056" v="66" actId="20577"/>
+        <pc:sldMkLst>
+          <pc:docMk/>
+          <pc:sldMk cId="2008372941" sldId="263"/>
+        </pc:sldMkLst>
+        <pc:spChg chg="mod">
+          <ac:chgData name="Ankita L Savaliya" userId="S::als8453@my.utexas.edu::45302890-fb20-4ef9-a20b-62d8ea27512f" providerId="AD" clId="Web-{ADA39817-F571-3247-D0BE-A78E3A813ED8}" dt="2025-01-27T17:24:30.056" v="66" actId="20577"/>
+          <ac:spMkLst>
+            <pc:docMk/>
+            <pc:sldMk cId="2008372941" sldId="263"/>
+            <ac:spMk id="11" creationId="{38CFB88B-D0EC-A75F-1E88-435A3BA984DA}"/>
+          </ac:spMkLst>
+        </pc:spChg>
+      </pc:sldChg>
+      <pc:sldChg chg="modSp">
+        <pc:chgData name="Ankita L Savaliya" userId="S::als8453@my.utexas.edu::45302890-fb20-4ef9-a20b-62d8ea27512f" providerId="AD" clId="Web-{ADA39817-F571-3247-D0BE-A78E3A813ED8}" dt="2025-01-27T17:20:39.766" v="22" actId="1076"/>
+        <pc:sldMkLst>
+          <pc:docMk/>
+          <pc:sldMk cId="581286553" sldId="264"/>
+        </pc:sldMkLst>
+        <pc:spChg chg="mod">
+          <ac:chgData name="Ankita L Savaliya" userId="S::als8453@my.utexas.edu::45302890-fb20-4ef9-a20b-62d8ea27512f" providerId="AD" clId="Web-{ADA39817-F571-3247-D0BE-A78E3A813ED8}" dt="2025-01-27T17:20:35.031" v="21" actId="20577"/>
+          <ac:spMkLst>
+            <pc:docMk/>
+            <pc:sldMk cId="581286553" sldId="264"/>
+            <ac:spMk id="2" creationId="{D4A847F5-FE7F-970F-30A8-F14DC30F0298}"/>
+          </ac:spMkLst>
+        </pc:spChg>
+        <pc:spChg chg="mod">
+          <ac:chgData name="Ankita L Savaliya" userId="S::als8453@my.utexas.edu::45302890-fb20-4ef9-a20b-62d8ea27512f" providerId="AD" clId="Web-{ADA39817-F571-3247-D0BE-A78E3A813ED8}" dt="2025-01-27T17:20:39.766" v="22" actId="1076"/>
+          <ac:spMkLst>
+            <pc:docMk/>
+            <pc:sldMk cId="581286553" sldId="264"/>
+            <ac:spMk id="7" creationId="{94241D7E-01EF-61AA-BE63-BBA0F9F679B0}"/>
+          </ac:spMkLst>
+        </pc:spChg>
+      </pc:sldChg>
+      <pc:sldChg chg="modSp">
+        <pc:chgData name="Ankita L Savaliya" userId="S::als8453@my.utexas.edu::45302890-fb20-4ef9-a20b-62d8ea27512f" providerId="AD" clId="Web-{ADA39817-F571-3247-D0BE-A78E3A813ED8}" dt="2025-01-27T17:21:27.393" v="27" actId="20577"/>
+        <pc:sldMkLst>
+          <pc:docMk/>
+          <pc:sldMk cId="3450862647" sldId="266"/>
+        </pc:sldMkLst>
+        <pc:spChg chg="mod">
+          <ac:chgData name="Ankita L Savaliya" userId="S::als8453@my.utexas.edu::45302890-fb20-4ef9-a20b-62d8ea27512f" providerId="AD" clId="Web-{ADA39817-F571-3247-D0BE-A78E3A813ED8}" dt="2025-01-27T17:21:27.393" v="27" actId="20577"/>
+          <ac:spMkLst>
+            <pc:docMk/>
+            <pc:sldMk cId="3450862647" sldId="266"/>
+            <ac:spMk id="2" creationId="{D4A847F5-FE7F-970F-30A8-F14DC30F0298}"/>
+          </ac:spMkLst>
+        </pc:spChg>
+        <pc:spChg chg="mod">
+          <ac:chgData name="Ankita L Savaliya" userId="S::als8453@my.utexas.edu::45302890-fb20-4ef9-a20b-62d8ea27512f" providerId="AD" clId="Web-{ADA39817-F571-3247-D0BE-A78E3A813ED8}" dt="2025-01-27T17:18:40.527" v="9" actId="20577"/>
+          <ac:spMkLst>
+            <pc:docMk/>
+            <pc:sldMk cId="3450862647" sldId="266"/>
+            <ac:spMk id="27" creationId="{845D7DA4-0A30-F667-174F-8A99022B50FE}"/>
+          </ac:spMkLst>
+        </pc:spChg>
+      </pc:sldChg>
+      <pc:sldChg chg="modSp">
+        <pc:chgData name="Ankita L Savaliya" userId="S::als8453@my.utexas.edu::45302890-fb20-4ef9-a20b-62d8ea27512f" providerId="AD" clId="Web-{ADA39817-F571-3247-D0BE-A78E3A813ED8}" dt="2025-01-27T17:21:06.439" v="25" actId="1076"/>
+        <pc:sldMkLst>
+          <pc:docMk/>
+          <pc:sldMk cId="3106800038" sldId="268"/>
+        </pc:sldMkLst>
+        <pc:spChg chg="mod">
+          <ac:chgData name="Ankita L Savaliya" userId="S::als8453@my.utexas.edu::45302890-fb20-4ef9-a20b-62d8ea27512f" providerId="AD" clId="Web-{ADA39817-F571-3247-D0BE-A78E3A813ED8}" dt="2025-01-27T17:21:03.189" v="24" actId="20577"/>
+          <ac:spMkLst>
+            <pc:docMk/>
+            <pc:sldMk cId="3106800038" sldId="268"/>
+            <ac:spMk id="2" creationId="{D4A847F5-FE7F-970F-30A8-F14DC30F0298}"/>
+          </ac:spMkLst>
+        </pc:spChg>
+        <pc:spChg chg="mod">
+          <ac:chgData name="Ankita L Savaliya" userId="S::als8453@my.utexas.edu::45302890-fb20-4ef9-a20b-62d8ea27512f" providerId="AD" clId="Web-{ADA39817-F571-3247-D0BE-A78E3A813ED8}" dt="2025-01-27T17:21:06.439" v="25" actId="1076"/>
+          <ac:spMkLst>
+            <pc:docMk/>
+            <pc:sldMk cId="3106800038" sldId="268"/>
+            <ac:spMk id="27" creationId="{845D7DA4-0A30-F667-174F-8A99022B50FE}"/>
+          </ac:spMkLst>
+        </pc:spChg>
+      </pc:sldChg>
+      <pc:sldChg chg="modSp">
+        <pc:chgData name="Ankita L Savaliya" userId="S::als8453@my.utexas.edu::45302890-fb20-4ef9-a20b-62d8ea27512f" providerId="AD" clId="Web-{ADA39817-F571-3247-D0BE-A78E3A813ED8}" dt="2025-01-27T17:23:03.271" v="61" actId="20577"/>
+        <pc:sldMkLst>
+          <pc:docMk/>
+          <pc:sldMk cId="1144616982" sldId="270"/>
+        </pc:sldMkLst>
+        <pc:spChg chg="mod">
+          <ac:chgData name="Ankita L Savaliya" userId="S::als8453@my.utexas.edu::45302890-fb20-4ef9-a20b-62d8ea27512f" providerId="AD" clId="Web-{ADA39817-F571-3247-D0BE-A78E3A813ED8}" dt="2025-01-27T17:23:03.271" v="61" actId="20577"/>
+          <ac:spMkLst>
+            <pc:docMk/>
+            <pc:sldMk cId="1144616982" sldId="270"/>
+            <ac:spMk id="13" creationId="{DDF4B768-7505-5B6C-ABEF-343021950256}"/>
+          </ac:spMkLst>
+        </pc:spChg>
+      </pc:sldChg>
+    </pc:docChg>
+  </pc:docChgLst>
+  <pc:docChgLst>
     <pc:chgData name="Ankita L Savaliya" userId="S::als8453@my.utexas.edu::45302890-fb20-4ef9-a20b-62d8ea27512f" providerId="AD" clId="Web-{469B3712-C5CB-BBEC-FAE3-9EE8A602600C}"/>
     <pc:docChg chg="addSld delSld modSld sldOrd">
       <pc:chgData name="Ankita L Savaliya" userId="S::als8453@my.utexas.edu::45302890-fb20-4ef9-a20b-62d8ea27512f" providerId="AD" clId="Web-{469B3712-C5CB-BBEC-FAE3-9EE8A602600C}" dt="2025-01-24T13:22:50.773" v="513" actId="1076"/>
@@ -1586,14 +1267,6 @@
           <pc:docMk/>
           <pc:sldMk cId="2325500405" sldId="257"/>
         </pc:sldMkLst>
-        <pc:picChg chg="mod">
-          <ac:chgData name="Ankita L Savaliya" userId="S::als8453@my.utexas.edu::45302890-fb20-4ef9-a20b-62d8ea27512f" providerId="AD" clId="Web-{469B3712-C5CB-BBEC-FAE3-9EE8A602600C}" dt="2025-01-23T21:30:05.492" v="13" actId="14100"/>
-          <ac:picMkLst>
-            <pc:docMk/>
-            <pc:sldMk cId="2325500405" sldId="257"/>
-            <ac:picMk id="4" creationId="{67F7E326-4B29-1179-77EB-5DBE5B268BE4}"/>
-          </ac:picMkLst>
-        </pc:picChg>
       </pc:sldChg>
       <pc:sldChg chg="modSp">
         <pc:chgData name="Ankita L Savaliya" userId="S::als8453@my.utexas.edu::45302890-fb20-4ef9-a20b-62d8ea27512f" providerId="AD" clId="Web-{469B3712-C5CB-BBEC-FAE3-9EE8A602600C}" dt="2025-01-23T21:38:18.947" v="61" actId="20577"/>
@@ -1616,14 +1289,6 @@
           <pc:docMk/>
           <pc:sldMk cId="2838710785" sldId="260"/>
         </pc:sldMkLst>
-        <pc:spChg chg="mod">
-          <ac:chgData name="Ankita L Savaliya" userId="S::als8453@my.utexas.edu::45302890-fb20-4ef9-a20b-62d8ea27512f" providerId="AD" clId="Web-{469B3712-C5CB-BBEC-FAE3-9EE8A602600C}" dt="2025-01-23T21:38:07.243" v="59" actId="20577"/>
-          <ac:spMkLst>
-            <pc:docMk/>
-            <pc:sldMk cId="2838710785" sldId="260"/>
-            <ac:spMk id="2" creationId="{BF65AC6B-C37F-8594-FB87-8458012C9F88}"/>
-          </ac:spMkLst>
-        </pc:spChg>
       </pc:sldChg>
       <pc:sldChg chg="modSp">
         <pc:chgData name="Ankita L Savaliya" userId="S::als8453@my.utexas.edu::45302890-fb20-4ef9-a20b-62d8ea27512f" providerId="AD" clId="Web-{469B3712-C5CB-BBEC-FAE3-9EE8A602600C}" dt="2025-01-23T21:38:12.978" v="60" actId="20577"/>
@@ -1701,102 +1366,6 @@
             <ac:spMk id="11" creationId="{38CFB88B-D0EC-A75F-1E88-435A3BA984DA}"/>
           </ac:spMkLst>
         </pc:spChg>
-        <pc:spChg chg="add del mod">
-          <ac:chgData name="Ankita L Savaliya" userId="S::als8453@my.utexas.edu::45302890-fb20-4ef9-a20b-62d8ea27512f" providerId="AD" clId="Web-{469B3712-C5CB-BBEC-FAE3-9EE8A602600C}" dt="2025-01-23T21:34:06.227" v="22"/>
-          <ac:spMkLst>
-            <pc:docMk/>
-            <pc:sldMk cId="2008372941" sldId="263"/>
-            <ac:spMk id="16" creationId="{B39FCFF2-49EB-5DE1-F651-2FF49D333900}"/>
-          </ac:spMkLst>
-        </pc:spChg>
-        <pc:spChg chg="add del mod">
-          <ac:chgData name="Ankita L Savaliya" userId="S::als8453@my.utexas.edu::45302890-fb20-4ef9-a20b-62d8ea27512f" providerId="AD" clId="Web-{469B3712-C5CB-BBEC-FAE3-9EE8A602600C}" dt="2025-01-23T21:34:10.946" v="24"/>
-          <ac:spMkLst>
-            <pc:docMk/>
-            <pc:sldMk cId="2008372941" sldId="263"/>
-            <ac:spMk id="18" creationId="{121BAF75-13A4-4ED0-1F0E-2C16F33C7971}"/>
-          </ac:spMkLst>
-        </pc:spChg>
-        <pc:spChg chg="add del mod">
-          <ac:chgData name="Ankita L Savaliya" userId="S::als8453@my.utexas.edu::45302890-fb20-4ef9-a20b-62d8ea27512f" providerId="AD" clId="Web-{469B3712-C5CB-BBEC-FAE3-9EE8A602600C}" dt="2025-01-23T21:34:23.291" v="26"/>
-          <ac:spMkLst>
-            <pc:docMk/>
-            <pc:sldMk cId="2008372941" sldId="263"/>
-            <ac:spMk id="20" creationId="{B39FCFF2-49EB-5DE1-F651-2FF49D333900}"/>
-          </ac:spMkLst>
-        </pc:spChg>
-        <pc:spChg chg="add del mod">
-          <ac:chgData name="Ankita L Savaliya" userId="S::als8453@my.utexas.edu::45302890-fb20-4ef9-a20b-62d8ea27512f" providerId="AD" clId="Web-{469B3712-C5CB-BBEC-FAE3-9EE8A602600C}" dt="2025-01-23T21:34:47.902" v="28"/>
-          <ac:spMkLst>
-            <pc:docMk/>
-            <pc:sldMk cId="2008372941" sldId="263"/>
-            <ac:spMk id="22" creationId="{806D7AB4-872B-5AC0-C6E3-65D916AFDA6A}"/>
-          </ac:spMkLst>
-        </pc:spChg>
-        <pc:spChg chg="add del mod">
-          <ac:chgData name="Ankita L Savaliya" userId="S::als8453@my.utexas.edu::45302890-fb20-4ef9-a20b-62d8ea27512f" providerId="AD" clId="Web-{469B3712-C5CB-BBEC-FAE3-9EE8A602600C}" dt="2025-01-23T21:34:50.542" v="30"/>
-          <ac:spMkLst>
-            <pc:docMk/>
-            <pc:sldMk cId="2008372941" sldId="263"/>
-            <ac:spMk id="24" creationId="{E76AF64E-9D7C-6D9D-C02E-5D5C3C20A23C}"/>
-          </ac:spMkLst>
-        </pc:spChg>
-        <pc:spChg chg="add del mod">
-          <ac:chgData name="Ankita L Savaliya" userId="S::als8453@my.utexas.edu::45302890-fb20-4ef9-a20b-62d8ea27512f" providerId="AD" clId="Web-{469B3712-C5CB-BBEC-FAE3-9EE8A602600C}" dt="2025-01-23T21:34:53.933" v="32"/>
-          <ac:spMkLst>
-            <pc:docMk/>
-            <pc:sldMk cId="2008372941" sldId="263"/>
-            <ac:spMk id="26" creationId="{FE1241E5-8491-97B8-54C2-410D498544DA}"/>
-          </ac:spMkLst>
-        </pc:spChg>
-        <pc:spChg chg="add del mod">
-          <ac:chgData name="Ankita L Savaliya" userId="S::als8453@my.utexas.edu::45302890-fb20-4ef9-a20b-62d8ea27512f" providerId="AD" clId="Web-{469B3712-C5CB-BBEC-FAE3-9EE8A602600C}" dt="2025-01-23T21:34:56.418" v="34"/>
-          <ac:spMkLst>
-            <pc:docMk/>
-            <pc:sldMk cId="2008372941" sldId="263"/>
-            <ac:spMk id="28" creationId="{121BAF75-13A4-4ED0-1F0E-2C16F33C7971}"/>
-          </ac:spMkLst>
-        </pc:spChg>
-        <pc:spChg chg="add del mod">
-          <ac:chgData name="Ankita L Savaliya" userId="S::als8453@my.utexas.edu::45302890-fb20-4ef9-a20b-62d8ea27512f" providerId="AD" clId="Web-{469B3712-C5CB-BBEC-FAE3-9EE8A602600C}" dt="2025-01-23T21:35:01.481" v="36"/>
-          <ac:spMkLst>
-            <pc:docMk/>
-            <pc:sldMk cId="2008372941" sldId="263"/>
-            <ac:spMk id="30" creationId="{D45136CB-6A4C-9CE7-F30E-02EA9D4A9BB0}"/>
-          </ac:spMkLst>
-        </pc:spChg>
-        <pc:spChg chg="add del mod">
-          <ac:chgData name="Ankita L Savaliya" userId="S::als8453@my.utexas.edu::45302890-fb20-4ef9-a20b-62d8ea27512f" providerId="AD" clId="Web-{469B3712-C5CB-BBEC-FAE3-9EE8A602600C}" dt="2025-01-23T21:35:04.715" v="38"/>
-          <ac:spMkLst>
-            <pc:docMk/>
-            <pc:sldMk cId="2008372941" sldId="263"/>
-            <ac:spMk id="32" creationId="{6E7B184C-D24F-C10E-7AA9-D49C0D6C86CD}"/>
-          </ac:spMkLst>
-        </pc:spChg>
-        <pc:spChg chg="add del mod">
-          <ac:chgData name="Ankita L Savaliya" userId="S::als8453@my.utexas.edu::45302890-fb20-4ef9-a20b-62d8ea27512f" providerId="AD" clId="Web-{469B3712-C5CB-BBEC-FAE3-9EE8A602600C}" dt="2025-01-23T21:35:37.170" v="40"/>
-          <ac:spMkLst>
-            <pc:docMk/>
-            <pc:sldMk cId="2008372941" sldId="263"/>
-            <ac:spMk id="34" creationId="{C8A9E88A-62D9-2DA7-A872-680AC8A7C699}"/>
-          </ac:spMkLst>
-        </pc:spChg>
-        <pc:picChg chg="del mod">
-          <ac:chgData name="Ankita L Savaliya" userId="S::als8453@my.utexas.edu::45302890-fb20-4ef9-a20b-62d8ea27512f" providerId="AD" clId="Web-{469B3712-C5CB-BBEC-FAE3-9EE8A602600C}" dt="2025-01-23T21:33:11.239" v="19"/>
-          <ac:picMkLst>
-            <pc:docMk/>
-            <pc:sldMk cId="2008372941" sldId="263"/>
-            <ac:picMk id="3" creationId="{BA857B5F-208A-CB4D-EF92-8EE7C93AF72A}"/>
-          </ac:picMkLst>
-        </pc:picChg>
-        <pc:picChg chg="add del mod ord">
-          <ac:chgData name="Ankita L Savaliya" userId="S::als8453@my.utexas.edu::45302890-fb20-4ef9-a20b-62d8ea27512f" providerId="AD" clId="Web-{469B3712-C5CB-BBEC-FAE3-9EE8A602600C}" dt="2025-01-23T21:35:40.358" v="41"/>
-          <ac:picMkLst>
-            <pc:docMk/>
-            <pc:sldMk cId="2008372941" sldId="263"/>
-            <ac:picMk id="4" creationId="{A1085BEE-C4CE-E533-6910-DF4A2A2FB34A}"/>
-          </ac:picMkLst>
-        </pc:picChg>
         <pc:picChg chg="add mod">
           <ac:chgData name="Ankita L Savaliya" userId="S::als8453@my.utexas.edu::45302890-fb20-4ef9-a20b-62d8ea27512f" providerId="AD" clId="Web-{469B3712-C5CB-BBEC-FAE3-9EE8A602600C}" dt="2025-01-23T21:36:38.643" v="47" actId="14100"/>
           <ac:picMkLst>
@@ -1865,22 +1434,6 @@
             <ac:spMk id="11" creationId="{38CFB88B-D0EC-A75F-1E88-435A3BA984DA}"/>
           </ac:spMkLst>
         </pc:spChg>
-        <pc:picChg chg="add mod">
-          <ac:chgData name="Ankita L Savaliya" userId="S::als8453@my.utexas.edu::45302890-fb20-4ef9-a20b-62d8ea27512f" providerId="AD" clId="Web-{469B3712-C5CB-BBEC-FAE3-9EE8A602600C}" dt="2025-01-23T21:40:21.111" v="75" actId="1076"/>
-          <ac:picMkLst>
-            <pc:docMk/>
-            <pc:sldMk cId="2657411531" sldId="267"/>
-            <ac:picMk id="3" creationId="{8E4979A1-C726-2F3B-12E2-5652B8D9C33E}"/>
-          </ac:picMkLst>
-        </pc:picChg>
-        <pc:picChg chg="del">
-          <ac:chgData name="Ankita L Savaliya" userId="S::als8453@my.utexas.edu::45302890-fb20-4ef9-a20b-62d8ea27512f" providerId="AD" clId="Web-{469B3712-C5CB-BBEC-FAE3-9EE8A602600C}" dt="2025-01-23T21:40:12.345" v="72"/>
-          <ac:picMkLst>
-            <pc:docMk/>
-            <pc:sldMk cId="2657411531" sldId="267"/>
-            <ac:picMk id="8" creationId="{9FC63806-EF2C-DC8C-C536-E02EC99B046D}"/>
-          </ac:picMkLst>
-        </pc:picChg>
       </pc:sldChg>
       <pc:sldChg chg="addSp delSp modSp add replId">
         <pc:chgData name="Ankita L Savaliya" userId="S::als8453@my.utexas.edu::45302890-fb20-4ef9-a20b-62d8ea27512f" providerId="AD" clId="Web-{469B3712-C5CB-BBEC-FAE3-9EE8A602600C}" dt="2025-01-24T13:22:50.773" v="513" actId="1076"/>
@@ -1904,30 +1457,6 @@
             <ac:spMk id="27" creationId="{845D7DA4-0A30-F667-174F-8A99022B50FE}"/>
           </ac:spMkLst>
         </pc:spChg>
-        <pc:picChg chg="add mod">
-          <ac:chgData name="Ankita L Savaliya" userId="S::als8453@my.utexas.edu::45302890-fb20-4ef9-a20b-62d8ea27512f" providerId="AD" clId="Web-{469B3712-C5CB-BBEC-FAE3-9EE8A602600C}" dt="2025-01-24T13:22:50.773" v="513" actId="1076"/>
-          <ac:picMkLst>
-            <pc:docMk/>
-            <pc:sldMk cId="3106800038" sldId="268"/>
-            <ac:picMk id="3" creationId="{39697780-6C72-5486-8A6E-5A8421D799D3}"/>
-          </ac:picMkLst>
-        </pc:picChg>
-        <pc:picChg chg="del">
-          <ac:chgData name="Ankita L Savaliya" userId="S::als8453@my.utexas.edu::45302890-fb20-4ef9-a20b-62d8ea27512f" providerId="AD" clId="Web-{469B3712-C5CB-BBEC-FAE3-9EE8A602600C}" dt="2025-01-23T21:39:29.404" v="66"/>
-          <ac:picMkLst>
-            <pc:docMk/>
-            <pc:sldMk cId="3106800038" sldId="268"/>
-            <ac:picMk id="6" creationId="{9112A72F-E326-8FEF-F226-03C7004FC633}"/>
-          </ac:picMkLst>
-        </pc:picChg>
-        <pc:picChg chg="del">
-          <ac:chgData name="Ankita L Savaliya" userId="S::als8453@my.utexas.edu::45302890-fb20-4ef9-a20b-62d8ea27512f" providerId="AD" clId="Web-{469B3712-C5CB-BBEC-FAE3-9EE8A602600C}" dt="2025-01-23T21:39:31.201" v="67"/>
-          <ac:picMkLst>
-            <pc:docMk/>
-            <pc:sldMk cId="3106800038" sldId="268"/>
-            <ac:picMk id="8" creationId="{FC65F96E-A65D-19DD-A121-2E22DA30AE58}"/>
-          </ac:picMkLst>
-        </pc:picChg>
       </pc:sldChg>
       <pc:sldChg chg="modSp new ord">
         <pc:chgData name="Ankita L Savaliya" userId="S::als8453@my.utexas.edu::45302890-fb20-4ef9-a20b-62d8ea27512f" providerId="AD" clId="Web-{469B3712-C5CB-BBEC-FAE3-9EE8A602600C}" dt="2025-01-24T13:08:34.667" v="297" actId="20577"/>
@@ -1958,22 +1487,6 @@
           <pc:docMk/>
           <pc:sldMk cId="1144616982" sldId="270"/>
         </pc:sldMkLst>
-        <pc:spChg chg="del">
-          <ac:chgData name="Ankita L Savaliya" userId="S::als8453@my.utexas.edu::45302890-fb20-4ef9-a20b-62d8ea27512f" providerId="AD" clId="Web-{469B3712-C5CB-BBEC-FAE3-9EE8A602600C}" dt="2025-01-24T13:09:01.027" v="299"/>
-          <ac:spMkLst>
-            <pc:docMk/>
-            <pc:sldMk cId="1144616982" sldId="270"/>
-            <ac:spMk id="2" creationId="{DD7903EC-7131-A493-3C42-9C1CE9FB7A1C}"/>
-          </ac:spMkLst>
-        </pc:spChg>
-        <pc:spChg chg="del">
-          <ac:chgData name="Ankita L Savaliya" userId="S::als8453@my.utexas.edu::45302890-fb20-4ef9-a20b-62d8ea27512f" providerId="AD" clId="Web-{469B3712-C5CB-BBEC-FAE3-9EE8A602600C}" dt="2025-01-24T13:09:01.027" v="299"/>
-          <ac:spMkLst>
-            <pc:docMk/>
-            <pc:sldMk cId="1144616982" sldId="270"/>
-            <ac:spMk id="3" creationId="{B909530D-FC70-5F31-85C8-15D89C351E4B}"/>
-          </ac:spMkLst>
-        </pc:spChg>
         <pc:spChg chg="mod ord">
           <ac:chgData name="Ankita L Savaliya" userId="S::als8453@my.utexas.edu::45302890-fb20-4ef9-a20b-62d8ea27512f" providerId="AD" clId="Web-{469B3712-C5CB-BBEC-FAE3-9EE8A602600C}" dt="2025-01-24T13:19:25.407" v="489"/>
           <ac:spMkLst>
@@ -1982,14 +1495,6 @@
             <ac:spMk id="4" creationId="{5BF8ED7D-29E5-DECA-7319-AA4FCC4E3849}"/>
           </ac:spMkLst>
         </pc:spChg>
-        <pc:spChg chg="del mod ord">
-          <ac:chgData name="Ankita L Savaliya" userId="S::als8453@my.utexas.edu::45302890-fb20-4ef9-a20b-62d8ea27512f" providerId="AD" clId="Web-{469B3712-C5CB-BBEC-FAE3-9EE8A602600C}" dt="2025-01-24T13:12:16.846" v="300"/>
-          <ac:spMkLst>
-            <pc:docMk/>
-            <pc:sldMk cId="1144616982" sldId="270"/>
-            <ac:spMk id="5" creationId="{A2EA8D98-D103-17D5-0AD8-80CB392601B2}"/>
-          </ac:spMkLst>
-        </pc:spChg>
         <pc:spChg chg="mod ord">
           <ac:chgData name="Ankita L Savaliya" userId="S::als8453@my.utexas.edu::45302890-fb20-4ef9-a20b-62d8ea27512f" providerId="AD" clId="Web-{469B3712-C5CB-BBEC-FAE3-9EE8A602600C}" dt="2025-01-24T13:19:25.407" v="489"/>
           <ac:spMkLst>
@@ -2014,20 +1519,977 @@
             <ac:spMk id="13" creationId="{DDF4B768-7505-5B6C-ABEF-343021950256}"/>
           </ac:spMkLst>
         </pc:spChg>
-        <pc:spChg chg="add del mod ord">
-          <ac:chgData name="Ankita L Savaliya" userId="S::als8453@my.utexas.edu::45302890-fb20-4ef9-a20b-62d8ea27512f" providerId="AD" clId="Web-{469B3712-C5CB-BBEC-FAE3-9EE8A602600C}" dt="2025-01-24T13:19:41.408" v="492"/>
-          <ac:spMkLst>
-            <pc:docMk/>
-            <pc:sldMk cId="1144616982" sldId="270"/>
-            <ac:spMk id="15" creationId="{48CBBBAE-41EA-5AC8-3452-16E5B30D7D26}"/>
-          </ac:spMkLst>
-        </pc:spChg>
         <pc:spChg chg="add mod ord">
           <ac:chgData name="Ankita L Savaliya" userId="S::als8453@my.utexas.edu::45302890-fb20-4ef9-a20b-62d8ea27512f" providerId="AD" clId="Web-{469B3712-C5CB-BBEC-FAE3-9EE8A602600C}" dt="2025-01-24T13:19:25.407" v="489"/>
           <ac:spMkLst>
             <pc:docMk/>
             <pc:sldMk cId="1144616982" sldId="270"/>
             <ac:spMk id="17" creationId="{37997F9B-1701-D32D-E56E-6127753CB6CA}"/>
+          </ac:spMkLst>
+        </pc:spChg>
+      </pc:sldChg>
+    </pc:docChg>
+  </pc:docChgLst>
+  <pc:docChgLst>
+    <pc:chgData name="Ankita L Savaliya" userId="S::als8453@my.utexas.edu::45302890-fb20-4ef9-a20b-62d8ea27512f" providerId="AD" clId="Web-{6E3D84ED-85DB-ACBE-3EAC-3EB6DEEF4BA2}"/>
+    <pc:docChg chg="modSld">
+      <pc:chgData name="Ankita L Savaliya" userId="S::als8453@my.utexas.edu::45302890-fb20-4ef9-a20b-62d8ea27512f" providerId="AD" clId="Web-{6E3D84ED-85DB-ACBE-3EAC-3EB6DEEF4BA2}" dt="2025-01-27T17:12:29.770" v="53" actId="20577"/>
+      <pc:docMkLst>
+        <pc:docMk/>
+      </pc:docMkLst>
+      <pc:sldChg chg="modSp">
+        <pc:chgData name="Ankita L Savaliya" userId="S::als8453@my.utexas.edu::45302890-fb20-4ef9-a20b-62d8ea27512f" providerId="AD" clId="Web-{6E3D84ED-85DB-ACBE-3EAC-3EB6DEEF4BA2}" dt="2025-01-27T17:12:29.770" v="53" actId="20577"/>
+        <pc:sldMkLst>
+          <pc:docMk/>
+          <pc:sldMk cId="2325500405" sldId="257"/>
+        </pc:sldMkLst>
+        <pc:spChg chg="mod">
+          <ac:chgData name="Ankita L Savaliya" userId="S::als8453@my.utexas.edu::45302890-fb20-4ef9-a20b-62d8ea27512f" providerId="AD" clId="Web-{6E3D84ED-85DB-ACBE-3EAC-3EB6DEEF4BA2}" dt="2025-01-27T17:12:29.770" v="53" actId="20577"/>
+          <ac:spMkLst>
+            <pc:docMk/>
+            <pc:sldMk cId="2325500405" sldId="257"/>
+            <ac:spMk id="2" creationId="{D4A847F5-FE7F-970F-30A8-F14DC30F0298}"/>
+          </ac:spMkLst>
+        </pc:spChg>
+      </pc:sldChg>
+      <pc:sldChg chg="modSp">
+        <pc:chgData name="Ankita L Savaliya" userId="S::als8453@my.utexas.edu::45302890-fb20-4ef9-a20b-62d8ea27512f" providerId="AD" clId="Web-{6E3D84ED-85DB-ACBE-3EAC-3EB6DEEF4BA2}" dt="2025-01-27T17:05:05.860" v="2" actId="14100"/>
+        <pc:sldMkLst>
+          <pc:docMk/>
+          <pc:sldMk cId="3667998280" sldId="258"/>
+        </pc:sldMkLst>
+        <pc:spChg chg="mod">
+          <ac:chgData name="Ankita L Savaliya" userId="S::als8453@my.utexas.edu::45302890-fb20-4ef9-a20b-62d8ea27512f" providerId="AD" clId="Web-{6E3D84ED-85DB-ACBE-3EAC-3EB6DEEF4BA2}" dt="2025-01-27T17:05:05.860" v="2" actId="14100"/>
+          <ac:spMkLst>
+            <pc:docMk/>
+            <pc:sldMk cId="3667998280" sldId="258"/>
+            <ac:spMk id="14" creationId="{DD137052-4726-394F-F92D-80411BDB5DF4}"/>
+          </ac:spMkLst>
+        </pc:spChg>
+      </pc:sldChg>
+      <pc:sldChg chg="modSp">
+        <pc:chgData name="Ankita L Savaliya" userId="S::als8453@my.utexas.edu::45302890-fb20-4ef9-a20b-62d8ea27512f" providerId="AD" clId="Web-{6E3D84ED-85DB-ACBE-3EAC-3EB6DEEF4BA2}" dt="2025-01-27T17:05:43.628" v="9" actId="1076"/>
+        <pc:sldMkLst>
+          <pc:docMk/>
+          <pc:sldMk cId="2469089735" sldId="261"/>
+        </pc:sldMkLst>
+        <pc:spChg chg="mod">
+          <ac:chgData name="Ankita L Savaliya" userId="S::als8453@my.utexas.edu::45302890-fb20-4ef9-a20b-62d8ea27512f" providerId="AD" clId="Web-{6E3D84ED-85DB-ACBE-3EAC-3EB6DEEF4BA2}" dt="2025-01-27T17:05:43.628" v="9" actId="1076"/>
+          <ac:spMkLst>
+            <pc:docMk/>
+            <pc:sldMk cId="2469089735" sldId="261"/>
+            <ac:spMk id="11" creationId="{38CFB88B-D0EC-A75F-1E88-435A3BA984DA}"/>
+          </ac:spMkLst>
+        </pc:spChg>
+      </pc:sldChg>
+      <pc:sldChg chg="modSp">
+        <pc:chgData name="Ankita L Savaliya" userId="S::als8453@my.utexas.edu::45302890-fb20-4ef9-a20b-62d8ea27512f" providerId="AD" clId="Web-{6E3D84ED-85DB-ACBE-3EAC-3EB6DEEF4BA2}" dt="2025-01-27T17:08:53.448" v="31"/>
+        <pc:sldMkLst>
+          <pc:docMk/>
+          <pc:sldMk cId="2008372941" sldId="263"/>
+        </pc:sldMkLst>
+        <pc:spChg chg="mod">
+          <ac:chgData name="Ankita L Savaliya" userId="S::als8453@my.utexas.edu::45302890-fb20-4ef9-a20b-62d8ea27512f" providerId="AD" clId="Web-{6E3D84ED-85DB-ACBE-3EAC-3EB6DEEF4BA2}" dt="2025-01-27T17:08:53.448" v="31"/>
+          <ac:spMkLst>
+            <pc:docMk/>
+            <pc:sldMk cId="2008372941" sldId="263"/>
+            <ac:spMk id="11" creationId="{38CFB88B-D0EC-A75F-1E88-435A3BA984DA}"/>
+          </ac:spMkLst>
+        </pc:spChg>
+      </pc:sldChg>
+      <pc:sldChg chg="addSp delSp modSp mod modClrScheme chgLayout">
+        <pc:chgData name="Ankita L Savaliya" userId="S::als8453@my.utexas.edu::45302890-fb20-4ef9-a20b-62d8ea27512f" providerId="AD" clId="Web-{6E3D84ED-85DB-ACBE-3EAC-3EB6DEEF4BA2}" dt="2025-01-27T17:10:58.297" v="44" actId="20577"/>
+        <pc:sldMkLst>
+          <pc:docMk/>
+          <pc:sldMk cId="581286553" sldId="264"/>
+        </pc:sldMkLst>
+        <pc:spChg chg="mod ord">
+          <ac:chgData name="Ankita L Savaliya" userId="S::als8453@my.utexas.edu::45302890-fb20-4ef9-a20b-62d8ea27512f" providerId="AD" clId="Web-{6E3D84ED-85DB-ACBE-3EAC-3EB6DEEF4BA2}" dt="2025-01-27T17:10:43.234" v="42"/>
+          <ac:spMkLst>
+            <pc:docMk/>
+            <pc:sldMk cId="581286553" sldId="264"/>
+            <ac:spMk id="2" creationId="{D4A847F5-FE7F-970F-30A8-F14DC30F0298}"/>
+          </ac:spMkLst>
+        </pc:spChg>
+        <pc:spChg chg="add del mod ord">
+          <ac:chgData name="Ankita L Savaliya" userId="S::als8453@my.utexas.edu::45302890-fb20-4ef9-a20b-62d8ea27512f" providerId="AD" clId="Web-{6E3D84ED-85DB-ACBE-3EAC-3EB6DEEF4BA2}" dt="2025-01-27T17:09:43.763" v="33"/>
+          <ac:spMkLst>
+            <pc:docMk/>
+            <pc:sldMk cId="581286553" sldId="264"/>
+            <ac:spMk id="3" creationId="{CBF8A50E-A18F-E2A0-D32C-14D4DDC77392}"/>
+          </ac:spMkLst>
+        </pc:spChg>
+        <pc:spChg chg="add del mod ord">
+          <ac:chgData name="Ankita L Savaliya" userId="S::als8453@my.utexas.edu::45302890-fb20-4ef9-a20b-62d8ea27512f" providerId="AD" clId="Web-{6E3D84ED-85DB-ACBE-3EAC-3EB6DEEF4BA2}" dt="2025-01-27T17:10:35.750" v="41"/>
+          <ac:spMkLst>
+            <pc:docMk/>
+            <pc:sldMk cId="581286553" sldId="264"/>
+            <ac:spMk id="4" creationId="{FDA286DF-1AEF-165C-8B28-EE3788787EE4}"/>
+          </ac:spMkLst>
+        </pc:spChg>
+        <pc:spChg chg="add mod ord">
+          <ac:chgData name="Ankita L Savaliya" userId="S::als8453@my.utexas.edu::45302890-fb20-4ef9-a20b-62d8ea27512f" providerId="AD" clId="Web-{6E3D84ED-85DB-ACBE-3EAC-3EB6DEEF4BA2}" dt="2025-01-27T17:10:43.234" v="42"/>
+          <ac:spMkLst>
+            <pc:docMk/>
+            <pc:sldMk cId="581286553" sldId="264"/>
+            <ac:spMk id="5" creationId="{C9570AEA-643A-2EE5-D654-3CA612BA10A2}"/>
+          </ac:spMkLst>
+        </pc:spChg>
+        <pc:spChg chg="add mod ord">
+          <ac:chgData name="Ankita L Savaliya" userId="S::als8453@my.utexas.edu::45302890-fb20-4ef9-a20b-62d8ea27512f" providerId="AD" clId="Web-{6E3D84ED-85DB-ACBE-3EAC-3EB6DEEF4BA2}" dt="2025-01-27T17:10:58.297" v="44" actId="20577"/>
+          <ac:spMkLst>
+            <pc:docMk/>
+            <pc:sldMk cId="581286553" sldId="264"/>
+            <ac:spMk id="7" creationId="{94241D7E-01EF-61AA-BE63-BBA0F9F679B0}"/>
+          </ac:spMkLst>
+        </pc:spChg>
+        <pc:spChg chg="del mod ord">
+          <ac:chgData name="Ankita L Savaliya" userId="S::als8453@my.utexas.edu::45302890-fb20-4ef9-a20b-62d8ea27512f" providerId="AD" clId="Web-{6E3D84ED-85DB-ACBE-3EAC-3EB6DEEF4BA2}" dt="2025-01-27T17:09:54.608" v="35"/>
+          <ac:spMkLst>
+            <pc:docMk/>
+            <pc:sldMk cId="581286553" sldId="264"/>
+            <ac:spMk id="27" creationId="{845D7DA4-0A30-F667-174F-8A99022B50FE}"/>
+          </ac:spMkLst>
+        </pc:spChg>
+        <pc:spChg chg="mod ord">
+          <ac:chgData name="Ankita L Savaliya" userId="S::als8453@my.utexas.edu::45302890-fb20-4ef9-a20b-62d8ea27512f" providerId="AD" clId="Web-{6E3D84ED-85DB-ACBE-3EAC-3EB6DEEF4BA2}" dt="2025-01-27T17:10:43.234" v="42"/>
+          <ac:spMkLst>
+            <pc:docMk/>
+            <pc:sldMk cId="581286553" sldId="264"/>
+            <ac:spMk id="28" creationId="{7A6840E9-E4CF-DCC4-9B0D-7D4B8FDC3F5A}"/>
+          </ac:spMkLst>
+        </pc:spChg>
+        <pc:spChg chg="mod ord">
+          <ac:chgData name="Ankita L Savaliya" userId="S::als8453@my.utexas.edu::45302890-fb20-4ef9-a20b-62d8ea27512f" providerId="AD" clId="Web-{6E3D84ED-85DB-ACBE-3EAC-3EB6DEEF4BA2}" dt="2025-01-27T17:10:43.234" v="42"/>
+          <ac:spMkLst>
+            <pc:docMk/>
+            <pc:sldMk cId="581286553" sldId="264"/>
+            <ac:spMk id="29" creationId="{33BFA14B-AF0A-16F8-9A2F-D4A1F799D935}"/>
+          </ac:spMkLst>
+        </pc:spChg>
+        <pc:spChg chg="mod ord">
+          <ac:chgData name="Ankita L Savaliya" userId="S::als8453@my.utexas.edu::45302890-fb20-4ef9-a20b-62d8ea27512f" providerId="AD" clId="Web-{6E3D84ED-85DB-ACBE-3EAC-3EB6DEEF4BA2}" dt="2025-01-27T17:10:43.234" v="42"/>
+          <ac:spMkLst>
+            <pc:docMk/>
+            <pc:sldMk cId="581286553" sldId="264"/>
+            <ac:spMk id="30" creationId="{B9FC7F56-BFF9-92C8-CFE9-7DD25BADAF55}"/>
+          </ac:spMkLst>
+        </pc:spChg>
+        <pc:picChg chg="mod">
+          <ac:chgData name="Ankita L Savaliya" userId="S::als8453@my.utexas.edu::45302890-fb20-4ef9-a20b-62d8ea27512f" providerId="AD" clId="Web-{6E3D84ED-85DB-ACBE-3EAC-3EB6DEEF4BA2}" dt="2025-01-27T17:06:52.334" v="19" actId="1076"/>
+          <ac:picMkLst>
+            <pc:docMk/>
+            <pc:sldMk cId="581286553" sldId="264"/>
+            <ac:picMk id="6" creationId="{9112A72F-E326-8FEF-F226-03C7004FC633}"/>
+          </ac:picMkLst>
+        </pc:picChg>
+        <pc:picChg chg="mod">
+          <ac:chgData name="Ankita L Savaliya" userId="S::als8453@my.utexas.edu::45302890-fb20-4ef9-a20b-62d8ea27512f" providerId="AD" clId="Web-{6E3D84ED-85DB-ACBE-3EAC-3EB6DEEF4BA2}" dt="2025-01-27T17:06:51.318" v="18" actId="1076"/>
+          <ac:picMkLst>
+            <pc:docMk/>
+            <pc:sldMk cId="581286553" sldId="264"/>
+            <ac:picMk id="8" creationId="{FC65F96E-A65D-19DD-A121-2E22DA30AE58}"/>
+          </ac:picMkLst>
+        </pc:picChg>
+      </pc:sldChg>
+      <pc:sldChg chg="modSp">
+        <pc:chgData name="Ankita L Savaliya" userId="S::als8453@my.utexas.edu::45302890-fb20-4ef9-a20b-62d8ea27512f" providerId="AD" clId="Web-{6E3D84ED-85DB-ACBE-3EAC-3EB6DEEF4BA2}" dt="2025-01-27T17:11:47.612" v="52"/>
+        <pc:sldMkLst>
+          <pc:docMk/>
+          <pc:sldMk cId="413670067" sldId="265"/>
+        </pc:sldMkLst>
+        <pc:spChg chg="mod">
+          <ac:chgData name="Ankita L Savaliya" userId="S::als8453@my.utexas.edu::45302890-fb20-4ef9-a20b-62d8ea27512f" providerId="AD" clId="Web-{6E3D84ED-85DB-ACBE-3EAC-3EB6DEEF4BA2}" dt="2025-01-27T17:11:47.612" v="52"/>
+          <ac:spMkLst>
+            <pc:docMk/>
+            <pc:sldMk cId="413670067" sldId="265"/>
+            <ac:spMk id="9" creationId="{62FE4A32-6191-0B20-889B-664BBAF40614}"/>
+          </ac:spMkLst>
+        </pc:spChg>
+      </pc:sldChg>
+      <pc:sldChg chg="modSp">
+        <pc:chgData name="Ankita L Savaliya" userId="S::als8453@my.utexas.edu::45302890-fb20-4ef9-a20b-62d8ea27512f" providerId="AD" clId="Web-{6E3D84ED-85DB-ACBE-3EAC-3EB6DEEF4BA2}" dt="2025-01-27T17:11:26.736" v="48"/>
+        <pc:sldMkLst>
+          <pc:docMk/>
+          <pc:sldMk cId="2657411531" sldId="267"/>
+        </pc:sldMkLst>
+        <pc:spChg chg="mod">
+          <ac:chgData name="Ankita L Savaliya" userId="S::als8453@my.utexas.edu::45302890-fb20-4ef9-a20b-62d8ea27512f" providerId="AD" clId="Web-{6E3D84ED-85DB-ACBE-3EAC-3EB6DEEF4BA2}" dt="2025-01-27T17:11:26.736" v="48"/>
+          <ac:spMkLst>
+            <pc:docMk/>
+            <pc:sldMk cId="2657411531" sldId="267"/>
+            <ac:spMk id="11" creationId="{38CFB88B-D0EC-A75F-1E88-435A3BA984DA}"/>
+          </ac:spMkLst>
+        </pc:spChg>
+      </pc:sldChg>
+      <pc:sldChg chg="modSp">
+        <pc:chgData name="Ankita L Savaliya" userId="S::als8453@my.utexas.edu::45302890-fb20-4ef9-a20b-62d8ea27512f" providerId="AD" clId="Web-{6E3D84ED-85DB-ACBE-3EAC-3EB6DEEF4BA2}" dt="2025-01-27T17:11:11.501" v="45" actId="20577"/>
+        <pc:sldMkLst>
+          <pc:docMk/>
+          <pc:sldMk cId="3106800038" sldId="268"/>
+        </pc:sldMkLst>
+        <pc:spChg chg="mod">
+          <ac:chgData name="Ankita L Savaliya" userId="S::als8453@my.utexas.edu::45302890-fb20-4ef9-a20b-62d8ea27512f" providerId="AD" clId="Web-{6E3D84ED-85DB-ACBE-3EAC-3EB6DEEF4BA2}" dt="2025-01-27T17:11:11.501" v="45" actId="20577"/>
+          <ac:spMkLst>
+            <pc:docMk/>
+            <pc:sldMk cId="3106800038" sldId="268"/>
+            <ac:spMk id="27" creationId="{845D7DA4-0A30-F667-174F-8A99022B50FE}"/>
+          </ac:spMkLst>
+        </pc:spChg>
+      </pc:sldChg>
+    </pc:docChg>
+  </pc:docChgLst>
+  <pc:docChgLst>
+    <pc:chgData name="Ankita L Savaliya" userId="S::als8453@my.utexas.edu::45302890-fb20-4ef9-a20b-62d8ea27512f" providerId="AD" clId="Web-{68E7B1AE-4B6B-5F4C-F6FE-F3F044889379}"/>
+    <pc:docChg chg="delSld modSld sldOrd">
+      <pc:chgData name="Ankita L Savaliya" userId="S::als8453@my.utexas.edu::45302890-fb20-4ef9-a20b-62d8ea27512f" providerId="AD" clId="Web-{68E7B1AE-4B6B-5F4C-F6FE-F3F044889379}" dt="2025-01-27T17:03:21.440" v="276" actId="1076"/>
+      <pc:docMkLst>
+        <pc:docMk/>
+      </pc:docMkLst>
+      <pc:sldChg chg="addSp delSp modSp mod modClrScheme chgLayout">
+        <pc:chgData name="Ankita L Savaliya" userId="S::als8453@my.utexas.edu::45302890-fb20-4ef9-a20b-62d8ea27512f" providerId="AD" clId="Web-{68E7B1AE-4B6B-5F4C-F6FE-F3F044889379}" dt="2025-01-27T16:26:01.120" v="87" actId="20577"/>
+        <pc:sldMkLst>
+          <pc:docMk/>
+          <pc:sldMk cId="2325500405" sldId="257"/>
+        </pc:sldMkLst>
+        <pc:spChg chg="mod ord">
+          <ac:chgData name="Ankita L Savaliya" userId="S::als8453@my.utexas.edu::45302890-fb20-4ef9-a20b-62d8ea27512f" providerId="AD" clId="Web-{68E7B1AE-4B6B-5F4C-F6FE-F3F044889379}" dt="2025-01-27T16:23:17.490" v="82" actId="20577"/>
+          <ac:spMkLst>
+            <pc:docMk/>
+            <pc:sldMk cId="2325500405" sldId="257"/>
+            <ac:spMk id="2" creationId="{D4A847F5-FE7F-970F-30A8-F14DC30F0298}"/>
+          </ac:spMkLst>
+        </pc:spChg>
+        <pc:spChg chg="add del mod">
+          <ac:chgData name="Ankita L Savaliya" userId="S::als8453@my.utexas.edu::45302890-fb20-4ef9-a20b-62d8ea27512f" providerId="AD" clId="Web-{68E7B1AE-4B6B-5F4C-F6FE-F3F044889379}" dt="2025-01-27T16:07:07.897" v="19"/>
+          <ac:spMkLst>
+            <pc:docMk/>
+            <pc:sldMk cId="2325500405" sldId="257"/>
+            <ac:spMk id="5" creationId="{DC7AA085-A5B8-5403-12B8-3A8CB44F4B63}"/>
+          </ac:spMkLst>
+        </pc:spChg>
+        <pc:spChg chg="add del mod">
+          <ac:chgData name="Ankita L Savaliya" userId="S::als8453@my.utexas.edu::45302890-fb20-4ef9-a20b-62d8ea27512f" providerId="AD" clId="Web-{68E7B1AE-4B6B-5F4C-F6FE-F3F044889379}" dt="2025-01-27T16:10:22.731" v="29"/>
+          <ac:spMkLst>
+            <pc:docMk/>
+            <pc:sldMk cId="2325500405" sldId="257"/>
+            <ac:spMk id="8" creationId="{307BD7D3-E5FC-0D0B-1D3A-2DCE9B3C0441}"/>
+          </ac:spMkLst>
+        </pc:spChg>
+        <pc:spChg chg="add del mod">
+          <ac:chgData name="Ankita L Savaliya" userId="S::als8453@my.utexas.edu::45302890-fb20-4ef9-a20b-62d8ea27512f" providerId="AD" clId="Web-{68E7B1AE-4B6B-5F4C-F6FE-F3F044889379}" dt="2025-01-27T16:18:41.012" v="61"/>
+          <ac:spMkLst>
+            <pc:docMk/>
+            <pc:sldMk cId="2325500405" sldId="257"/>
+            <ac:spMk id="13" creationId="{6F0C412E-74CD-FBCB-9631-E24D29053396}"/>
+          </ac:spMkLst>
+        </pc:spChg>
+        <pc:spChg chg="add del mod">
+          <ac:chgData name="Ankita L Savaliya" userId="S::als8453@my.utexas.edu::45302890-fb20-4ef9-a20b-62d8ea27512f" providerId="AD" clId="Web-{68E7B1AE-4B6B-5F4C-F6FE-F3F044889379}" dt="2025-01-27T16:18:43.669" v="63"/>
+          <ac:spMkLst>
+            <pc:docMk/>
+            <pc:sldMk cId="2325500405" sldId="257"/>
+            <ac:spMk id="16" creationId="{843CA030-9DDD-71F3-36D9-F19FA38C7587}"/>
+          </ac:spMkLst>
+        </pc:spChg>
+        <pc:spChg chg="add del mod">
+          <ac:chgData name="Ankita L Savaliya" userId="S::als8453@my.utexas.edu::45302890-fb20-4ef9-a20b-62d8ea27512f" providerId="AD" clId="Web-{68E7B1AE-4B6B-5F4C-F6FE-F3F044889379}" dt="2025-01-27T16:22:11.660" v="78"/>
+          <ac:spMkLst>
+            <pc:docMk/>
+            <pc:sldMk cId="2325500405" sldId="257"/>
+            <ac:spMk id="19" creationId="{88AAD942-A90E-2542-A75F-6F6B8F034A60}"/>
+          </ac:spMkLst>
+        </pc:spChg>
+        <pc:spChg chg="mod ord">
+          <ac:chgData name="Ankita L Savaliya" userId="S::als8453@my.utexas.edu::45302890-fb20-4ef9-a20b-62d8ea27512f" providerId="AD" clId="Web-{68E7B1AE-4B6B-5F4C-F6FE-F3F044889379}" dt="2025-01-27T16:26:01.120" v="87" actId="20577"/>
+          <ac:spMkLst>
+            <pc:docMk/>
+            <pc:sldMk cId="2325500405" sldId="257"/>
+            <ac:spMk id="27" creationId="{845D7DA4-0A30-F667-174F-8A99022B50FE}"/>
+          </ac:spMkLst>
+        </pc:spChg>
+        <pc:spChg chg="mod ord">
+          <ac:chgData name="Ankita L Savaliya" userId="S::als8453@my.utexas.edu::45302890-fb20-4ef9-a20b-62d8ea27512f" providerId="AD" clId="Web-{68E7B1AE-4B6B-5F4C-F6FE-F3F044889379}" dt="2025-01-27T16:20:01.109" v="74"/>
+          <ac:spMkLst>
+            <pc:docMk/>
+            <pc:sldMk cId="2325500405" sldId="257"/>
+            <ac:spMk id="28" creationId="{7A6840E9-E4CF-DCC4-9B0D-7D4B8FDC3F5A}"/>
+          </ac:spMkLst>
+        </pc:spChg>
+        <pc:spChg chg="add del">
+          <ac:chgData name="Ankita L Savaliya" userId="S::als8453@my.utexas.edu::45302890-fb20-4ef9-a20b-62d8ea27512f" providerId="AD" clId="Web-{68E7B1AE-4B6B-5F4C-F6FE-F3F044889379}" dt="2025-01-27T16:07:30.616" v="23"/>
+          <ac:spMkLst>
+            <pc:docMk/>
+            <pc:sldMk cId="2325500405" sldId="257"/>
+            <ac:spMk id="29" creationId="{33BFA14B-AF0A-16F8-9A2F-D4A1F799D935}"/>
+          </ac:spMkLst>
+        </pc:spChg>
+        <pc:spChg chg="mod ord">
+          <ac:chgData name="Ankita L Savaliya" userId="S::als8453@my.utexas.edu::45302890-fb20-4ef9-a20b-62d8ea27512f" providerId="AD" clId="Web-{68E7B1AE-4B6B-5F4C-F6FE-F3F044889379}" dt="2025-01-27T16:20:01.109" v="74"/>
+          <ac:spMkLst>
+            <pc:docMk/>
+            <pc:sldMk cId="2325500405" sldId="257"/>
+            <ac:spMk id="30" creationId="{B9FC7F56-BFF9-92C8-CFE9-7DD25BADAF55}"/>
+          </ac:spMkLst>
+        </pc:spChg>
+        <pc:spChg chg="add del">
+          <ac:chgData name="Ankita L Savaliya" userId="S::als8453@my.utexas.edu::45302890-fb20-4ef9-a20b-62d8ea27512f" providerId="AD" clId="Web-{68E7B1AE-4B6B-5F4C-F6FE-F3F044889379}" dt="2025-01-27T16:07:30.616" v="22"/>
+          <ac:spMkLst>
+            <pc:docMk/>
+            <pc:sldMk cId="2325500405" sldId="257"/>
+            <ac:spMk id="35" creationId="{6DA0D6FA-A0CA-16AE-E13B-4117F24121DD}"/>
+          </ac:spMkLst>
+        </pc:spChg>
+        <pc:spChg chg="add del mod">
+          <ac:chgData name="Ankita L Savaliya" userId="S::als8453@my.utexas.edu::45302890-fb20-4ef9-a20b-62d8ea27512f" providerId="AD" clId="Web-{68E7B1AE-4B6B-5F4C-F6FE-F3F044889379}" dt="2025-01-27T16:08:17.930" v="27"/>
+          <ac:spMkLst>
+            <pc:docMk/>
+            <pc:sldMk cId="2325500405" sldId="257"/>
+            <ac:spMk id="37" creationId="{801E96C0-D12E-F7ED-E8C9-9053BF2FAD2B}"/>
+          </ac:spMkLst>
+        </pc:spChg>
+        <pc:spChg chg="add del mod ord">
+          <ac:chgData name="Ankita L Savaliya" userId="S::als8453@my.utexas.edu::45302890-fb20-4ef9-a20b-62d8ea27512f" providerId="AD" clId="Web-{68E7B1AE-4B6B-5F4C-F6FE-F3F044889379}" dt="2025-01-27T16:20:01.109" v="74"/>
+          <ac:spMkLst>
+            <pc:docMk/>
+            <pc:sldMk cId="2325500405" sldId="257"/>
+            <ac:spMk id="42" creationId="{E5BA0C9F-BC49-CDE1-ABE1-2734C207E752}"/>
+          </ac:spMkLst>
+        </pc:spChg>
+        <pc:spChg chg="add del mod">
+          <ac:chgData name="Ankita L Savaliya" userId="S::als8453@my.utexas.edu::45302890-fb20-4ef9-a20b-62d8ea27512f" providerId="AD" clId="Web-{68E7B1AE-4B6B-5F4C-F6FE-F3F044889379}" dt="2025-01-27T16:19:45.249" v="70"/>
+          <ac:spMkLst>
+            <pc:docMk/>
+            <pc:sldMk cId="2325500405" sldId="257"/>
+            <ac:spMk id="47" creationId="{BCE7934F-C874-F10B-AA75-1C3871EECD6A}"/>
+          </ac:spMkLst>
+        </pc:spChg>
+        <pc:spChg chg="add del mod">
+          <ac:chgData name="Ankita L Savaliya" userId="S::als8453@my.utexas.edu::45302890-fb20-4ef9-a20b-62d8ea27512f" providerId="AD" clId="Web-{68E7B1AE-4B6B-5F4C-F6FE-F3F044889379}" dt="2025-01-27T16:19:51.546" v="72"/>
+          <ac:spMkLst>
+            <pc:docMk/>
+            <pc:sldMk cId="2325500405" sldId="257"/>
+            <ac:spMk id="49" creationId="{2EDE3F52-6811-E5DF-F8CA-876F99D7B951}"/>
+          </ac:spMkLst>
+        </pc:spChg>
+        <pc:spChg chg="add del mod">
+          <ac:chgData name="Ankita L Savaliya" userId="S::als8453@my.utexas.edu::45302890-fb20-4ef9-a20b-62d8ea27512f" providerId="AD" clId="Web-{68E7B1AE-4B6B-5F4C-F6FE-F3F044889379}" dt="2025-01-27T16:20:01.109" v="74"/>
+          <ac:spMkLst>
+            <pc:docMk/>
+            <pc:sldMk cId="2325500405" sldId="257"/>
+            <ac:spMk id="51" creationId="{F872DC1A-5E2B-0935-6511-755464E92C1E}"/>
+          </ac:spMkLst>
+        </pc:spChg>
+        <pc:picChg chg="del">
+          <ac:chgData name="Ankita L Savaliya" userId="S::als8453@my.utexas.edu::45302890-fb20-4ef9-a20b-62d8ea27512f" providerId="AD" clId="Web-{68E7B1AE-4B6B-5F4C-F6FE-F3F044889379}" dt="2025-01-27T16:05:36.254" v="18"/>
+          <ac:picMkLst>
+            <pc:docMk/>
+            <pc:sldMk cId="2325500405" sldId="257"/>
+            <ac:picMk id="4" creationId="{67F7E326-4B29-1179-77EB-5DBE5B268BE4}"/>
+          </ac:picMkLst>
+        </pc:picChg>
+        <pc:picChg chg="add del mod ord">
+          <ac:chgData name="Ankita L Savaliya" userId="S::als8453@my.utexas.edu::45302890-fb20-4ef9-a20b-62d8ea27512f" providerId="AD" clId="Web-{68E7B1AE-4B6B-5F4C-F6FE-F3F044889379}" dt="2025-01-27T16:08:38.728" v="28"/>
+          <ac:picMkLst>
+            <pc:docMk/>
+            <pc:sldMk cId="2325500405" sldId="257"/>
+            <ac:picMk id="6" creationId="{2A7D5F5E-6014-ECAB-4EF9-17F149A4CEEB}"/>
+          </ac:picMkLst>
+        </pc:picChg>
+        <pc:picChg chg="add del mod ord">
+          <ac:chgData name="Ankita L Savaliya" userId="S::als8453@my.utexas.edu::45302890-fb20-4ef9-a20b-62d8ea27512f" providerId="AD" clId="Web-{68E7B1AE-4B6B-5F4C-F6FE-F3F044889379}" dt="2025-01-27T16:14:48.364" v="60"/>
+          <ac:picMkLst>
+            <pc:docMk/>
+            <pc:sldMk cId="2325500405" sldId="257"/>
+            <ac:picMk id="9" creationId="{7621A636-998C-7400-E817-902C56D64822}"/>
+          </ac:picMkLst>
+        </pc:picChg>
+        <pc:picChg chg="add del mod">
+          <ac:chgData name="Ankita L Savaliya" userId="S::als8453@my.utexas.edu::45302890-fb20-4ef9-a20b-62d8ea27512f" providerId="AD" clId="Web-{68E7B1AE-4B6B-5F4C-F6FE-F3F044889379}" dt="2025-01-27T16:11:49.921" v="31"/>
+          <ac:picMkLst>
+            <pc:docMk/>
+            <pc:sldMk cId="2325500405" sldId="257"/>
+            <ac:picMk id="10" creationId="{C3D2DA4F-2A5B-D264-6195-CBE9723D3D8A}"/>
+          </ac:picMkLst>
+        </pc:picChg>
+        <pc:picChg chg="add del mod">
+          <ac:chgData name="Ankita L Savaliya" userId="S::als8453@my.utexas.edu::45302890-fb20-4ef9-a20b-62d8ea27512f" providerId="AD" clId="Web-{68E7B1AE-4B6B-5F4C-F6FE-F3F044889379}" dt="2025-01-27T16:14:48.318" v="59"/>
+          <ac:picMkLst>
+            <pc:docMk/>
+            <pc:sldMk cId="2325500405" sldId="257"/>
+            <ac:picMk id="11" creationId="{E6321026-CE71-AB15-FED9-BC03C1059E1B}"/>
+          </ac:picMkLst>
+        </pc:picChg>
+        <pc:picChg chg="add del mod ord">
+          <ac:chgData name="Ankita L Savaliya" userId="S::als8453@my.utexas.edu::45302890-fb20-4ef9-a20b-62d8ea27512f" providerId="AD" clId="Web-{68E7B1AE-4B6B-5F4C-F6FE-F3F044889379}" dt="2025-01-27T16:18:41.622" v="62"/>
+          <ac:picMkLst>
+            <pc:docMk/>
+            <pc:sldMk cId="2325500405" sldId="257"/>
+            <ac:picMk id="14" creationId="{007B1EEC-B71E-A3DD-1303-FE9A3825209E}"/>
+          </ac:picMkLst>
+        </pc:picChg>
+        <pc:picChg chg="add del mod ord">
+          <ac:chgData name="Ankita L Savaliya" userId="S::als8453@my.utexas.edu::45302890-fb20-4ef9-a20b-62d8ea27512f" providerId="AD" clId="Web-{68E7B1AE-4B6B-5F4C-F6FE-F3F044889379}" dt="2025-01-27T16:22:10.441" v="77"/>
+          <ac:picMkLst>
+            <pc:docMk/>
+            <pc:sldMk cId="2325500405" sldId="257"/>
+            <ac:picMk id="17" creationId="{736B10F6-BCB3-6020-FA2D-B39E82C5BE2A}"/>
+          </ac:picMkLst>
+        </pc:picChg>
+        <pc:picChg chg="add mod ord">
+          <ac:chgData name="Ankita L Savaliya" userId="S::als8453@my.utexas.edu::45302890-fb20-4ef9-a20b-62d8ea27512f" providerId="AD" clId="Web-{68E7B1AE-4B6B-5F4C-F6FE-F3F044889379}" dt="2025-01-27T16:22:17.175" v="79" actId="1076"/>
+          <ac:picMkLst>
+            <pc:docMk/>
+            <pc:sldMk cId="2325500405" sldId="257"/>
+            <ac:picMk id="20" creationId="{854BD5B2-91F6-28AD-FE59-A1BF0F15BDA6}"/>
+          </ac:picMkLst>
+        </pc:picChg>
+      </pc:sldChg>
+      <pc:sldChg chg="addSp delSp modSp mod modClrScheme chgLayout">
+        <pc:chgData name="Ankita L Savaliya" userId="S::als8453@my.utexas.edu::45302890-fb20-4ef9-a20b-62d8ea27512f" providerId="AD" clId="Web-{68E7B1AE-4B6B-5F4C-F6FE-F3F044889379}" dt="2025-01-27T16:38:40.331" v="144"/>
+        <pc:sldMkLst>
+          <pc:docMk/>
+          <pc:sldMk cId="3667998280" sldId="258"/>
+        </pc:sldMkLst>
+        <pc:spChg chg="mod">
+          <ac:chgData name="Ankita L Savaliya" userId="S::als8453@my.utexas.edu::45302890-fb20-4ef9-a20b-62d8ea27512f" providerId="AD" clId="Web-{68E7B1AE-4B6B-5F4C-F6FE-F3F044889379}" dt="2025-01-27T16:26:53.309" v="91"/>
+          <ac:spMkLst>
+            <pc:docMk/>
+            <pc:sldMk cId="3667998280" sldId="258"/>
+            <ac:spMk id="2" creationId="{BF65AC6B-C37F-8594-FB87-8458012C9F88}"/>
+          </ac:spMkLst>
+        </pc:spChg>
+        <pc:spChg chg="add del mod">
+          <ac:chgData name="Ankita L Savaliya" userId="S::als8453@my.utexas.edu::45302890-fb20-4ef9-a20b-62d8ea27512f" providerId="AD" clId="Web-{68E7B1AE-4B6B-5F4C-F6FE-F3F044889379}" dt="2025-01-27T16:26:39.840" v="89"/>
+          <ac:spMkLst>
+            <pc:docMk/>
+            <pc:sldMk cId="3667998280" sldId="258"/>
+            <ac:spMk id="4" creationId="{DD550A4B-6553-91E5-6FEF-0EE98A866872}"/>
+          </ac:spMkLst>
+        </pc:spChg>
+        <pc:spChg chg="mod ord">
+          <ac:chgData name="Ankita L Savaliya" userId="S::als8453@my.utexas.edu::45302890-fb20-4ef9-a20b-62d8ea27512f" providerId="AD" clId="Web-{68E7B1AE-4B6B-5F4C-F6FE-F3F044889379}" dt="2025-01-27T16:26:53.309" v="91"/>
+          <ac:spMkLst>
+            <pc:docMk/>
+            <pc:sldMk cId="3667998280" sldId="258"/>
+            <ac:spMk id="5" creationId="{5D92F13A-6320-B67E-23B2-8F0D6BEC30F6}"/>
+          </ac:spMkLst>
+        </pc:spChg>
+        <pc:spChg chg="del">
+          <ac:chgData name="Ankita L Savaliya" userId="S::als8453@my.utexas.edu::45302890-fb20-4ef9-a20b-62d8ea27512f" providerId="AD" clId="Web-{68E7B1AE-4B6B-5F4C-F6FE-F3F044889379}" dt="2025-01-27T16:26:53.309" v="91"/>
+          <ac:spMkLst>
+            <pc:docMk/>
+            <pc:sldMk cId="3667998280" sldId="258"/>
+            <ac:spMk id="6" creationId="{74AA2136-DCE3-3C43-480E-69E0B597C6BC}"/>
+          </ac:spMkLst>
+        </pc:spChg>
+        <pc:spChg chg="mod ord">
+          <ac:chgData name="Ankita L Savaliya" userId="S::als8453@my.utexas.edu::45302890-fb20-4ef9-a20b-62d8ea27512f" providerId="AD" clId="Web-{68E7B1AE-4B6B-5F4C-F6FE-F3F044889379}" dt="2025-01-27T16:26:53.309" v="91"/>
+          <ac:spMkLst>
+            <pc:docMk/>
+            <pc:sldMk cId="3667998280" sldId="258"/>
+            <ac:spMk id="7" creationId="{3555EC99-46B4-888B-5297-AB12D7AB4C0C}"/>
+          </ac:spMkLst>
+        </pc:spChg>
+        <pc:spChg chg="del mod">
+          <ac:chgData name="Ankita L Savaliya" userId="S::als8453@my.utexas.edu::45302890-fb20-4ef9-a20b-62d8ea27512f" providerId="AD" clId="Web-{68E7B1AE-4B6B-5F4C-F6FE-F3F044889379}" dt="2025-01-27T16:27:54.389" v="102"/>
+          <ac:spMkLst>
+            <pc:docMk/>
+            <pc:sldMk cId="3667998280" sldId="258"/>
+            <ac:spMk id="11" creationId="{38CFB88B-D0EC-A75F-1E88-435A3BA984DA}"/>
+          </ac:spMkLst>
+        </pc:spChg>
+        <pc:spChg chg="add mod">
+          <ac:chgData name="Ankita L Savaliya" userId="S::als8453@my.utexas.edu::45302890-fb20-4ef9-a20b-62d8ea27512f" providerId="AD" clId="Web-{68E7B1AE-4B6B-5F4C-F6FE-F3F044889379}" dt="2025-01-27T16:38:40.331" v="144"/>
+          <ac:spMkLst>
+            <pc:docMk/>
+            <pc:sldMk cId="3667998280" sldId="258"/>
+            <ac:spMk id="14" creationId="{DD137052-4726-394F-F92D-80411BDB5DF4}"/>
+          </ac:spMkLst>
+        </pc:spChg>
+        <pc:spChg chg="add mod">
+          <ac:chgData name="Ankita L Savaliya" userId="S::als8453@my.utexas.edu::45302890-fb20-4ef9-a20b-62d8ea27512f" providerId="AD" clId="Web-{68E7B1AE-4B6B-5F4C-F6FE-F3F044889379}" dt="2025-01-27T16:26:53.309" v="91"/>
+          <ac:spMkLst>
+            <pc:docMk/>
+            <pc:sldMk cId="3667998280" sldId="258"/>
+            <ac:spMk id="16" creationId="{C616A50C-7065-F2A3-AF93-9EF335390174}"/>
+          </ac:spMkLst>
+        </pc:spChg>
+        <pc:picChg chg="del">
+          <ac:chgData name="Ankita L Savaliya" userId="S::als8453@my.utexas.edu::45302890-fb20-4ef9-a20b-62d8ea27512f" providerId="AD" clId="Web-{68E7B1AE-4B6B-5F4C-F6FE-F3F044889379}" dt="2025-01-27T16:26:04.604" v="88"/>
+          <ac:picMkLst>
+            <pc:docMk/>
+            <pc:sldMk cId="3667998280" sldId="258"/>
+            <ac:picMk id="8" creationId="{9C1561B6-2DE7-3970-B530-E754B8F93107}"/>
+          </ac:picMkLst>
+        </pc:picChg>
+        <pc:picChg chg="add del mod">
+          <ac:chgData name="Ankita L Savaliya" userId="S::als8453@my.utexas.edu::45302890-fb20-4ef9-a20b-62d8ea27512f" providerId="AD" clId="Web-{68E7B1AE-4B6B-5F4C-F6FE-F3F044889379}" dt="2025-01-27T16:30:58.817" v="110"/>
+          <ac:picMkLst>
+            <pc:docMk/>
+            <pc:sldMk cId="3667998280" sldId="258"/>
+            <ac:picMk id="9" creationId="{88ADE34D-7262-C52B-D00D-98216EFA9786}"/>
+          </ac:picMkLst>
+        </pc:picChg>
+        <pc:picChg chg="add del mod">
+          <ac:chgData name="Ankita L Savaliya" userId="S::als8453@my.utexas.edu::45302890-fb20-4ef9-a20b-62d8ea27512f" providerId="AD" clId="Web-{68E7B1AE-4B6B-5F4C-F6FE-F3F044889379}" dt="2025-01-27T16:30:59.832" v="111"/>
+          <ac:picMkLst>
+            <pc:docMk/>
+            <pc:sldMk cId="3667998280" sldId="258"/>
+            <ac:picMk id="10" creationId="{C01E40C7-4942-5090-9A50-9693AD3F3E1A}"/>
+          </ac:picMkLst>
+        </pc:picChg>
+        <pc:picChg chg="add del mod">
+          <ac:chgData name="Ankita L Savaliya" userId="S::als8453@my.utexas.edu::45302890-fb20-4ef9-a20b-62d8ea27512f" providerId="AD" clId="Web-{68E7B1AE-4B6B-5F4C-F6FE-F3F044889379}" dt="2025-01-27T16:37:05.141" v="135"/>
+          <ac:picMkLst>
+            <pc:docMk/>
+            <pc:sldMk cId="3667998280" sldId="258"/>
+            <ac:picMk id="12" creationId="{2C406636-8B48-A3C2-936A-9C78A7119850}"/>
+          </ac:picMkLst>
+        </pc:picChg>
+        <pc:picChg chg="add mod">
+          <ac:chgData name="Ankita L Savaliya" userId="S::als8453@my.utexas.edu::45302890-fb20-4ef9-a20b-62d8ea27512f" providerId="AD" clId="Web-{68E7B1AE-4B6B-5F4C-F6FE-F3F044889379}" dt="2025-01-27T16:36:28.436" v="134" actId="1076"/>
+          <ac:picMkLst>
+            <pc:docMk/>
+            <pc:sldMk cId="3667998280" sldId="258"/>
+            <ac:picMk id="13" creationId="{38FD3413-A962-8B47-C09E-6B429FD11B22}"/>
+          </ac:picMkLst>
+        </pc:picChg>
+        <pc:picChg chg="add mod">
+          <ac:chgData name="Ankita L Savaliya" userId="S::als8453@my.utexas.edu::45302890-fb20-4ef9-a20b-62d8ea27512f" providerId="AD" clId="Web-{68E7B1AE-4B6B-5F4C-F6FE-F3F044889379}" dt="2025-01-27T16:37:17.500" v="139" actId="14100"/>
+          <ac:picMkLst>
+            <pc:docMk/>
+            <pc:sldMk cId="3667998280" sldId="258"/>
+            <ac:picMk id="15" creationId="{B693B519-E718-BA3A-E92A-A4D82CF0004E}"/>
+          </ac:picMkLst>
+        </pc:picChg>
+      </pc:sldChg>
+      <pc:sldChg chg="modSp del ord">
+        <pc:chgData name="Ankita L Savaliya" userId="S::als8453@my.utexas.edu::45302890-fb20-4ef9-a20b-62d8ea27512f" providerId="AD" clId="Web-{68E7B1AE-4B6B-5F4C-F6FE-F3F044889379}" dt="2025-01-27T16:48:55.335" v="208"/>
+        <pc:sldMkLst>
+          <pc:docMk/>
+          <pc:sldMk cId="1500749005" sldId="259"/>
+        </pc:sldMkLst>
+        <pc:spChg chg="mod">
+          <ac:chgData name="Ankita L Savaliya" userId="S::als8453@my.utexas.edu::45302890-fb20-4ef9-a20b-62d8ea27512f" providerId="AD" clId="Web-{68E7B1AE-4B6B-5F4C-F6FE-F3F044889379}" dt="2025-01-27T16:25:56.276" v="85" actId="20577"/>
+          <ac:spMkLst>
+            <pc:docMk/>
+            <pc:sldMk cId="1500749005" sldId="259"/>
+            <ac:spMk id="4" creationId="{66A83C4F-6C53-107B-881F-FDA6C5E8E56D}"/>
+          </ac:spMkLst>
+        </pc:spChg>
+      </pc:sldChg>
+      <pc:sldChg chg="modSp del">
+        <pc:chgData name="Ankita L Savaliya" userId="S::als8453@my.utexas.edu::45302890-fb20-4ef9-a20b-62d8ea27512f" providerId="AD" clId="Web-{68E7B1AE-4B6B-5F4C-F6FE-F3F044889379}" dt="2025-01-27T16:48:55.335" v="209"/>
+        <pc:sldMkLst>
+          <pc:docMk/>
+          <pc:sldMk cId="2838710785" sldId="260"/>
+        </pc:sldMkLst>
+        <pc:spChg chg="mod">
+          <ac:chgData name="Ankita L Savaliya" userId="S::als8453@my.utexas.edu::45302890-fb20-4ef9-a20b-62d8ea27512f" providerId="AD" clId="Web-{68E7B1AE-4B6B-5F4C-F6FE-F3F044889379}" dt="2025-01-27T16:44:01.247" v="170" actId="20577"/>
+          <ac:spMkLst>
+            <pc:docMk/>
+            <pc:sldMk cId="2838710785" sldId="260"/>
+            <ac:spMk id="11" creationId="{38CFB88B-D0EC-A75F-1E88-435A3BA984DA}"/>
+          </ac:spMkLst>
+        </pc:spChg>
+      </pc:sldChg>
+      <pc:sldChg chg="addSp delSp modSp ord">
+        <pc:chgData name="Ankita L Savaliya" userId="S::als8453@my.utexas.edu::45302890-fb20-4ef9-a20b-62d8ea27512f" providerId="AD" clId="Web-{68E7B1AE-4B6B-5F4C-F6FE-F3F044889379}" dt="2025-01-27T16:45:45.579" v="178" actId="20577"/>
+        <pc:sldMkLst>
+          <pc:docMk/>
+          <pc:sldMk cId="2469089735" sldId="261"/>
+        </pc:sldMkLst>
+        <pc:spChg chg="mod">
+          <ac:chgData name="Ankita L Savaliya" userId="S::als8453@my.utexas.edu::45302890-fb20-4ef9-a20b-62d8ea27512f" providerId="AD" clId="Web-{68E7B1AE-4B6B-5F4C-F6FE-F3F044889379}" dt="2025-01-27T16:45:45.579" v="178" actId="20577"/>
+          <ac:spMkLst>
+            <pc:docMk/>
+            <pc:sldMk cId="2469089735" sldId="261"/>
+            <ac:spMk id="2" creationId="{BF65AC6B-C37F-8594-FB87-8458012C9F88}"/>
+          </ac:spMkLst>
+        </pc:spChg>
+        <pc:spChg chg="mod">
+          <ac:chgData name="Ankita L Savaliya" userId="S::als8453@my.utexas.edu::45302890-fb20-4ef9-a20b-62d8ea27512f" providerId="AD" clId="Web-{68E7B1AE-4B6B-5F4C-F6FE-F3F044889379}" dt="2025-01-27T16:45:29.750" v="175"/>
+          <ac:spMkLst>
+            <pc:docMk/>
+            <pc:sldMk cId="2469089735" sldId="261"/>
+            <ac:spMk id="11" creationId="{38CFB88B-D0EC-A75F-1E88-435A3BA984DA}"/>
+          </ac:spMkLst>
+        </pc:spChg>
+        <pc:picChg chg="add del mod">
+          <ac:chgData name="Ankita L Savaliya" userId="S::als8453@my.utexas.edu::45302890-fb20-4ef9-a20b-62d8ea27512f" providerId="AD" clId="Web-{68E7B1AE-4B6B-5F4C-F6FE-F3F044889379}" dt="2025-01-27T16:41:46.931" v="162"/>
+          <ac:picMkLst>
+            <pc:docMk/>
+            <pc:sldMk cId="2469089735" sldId="261"/>
+            <ac:picMk id="3" creationId="{A1855CCE-C4FF-AB94-D721-17C0E573766E}"/>
+          </ac:picMkLst>
+        </pc:picChg>
+        <pc:picChg chg="add mod">
+          <ac:chgData name="Ankita L Savaliya" userId="S::als8453@my.utexas.edu::45302890-fb20-4ef9-a20b-62d8ea27512f" providerId="AD" clId="Web-{68E7B1AE-4B6B-5F4C-F6FE-F3F044889379}" dt="2025-01-27T16:41:56.775" v="165" actId="1076"/>
+          <ac:picMkLst>
+            <pc:docMk/>
+            <pc:sldMk cId="2469089735" sldId="261"/>
+            <ac:picMk id="4" creationId="{4744300E-8AA2-9915-8C28-B6889F3F75C5}"/>
+          </ac:picMkLst>
+        </pc:picChg>
+        <pc:picChg chg="del">
+          <ac:chgData name="Ankita L Savaliya" userId="S::als8453@my.utexas.edu::45302890-fb20-4ef9-a20b-62d8ea27512f" providerId="AD" clId="Web-{68E7B1AE-4B6B-5F4C-F6FE-F3F044889379}" dt="2025-01-27T16:41:27.993" v="155"/>
+          <ac:picMkLst>
+            <pc:docMk/>
+            <pc:sldMk cId="2469089735" sldId="261"/>
+            <ac:picMk id="14" creationId="{7AC79389-110C-A72B-87FA-C9C4682AF93F}"/>
+          </ac:picMkLst>
+        </pc:picChg>
+      </pc:sldChg>
+      <pc:sldChg chg="addSp delSp modSp mod ord modClrScheme chgLayout">
+        <pc:chgData name="Ankita L Savaliya" userId="S::als8453@my.utexas.edu::45302890-fb20-4ef9-a20b-62d8ea27512f" providerId="AD" clId="Web-{68E7B1AE-4B6B-5F4C-F6FE-F3F044889379}" dt="2025-01-27T17:03:21.440" v="276" actId="1076"/>
+        <pc:sldMkLst>
+          <pc:docMk/>
+          <pc:sldMk cId="3068163590" sldId="262"/>
+        </pc:sldMkLst>
+        <pc:spChg chg="mod ord">
+          <ac:chgData name="Ankita L Savaliya" userId="S::als8453@my.utexas.edu::45302890-fb20-4ef9-a20b-62d8ea27512f" providerId="AD" clId="Web-{68E7B1AE-4B6B-5F4C-F6FE-F3F044889379}" dt="2025-01-27T17:02:39.720" v="268"/>
+          <ac:spMkLst>
+            <pc:docMk/>
+            <pc:sldMk cId="3068163590" sldId="262"/>
+            <ac:spMk id="2" creationId="{D4A847F5-FE7F-970F-30A8-F14DC30F0298}"/>
+          </ac:spMkLst>
+        </pc:spChg>
+        <pc:spChg chg="add del mod">
+          <ac:chgData name="Ankita L Savaliya" userId="S::als8453@my.utexas.edu::45302890-fb20-4ef9-a20b-62d8ea27512f" providerId="AD" clId="Web-{68E7B1AE-4B6B-5F4C-F6FE-F3F044889379}" dt="2025-01-27T16:40:51.820" v="152"/>
+          <ac:spMkLst>
+            <pc:docMk/>
+            <pc:sldMk cId="3068163590" sldId="262"/>
+            <ac:spMk id="5" creationId="{A7FEDC02-C37B-456F-4A45-A377F4B217A4}"/>
+          </ac:spMkLst>
+        </pc:spChg>
+        <pc:spChg chg="mod ord">
+          <ac:chgData name="Ankita L Savaliya" userId="S::als8453@my.utexas.edu::45302890-fb20-4ef9-a20b-62d8ea27512f" providerId="AD" clId="Web-{68E7B1AE-4B6B-5F4C-F6FE-F3F044889379}" dt="2025-01-27T17:03:16.533" v="275" actId="1076"/>
+          <ac:spMkLst>
+            <pc:docMk/>
+            <pc:sldMk cId="3068163590" sldId="262"/>
+            <ac:spMk id="27" creationId="{845D7DA4-0A30-F667-174F-8A99022B50FE}"/>
+          </ac:spMkLst>
+        </pc:spChg>
+        <pc:spChg chg="mod ord">
+          <ac:chgData name="Ankita L Savaliya" userId="S::als8453@my.utexas.edu::45302890-fb20-4ef9-a20b-62d8ea27512f" providerId="AD" clId="Web-{68E7B1AE-4B6B-5F4C-F6FE-F3F044889379}" dt="2025-01-27T17:02:39.720" v="268"/>
+          <ac:spMkLst>
+            <pc:docMk/>
+            <pc:sldMk cId="3068163590" sldId="262"/>
+            <ac:spMk id="28" creationId="{7A6840E9-E4CF-DCC4-9B0D-7D4B8FDC3F5A}"/>
+          </ac:spMkLst>
+        </pc:spChg>
+        <pc:spChg chg="mod ord">
+          <ac:chgData name="Ankita L Savaliya" userId="S::als8453@my.utexas.edu::45302890-fb20-4ef9-a20b-62d8ea27512f" providerId="AD" clId="Web-{68E7B1AE-4B6B-5F4C-F6FE-F3F044889379}" dt="2025-01-27T17:02:39.720" v="268"/>
+          <ac:spMkLst>
+            <pc:docMk/>
+            <pc:sldMk cId="3068163590" sldId="262"/>
+            <ac:spMk id="29" creationId="{33BFA14B-AF0A-16F8-9A2F-D4A1F799D935}"/>
+          </ac:spMkLst>
+        </pc:spChg>
+        <pc:spChg chg="mod ord">
+          <ac:chgData name="Ankita L Savaliya" userId="S::als8453@my.utexas.edu::45302890-fb20-4ef9-a20b-62d8ea27512f" providerId="AD" clId="Web-{68E7B1AE-4B6B-5F4C-F6FE-F3F044889379}" dt="2025-01-27T17:02:39.720" v="268"/>
+          <ac:spMkLst>
+            <pc:docMk/>
+            <pc:sldMk cId="3068163590" sldId="262"/>
+            <ac:spMk id="30" creationId="{B9FC7F56-BFF9-92C8-CFE9-7DD25BADAF55}"/>
+          </ac:spMkLst>
+        </pc:spChg>
+        <pc:picChg chg="add mod">
+          <ac:chgData name="Ankita L Savaliya" userId="S::als8453@my.utexas.edu::45302890-fb20-4ef9-a20b-62d8ea27512f" providerId="AD" clId="Web-{68E7B1AE-4B6B-5F4C-F6FE-F3F044889379}" dt="2025-01-27T17:03:21.440" v="276" actId="1076"/>
+          <ac:picMkLst>
+            <pc:docMk/>
+            <pc:sldMk cId="3068163590" sldId="262"/>
+            <ac:picMk id="3" creationId="{BB552D2E-7FEB-FC4C-FD0F-9E6955DAB034}"/>
+          </ac:picMkLst>
+        </pc:picChg>
+        <pc:picChg chg="del">
+          <ac:chgData name="Ankita L Savaliya" userId="S::als8453@my.utexas.edu::45302890-fb20-4ef9-a20b-62d8ea27512f" providerId="AD" clId="Web-{68E7B1AE-4B6B-5F4C-F6FE-F3F044889379}" dt="2025-01-27T16:40:23.584" v="147"/>
+          <ac:picMkLst>
+            <pc:docMk/>
+            <pc:sldMk cId="3068163590" sldId="262"/>
+            <ac:picMk id="6" creationId="{3865C398-C6D5-1F5C-D399-95AB24DBB17E}"/>
+          </ac:picMkLst>
+        </pc:picChg>
+      </pc:sldChg>
+      <pc:sldChg chg="modSp ord">
+        <pc:chgData name="Ankita L Savaliya" userId="S::als8453@my.utexas.edu::45302890-fb20-4ef9-a20b-62d8ea27512f" providerId="AD" clId="Web-{68E7B1AE-4B6B-5F4C-F6FE-F3F044889379}" dt="2025-01-27T16:46:38.221" v="188"/>
+        <pc:sldMkLst>
+          <pc:docMk/>
+          <pc:sldMk cId="2008372941" sldId="263"/>
+        </pc:sldMkLst>
+        <pc:spChg chg="mod">
+          <ac:chgData name="Ankita L Savaliya" userId="S::als8453@my.utexas.edu::45302890-fb20-4ef9-a20b-62d8ea27512f" providerId="AD" clId="Web-{68E7B1AE-4B6B-5F4C-F6FE-F3F044889379}" dt="2025-01-27T16:46:23.267" v="187" actId="20577"/>
+          <ac:spMkLst>
+            <pc:docMk/>
+            <pc:sldMk cId="2008372941" sldId="263"/>
+            <ac:spMk id="2" creationId="{BF65AC6B-C37F-8594-FB87-8458012C9F88}"/>
+          </ac:spMkLst>
+        </pc:spChg>
+        <pc:spChg chg="mod">
+          <ac:chgData name="Ankita L Savaliya" userId="S::als8453@my.utexas.edu::45302890-fb20-4ef9-a20b-62d8ea27512f" providerId="AD" clId="Web-{68E7B1AE-4B6B-5F4C-F6FE-F3F044889379}" dt="2025-01-27T16:46:38.221" v="188"/>
+          <ac:spMkLst>
+            <pc:docMk/>
+            <pc:sldMk cId="2008372941" sldId="263"/>
+            <ac:spMk id="11" creationId="{38CFB88B-D0EC-A75F-1E88-435A3BA984DA}"/>
+          </ac:spMkLst>
+        </pc:spChg>
+      </pc:sldChg>
+      <pc:sldChg chg="modSp ord">
+        <pc:chgData name="Ankita L Savaliya" userId="S::als8453@my.utexas.edu::45302890-fb20-4ef9-a20b-62d8ea27512f" providerId="AD" clId="Web-{68E7B1AE-4B6B-5F4C-F6FE-F3F044889379}" dt="2025-01-27T16:46:15.314" v="186" actId="20577"/>
+        <pc:sldMkLst>
+          <pc:docMk/>
+          <pc:sldMk cId="581286553" sldId="264"/>
+        </pc:sldMkLst>
+        <pc:spChg chg="mod">
+          <ac:chgData name="Ankita L Savaliya" userId="S::als8453@my.utexas.edu::45302890-fb20-4ef9-a20b-62d8ea27512f" providerId="AD" clId="Web-{68E7B1AE-4B6B-5F4C-F6FE-F3F044889379}" dt="2025-01-27T16:46:15.314" v="186" actId="20577"/>
+          <ac:spMkLst>
+            <pc:docMk/>
+            <pc:sldMk cId="581286553" sldId="264"/>
+            <ac:spMk id="2" creationId="{D4A847F5-FE7F-970F-30A8-F14DC30F0298}"/>
+          </ac:spMkLst>
+        </pc:spChg>
+      </pc:sldChg>
+      <pc:sldChg chg="addSp delSp modSp">
+        <pc:chgData name="Ankita L Savaliya" userId="S::als8453@my.utexas.edu::45302890-fb20-4ef9-a20b-62d8ea27512f" providerId="AD" clId="Web-{68E7B1AE-4B6B-5F4C-F6FE-F3F044889379}" dt="2025-01-27T17:00:27.497" v="267" actId="20577"/>
+        <pc:sldMkLst>
+          <pc:docMk/>
+          <pc:sldMk cId="413670067" sldId="265"/>
+        </pc:sldMkLst>
+        <pc:spChg chg="add mod">
+          <ac:chgData name="Ankita L Savaliya" userId="S::als8453@my.utexas.edu::45302890-fb20-4ef9-a20b-62d8ea27512f" providerId="AD" clId="Web-{68E7B1AE-4B6B-5F4C-F6FE-F3F044889379}" dt="2025-01-27T17:00:27.497" v="267" actId="20577"/>
+          <ac:spMkLst>
+            <pc:docMk/>
+            <pc:sldMk cId="413670067" sldId="265"/>
+            <ac:spMk id="9" creationId="{62FE4A32-6191-0B20-889B-664BBAF40614}"/>
+          </ac:spMkLst>
+        </pc:spChg>
+        <pc:spChg chg="del">
+          <ac:chgData name="Ankita L Savaliya" userId="S::als8453@my.utexas.edu::45302890-fb20-4ef9-a20b-62d8ea27512f" providerId="AD" clId="Web-{68E7B1AE-4B6B-5F4C-F6FE-F3F044889379}" dt="2025-01-27T16:56:23.802" v="249"/>
+          <ac:spMkLst>
+            <pc:docMk/>
+            <pc:sldMk cId="413670067" sldId="265"/>
+            <ac:spMk id="11" creationId="{38CFB88B-D0EC-A75F-1E88-435A3BA984DA}"/>
+          </ac:spMkLst>
+        </pc:spChg>
+        <pc:picChg chg="del">
+          <ac:chgData name="Ankita L Savaliya" userId="S::als8453@my.utexas.edu::45302890-fb20-4ef9-a20b-62d8ea27512f" providerId="AD" clId="Web-{68E7B1AE-4B6B-5F4C-F6FE-F3F044889379}" dt="2025-01-27T16:56:25.521" v="250"/>
+          <ac:picMkLst>
+            <pc:docMk/>
+            <pc:sldMk cId="413670067" sldId="265"/>
+            <ac:picMk id="3" creationId="{BBBCC482-A5EB-CD56-FF36-33C4913761D0}"/>
+          </ac:picMkLst>
+        </pc:picChg>
+        <pc:picChg chg="add mod">
+          <ac:chgData name="Ankita L Savaliya" userId="S::als8453@my.utexas.edu::45302890-fb20-4ef9-a20b-62d8ea27512f" providerId="AD" clId="Web-{68E7B1AE-4B6B-5F4C-F6FE-F3F044889379}" dt="2025-01-27T16:57:16.038" v="259" actId="14100"/>
+          <ac:picMkLst>
+            <pc:docMk/>
+            <pc:sldMk cId="413670067" sldId="265"/>
+            <ac:picMk id="4" creationId="{F886DD45-05A9-FD07-C33A-3136398BE0DC}"/>
+          </ac:picMkLst>
+        </pc:picChg>
+        <pc:picChg chg="add mod">
+          <ac:chgData name="Ankita L Savaliya" userId="S::als8453@my.utexas.edu::45302890-fb20-4ef9-a20b-62d8ea27512f" providerId="AD" clId="Web-{68E7B1AE-4B6B-5F4C-F6FE-F3F044889379}" dt="2025-01-27T16:57:20.772" v="261" actId="1076"/>
+          <ac:picMkLst>
+            <pc:docMk/>
+            <pc:sldMk cId="413670067" sldId="265"/>
+            <ac:picMk id="8" creationId="{05CFE868-66C0-1A41-865A-BB418D251733}"/>
+          </ac:picMkLst>
+        </pc:picChg>
+      </pc:sldChg>
+      <pc:sldChg chg="addSp delSp modSp mod modClrScheme chgLayout">
+        <pc:chgData name="Ankita L Savaliya" userId="S::als8453@my.utexas.edu::45302890-fb20-4ef9-a20b-62d8ea27512f" providerId="AD" clId="Web-{68E7B1AE-4B6B-5F4C-F6FE-F3F044889379}" dt="2025-01-27T16:54:36.267" v="248" actId="14100"/>
+        <pc:sldMkLst>
+          <pc:docMk/>
+          <pc:sldMk cId="3450862647" sldId="266"/>
+        </pc:sldMkLst>
+        <pc:spChg chg="mod">
+          <ac:chgData name="Ankita L Savaliya" userId="S::als8453@my.utexas.edu::45302890-fb20-4ef9-a20b-62d8ea27512f" providerId="AD" clId="Web-{68E7B1AE-4B6B-5F4C-F6FE-F3F044889379}" dt="2025-01-27T16:51:23.839" v="232" actId="20577"/>
+          <ac:spMkLst>
+            <pc:docMk/>
+            <pc:sldMk cId="3450862647" sldId="266"/>
+            <ac:spMk id="2" creationId="{D4A847F5-FE7F-970F-30A8-F14DC30F0298}"/>
+          </ac:spMkLst>
+        </pc:spChg>
+        <pc:spChg chg="add del mod">
+          <ac:chgData name="Ankita L Savaliya" userId="S::als8453@my.utexas.edu::45302890-fb20-4ef9-a20b-62d8ea27512f" providerId="AD" clId="Web-{68E7B1AE-4B6B-5F4C-F6FE-F3F044889379}" dt="2025-01-27T16:50:01.243" v="214"/>
+          <ac:spMkLst>
+            <pc:docMk/>
+            <pc:sldMk cId="3450862647" sldId="266"/>
+            <ac:spMk id="4" creationId="{A2F75271-078A-CD05-DBD9-299AFD12AA85}"/>
+          </ac:spMkLst>
+        </pc:spChg>
+        <pc:spChg chg="mod">
+          <ac:chgData name="Ankita L Savaliya" userId="S::als8453@my.utexas.edu::45302890-fb20-4ef9-a20b-62d8ea27512f" providerId="AD" clId="Web-{68E7B1AE-4B6B-5F4C-F6FE-F3F044889379}" dt="2025-01-27T16:54:36.267" v="248" actId="14100"/>
+          <ac:spMkLst>
+            <pc:docMk/>
+            <pc:sldMk cId="3450862647" sldId="266"/>
+            <ac:spMk id="27" creationId="{845D7DA4-0A30-F667-174F-8A99022B50FE}"/>
+          </ac:spMkLst>
+        </pc:spChg>
+        <pc:spChg chg="mod">
+          <ac:chgData name="Ankita L Savaliya" userId="S::als8453@my.utexas.edu::45302890-fb20-4ef9-a20b-62d8ea27512f" providerId="AD" clId="Web-{68E7B1AE-4B6B-5F4C-F6FE-F3F044889379}" dt="2025-01-27T16:50:23.634" v="218"/>
+          <ac:spMkLst>
+            <pc:docMk/>
+            <pc:sldMk cId="3450862647" sldId="266"/>
+            <ac:spMk id="28" creationId="{7A6840E9-E4CF-DCC4-9B0D-7D4B8FDC3F5A}"/>
+          </ac:spMkLst>
+        </pc:spChg>
+        <pc:spChg chg="add del">
+          <ac:chgData name="Ankita L Savaliya" userId="S::als8453@my.utexas.edu::45302890-fb20-4ef9-a20b-62d8ea27512f" providerId="AD" clId="Web-{68E7B1AE-4B6B-5F4C-F6FE-F3F044889379}" dt="2025-01-27T16:50:23.634" v="218"/>
+          <ac:spMkLst>
+            <pc:docMk/>
+            <pc:sldMk cId="3450862647" sldId="266"/>
+            <ac:spMk id="29" creationId="{33BFA14B-AF0A-16F8-9A2F-D4A1F799D935}"/>
+          </ac:spMkLst>
+        </pc:spChg>
+        <pc:spChg chg="mod">
+          <ac:chgData name="Ankita L Savaliya" userId="S::als8453@my.utexas.edu::45302890-fb20-4ef9-a20b-62d8ea27512f" providerId="AD" clId="Web-{68E7B1AE-4B6B-5F4C-F6FE-F3F044889379}" dt="2025-01-27T16:50:23.634" v="218"/>
+          <ac:spMkLst>
+            <pc:docMk/>
+            <pc:sldMk cId="3450862647" sldId="266"/>
+            <ac:spMk id="30" creationId="{B9FC7F56-BFF9-92C8-CFE9-7DD25BADAF55}"/>
+          </ac:spMkLst>
+        </pc:spChg>
+        <pc:spChg chg="add del mod">
+          <ac:chgData name="Ankita L Savaliya" userId="S::als8453@my.utexas.edu::45302890-fb20-4ef9-a20b-62d8ea27512f" providerId="AD" clId="Web-{68E7B1AE-4B6B-5F4C-F6FE-F3F044889379}" dt="2025-01-27T16:50:23.619" v="217"/>
+          <ac:spMkLst>
+            <pc:docMk/>
+            <pc:sldMk cId="3450862647" sldId="266"/>
+            <ac:spMk id="35" creationId="{9948F802-0563-9F11-D671-2BD0F7843F5C}"/>
+          </ac:spMkLst>
+        </pc:spChg>
+        <pc:spChg chg="add del mod">
+          <ac:chgData name="Ankita L Savaliya" userId="S::als8453@my.utexas.edu::45302890-fb20-4ef9-a20b-62d8ea27512f" providerId="AD" clId="Web-{68E7B1AE-4B6B-5F4C-F6FE-F3F044889379}" dt="2025-01-27T16:50:23.619" v="217"/>
+          <ac:spMkLst>
+            <pc:docMk/>
+            <pc:sldMk cId="3450862647" sldId="266"/>
+            <ac:spMk id="37" creationId="{C9E04797-A36E-F6A7-B8E7-8BE9F6317139}"/>
+          </ac:spMkLst>
+        </pc:spChg>
+        <pc:spChg chg="add del mod">
+          <ac:chgData name="Ankita L Savaliya" userId="S::als8453@my.utexas.edu::45302890-fb20-4ef9-a20b-62d8ea27512f" providerId="AD" clId="Web-{68E7B1AE-4B6B-5F4C-F6FE-F3F044889379}" dt="2025-01-27T16:50:23.619" v="217"/>
+          <ac:spMkLst>
+            <pc:docMk/>
+            <pc:sldMk cId="3450862647" sldId="266"/>
+            <ac:spMk id="39" creationId="{CC38D116-1339-1EBE-0D91-04741AB6DC4C}"/>
+          </ac:spMkLst>
+        </pc:spChg>
+        <pc:spChg chg="add mod">
+          <ac:chgData name="Ankita L Savaliya" userId="S::als8453@my.utexas.edu::45302890-fb20-4ef9-a20b-62d8ea27512f" providerId="AD" clId="Web-{68E7B1AE-4B6B-5F4C-F6FE-F3F044889379}" dt="2025-01-27T16:50:23.634" v="218"/>
+          <ac:spMkLst>
+            <pc:docMk/>
+            <pc:sldMk cId="3450862647" sldId="266"/>
+            <ac:spMk id="41" creationId="{D0D8C82E-40BF-7889-E521-C48C5596BDB5}"/>
+          </ac:spMkLst>
+        </pc:spChg>
+        <pc:picChg chg="del">
+          <ac:chgData name="Ankita L Savaliya" userId="S::als8453@my.utexas.edu::45302890-fb20-4ef9-a20b-62d8ea27512f" providerId="AD" clId="Web-{68E7B1AE-4B6B-5F4C-F6FE-F3F044889379}" dt="2025-01-27T16:49:32.336" v="213"/>
+          <ac:picMkLst>
+            <pc:docMk/>
+            <pc:sldMk cId="3450862647" sldId="266"/>
+            <ac:picMk id="5" creationId="{EA2C5589-D538-E100-5A16-626F3D5A2E6F}"/>
+          </ac:picMkLst>
+        </pc:picChg>
+        <pc:picChg chg="add mod ord">
+          <ac:chgData name="Ankita L Savaliya" userId="S::als8453@my.utexas.edu::45302890-fb20-4ef9-a20b-62d8ea27512f" providerId="AD" clId="Web-{68E7B1AE-4B6B-5F4C-F6FE-F3F044889379}" dt="2025-01-27T16:54:29.611" v="247" actId="14100"/>
+          <ac:picMkLst>
+            <pc:docMk/>
+            <pc:sldMk cId="3450862647" sldId="266"/>
+            <ac:picMk id="6" creationId="{81363FFA-55EA-3AEF-3478-3D95539C0FD4}"/>
+          </ac:picMkLst>
+        </pc:picChg>
+      </pc:sldChg>
+      <pc:sldChg chg="addSp delSp modSp ord">
+        <pc:chgData name="Ankita L Savaliya" userId="S::als8453@my.utexas.edu::45302890-fb20-4ef9-a20b-62d8ea27512f" providerId="AD" clId="Web-{68E7B1AE-4B6B-5F4C-F6FE-F3F044889379}" dt="2025-01-27T16:49:05.991" v="211" actId="20577"/>
+        <pc:sldMkLst>
+          <pc:docMk/>
+          <pc:sldMk cId="2657411531" sldId="267"/>
+        </pc:sldMkLst>
+        <pc:spChg chg="mod">
+          <ac:chgData name="Ankita L Savaliya" userId="S::als8453@my.utexas.edu::45302890-fb20-4ef9-a20b-62d8ea27512f" providerId="AD" clId="Web-{68E7B1AE-4B6B-5F4C-F6FE-F3F044889379}" dt="2025-01-27T16:49:05.991" v="211" actId="20577"/>
+          <ac:spMkLst>
+            <pc:docMk/>
+            <pc:sldMk cId="2657411531" sldId="267"/>
+            <ac:spMk id="2" creationId="{BF65AC6B-C37F-8594-FB87-8458012C9F88}"/>
+          </ac:spMkLst>
+        </pc:spChg>
+        <pc:spChg chg="del">
+          <ac:chgData name="Ankita L Savaliya" userId="S::als8453@my.utexas.edu::45302890-fb20-4ef9-a20b-62d8ea27512f" providerId="AD" clId="Web-{68E7B1AE-4B6B-5F4C-F6FE-F3F044889379}" dt="2025-01-27T16:48:47.225" v="207"/>
+          <ac:spMkLst>
+            <pc:docMk/>
+            <pc:sldMk cId="2657411531" sldId="267"/>
+            <ac:spMk id="7" creationId="{3555EC99-46B4-888B-5297-AB12D7AB4C0C}"/>
+          </ac:spMkLst>
+        </pc:spChg>
+        <pc:spChg chg="mod">
+          <ac:chgData name="Ankita L Savaliya" userId="S::als8453@my.utexas.edu::45302890-fb20-4ef9-a20b-62d8ea27512f" providerId="AD" clId="Web-{68E7B1AE-4B6B-5F4C-F6FE-F3F044889379}" dt="2025-01-27T16:48:43.819" v="206"/>
+          <ac:spMkLst>
+            <pc:docMk/>
+            <pc:sldMk cId="2657411531" sldId="267"/>
+            <ac:spMk id="11" creationId="{38CFB88B-D0EC-A75F-1E88-435A3BA984DA}"/>
+          </ac:spMkLst>
+        </pc:spChg>
+        <pc:picChg chg="del">
+          <ac:chgData name="Ankita L Savaliya" userId="S::als8453@my.utexas.edu::45302890-fb20-4ef9-a20b-62d8ea27512f" providerId="AD" clId="Web-{68E7B1AE-4B6B-5F4C-F6FE-F3F044889379}" dt="2025-01-27T16:48:27.599" v="201"/>
+          <ac:picMkLst>
+            <pc:docMk/>
+            <pc:sldMk cId="2657411531" sldId="267"/>
+            <ac:picMk id="3" creationId="{8E4979A1-C726-2F3B-12E2-5652B8D9C33E}"/>
+          </ac:picMkLst>
+        </pc:picChg>
+        <pc:picChg chg="add mod">
+          <ac:chgData name="Ankita L Savaliya" userId="S::als8453@my.utexas.edu::45302890-fb20-4ef9-a20b-62d8ea27512f" providerId="AD" clId="Web-{68E7B1AE-4B6B-5F4C-F6FE-F3F044889379}" dt="2025-01-27T16:48:37.850" v="205" actId="1076"/>
+          <ac:picMkLst>
+            <pc:docMk/>
+            <pc:sldMk cId="2657411531" sldId="267"/>
+            <ac:picMk id="4" creationId="{55C1E1EF-B490-FEB9-2E9F-D0DED0B57EB8}"/>
+          </ac:picMkLst>
+        </pc:picChg>
+      </pc:sldChg>
+      <pc:sldChg chg="addSp delSp modSp ord">
+        <pc:chgData name="Ankita L Savaliya" userId="S::als8453@my.utexas.edu::45302890-fb20-4ef9-a20b-62d8ea27512f" providerId="AD" clId="Web-{68E7B1AE-4B6B-5F4C-F6FE-F3F044889379}" dt="2025-01-27T16:49:03.054" v="210" actId="20577"/>
+        <pc:sldMkLst>
+          <pc:docMk/>
+          <pc:sldMk cId="3106800038" sldId="268"/>
+        </pc:sldMkLst>
+        <pc:spChg chg="mod">
+          <ac:chgData name="Ankita L Savaliya" userId="S::als8453@my.utexas.edu::45302890-fb20-4ef9-a20b-62d8ea27512f" providerId="AD" clId="Web-{68E7B1AE-4B6B-5F4C-F6FE-F3F044889379}" dt="2025-01-27T16:49:03.054" v="210" actId="20577"/>
+          <ac:spMkLst>
+            <pc:docMk/>
+            <pc:sldMk cId="3106800038" sldId="268"/>
+            <ac:spMk id="2" creationId="{D4A847F5-FE7F-970F-30A8-F14DC30F0298}"/>
+          </ac:spMkLst>
+        </pc:spChg>
+        <pc:picChg chg="del">
+          <ac:chgData name="Ankita L Savaliya" userId="S::als8453@my.utexas.edu::45302890-fb20-4ef9-a20b-62d8ea27512f" providerId="AD" clId="Web-{68E7B1AE-4B6B-5F4C-F6FE-F3F044889379}" dt="2025-01-27T16:47:47.629" v="195"/>
+          <ac:picMkLst>
+            <pc:docMk/>
+            <pc:sldMk cId="3106800038" sldId="268"/>
+            <ac:picMk id="3" creationId="{39697780-6C72-5486-8A6E-5A8421D799D3}"/>
+          </ac:picMkLst>
+        </pc:picChg>
+        <pc:picChg chg="add mod">
+          <ac:chgData name="Ankita L Savaliya" userId="S::als8453@my.utexas.edu::45302890-fb20-4ef9-a20b-62d8ea27512f" providerId="AD" clId="Web-{68E7B1AE-4B6B-5F4C-F6FE-F3F044889379}" dt="2025-01-27T16:48:02.052" v="200" actId="1076"/>
+          <ac:picMkLst>
+            <pc:docMk/>
+            <pc:sldMk cId="3106800038" sldId="268"/>
+            <ac:picMk id="4" creationId="{5AD0E7C3-57E8-3561-220E-980B41A468A4}"/>
+          </ac:picMkLst>
+        </pc:picChg>
+      </pc:sldChg>
+      <pc:sldChg chg="modSp">
+        <pc:chgData name="Ankita L Savaliya" userId="S::als8453@my.utexas.edu::45302890-fb20-4ef9-a20b-62d8ea27512f" providerId="AD" clId="Web-{68E7B1AE-4B6B-5F4C-F6FE-F3F044889379}" dt="2025-01-27T16:05:15.894" v="17" actId="20577"/>
+        <pc:sldMkLst>
+          <pc:docMk/>
+          <pc:sldMk cId="1144616982" sldId="270"/>
+        </pc:sldMkLst>
+        <pc:spChg chg="mod">
+          <ac:chgData name="Ankita L Savaliya" userId="S::als8453@my.utexas.edu::45302890-fb20-4ef9-a20b-62d8ea27512f" providerId="AD" clId="Web-{68E7B1AE-4B6B-5F4C-F6FE-F3F044889379}" dt="2025-01-27T16:05:15.894" v="17" actId="20577"/>
+          <ac:spMkLst>
+            <pc:docMk/>
+            <pc:sldMk cId="1144616982" sldId="270"/>
+            <ac:spMk id="13" creationId="{DDF4B768-7505-5B6C-ABEF-343021950256}"/>
           </ac:spMkLst>
         </pc:spChg>
       </pc:sldChg>
@@ -2192,7 +2654,7 @@
           <a:p>
             <a:fld id="{965A7A7B-B71A-428D-833F-0F3507A6DB13}" type="datetimeFigureOut">
               <a:rPr lang="en-US" dirty="0"/>
-              <a:t>1/24/2025</a:t>
+              <a:t>1/27/2025</a:t>
             </a:fld>
             <a:endParaRPr lang="en-US" dirty="0"/>
           </a:p>
@@ -2487,7 +2949,7 @@
           <a:p>
             <a:fld id="{F248F9EB-9D34-4B41-B66C-5FAF50876D2D}" type="datetimeFigureOut">
               <a:rPr lang="en-US" dirty="0"/>
-              <a:t>1/24/2025</a:t>
+              <a:t>1/27/2025</a:t>
             </a:fld>
             <a:endParaRPr lang="en-US" dirty="0"/>
           </a:p>
@@ -2695,7 +3157,7 @@
           <a:p>
             <a:fld id="{34489A26-CAA1-4690-8C1F-1641B1B97745}" type="datetimeFigureOut">
               <a:rPr lang="en-US" dirty="0"/>
-              <a:t>1/24/2025</a:t>
+              <a:t>1/27/2025</a:t>
             </a:fld>
             <a:endParaRPr lang="en-US" dirty="0"/>
           </a:p>
@@ -3054,7 +3516,7 @@
           <a:p>
             <a:fld id="{5CF65307-640F-4AE7-B0BE-50C709AD86C5}" type="datetimeFigureOut">
               <a:rPr lang="en-US" dirty="0"/>
-              <a:t>1/24/2025</a:t>
+              <a:t>1/27/2025</a:t>
             </a:fld>
             <a:endParaRPr lang="en-US" dirty="0"/>
           </a:p>
@@ -3434,7 +3896,7 @@
           <a:p>
             <a:fld id="{F77EA1F9-1F0F-4C65-8F6E-9729B924AAAC}" type="datetimeFigureOut">
               <a:rPr lang="en-US" dirty="0"/>
-              <a:t>1/24/2025</a:t>
+              <a:t>1/27/2025</a:t>
             </a:fld>
             <a:endParaRPr lang="en-US" dirty="0"/>
           </a:p>
@@ -3855,7 +4317,7 @@
           <a:p>
             <a:fld id="{202278E8-5F4B-47D5-A617-8CCDF75D6A33}" type="datetimeFigureOut">
               <a:rPr lang="en-US" dirty="0"/>
-              <a:t>1/24/2025</a:t>
+              <a:t>1/27/2025</a:t>
             </a:fld>
             <a:endParaRPr lang="en-US" dirty="0"/>
           </a:p>
@@ -4443,7 +4905,7 @@
           <a:p>
             <a:fld id="{16AAFA52-7A21-407F-8339-40DF182D7460}" type="datetimeFigureOut">
               <a:rPr lang="en-US" dirty="0"/>
-              <a:t>1/24/2025</a:t>
+              <a:t>1/27/2025</a:t>
             </a:fld>
             <a:endParaRPr lang="en-US" dirty="0"/>
           </a:p>
@@ -4698,7 +5160,7 @@
           <a:p>
             <a:fld id="{96770335-1C1A-4243-9BDD-9630C417D284}" type="datetimeFigureOut">
               <a:rPr lang="en-US" dirty="0"/>
-              <a:t>1/24/2025</a:t>
+              <a:t>1/27/2025</a:t>
             </a:fld>
             <a:endParaRPr lang="en-US" dirty="0"/>
           </a:p>
@@ -4811,7 +5273,7 @@
           <a:p>
             <a:fld id="{0141513F-8EBD-4612-96F4-CC3E309609AF}" type="datetimeFigureOut">
               <a:rPr lang="en-US" dirty="0"/>
-              <a:t>1/24/2025</a:t>
+              <a:t>1/27/2025</a:t>
             </a:fld>
             <a:endParaRPr lang="en-US" dirty="0"/>
           </a:p>
@@ -5232,7 +5694,7 @@
           <a:p>
             <a:fld id="{6E6483A1-31A8-47A2-AB0A-53A7803D5EBF}" type="datetimeFigureOut">
               <a:rPr lang="en-US" dirty="0"/>
-              <a:t>1/24/2025</a:t>
+              <a:t>1/27/2025</a:t>
             </a:fld>
             <a:endParaRPr lang="en-US" dirty="0"/>
           </a:p>
@@ -5632,7 +6094,7 @@
           <a:p>
             <a:fld id="{6D8810B9-2C7C-4CAF-99E2-617AE20BA331}" type="datetimeFigureOut">
               <a:rPr lang="en-US" dirty="0"/>
-              <a:t>1/24/2025</a:t>
+              <a:t>1/27/2025</a:t>
             </a:fld>
             <a:endParaRPr lang="en-US" dirty="0"/>
           </a:p>
@@ -5873,7 +6335,7 @@
           <a:p>
             <a:fld id="{37E93E0A-5177-400C-87C9-C93AF466EC49}" type="datetimeFigureOut">
               <a:rPr lang="en-US" dirty="0"/>
-              <a:t>1/24/2025</a:t>
+              <a:t>1/27/2025</a:t>
             </a:fld>
             <a:endParaRPr lang="en-US" dirty="0"/>
           </a:p>
@@ -6481,17 +6943,20 @@
               <a:t>Visual 4 - </a:t>
             </a:r>
             <a:r>
-              <a:rPr lang="en-US" sz="2000" dirty="0">
-                <a:solidFill>
-                  <a:srgbClr val="1F1F1F"/>
-                </a:solidFill>
-                <a:latin typeface="Roboto"/>
-                <a:ea typeface="Roboto"/>
-                <a:cs typeface="Roboto"/>
+              <a:rPr lang="en-US" sz="2900" dirty="0">
+                <a:ea typeface="+mj-lt"/>
+                <a:cs typeface="+mj-lt"/>
               </a:rPr>
-              <a:t>Average Length Of Stay by Care Unit and Year (Filtered by ICD Code)</a:t>
-            </a:r>
-            <a:endParaRPr lang="en-US" dirty="0">
+              <a:t>Death Counts by Diagnosis and Gender</a:t>
+            </a:r>
+          </a:p>
+          <a:p>
+            <a:pPr>
+              <a:lnSpc>
+                <a:spcPct val="90000"/>
+              </a:lnSpc>
+            </a:pPr>
+            <a:endParaRPr lang="en-US" sz="2900" dirty="0">
               <a:solidFill>
                 <a:srgbClr val="000000"/>
               </a:solidFill>
@@ -6536,22 +7001,22 @@
         </p:nvSpPr>
         <p:spPr>
           <a:xfrm>
-            <a:off x="941748" y="2990589"/>
+            <a:off x="864257" y="3429708"/>
             <a:ext cx="3099816" cy="2066544"/>
           </a:xfrm>
         </p:spPr>
         <p:txBody>
           <a:bodyPr vert="horz" lIns="91440" tIns="45720" rIns="91440" bIns="45720" rtlCol="0" anchor="t">
-            <a:normAutofit lnSpcReduction="10000"/>
+            <a:normAutofit/>
           </a:bodyPr>
           <a:lstStyle/>
           <a:p>
             <a:r>
-              <a:rPr lang="en-US" dirty="0">
+              <a:rPr lang="en-US" sz="1600" dirty="0">
                 <a:ea typeface="+mn-lt"/>
                 <a:cs typeface="+mn-lt"/>
               </a:rPr>
-              <a:t>This visualization is an interactive line chart created with Altair, analyzing the average length of stay (LOS) by care unit and year, dynamically filtered by ICD-9 codes.</a:t>
+              <a:t>This visualization represents deceased patients categorized by their diagnosis and gender.</a:t>
             </a:r>
           </a:p>
         </p:txBody>
@@ -6588,7 +7053,7 @@
                   <a:spcPts val="600"/>
                 </a:spcAft>
               </a:pPr>
-              <a:t>1/24/2025</a:t>
+              <a:t>1/27/2025</a:t>
             </a:fld>
             <a:endParaRPr lang="en-US"/>
           </a:p>
@@ -6653,6 +7118,2702 @@
                 </a:spcAft>
               </a:pPr>
               <a:t>10</a:t>
+            </a:fld>
+            <a:endParaRPr lang="en-US"/>
+          </a:p>
+        </p:txBody>
+      </p:sp>
+      <p:pic>
+        <p:nvPicPr>
+          <p:cNvPr id="4" name="Picture 3" descr="A graph with text overlay&#10;&#10;AI-generated content may be incorrect.">
+            <a:extLst>
+              <a:ext uri="{FF2B5EF4-FFF2-40B4-BE49-F238E27FC236}">
+                <a16:creationId xmlns:a16="http://schemas.microsoft.com/office/drawing/2014/main" id="{5AD0E7C3-57E8-3561-220E-980B41A468A4}"/>
+              </a:ext>
+            </a:extLst>
+          </p:cNvPr>
+          <p:cNvPicPr>
+            <a:picLocks noChangeAspect="1"/>
+          </p:cNvPicPr>
+          <p:nvPr/>
+        </p:nvPicPr>
+        <p:blipFill>
+          <a:blip r:embed="rId2"/>
+          <a:stretch>
+            <a:fillRect/>
+          </a:stretch>
+        </p:blipFill>
+        <p:spPr>
+          <a:xfrm>
+            <a:off x="4043439" y="939451"/>
+            <a:ext cx="7852491" cy="4989535"/>
+          </a:xfrm>
+          <a:prstGeom prst="rect">
+            <a:avLst/>
+          </a:prstGeom>
+        </p:spPr>
+      </p:pic>
+    </p:spTree>
+    <p:extLst>
+      <p:ext uri="{BB962C8B-B14F-4D97-AF65-F5344CB8AC3E}">
+        <p14:creationId xmlns:p14="http://schemas.microsoft.com/office/powerpoint/2010/main" val="3106800038"/>
+      </p:ext>
+    </p:extLst>
+  </p:cSld>
+  <p:clrMapOvr>
+    <a:masterClrMapping/>
+  </p:clrMapOvr>
+</p:sld>
+</file>
+
+<file path=ppt/slides/slide11.xml><?xml version="1.0" encoding="utf-8"?>
+<p:sld xmlns:a="http://schemas.openxmlformats.org/drawingml/2006/main" xmlns:r="http://schemas.openxmlformats.org/officeDocument/2006/relationships" xmlns:p="http://schemas.openxmlformats.org/presentationml/2006/main">
+  <p:cSld>
+    <p:spTree>
+      <p:nvGrpSpPr>
+        <p:cNvPr id="1" name=""/>
+        <p:cNvGrpSpPr/>
+        <p:nvPr/>
+      </p:nvGrpSpPr>
+      <p:grpSpPr>
+        <a:xfrm>
+          <a:off x="0" y="0"/>
+          <a:ext cx="0" cy="0"/>
+          <a:chOff x="0" y="0"/>
+          <a:chExt cx="0" cy="0"/>
+        </a:xfrm>
+      </p:grpSpPr>
+      <p:sp>
+        <p:nvSpPr>
+          <p:cNvPr id="2" name="Title 1">
+            <a:extLst>
+              <a:ext uri="{FF2B5EF4-FFF2-40B4-BE49-F238E27FC236}">
+                <a16:creationId xmlns:a16="http://schemas.microsoft.com/office/drawing/2014/main" id="{BF65AC6B-C37F-8594-FB87-8458012C9F88}"/>
+              </a:ext>
+            </a:extLst>
+          </p:cNvPr>
+          <p:cNvSpPr>
+            <a:spLocks noGrp="1"/>
+          </p:cNvSpPr>
+          <p:nvPr>
+            <p:ph type="title"/>
+          </p:nvPr>
+        </p:nvSpPr>
+        <p:spPr/>
+        <p:txBody>
+          <a:bodyPr/>
+          <a:lstStyle/>
+          <a:p>
+            <a:r>
+              <a:rPr lang="en-US" dirty="0"/>
+              <a:t>Visual 4 - </a:t>
+            </a:r>
+            <a:r>
+              <a:rPr lang="en-US" dirty="0">
+                <a:ea typeface="+mj-lt"/>
+                <a:cs typeface="+mj-lt"/>
+              </a:rPr>
+              <a:t>How to recreate</a:t>
+            </a:r>
+          </a:p>
+        </p:txBody>
+      </p:sp>
+      <p:sp>
+        <p:nvSpPr>
+          <p:cNvPr id="5" name="Date Placeholder 4">
+            <a:extLst>
+              <a:ext uri="{FF2B5EF4-FFF2-40B4-BE49-F238E27FC236}">
+                <a16:creationId xmlns:a16="http://schemas.microsoft.com/office/drawing/2014/main" id="{5D92F13A-6320-B67E-23B2-8F0D6BEC30F6}"/>
+              </a:ext>
+            </a:extLst>
+          </p:cNvPr>
+          <p:cNvSpPr>
+            <a:spLocks noGrp="1"/>
+          </p:cNvSpPr>
+          <p:nvPr>
+            <p:ph type="dt" sz="half" idx="10"/>
+          </p:nvPr>
+        </p:nvSpPr>
+        <p:spPr/>
+        <p:txBody>
+          <a:bodyPr/>
+          <a:lstStyle/>
+          <a:p>
+            <a:fld id="{A20EE442-7E2D-4B98-9210-7F067E6F4EDF}" type="datetime1">
+              <a:rPr lang="en-US"/>
+              <a:t>1/27/2025</a:t>
+            </a:fld>
+            <a:endParaRPr lang="en-US" dirty="0"/>
+          </a:p>
+        </p:txBody>
+      </p:sp>
+      <p:sp>
+        <p:nvSpPr>
+          <p:cNvPr id="6" name="Footer Placeholder 5">
+            <a:extLst>
+              <a:ext uri="{FF2B5EF4-FFF2-40B4-BE49-F238E27FC236}">
+                <a16:creationId xmlns:a16="http://schemas.microsoft.com/office/drawing/2014/main" id="{74AA2136-DCE3-3C43-480E-69E0B597C6BC}"/>
+              </a:ext>
+            </a:extLst>
+          </p:cNvPr>
+          <p:cNvSpPr>
+            <a:spLocks noGrp="1"/>
+          </p:cNvSpPr>
+          <p:nvPr>
+            <p:ph type="ftr" sz="quarter" idx="11"/>
+          </p:nvPr>
+        </p:nvSpPr>
+        <p:spPr/>
+        <p:txBody>
+          <a:bodyPr/>
+          <a:lstStyle/>
+          <a:p>
+            <a:endParaRPr lang="en-US" dirty="0"/>
+          </a:p>
+        </p:txBody>
+      </p:sp>
+      <p:sp>
+        <p:nvSpPr>
+          <p:cNvPr id="11" name="TextBox 10">
+            <a:extLst>
+              <a:ext uri="{FF2B5EF4-FFF2-40B4-BE49-F238E27FC236}">
+                <a16:creationId xmlns:a16="http://schemas.microsoft.com/office/drawing/2014/main" id="{38CFB88B-D0EC-A75F-1E88-435A3BA984DA}"/>
+              </a:ext>
+            </a:extLst>
+          </p:cNvPr>
+          <p:cNvSpPr txBox="1"/>
+          <p:nvPr/>
+        </p:nvSpPr>
+        <p:spPr>
+          <a:xfrm>
+            <a:off x="8263573" y="2291850"/>
+            <a:ext cx="3550754" cy="1938992"/>
+          </a:xfrm>
+          <a:prstGeom prst="rect">
+            <a:avLst/>
+          </a:prstGeom>
+        </p:spPr>
+        <p:style>
+          <a:lnRef idx="2">
+            <a:schemeClr val="accent1"/>
+          </a:lnRef>
+          <a:fillRef idx="1">
+            <a:schemeClr val="lt1"/>
+          </a:fillRef>
+          <a:effectRef idx="0">
+            <a:schemeClr val="accent1"/>
+          </a:effectRef>
+          <a:fontRef idx="minor">
+            <a:schemeClr val="dk1"/>
+          </a:fontRef>
+        </p:style>
+        <p:txBody>
+          <a:bodyPr rot="0" spcFirstLastPara="0" vertOverflow="overflow" horzOverflow="overflow" vert="horz" wrap="square" lIns="91440" tIns="45720" rIns="91440" bIns="45720" numCol="1" spcCol="0" rtlCol="0" fromWordArt="0" anchor="t" anchorCtr="0" forceAA="0" compatLnSpc="1">
+            <a:prstTxWarp prst="textNoShape">
+              <a:avLst/>
+            </a:prstTxWarp>
+            <a:spAutoFit/>
+          </a:bodyPr>
+          <a:lstStyle/>
+          <a:p>
+            <a:pPr marL="285750" indent="-285750">
+              <a:buFont typeface="Arial"/>
+              <a:buChar char="•"/>
+            </a:pPr>
+            <a:r>
+              <a:rPr lang="en-US" sz="1400" dirty="0">
+                <a:ea typeface="+mn-lt"/>
+                <a:cs typeface="+mn-lt"/>
+              </a:rPr>
+              <a:t>Filter the data for deceased patients.</a:t>
+            </a:r>
+          </a:p>
+          <a:p>
+            <a:pPr marL="285750" indent="-285750">
+              <a:buFont typeface="Arial"/>
+              <a:buChar char="•"/>
+            </a:pPr>
+            <a:r>
+              <a:rPr lang="en-US" sz="1400" dirty="0">
+                <a:ea typeface="+mn-lt"/>
+                <a:cs typeface="+mn-lt"/>
+              </a:rPr>
+              <a:t>Aggregate the death counts by diagnosis and gender.</a:t>
+            </a:r>
+          </a:p>
+          <a:p>
+            <a:pPr marL="285750" indent="-285750">
+              <a:buFont typeface="Arial"/>
+              <a:buChar char="•"/>
+            </a:pPr>
+            <a:r>
+              <a:rPr lang="en-US" sz="1400" dirty="0">
+                <a:ea typeface="+mn-lt"/>
+                <a:cs typeface="+mn-lt"/>
+              </a:rPr>
+              <a:t>Create and plot a heatmap to visually compare death counts across diagnoses and genders.</a:t>
+            </a:r>
+            <a:endParaRPr lang="en-US" sz="1400"/>
+          </a:p>
+          <a:p>
+            <a:pPr marL="285750" indent="-285750">
+              <a:buFont typeface="Arial"/>
+              <a:buChar char="•"/>
+            </a:pPr>
+            <a:endParaRPr lang="en-US" dirty="0"/>
+          </a:p>
+          <a:p>
+            <a:pPr marL="285750" indent="-285750">
+              <a:buFont typeface="Arial"/>
+              <a:buChar char="•"/>
+            </a:pPr>
+            <a:endParaRPr lang="en-US" dirty="0"/>
+          </a:p>
+        </p:txBody>
+      </p:sp>
+      <p:pic>
+        <p:nvPicPr>
+          <p:cNvPr id="4" name="Picture 3" descr="A screenshot of a computer program&#10;&#10;AI-generated content may be incorrect.">
+            <a:extLst>
+              <a:ext uri="{FF2B5EF4-FFF2-40B4-BE49-F238E27FC236}">
+                <a16:creationId xmlns:a16="http://schemas.microsoft.com/office/drawing/2014/main" id="{55C1E1EF-B490-FEB9-2E9F-D0DED0B57EB8}"/>
+              </a:ext>
+            </a:extLst>
+          </p:cNvPr>
+          <p:cNvPicPr>
+            <a:picLocks noChangeAspect="1"/>
+          </p:cNvPicPr>
+          <p:nvPr/>
+        </p:nvPicPr>
+        <p:blipFill>
+          <a:blip r:embed="rId2"/>
+          <a:stretch>
+            <a:fillRect/>
+          </a:stretch>
+        </p:blipFill>
+        <p:spPr>
+          <a:xfrm>
+            <a:off x="581090" y="2025041"/>
+            <a:ext cx="6927546" cy="4102274"/>
+          </a:xfrm>
+          <a:prstGeom prst="rect">
+            <a:avLst/>
+          </a:prstGeom>
+        </p:spPr>
+      </p:pic>
+    </p:spTree>
+    <p:extLst>
+      <p:ext uri="{BB962C8B-B14F-4D97-AF65-F5344CB8AC3E}">
+        <p14:creationId xmlns:p14="http://schemas.microsoft.com/office/powerpoint/2010/main" val="2657411531"/>
+      </p:ext>
+    </p:extLst>
+  </p:cSld>
+  <p:clrMapOvr>
+    <a:masterClrMapping/>
+  </p:clrMapOvr>
+</p:sld>
+</file>
+
+<file path=ppt/slides/slide12.xml><?xml version="1.0" encoding="utf-8"?>
+<p:sld xmlns:a="http://schemas.openxmlformats.org/drawingml/2006/main" xmlns:r="http://schemas.openxmlformats.org/officeDocument/2006/relationships" xmlns:p="http://schemas.openxmlformats.org/presentationml/2006/main">
+  <p:cSld>
+    <p:spTree>
+      <p:nvGrpSpPr>
+        <p:cNvPr id="1" name=""/>
+        <p:cNvGrpSpPr/>
+        <p:nvPr/>
+      </p:nvGrpSpPr>
+      <p:grpSpPr>
+        <a:xfrm>
+          <a:off x="0" y="0"/>
+          <a:ext cx="0" cy="0"/>
+          <a:chOff x="0" y="0"/>
+          <a:chExt cx="0" cy="0"/>
+        </a:xfrm>
+      </p:grpSpPr>
+      <p:sp>
+        <p:nvSpPr>
+          <p:cNvPr id="2" name="Title 1">
+            <a:extLst>
+              <a:ext uri="{FF2B5EF4-FFF2-40B4-BE49-F238E27FC236}">
+                <a16:creationId xmlns:a16="http://schemas.microsoft.com/office/drawing/2014/main" id="{D4A847F5-FE7F-970F-30A8-F14DC30F0298}"/>
+              </a:ext>
+            </a:extLst>
+          </p:cNvPr>
+          <p:cNvSpPr>
+            <a:spLocks noGrp="1"/>
+          </p:cNvSpPr>
+          <p:nvPr>
+            <p:ph type="title"/>
+          </p:nvPr>
+        </p:nvSpPr>
+        <p:spPr>
+          <a:xfrm>
+            <a:off x="1115568" y="548640"/>
+            <a:ext cx="10168128" cy="1179576"/>
+          </a:xfrm>
+        </p:spPr>
+        <p:txBody>
+          <a:bodyPr vert="horz" lIns="91440" tIns="45720" rIns="91440" bIns="45720" rtlCol="0" anchor="ctr">
+            <a:normAutofit/>
+          </a:bodyPr>
+          <a:lstStyle/>
+          <a:p>
+            <a:r>
+              <a:rPr lang="en-US" sz="3700" dirty="0"/>
+              <a:t>Visual 5 - </a:t>
+            </a:r>
+            <a:r>
+              <a:rPr lang="en-US" sz="3700" dirty="0">
+                <a:ea typeface="+mj-lt"/>
+                <a:cs typeface="+mj-lt"/>
+              </a:rPr>
+              <a:t>Analysis of Most Performed Procedures</a:t>
+            </a:r>
+            <a:endParaRPr lang="en-US" dirty="0"/>
+          </a:p>
+        </p:txBody>
+      </p:sp>
+      <p:sp>
+        <p:nvSpPr>
+          <p:cNvPr id="27" name="Text Placeholder 3">
+            <a:extLst>
+              <a:ext uri="{FF2B5EF4-FFF2-40B4-BE49-F238E27FC236}">
+                <a16:creationId xmlns:a16="http://schemas.microsoft.com/office/drawing/2014/main" id="{845D7DA4-0A30-F667-174F-8A99022B50FE}"/>
+              </a:ext>
+            </a:extLst>
+          </p:cNvPr>
+          <p:cNvSpPr>
+            <a:spLocks noGrp="1"/>
+          </p:cNvSpPr>
+          <p:nvPr>
+            <p:ph sz="half" idx="1"/>
+          </p:nvPr>
+        </p:nvSpPr>
+        <p:spPr>
+          <a:xfrm>
+            <a:off x="562336" y="2258819"/>
+            <a:ext cx="2453431" cy="3694176"/>
+          </a:xfrm>
+        </p:spPr>
+        <p:txBody>
+          <a:bodyPr vert="horz" lIns="91440" tIns="45720" rIns="91440" bIns="45720" rtlCol="0" anchor="t">
+            <a:normAutofit/>
+          </a:bodyPr>
+          <a:lstStyle/>
+          <a:p>
+            <a:pPr marL="0" indent="0">
+              <a:lnSpc>
+                <a:spcPct val="100000"/>
+              </a:lnSpc>
+              <a:buNone/>
+            </a:pPr>
+            <a:r>
+              <a:rPr lang="en-US" sz="1600" dirty="0">
+                <a:ea typeface="+mn-lt"/>
+                <a:cs typeface="+mn-lt"/>
+              </a:rPr>
+              <a:t>This visualization represents the analysis of the 10 most performed procedures across admission type, insurance types, gender, and discharge location.</a:t>
+            </a:r>
+            <a:endParaRPr lang="en-US" sz="1600" dirty="0"/>
+          </a:p>
+        </p:txBody>
+      </p:sp>
+      <p:pic>
+        <p:nvPicPr>
+          <p:cNvPr id="6" name="Picture 5">
+            <a:extLst>
+              <a:ext uri="{FF2B5EF4-FFF2-40B4-BE49-F238E27FC236}">
+                <a16:creationId xmlns:a16="http://schemas.microsoft.com/office/drawing/2014/main" id="{81363FFA-55EA-3AEF-3478-3D95539C0FD4}"/>
+              </a:ext>
+            </a:extLst>
+          </p:cNvPr>
+          <p:cNvPicPr>
+            <a:picLocks noChangeAspect="1"/>
+          </p:cNvPicPr>
+          <p:nvPr/>
+        </p:nvPicPr>
+        <p:blipFill>
+          <a:blip r:embed="rId2"/>
+          <a:stretch>
+            <a:fillRect/>
+          </a:stretch>
+        </p:blipFill>
+        <p:spPr>
+          <a:xfrm>
+            <a:off x="3444073" y="2257420"/>
+            <a:ext cx="7651732" cy="4083191"/>
+          </a:xfrm>
+          <a:prstGeom prst="rect">
+            <a:avLst/>
+          </a:prstGeom>
+          <a:noFill/>
+        </p:spPr>
+      </p:pic>
+      <p:sp>
+        <p:nvSpPr>
+          <p:cNvPr id="28" name="Date Placeholder 4">
+            <a:extLst>
+              <a:ext uri="{FF2B5EF4-FFF2-40B4-BE49-F238E27FC236}">
+                <a16:creationId xmlns:a16="http://schemas.microsoft.com/office/drawing/2014/main" id="{7A6840E9-E4CF-DCC4-9B0D-7D4B8FDC3F5A}"/>
+              </a:ext>
+            </a:extLst>
+          </p:cNvPr>
+          <p:cNvSpPr>
+            <a:spLocks noGrp="1"/>
+          </p:cNvSpPr>
+          <p:nvPr>
+            <p:ph type="dt" sz="half" idx="10"/>
+          </p:nvPr>
+        </p:nvSpPr>
+        <p:spPr>
+          <a:xfrm>
+            <a:off x="1115568" y="6356350"/>
+            <a:ext cx="2743200" cy="365125"/>
+          </a:xfrm>
+        </p:spPr>
+        <p:txBody>
+          <a:bodyPr anchor="ctr">
+            <a:normAutofit/>
+          </a:bodyPr>
+          <a:lstStyle/>
+          <a:p>
+            <a:pPr>
+              <a:spcAft>
+                <a:spcPts val="600"/>
+              </a:spcAft>
+            </a:pPr>
+            <a:fld id="{C7DB37F9-8192-43C5-8AD8-3A3669843520}" type="datetime1">
+              <a:pPr>
+                <a:spcAft>
+                  <a:spcPts val="600"/>
+                </a:spcAft>
+              </a:pPr>
+              <a:t>1/27/2025</a:t>
+            </a:fld>
+            <a:endParaRPr lang="en-US"/>
+          </a:p>
+        </p:txBody>
+      </p:sp>
+      <p:sp>
+        <p:nvSpPr>
+          <p:cNvPr id="41" name="Footer Placeholder 5">
+            <a:extLst>
+              <a:ext uri="{FF2B5EF4-FFF2-40B4-BE49-F238E27FC236}">
+                <a16:creationId xmlns:a16="http://schemas.microsoft.com/office/drawing/2014/main" id="{D0D8C82E-40BF-7889-E521-C48C5596BDB5}"/>
+              </a:ext>
+            </a:extLst>
+          </p:cNvPr>
+          <p:cNvSpPr>
+            <a:spLocks noGrp="1"/>
+          </p:cNvSpPr>
+          <p:nvPr>
+            <p:ph type="ftr" sz="quarter" idx="11"/>
+          </p:nvPr>
+        </p:nvSpPr>
+        <p:spPr>
+          <a:xfrm>
+            <a:off x="4038600" y="6356350"/>
+            <a:ext cx="4114800" cy="365125"/>
+          </a:xfrm>
+        </p:spPr>
+        <p:txBody>
+          <a:bodyPr/>
+          <a:lstStyle/>
+          <a:p>
+            <a:endParaRPr lang="en-US"/>
+          </a:p>
+        </p:txBody>
+      </p:sp>
+      <p:sp>
+        <p:nvSpPr>
+          <p:cNvPr id="30" name="Slide Number Placeholder 6">
+            <a:extLst>
+              <a:ext uri="{FF2B5EF4-FFF2-40B4-BE49-F238E27FC236}">
+                <a16:creationId xmlns:a16="http://schemas.microsoft.com/office/drawing/2014/main" id="{B9FC7F56-BFF9-92C8-CFE9-7DD25BADAF55}"/>
+              </a:ext>
+            </a:extLst>
+          </p:cNvPr>
+          <p:cNvSpPr>
+            <a:spLocks noGrp="1"/>
+          </p:cNvSpPr>
+          <p:nvPr>
+            <p:ph type="sldNum" sz="quarter" idx="12"/>
+          </p:nvPr>
+        </p:nvSpPr>
+        <p:spPr>
+          <a:xfrm>
+            <a:off x="8540496" y="6356350"/>
+            <a:ext cx="2743200" cy="365125"/>
+          </a:xfrm>
+        </p:spPr>
+        <p:txBody>
+          <a:bodyPr anchor="ctr">
+            <a:normAutofit/>
+          </a:bodyPr>
+          <a:lstStyle/>
+          <a:p>
+            <a:pPr>
+              <a:spcAft>
+                <a:spcPts val="600"/>
+              </a:spcAft>
+            </a:pPr>
+            <a:fld id="{A65A5C87-DF58-40C8-B092-1DE63DB4547E}" type="slidenum">
+              <a:rPr lang="en-US" dirty="0"/>
+              <a:pPr>
+                <a:spcAft>
+                  <a:spcPts val="600"/>
+                </a:spcAft>
+              </a:pPr>
+              <a:t>12</a:t>
+            </a:fld>
+            <a:endParaRPr lang="en-US"/>
+          </a:p>
+        </p:txBody>
+      </p:sp>
+    </p:spTree>
+    <p:extLst>
+      <p:ext uri="{BB962C8B-B14F-4D97-AF65-F5344CB8AC3E}">
+        <p14:creationId xmlns:p14="http://schemas.microsoft.com/office/powerpoint/2010/main" val="3450862647"/>
+      </p:ext>
+    </p:extLst>
+  </p:cSld>
+  <p:clrMapOvr>
+    <a:masterClrMapping/>
+  </p:clrMapOvr>
+</p:sld>
+</file>
+
+<file path=ppt/slides/slide13.xml><?xml version="1.0" encoding="utf-8"?>
+<p:sld xmlns:a="http://schemas.openxmlformats.org/drawingml/2006/main" xmlns:r="http://schemas.openxmlformats.org/officeDocument/2006/relationships" xmlns:p="http://schemas.openxmlformats.org/presentationml/2006/main">
+  <p:cSld>
+    <p:spTree>
+      <p:nvGrpSpPr>
+        <p:cNvPr id="1" name=""/>
+        <p:cNvGrpSpPr/>
+        <p:nvPr/>
+      </p:nvGrpSpPr>
+      <p:grpSpPr>
+        <a:xfrm>
+          <a:off x="0" y="0"/>
+          <a:ext cx="0" cy="0"/>
+          <a:chOff x="0" y="0"/>
+          <a:chExt cx="0" cy="0"/>
+        </a:xfrm>
+      </p:grpSpPr>
+      <p:sp>
+        <p:nvSpPr>
+          <p:cNvPr id="2" name="Title 1">
+            <a:extLst>
+              <a:ext uri="{FF2B5EF4-FFF2-40B4-BE49-F238E27FC236}">
+                <a16:creationId xmlns:a16="http://schemas.microsoft.com/office/drawing/2014/main" id="{BF65AC6B-C37F-8594-FB87-8458012C9F88}"/>
+              </a:ext>
+            </a:extLst>
+          </p:cNvPr>
+          <p:cNvSpPr>
+            <a:spLocks noGrp="1"/>
+          </p:cNvSpPr>
+          <p:nvPr>
+            <p:ph type="title"/>
+          </p:nvPr>
+        </p:nvSpPr>
+        <p:spPr/>
+        <p:txBody>
+          <a:bodyPr/>
+          <a:lstStyle/>
+          <a:p>
+            <a:r>
+              <a:rPr lang="en-US" dirty="0"/>
+              <a:t>Visual 6 - </a:t>
+            </a:r>
+            <a:r>
+              <a:rPr lang="en-US" dirty="0">
+                <a:ea typeface="+mj-lt"/>
+                <a:cs typeface="+mj-lt"/>
+              </a:rPr>
+              <a:t>How to build/recreate</a:t>
+            </a:r>
+          </a:p>
+        </p:txBody>
+      </p:sp>
+      <p:sp>
+        <p:nvSpPr>
+          <p:cNvPr id="5" name="Date Placeholder 4">
+            <a:extLst>
+              <a:ext uri="{FF2B5EF4-FFF2-40B4-BE49-F238E27FC236}">
+                <a16:creationId xmlns:a16="http://schemas.microsoft.com/office/drawing/2014/main" id="{5D92F13A-6320-B67E-23B2-8F0D6BEC30F6}"/>
+              </a:ext>
+            </a:extLst>
+          </p:cNvPr>
+          <p:cNvSpPr>
+            <a:spLocks noGrp="1"/>
+          </p:cNvSpPr>
+          <p:nvPr>
+            <p:ph type="dt" sz="half" idx="10"/>
+          </p:nvPr>
+        </p:nvSpPr>
+        <p:spPr/>
+        <p:txBody>
+          <a:bodyPr/>
+          <a:lstStyle/>
+          <a:p>
+            <a:fld id="{A20EE442-7E2D-4B98-9210-7F067E6F4EDF}" type="datetime1">
+              <a:t>1/27/2025</a:t>
+            </a:fld>
+            <a:endParaRPr lang="en-US" dirty="0"/>
+          </a:p>
+        </p:txBody>
+      </p:sp>
+      <p:sp>
+        <p:nvSpPr>
+          <p:cNvPr id="6" name="Footer Placeholder 5">
+            <a:extLst>
+              <a:ext uri="{FF2B5EF4-FFF2-40B4-BE49-F238E27FC236}">
+                <a16:creationId xmlns:a16="http://schemas.microsoft.com/office/drawing/2014/main" id="{74AA2136-DCE3-3C43-480E-69E0B597C6BC}"/>
+              </a:ext>
+            </a:extLst>
+          </p:cNvPr>
+          <p:cNvSpPr>
+            <a:spLocks noGrp="1"/>
+          </p:cNvSpPr>
+          <p:nvPr>
+            <p:ph type="ftr" sz="quarter" idx="11"/>
+          </p:nvPr>
+        </p:nvSpPr>
+        <p:spPr/>
+        <p:txBody>
+          <a:bodyPr/>
+          <a:lstStyle/>
+          <a:p>
+            <a:endParaRPr lang="en-US" dirty="0"/>
+          </a:p>
+        </p:txBody>
+      </p:sp>
+      <p:sp>
+        <p:nvSpPr>
+          <p:cNvPr id="7" name="Slide Number Placeholder 6">
+            <a:extLst>
+              <a:ext uri="{FF2B5EF4-FFF2-40B4-BE49-F238E27FC236}">
+                <a16:creationId xmlns:a16="http://schemas.microsoft.com/office/drawing/2014/main" id="{3555EC99-46B4-888B-5297-AB12D7AB4C0C}"/>
+              </a:ext>
+            </a:extLst>
+          </p:cNvPr>
+          <p:cNvSpPr>
+            <a:spLocks noGrp="1"/>
+          </p:cNvSpPr>
+          <p:nvPr>
+            <p:ph type="sldNum" sz="quarter" idx="12"/>
+          </p:nvPr>
+        </p:nvSpPr>
+        <p:spPr/>
+        <p:txBody>
+          <a:bodyPr/>
+          <a:lstStyle/>
+          <a:p>
+            <a:fld id="{A65A5C87-DF58-40C8-B092-1DE63DB4547E}" type="slidenum">
+              <a:rPr lang="en-US" dirty="0"/>
+              <a:t>13</a:t>
+            </a:fld>
+            <a:endParaRPr lang="en-US" dirty="0"/>
+          </a:p>
+        </p:txBody>
+      </p:sp>
+      <p:pic>
+        <p:nvPicPr>
+          <p:cNvPr id="4" name="Picture 3" descr="A screenshot of a computer code&#10;&#10;AI-generated content may be incorrect.">
+            <a:extLst>
+              <a:ext uri="{FF2B5EF4-FFF2-40B4-BE49-F238E27FC236}">
+                <a16:creationId xmlns:a16="http://schemas.microsoft.com/office/drawing/2014/main" id="{F886DD45-05A9-FD07-C33A-3136398BE0DC}"/>
+              </a:ext>
+            </a:extLst>
+          </p:cNvPr>
+          <p:cNvPicPr>
+            <a:picLocks noChangeAspect="1"/>
+          </p:cNvPicPr>
+          <p:nvPr/>
+        </p:nvPicPr>
+        <p:blipFill>
+          <a:blip r:embed="rId2"/>
+          <a:stretch>
+            <a:fillRect/>
+          </a:stretch>
+        </p:blipFill>
+        <p:spPr>
+          <a:xfrm>
+            <a:off x="541391" y="2167987"/>
+            <a:ext cx="4832403" cy="3748976"/>
+          </a:xfrm>
+          <a:prstGeom prst="rect">
+            <a:avLst/>
+          </a:prstGeom>
+        </p:spPr>
+      </p:pic>
+      <p:pic>
+        <p:nvPicPr>
+          <p:cNvPr id="8" name="Picture 7" descr="A screen shot of a computer program&#10;&#10;AI-generated content may be incorrect.">
+            <a:extLst>
+              <a:ext uri="{FF2B5EF4-FFF2-40B4-BE49-F238E27FC236}">
+                <a16:creationId xmlns:a16="http://schemas.microsoft.com/office/drawing/2014/main" id="{05CFE868-66C0-1A41-865A-BB418D251733}"/>
+              </a:ext>
+            </a:extLst>
+          </p:cNvPr>
+          <p:cNvPicPr>
+            <a:picLocks noChangeAspect="1"/>
+          </p:cNvPicPr>
+          <p:nvPr/>
+        </p:nvPicPr>
+        <p:blipFill>
+          <a:blip r:embed="rId3"/>
+          <a:stretch>
+            <a:fillRect/>
+          </a:stretch>
+        </p:blipFill>
+        <p:spPr>
+          <a:xfrm>
+            <a:off x="5732436" y="3009819"/>
+            <a:ext cx="4834179" cy="2904803"/>
+          </a:xfrm>
+          <a:prstGeom prst="rect">
+            <a:avLst/>
+          </a:prstGeom>
+        </p:spPr>
+      </p:pic>
+      <p:sp>
+        <p:nvSpPr>
+          <p:cNvPr id="9" name="TextBox 8">
+            <a:extLst>
+              <a:ext uri="{FF2B5EF4-FFF2-40B4-BE49-F238E27FC236}">
+                <a16:creationId xmlns:a16="http://schemas.microsoft.com/office/drawing/2014/main" id="{62FE4A32-6191-0B20-889B-664BBAF40614}"/>
+              </a:ext>
+            </a:extLst>
+          </p:cNvPr>
+          <p:cNvSpPr txBox="1"/>
+          <p:nvPr/>
+        </p:nvSpPr>
+        <p:spPr>
+          <a:xfrm>
+            <a:off x="5729625" y="2130452"/>
+            <a:ext cx="5955583" cy="738664"/>
+          </a:xfrm>
+          <a:prstGeom prst="rect">
+            <a:avLst/>
+          </a:prstGeom>
+        </p:spPr>
+        <p:style>
+          <a:lnRef idx="2">
+            <a:schemeClr val="accent1"/>
+          </a:lnRef>
+          <a:fillRef idx="1">
+            <a:schemeClr val="lt1"/>
+          </a:fillRef>
+          <a:effectRef idx="0">
+            <a:schemeClr val="accent1"/>
+          </a:effectRef>
+          <a:fontRef idx="minor">
+            <a:schemeClr val="dk1"/>
+          </a:fontRef>
+        </p:style>
+        <p:txBody>
+          <a:bodyPr rot="0" spcFirstLastPara="0" vertOverflow="overflow" horzOverflow="overflow" vert="horz" wrap="square" lIns="91440" tIns="45720" rIns="91440" bIns="45720" numCol="1" spcCol="0" rtlCol="0" fromWordArt="0" anchor="t" anchorCtr="0" forceAA="0" compatLnSpc="1">
+            <a:prstTxWarp prst="textNoShape">
+              <a:avLst/>
+            </a:prstTxWarp>
+            <a:spAutoFit/>
+          </a:bodyPr>
+          <a:lstStyle/>
+          <a:p>
+            <a:r>
+              <a:rPr lang="en-US" sz="1400" dirty="0">
+                <a:ea typeface="+mn-lt"/>
+                <a:cs typeface="+mn-lt"/>
+              </a:rPr>
+              <a:t>Create a </a:t>
+            </a:r>
+            <a:r>
+              <a:rPr lang="en-US" sz="1400" err="1">
+                <a:ea typeface="+mn-lt"/>
+                <a:cs typeface="+mn-lt"/>
+              </a:rPr>
+              <a:t>dataframe</a:t>
+            </a:r>
+            <a:r>
+              <a:rPr lang="en-US" sz="1400" dirty="0">
+                <a:ea typeface="+mn-lt"/>
+                <a:cs typeface="+mn-lt"/>
+              </a:rPr>
+              <a:t> with existing data and merge procedure data with procedure labels. Extract the top 10 procedures and plot a </a:t>
+            </a:r>
+            <a:r>
+              <a:rPr lang="en-US" sz="1400" err="1">
+                <a:ea typeface="+mn-lt"/>
+                <a:cs typeface="+mn-lt"/>
+              </a:rPr>
+              <a:t>countplot</a:t>
+            </a:r>
+            <a:r>
+              <a:rPr lang="en-US" sz="1400" dirty="0">
+                <a:ea typeface="+mn-lt"/>
+                <a:cs typeface="+mn-lt"/>
+              </a:rPr>
+              <a:t> using this information."</a:t>
+            </a:r>
+            <a:endParaRPr lang="en-US" sz="1400" dirty="0"/>
+          </a:p>
+        </p:txBody>
+      </p:sp>
+    </p:spTree>
+    <p:extLst>
+      <p:ext uri="{BB962C8B-B14F-4D97-AF65-F5344CB8AC3E}">
+        <p14:creationId xmlns:p14="http://schemas.microsoft.com/office/powerpoint/2010/main" val="413670067"/>
+      </p:ext>
+    </p:extLst>
+  </p:cSld>
+  <p:clrMapOvr>
+    <a:masterClrMapping/>
+  </p:clrMapOvr>
+</p:sld>
+</file>
+
+<file path=ppt/slides/slide2.xml><?xml version="1.0" encoding="utf-8"?>
+<p:sld xmlns:a="http://schemas.openxmlformats.org/drawingml/2006/main" xmlns:r="http://schemas.openxmlformats.org/officeDocument/2006/relationships" xmlns:p="http://schemas.openxmlformats.org/presentationml/2006/main">
+  <p:cSld>
+    <p:spTree>
+      <p:nvGrpSpPr>
+        <p:cNvPr id="1" name=""/>
+        <p:cNvGrpSpPr/>
+        <p:nvPr/>
+      </p:nvGrpSpPr>
+      <p:grpSpPr>
+        <a:xfrm>
+          <a:off x="0" y="0"/>
+          <a:ext cx="0" cy="0"/>
+          <a:chOff x="0" y="0"/>
+          <a:chExt cx="0" cy="0"/>
+        </a:xfrm>
+      </p:grpSpPr>
+      <p:sp>
+        <p:nvSpPr>
+          <p:cNvPr id="2" name="Title 1">
+            <a:extLst>
+              <a:ext uri="{FF2B5EF4-FFF2-40B4-BE49-F238E27FC236}">
+                <a16:creationId xmlns:a16="http://schemas.microsoft.com/office/drawing/2014/main" id="{F5E4FFF9-9132-071F-AD42-796AA87EA136}"/>
+              </a:ext>
+            </a:extLst>
+          </p:cNvPr>
+          <p:cNvSpPr>
+            <a:spLocks noGrp="1"/>
+          </p:cNvSpPr>
+          <p:nvPr>
+            <p:ph type="title"/>
+          </p:nvPr>
+        </p:nvSpPr>
+        <p:spPr/>
+        <p:txBody>
+          <a:bodyPr/>
+          <a:lstStyle/>
+          <a:p>
+            <a:r>
+              <a:rPr lang="en-US" dirty="0"/>
+              <a:t>Coding environment and packages</a:t>
+            </a:r>
+          </a:p>
+        </p:txBody>
+      </p:sp>
+      <p:sp>
+        <p:nvSpPr>
+          <p:cNvPr id="3" name="Content Placeholder 2">
+            <a:extLst>
+              <a:ext uri="{FF2B5EF4-FFF2-40B4-BE49-F238E27FC236}">
+                <a16:creationId xmlns:a16="http://schemas.microsoft.com/office/drawing/2014/main" id="{DA433583-52C4-0DCE-FFA3-57B964F01E36}"/>
+              </a:ext>
+            </a:extLst>
+          </p:cNvPr>
+          <p:cNvSpPr>
+            <a:spLocks noGrp="1"/>
+          </p:cNvSpPr>
+          <p:nvPr>
+            <p:ph idx="1"/>
+          </p:nvPr>
+        </p:nvSpPr>
+        <p:spPr/>
+        <p:txBody>
+          <a:bodyPr vert="horz" lIns="91440" tIns="45720" rIns="91440" bIns="45720" rtlCol="0" anchor="t">
+            <a:normAutofit fontScale="92500" lnSpcReduction="10000"/>
+          </a:bodyPr>
+          <a:lstStyle/>
+          <a:p>
+            <a:r>
+              <a:rPr lang="en-US" sz="2000">
+                <a:ea typeface="+mn-lt"/>
+                <a:cs typeface="+mn-lt"/>
+              </a:rPr>
+              <a:t>Google Colab</a:t>
+            </a:r>
+            <a:endParaRPr lang="en-US" sz="2000" dirty="0">
+              <a:ea typeface="+mn-lt"/>
+              <a:cs typeface="+mn-lt"/>
+            </a:endParaRPr>
+          </a:p>
+          <a:p>
+            <a:r>
+              <a:rPr lang="en-US" sz="2000">
+                <a:ea typeface="+mn-lt"/>
+                <a:cs typeface="+mn-lt"/>
+              </a:rPr>
+              <a:t>MIMIC-III Demo Dataset</a:t>
+            </a:r>
+            <a:endParaRPr lang="en-US">
+              <a:ea typeface="+mn-lt"/>
+              <a:cs typeface="+mn-lt"/>
+            </a:endParaRPr>
+          </a:p>
+          <a:p>
+            <a:r>
+              <a:rPr lang="en-US" sz="2000">
+                <a:ea typeface="+mn-lt"/>
+                <a:cs typeface="+mn-lt"/>
+              </a:rPr>
+              <a:t>Used Google Drive for saving and loading MIMIC CSV data</a:t>
+            </a:r>
+            <a:endParaRPr lang="en-US">
+              <a:ea typeface="+mn-lt"/>
+              <a:cs typeface="+mn-lt"/>
+            </a:endParaRPr>
+          </a:p>
+          <a:p>
+            <a:r>
+              <a:rPr lang="en-US" sz="2000">
+                <a:ea typeface="+mn-lt"/>
+                <a:cs typeface="+mn-lt"/>
+              </a:rPr>
+              <a:t>Libraries Used: matplotlib, seaborn, plotly, WordCloud, altair</a:t>
+            </a:r>
+            <a:endParaRPr lang="en-US">
+              <a:ea typeface="+mn-lt"/>
+              <a:cs typeface="+mn-lt"/>
+            </a:endParaRPr>
+          </a:p>
+          <a:p>
+            <a:r>
+              <a:rPr lang="en-US" sz="2000">
+                <a:ea typeface="+mn-lt"/>
+                <a:cs typeface="+mn-lt"/>
+              </a:rPr>
+              <a:t>GitHub and Google Colab Links:</a:t>
+            </a:r>
+            <a:endParaRPr lang="en-US">
+              <a:ea typeface="+mn-lt"/>
+              <a:cs typeface="+mn-lt"/>
+            </a:endParaRPr>
+          </a:p>
+          <a:p>
+            <a:pPr marL="0" indent="0">
+              <a:buNone/>
+            </a:pPr>
+            <a:r>
+              <a:rPr lang="en-US" sz="2000" dirty="0">
+                <a:ea typeface="+mn-lt"/>
+                <a:cs typeface="+mn-lt"/>
+                <a:hlinkClick r:id="rId2"/>
+              </a:rPr>
+              <a:t>https://github.com/AnkitaSavaliya/AIH/blob/main/MIMIC_Visualization.ipynb</a:t>
+            </a:r>
+          </a:p>
+          <a:p>
+            <a:pPr marL="0" indent="0">
+              <a:buNone/>
+            </a:pPr>
+            <a:r>
+              <a:rPr lang="en-US" sz="2000" dirty="0">
+                <a:ea typeface="+mn-lt"/>
+                <a:cs typeface="+mn-lt"/>
+                <a:hlinkClick r:id="rId3"/>
+              </a:rPr>
+              <a:t>https://colab.research.google.com/github/AnkitaSavaliya/AIH/blob/main/MIMIC_Visualization.ipynb</a:t>
+            </a:r>
+            <a:endParaRPr lang="en-US" sz="2000" dirty="0">
+              <a:ea typeface="+mn-lt"/>
+              <a:cs typeface="+mn-lt"/>
+            </a:endParaRPr>
+          </a:p>
+          <a:p>
+            <a:pPr marL="0" indent="0">
+              <a:buNone/>
+            </a:pPr>
+            <a:r>
+              <a:rPr lang="en-US" sz="2000" dirty="0">
+                <a:ea typeface="+mn-lt"/>
+                <a:cs typeface="+mn-lt"/>
+                <a:hlinkClick r:id="rId4"/>
+              </a:rPr>
+              <a:t>https://github.com/AnkitaSavaliya/AIH/blob/main/MIMIC%20Visualization.pptx</a:t>
+            </a:r>
+          </a:p>
+          <a:p>
+            <a:endParaRPr lang="en-US" dirty="0"/>
+          </a:p>
+          <a:p>
+            <a:endParaRPr lang="en-US" dirty="0"/>
+          </a:p>
+          <a:p>
+            <a:endParaRPr lang="en-US" dirty="0"/>
+          </a:p>
+          <a:p>
+            <a:endParaRPr lang="en-US" dirty="0"/>
+          </a:p>
+          <a:p>
+            <a:endParaRPr lang="en-US" dirty="0"/>
+          </a:p>
+        </p:txBody>
+      </p:sp>
+      <p:sp>
+        <p:nvSpPr>
+          <p:cNvPr id="4" name="Date Placeholder 3">
+            <a:extLst>
+              <a:ext uri="{FF2B5EF4-FFF2-40B4-BE49-F238E27FC236}">
+                <a16:creationId xmlns:a16="http://schemas.microsoft.com/office/drawing/2014/main" id="{DDF34E3C-3E0E-B40E-9C66-8EC667BB5D98}"/>
+              </a:ext>
+            </a:extLst>
+          </p:cNvPr>
+          <p:cNvSpPr>
+            <a:spLocks noGrp="1"/>
+          </p:cNvSpPr>
+          <p:nvPr>
+            <p:ph type="dt" sz="half" idx="10"/>
+          </p:nvPr>
+        </p:nvSpPr>
+        <p:spPr/>
+        <p:txBody>
+          <a:bodyPr/>
+          <a:lstStyle/>
+          <a:p>
+            <a:fld id="{BCE79401-6E6D-4108-ADC3-94EF23165244}" type="datetime1">
+              <a:t>1/27/2025</a:t>
+            </a:fld>
+            <a:endParaRPr lang="en-US" dirty="0"/>
+          </a:p>
+        </p:txBody>
+      </p:sp>
+      <p:sp>
+        <p:nvSpPr>
+          <p:cNvPr id="5" name="Footer Placeholder 4">
+            <a:extLst>
+              <a:ext uri="{FF2B5EF4-FFF2-40B4-BE49-F238E27FC236}">
+                <a16:creationId xmlns:a16="http://schemas.microsoft.com/office/drawing/2014/main" id="{76A665EC-C0B9-88DD-1FBD-CF4A7BD38AC2}"/>
+              </a:ext>
+            </a:extLst>
+          </p:cNvPr>
+          <p:cNvSpPr>
+            <a:spLocks noGrp="1"/>
+          </p:cNvSpPr>
+          <p:nvPr>
+            <p:ph type="ftr" sz="quarter" idx="11"/>
+          </p:nvPr>
+        </p:nvSpPr>
+        <p:spPr/>
+        <p:txBody>
+          <a:bodyPr/>
+          <a:lstStyle/>
+          <a:p>
+            <a:endParaRPr lang="en-US" dirty="0"/>
+          </a:p>
+        </p:txBody>
+      </p:sp>
+      <p:sp>
+        <p:nvSpPr>
+          <p:cNvPr id="6" name="Slide Number Placeholder 5">
+            <a:extLst>
+              <a:ext uri="{FF2B5EF4-FFF2-40B4-BE49-F238E27FC236}">
+                <a16:creationId xmlns:a16="http://schemas.microsoft.com/office/drawing/2014/main" id="{D5EF9328-A11F-6340-0842-FA249B93BD6B}"/>
+              </a:ext>
+            </a:extLst>
+          </p:cNvPr>
+          <p:cNvSpPr>
+            <a:spLocks noGrp="1"/>
+          </p:cNvSpPr>
+          <p:nvPr>
+            <p:ph type="sldNum" sz="quarter" idx="12"/>
+          </p:nvPr>
+        </p:nvSpPr>
+        <p:spPr/>
+        <p:txBody>
+          <a:bodyPr/>
+          <a:lstStyle/>
+          <a:p>
+            <a:fld id="{A65A5C87-DF58-40C8-B092-1DE63DB4547E}" type="slidenum">
+              <a:rPr lang="en-US" dirty="0"/>
+              <a:t>2</a:t>
+            </a:fld>
+            <a:endParaRPr lang="en-US" dirty="0"/>
+          </a:p>
+        </p:txBody>
+      </p:sp>
+    </p:spTree>
+    <p:extLst>
+      <p:ext uri="{BB962C8B-B14F-4D97-AF65-F5344CB8AC3E}">
+        <p14:creationId xmlns:p14="http://schemas.microsoft.com/office/powerpoint/2010/main" val="3308962109"/>
+      </p:ext>
+    </p:extLst>
+  </p:cSld>
+  <p:clrMapOvr>
+    <a:masterClrMapping/>
+  </p:clrMapOvr>
+</p:sld>
+</file>
+
+<file path=ppt/slides/slide3.xml><?xml version="1.0" encoding="utf-8"?>
+<p:sld xmlns:a="http://schemas.openxmlformats.org/drawingml/2006/main" xmlns:r="http://schemas.openxmlformats.org/officeDocument/2006/relationships" xmlns:p="http://schemas.openxmlformats.org/presentationml/2006/main">
+  <p:cSld>
+    <p:spTree>
+      <p:nvGrpSpPr>
+        <p:cNvPr id="1" name=""/>
+        <p:cNvGrpSpPr/>
+        <p:nvPr/>
+      </p:nvGrpSpPr>
+      <p:grpSpPr>
+        <a:xfrm>
+          <a:off x="0" y="0"/>
+          <a:ext cx="0" cy="0"/>
+          <a:chOff x="0" y="0"/>
+          <a:chExt cx="0" cy="0"/>
+        </a:xfrm>
+      </p:grpSpPr>
+      <p:sp>
+        <p:nvSpPr>
+          <p:cNvPr id="11" name="Title 1">
+            <a:extLst>
+              <a:ext uri="{FF2B5EF4-FFF2-40B4-BE49-F238E27FC236}">
+                <a16:creationId xmlns:a16="http://schemas.microsoft.com/office/drawing/2014/main" id="{BAEF630F-7877-7583-F00D-2F3807A709F8}"/>
+              </a:ext>
+            </a:extLst>
+          </p:cNvPr>
+          <p:cNvSpPr>
+            <a:spLocks noGrp="1"/>
+          </p:cNvSpPr>
+          <p:nvPr>
+            <p:ph type="title"/>
+          </p:nvPr>
+        </p:nvSpPr>
+        <p:spPr/>
+        <p:txBody>
+          <a:bodyPr/>
+          <a:lstStyle/>
+          <a:p>
+            <a:r>
+              <a:rPr lang="en-US" dirty="0"/>
+              <a:t>Data Load and </a:t>
+            </a:r>
+            <a:r>
+              <a:rPr lang="en-US"/>
+              <a:t>Initial Setup</a:t>
+            </a:r>
+          </a:p>
+        </p:txBody>
+      </p:sp>
+      <p:sp>
+        <p:nvSpPr>
+          <p:cNvPr id="13" name="Content Placeholder 2">
+            <a:extLst>
+              <a:ext uri="{FF2B5EF4-FFF2-40B4-BE49-F238E27FC236}">
+                <a16:creationId xmlns:a16="http://schemas.microsoft.com/office/drawing/2014/main" id="{DDF4B768-7505-5B6C-ABEF-343021950256}"/>
+              </a:ext>
+            </a:extLst>
+          </p:cNvPr>
+          <p:cNvSpPr>
+            <a:spLocks noGrp="1"/>
+          </p:cNvSpPr>
+          <p:nvPr>
+            <p:ph idx="1"/>
+          </p:nvPr>
+        </p:nvSpPr>
+        <p:spPr/>
+        <p:txBody>
+          <a:bodyPr vert="horz" lIns="91440" tIns="45720" rIns="91440" bIns="45720" rtlCol="0" anchor="t">
+            <a:normAutofit fontScale="92500" lnSpcReduction="10000"/>
+          </a:bodyPr>
+          <a:lstStyle/>
+          <a:p>
+            <a:r>
+              <a:rPr lang="en-US">
+                <a:ea typeface="+mn-lt"/>
+                <a:cs typeface="+mn-lt"/>
+              </a:rPr>
+              <a:t>Used PATIENTS.CSV, ADMISSIONS.CSV, DIAGNOSES_ICD.CSV, D_ICD_DIAGNOSES.CSV, ICUSTAYS.CSV, PRESCRIPTIONS.CSV, PROCEDUREEVENTS_MV, D_ITEMS, etc.</a:t>
+            </a:r>
+          </a:p>
+          <a:p>
+            <a:r>
+              <a:rPr lang="en-US">
+                <a:ea typeface="+mn-lt"/>
+                <a:cs typeface="+mn-lt"/>
+              </a:rPr>
+              <a:t>Created the initial dataframe using PATIENTS, ADMISSIONS, and DIAGNOSES_ICD.</a:t>
+            </a:r>
+          </a:p>
+          <a:p>
+            <a:r>
+              <a:rPr lang="en-US">
+                <a:ea typeface="+mn-lt"/>
+                <a:cs typeface="+mn-lt"/>
+              </a:rPr>
+              <a:t>Merged the </a:t>
+            </a:r>
+            <a:r>
+              <a:rPr lang="en-US" err="1">
+                <a:ea typeface="+mn-lt"/>
+                <a:cs typeface="+mn-lt"/>
+              </a:rPr>
+              <a:t>dataframe</a:t>
+            </a:r>
+            <a:r>
+              <a:rPr lang="en-US">
+                <a:ea typeface="+mn-lt"/>
+                <a:cs typeface="+mn-lt"/>
+              </a:rPr>
+              <a:t> with other CSV files as needed for visualization.</a:t>
+            </a:r>
+          </a:p>
+          <a:p>
+            <a:r>
+              <a:rPr lang="en-US">
+                <a:ea typeface="+mn-lt"/>
+                <a:cs typeface="+mn-lt"/>
+              </a:rPr>
+              <a:t>Represented all visuals using different types of charts.</a:t>
+            </a:r>
+            <a:endParaRPr lang="en-US"/>
+          </a:p>
+          <a:p>
+            <a:endParaRPr lang="en-US" dirty="0"/>
+          </a:p>
+          <a:p>
+            <a:endParaRPr lang="en-US" dirty="0"/>
+          </a:p>
+        </p:txBody>
+      </p:sp>
+      <p:sp>
+        <p:nvSpPr>
+          <p:cNvPr id="4" name="Date Placeholder 3">
+            <a:extLst>
+              <a:ext uri="{FF2B5EF4-FFF2-40B4-BE49-F238E27FC236}">
+                <a16:creationId xmlns:a16="http://schemas.microsoft.com/office/drawing/2014/main" id="{5BF8ED7D-29E5-DECA-7319-AA4FCC4E3849}"/>
+              </a:ext>
+            </a:extLst>
+          </p:cNvPr>
+          <p:cNvSpPr>
+            <a:spLocks noGrp="1"/>
+          </p:cNvSpPr>
+          <p:nvPr>
+            <p:ph type="dt" sz="half" idx="10"/>
+          </p:nvPr>
+        </p:nvSpPr>
+        <p:spPr/>
+        <p:txBody>
+          <a:bodyPr anchor="ctr">
+            <a:normAutofit/>
+          </a:bodyPr>
+          <a:lstStyle/>
+          <a:p>
+            <a:pPr>
+              <a:spcAft>
+                <a:spcPts val="600"/>
+              </a:spcAft>
+            </a:pPr>
+            <a:fld id="{C3184BA6-6710-47CD-85DD-07C7453AFE53}" type="datetime1">
+              <a:pPr>
+                <a:spcAft>
+                  <a:spcPts val="600"/>
+                </a:spcAft>
+              </a:pPr>
+              <a:t>1/27/2025</a:t>
+            </a:fld>
+            <a:endParaRPr lang="en-US"/>
+          </a:p>
+        </p:txBody>
+      </p:sp>
+      <p:sp>
+        <p:nvSpPr>
+          <p:cNvPr id="17" name="Footer Placeholder 5">
+            <a:extLst>
+              <a:ext uri="{FF2B5EF4-FFF2-40B4-BE49-F238E27FC236}">
+                <a16:creationId xmlns:a16="http://schemas.microsoft.com/office/drawing/2014/main" id="{37997F9B-1701-D32D-E56E-6127753CB6CA}"/>
+              </a:ext>
+            </a:extLst>
+          </p:cNvPr>
+          <p:cNvSpPr>
+            <a:spLocks noGrp="1"/>
+          </p:cNvSpPr>
+          <p:nvPr>
+            <p:ph type="ftr" sz="quarter" idx="11"/>
+          </p:nvPr>
+        </p:nvSpPr>
+        <p:spPr/>
+        <p:txBody>
+          <a:bodyPr/>
+          <a:lstStyle/>
+          <a:p>
+            <a:endParaRPr lang="en-US"/>
+          </a:p>
+        </p:txBody>
+      </p:sp>
+      <p:sp>
+        <p:nvSpPr>
+          <p:cNvPr id="6" name="Slide Number Placeholder 5">
+            <a:extLst>
+              <a:ext uri="{FF2B5EF4-FFF2-40B4-BE49-F238E27FC236}">
+                <a16:creationId xmlns:a16="http://schemas.microsoft.com/office/drawing/2014/main" id="{FCBF52FE-F15F-F061-5344-67FF5A066CE5}"/>
+              </a:ext>
+            </a:extLst>
+          </p:cNvPr>
+          <p:cNvSpPr>
+            <a:spLocks noGrp="1"/>
+          </p:cNvSpPr>
+          <p:nvPr>
+            <p:ph type="sldNum" sz="quarter" idx="12"/>
+          </p:nvPr>
+        </p:nvSpPr>
+        <p:spPr/>
+        <p:txBody>
+          <a:bodyPr anchor="ctr">
+            <a:normAutofit/>
+          </a:bodyPr>
+          <a:lstStyle/>
+          <a:p>
+            <a:pPr>
+              <a:spcAft>
+                <a:spcPts val="600"/>
+              </a:spcAft>
+            </a:pPr>
+            <a:fld id="{A65A5C87-DF58-40C8-B092-1DE63DB4547E}" type="slidenum">
+              <a:rPr lang="en-US" dirty="0"/>
+              <a:pPr>
+                <a:spcAft>
+                  <a:spcPts val="600"/>
+                </a:spcAft>
+              </a:pPr>
+              <a:t>3</a:t>
+            </a:fld>
+            <a:endParaRPr lang="en-US"/>
+          </a:p>
+        </p:txBody>
+      </p:sp>
+    </p:spTree>
+    <p:extLst>
+      <p:ext uri="{BB962C8B-B14F-4D97-AF65-F5344CB8AC3E}">
+        <p14:creationId xmlns:p14="http://schemas.microsoft.com/office/powerpoint/2010/main" val="1144616982"/>
+      </p:ext>
+    </p:extLst>
+  </p:cSld>
+  <p:clrMapOvr>
+    <a:masterClrMapping/>
+  </p:clrMapOvr>
+</p:sld>
+</file>
+
+<file path=ppt/slides/slide4.xml><?xml version="1.0" encoding="utf-8"?>
+<p:sld xmlns:a="http://schemas.openxmlformats.org/drawingml/2006/main" xmlns:r="http://schemas.openxmlformats.org/officeDocument/2006/relationships" xmlns:p="http://schemas.openxmlformats.org/presentationml/2006/main">
+  <p:cSld>
+    <p:spTree>
+      <p:nvGrpSpPr>
+        <p:cNvPr id="1" name=""/>
+        <p:cNvGrpSpPr/>
+        <p:nvPr/>
+      </p:nvGrpSpPr>
+      <p:grpSpPr>
+        <a:xfrm>
+          <a:off x="0" y="0"/>
+          <a:ext cx="0" cy="0"/>
+          <a:chOff x="0" y="0"/>
+          <a:chExt cx="0" cy="0"/>
+        </a:xfrm>
+      </p:grpSpPr>
+      <p:sp>
+        <p:nvSpPr>
+          <p:cNvPr id="2" name="Title 1">
+            <a:extLst>
+              <a:ext uri="{FF2B5EF4-FFF2-40B4-BE49-F238E27FC236}">
+                <a16:creationId xmlns:a16="http://schemas.microsoft.com/office/drawing/2014/main" id="{D4A847F5-FE7F-970F-30A8-F14DC30F0298}"/>
+              </a:ext>
+            </a:extLst>
+          </p:cNvPr>
+          <p:cNvSpPr>
+            <a:spLocks noGrp="1"/>
+          </p:cNvSpPr>
+          <p:nvPr>
+            <p:ph type="title"/>
+          </p:nvPr>
+        </p:nvSpPr>
+        <p:spPr/>
+        <p:txBody>
+          <a:bodyPr vert="horz" lIns="91440" tIns="45720" rIns="91440" bIns="45720" rtlCol="0" anchor="ctr">
+            <a:normAutofit/>
+          </a:bodyPr>
+          <a:lstStyle/>
+          <a:p>
+            <a:r>
+              <a:rPr lang="en-US" sz="2900" dirty="0"/>
+              <a:t>Visual 1- </a:t>
+            </a:r>
+            <a:r>
+              <a:rPr lang="en-US" sz="2900" dirty="0">
+                <a:ea typeface="+mj-lt"/>
+                <a:cs typeface="+mj-lt"/>
+              </a:rPr>
+              <a:t>Heart Patient Analysis: Gender, Age, and ICD-9 Subtypes</a:t>
+            </a:r>
+            <a:endParaRPr lang="en-US" dirty="0">
+              <a:solidFill>
+                <a:srgbClr val="000000"/>
+              </a:solidFill>
+              <a:latin typeface="Avenir Next LT Pro"/>
+            </a:endParaRPr>
+          </a:p>
+        </p:txBody>
+      </p:sp>
+      <p:sp>
+        <p:nvSpPr>
+          <p:cNvPr id="28" name="Date Placeholder 4">
+            <a:extLst>
+              <a:ext uri="{FF2B5EF4-FFF2-40B4-BE49-F238E27FC236}">
+                <a16:creationId xmlns:a16="http://schemas.microsoft.com/office/drawing/2014/main" id="{7A6840E9-E4CF-DCC4-9B0D-7D4B8FDC3F5A}"/>
+              </a:ext>
+            </a:extLst>
+          </p:cNvPr>
+          <p:cNvSpPr>
+            <a:spLocks noGrp="1"/>
+          </p:cNvSpPr>
+          <p:nvPr>
+            <p:ph type="dt" sz="half" idx="10"/>
+          </p:nvPr>
+        </p:nvSpPr>
+        <p:spPr/>
+        <p:txBody>
+          <a:bodyPr anchor="ctr">
+            <a:normAutofit/>
+          </a:bodyPr>
+          <a:lstStyle/>
+          <a:p>
+            <a:pPr>
+              <a:spcAft>
+                <a:spcPts val="600"/>
+              </a:spcAft>
+            </a:pPr>
+            <a:fld id="{C7DB37F9-8192-43C5-8AD8-3A3669843520}" type="datetime1">
+              <a:pPr>
+                <a:spcAft>
+                  <a:spcPts val="600"/>
+                </a:spcAft>
+              </a:pPr>
+              <a:t>1/27/2025</a:t>
+            </a:fld>
+            <a:endParaRPr lang="en-US"/>
+          </a:p>
+        </p:txBody>
+      </p:sp>
+      <p:sp>
+        <p:nvSpPr>
+          <p:cNvPr id="42" name="Footer Placeholder 5">
+            <a:extLst>
+              <a:ext uri="{FF2B5EF4-FFF2-40B4-BE49-F238E27FC236}">
+                <a16:creationId xmlns:a16="http://schemas.microsoft.com/office/drawing/2014/main" id="{E5BA0C9F-BC49-CDE1-ABE1-2734C207E752}"/>
+              </a:ext>
+            </a:extLst>
+          </p:cNvPr>
+          <p:cNvSpPr>
+            <a:spLocks noGrp="1"/>
+          </p:cNvSpPr>
+          <p:nvPr>
+            <p:ph type="ftr" sz="quarter" idx="11"/>
+          </p:nvPr>
+        </p:nvSpPr>
+        <p:spPr/>
+        <p:txBody>
+          <a:bodyPr/>
+          <a:lstStyle/>
+          <a:p>
+            <a:endParaRPr lang="en-US"/>
+          </a:p>
+        </p:txBody>
+      </p:sp>
+      <p:sp>
+        <p:nvSpPr>
+          <p:cNvPr id="30" name="Slide Number Placeholder 6">
+            <a:extLst>
+              <a:ext uri="{FF2B5EF4-FFF2-40B4-BE49-F238E27FC236}">
+                <a16:creationId xmlns:a16="http://schemas.microsoft.com/office/drawing/2014/main" id="{B9FC7F56-BFF9-92C8-CFE9-7DD25BADAF55}"/>
+              </a:ext>
+            </a:extLst>
+          </p:cNvPr>
+          <p:cNvSpPr>
+            <a:spLocks noGrp="1"/>
+          </p:cNvSpPr>
+          <p:nvPr>
+            <p:ph type="sldNum" sz="quarter" idx="12"/>
+          </p:nvPr>
+        </p:nvSpPr>
+        <p:spPr/>
+        <p:txBody>
+          <a:bodyPr anchor="ctr">
+            <a:normAutofit/>
+          </a:bodyPr>
+          <a:lstStyle/>
+          <a:p>
+            <a:pPr>
+              <a:spcAft>
+                <a:spcPts val="600"/>
+              </a:spcAft>
+            </a:pPr>
+            <a:fld id="{A65A5C87-DF58-40C8-B092-1DE63DB4547E}" type="slidenum">
+              <a:rPr lang="en-US" dirty="0"/>
+              <a:pPr>
+                <a:spcAft>
+                  <a:spcPts val="600"/>
+                </a:spcAft>
+              </a:pPr>
+              <a:t>4</a:t>
+            </a:fld>
+            <a:endParaRPr lang="en-US"/>
+          </a:p>
+        </p:txBody>
+      </p:sp>
+      <p:sp>
+        <p:nvSpPr>
+          <p:cNvPr id="27" name="Text Placeholder 3">
+            <a:extLst>
+              <a:ext uri="{FF2B5EF4-FFF2-40B4-BE49-F238E27FC236}">
+                <a16:creationId xmlns:a16="http://schemas.microsoft.com/office/drawing/2014/main" id="{845D7DA4-0A30-F667-174F-8A99022B50FE}"/>
+              </a:ext>
+            </a:extLst>
+          </p:cNvPr>
+          <p:cNvSpPr>
+            <a:spLocks noGrp="1"/>
+          </p:cNvSpPr>
+          <p:nvPr>
+            <p:ph type="body" sz="half" idx="4294967295"/>
+          </p:nvPr>
+        </p:nvSpPr>
+        <p:spPr>
+          <a:xfrm>
+            <a:off x="619932" y="2253712"/>
+            <a:ext cx="1950929" cy="3887977"/>
+          </a:xfrm>
+        </p:spPr>
+        <p:txBody>
+          <a:bodyPr vert="horz" lIns="91440" tIns="45720" rIns="91440" bIns="45720" rtlCol="0" anchor="t">
+            <a:normAutofit/>
+          </a:bodyPr>
+          <a:lstStyle/>
+          <a:p>
+            <a:pPr marL="0" indent="0">
+              <a:lnSpc>
+                <a:spcPct val="100000"/>
+              </a:lnSpc>
+              <a:buNone/>
+            </a:pPr>
+            <a:r>
+              <a:rPr lang="en-US" sz="1500" dirty="0">
+                <a:ea typeface="+mn-lt"/>
+                <a:cs typeface="+mn-lt"/>
+              </a:rPr>
+              <a:t>This visualization represents heart patients, showcasing their age and gender distribution. It also includes an interactive pie chart displaying the proportional distribution of heart failure subtypes.</a:t>
+            </a:r>
+            <a:endParaRPr lang="en-US" dirty="0"/>
+          </a:p>
+        </p:txBody>
+      </p:sp>
+      <p:pic>
+        <p:nvPicPr>
+          <p:cNvPr id="20" name="Content Placeholder 19" descr="A screenshot of a graph&#10;&#10;AI-generated content may be incorrect.">
+            <a:extLst>
+              <a:ext uri="{FF2B5EF4-FFF2-40B4-BE49-F238E27FC236}">
+                <a16:creationId xmlns:a16="http://schemas.microsoft.com/office/drawing/2014/main" id="{854BD5B2-91F6-28AD-FE59-A1BF0F15BDA6}"/>
+              </a:ext>
+            </a:extLst>
+          </p:cNvPr>
+          <p:cNvPicPr>
+            <a:picLocks noGrp="1" noChangeAspect="1"/>
+          </p:cNvPicPr>
+          <p:nvPr>
+            <p:ph idx="1"/>
+          </p:nvPr>
+        </p:nvPicPr>
+        <p:blipFill>
+          <a:blip r:embed="rId2"/>
+          <a:stretch>
+            <a:fillRect/>
+          </a:stretch>
+        </p:blipFill>
+        <p:spPr>
+          <a:xfrm>
+            <a:off x="2811781" y="2348871"/>
+            <a:ext cx="9384584" cy="3694176"/>
+          </a:xfrm>
+        </p:spPr>
+      </p:pic>
+    </p:spTree>
+    <p:extLst>
+      <p:ext uri="{BB962C8B-B14F-4D97-AF65-F5344CB8AC3E}">
+        <p14:creationId xmlns:p14="http://schemas.microsoft.com/office/powerpoint/2010/main" val="2325500405"/>
+      </p:ext>
+    </p:extLst>
+  </p:cSld>
+  <p:clrMapOvr>
+    <a:masterClrMapping/>
+  </p:clrMapOvr>
+</p:sld>
+</file>
+
+<file path=ppt/slides/slide5.xml><?xml version="1.0" encoding="utf-8"?>
+<p:sld xmlns:a="http://schemas.openxmlformats.org/drawingml/2006/main" xmlns:r="http://schemas.openxmlformats.org/officeDocument/2006/relationships" xmlns:p="http://schemas.openxmlformats.org/presentationml/2006/main">
+  <p:cSld>
+    <p:spTree>
+      <p:nvGrpSpPr>
+        <p:cNvPr id="1" name=""/>
+        <p:cNvGrpSpPr/>
+        <p:nvPr/>
+      </p:nvGrpSpPr>
+      <p:grpSpPr>
+        <a:xfrm>
+          <a:off x="0" y="0"/>
+          <a:ext cx="0" cy="0"/>
+          <a:chOff x="0" y="0"/>
+          <a:chExt cx="0" cy="0"/>
+        </a:xfrm>
+      </p:grpSpPr>
+      <p:sp>
+        <p:nvSpPr>
+          <p:cNvPr id="2" name="Title 1">
+            <a:extLst>
+              <a:ext uri="{FF2B5EF4-FFF2-40B4-BE49-F238E27FC236}">
+                <a16:creationId xmlns:a16="http://schemas.microsoft.com/office/drawing/2014/main" id="{BF65AC6B-C37F-8594-FB87-8458012C9F88}"/>
+              </a:ext>
+            </a:extLst>
+          </p:cNvPr>
+          <p:cNvSpPr>
+            <a:spLocks noGrp="1"/>
+          </p:cNvSpPr>
+          <p:nvPr>
+            <p:ph type="title"/>
+          </p:nvPr>
+        </p:nvSpPr>
+        <p:spPr>
+          <a:xfrm>
+            <a:off x="1115568" y="548640"/>
+            <a:ext cx="10168128" cy="1179576"/>
+          </a:xfrm>
+        </p:spPr>
+        <p:txBody>
+          <a:bodyPr vert="horz" lIns="91440" tIns="45720" rIns="91440" bIns="45720" rtlCol="0" anchor="ctr">
+            <a:normAutofit/>
+          </a:bodyPr>
+          <a:lstStyle/>
+          <a:p>
+            <a:r>
+              <a:rPr lang="en-US" kern="1200">
+                <a:latin typeface="+mj-lt"/>
+                <a:ea typeface="+mj-ea"/>
+                <a:cs typeface="+mj-cs"/>
+              </a:rPr>
+              <a:t>Visual 1 - How to recreate</a:t>
+            </a:r>
+          </a:p>
+        </p:txBody>
+      </p:sp>
+      <p:sp>
+        <p:nvSpPr>
+          <p:cNvPr id="5" name="Date Placeholder 4">
+            <a:extLst>
+              <a:ext uri="{FF2B5EF4-FFF2-40B4-BE49-F238E27FC236}">
+                <a16:creationId xmlns:a16="http://schemas.microsoft.com/office/drawing/2014/main" id="{5D92F13A-6320-B67E-23B2-8F0D6BEC30F6}"/>
+              </a:ext>
+            </a:extLst>
+          </p:cNvPr>
+          <p:cNvSpPr>
+            <a:spLocks noGrp="1"/>
+          </p:cNvSpPr>
+          <p:nvPr>
+            <p:ph type="dt" sz="half" idx="10"/>
+          </p:nvPr>
+        </p:nvSpPr>
+        <p:spPr>
+          <a:xfrm>
+            <a:off x="1115568" y="6356350"/>
+            <a:ext cx="2743200" cy="365125"/>
+          </a:xfrm>
+        </p:spPr>
+        <p:txBody>
+          <a:bodyPr vert="horz" lIns="91440" tIns="45720" rIns="91440" bIns="45720" rtlCol="0" anchor="ctr">
+            <a:normAutofit/>
+          </a:bodyPr>
+          <a:lstStyle/>
+          <a:p>
+            <a:pPr>
+              <a:spcAft>
+                <a:spcPts val="600"/>
+              </a:spcAft>
+            </a:pPr>
+            <a:fld id="{A20EE442-7E2D-4B98-9210-7F067E6F4EDF}" type="datetime1">
+              <a:pPr>
+                <a:spcAft>
+                  <a:spcPts val="600"/>
+                </a:spcAft>
+              </a:pPr>
+              <a:t>1/27/2025</a:t>
+            </a:fld>
+            <a:endParaRPr lang="en-US"/>
+          </a:p>
+        </p:txBody>
+      </p:sp>
+      <p:sp>
+        <p:nvSpPr>
+          <p:cNvPr id="16" name="Footer Placeholder 5">
+            <a:extLst>
+              <a:ext uri="{FF2B5EF4-FFF2-40B4-BE49-F238E27FC236}">
+                <a16:creationId xmlns:a16="http://schemas.microsoft.com/office/drawing/2014/main" id="{C616A50C-7065-F2A3-AF93-9EF335390174}"/>
+              </a:ext>
+            </a:extLst>
+          </p:cNvPr>
+          <p:cNvSpPr>
+            <a:spLocks noGrp="1"/>
+          </p:cNvSpPr>
+          <p:nvPr>
+            <p:ph type="ftr" sz="quarter" idx="11"/>
+          </p:nvPr>
+        </p:nvSpPr>
+        <p:spPr>
+          <a:xfrm>
+            <a:off x="4038600" y="6356350"/>
+            <a:ext cx="4114800" cy="365125"/>
+          </a:xfrm>
+        </p:spPr>
+        <p:txBody>
+          <a:bodyPr/>
+          <a:lstStyle/>
+          <a:p>
+            <a:endParaRPr lang="en-US"/>
+          </a:p>
+        </p:txBody>
+      </p:sp>
+      <p:sp>
+        <p:nvSpPr>
+          <p:cNvPr id="7" name="Slide Number Placeholder 6">
+            <a:extLst>
+              <a:ext uri="{FF2B5EF4-FFF2-40B4-BE49-F238E27FC236}">
+                <a16:creationId xmlns:a16="http://schemas.microsoft.com/office/drawing/2014/main" id="{3555EC99-46B4-888B-5297-AB12D7AB4C0C}"/>
+              </a:ext>
+            </a:extLst>
+          </p:cNvPr>
+          <p:cNvSpPr>
+            <a:spLocks noGrp="1"/>
+          </p:cNvSpPr>
+          <p:nvPr>
+            <p:ph type="sldNum" sz="quarter" idx="12"/>
+          </p:nvPr>
+        </p:nvSpPr>
+        <p:spPr>
+          <a:xfrm>
+            <a:off x="8540496" y="6356350"/>
+            <a:ext cx="2743200" cy="365125"/>
+          </a:xfrm>
+        </p:spPr>
+        <p:txBody>
+          <a:bodyPr vert="horz" lIns="91440" tIns="45720" rIns="91440" bIns="45720" rtlCol="0" anchor="ctr">
+            <a:normAutofit/>
+          </a:bodyPr>
+          <a:lstStyle/>
+          <a:p>
+            <a:pPr>
+              <a:spcAft>
+                <a:spcPts val="600"/>
+              </a:spcAft>
+            </a:pPr>
+            <a:fld id="{A65A5C87-DF58-40C8-B092-1DE63DB4547E}" type="slidenum">
+              <a:rPr lang="en-US" dirty="0"/>
+              <a:pPr>
+                <a:spcAft>
+                  <a:spcPts val="600"/>
+                </a:spcAft>
+              </a:pPr>
+              <a:t>5</a:t>
+            </a:fld>
+            <a:endParaRPr lang="en-US"/>
+          </a:p>
+        </p:txBody>
+      </p:sp>
+      <p:pic>
+        <p:nvPicPr>
+          <p:cNvPr id="13" name="Picture 12" descr="A screenshot of a computer code&#10;&#10;AI-generated content may be incorrect.">
+            <a:extLst>
+              <a:ext uri="{FF2B5EF4-FFF2-40B4-BE49-F238E27FC236}">
+                <a16:creationId xmlns:a16="http://schemas.microsoft.com/office/drawing/2014/main" id="{38FD3413-A962-8B47-C09E-6B429FD11B22}"/>
+              </a:ext>
+            </a:extLst>
+          </p:cNvPr>
+          <p:cNvPicPr>
+            <a:picLocks noChangeAspect="1"/>
+          </p:cNvPicPr>
+          <p:nvPr/>
+        </p:nvPicPr>
+        <p:blipFill>
+          <a:blip r:embed="rId2"/>
+          <a:stretch>
+            <a:fillRect/>
+          </a:stretch>
+        </p:blipFill>
+        <p:spPr>
+          <a:xfrm>
+            <a:off x="4925958" y="3154793"/>
+            <a:ext cx="6421303" cy="2937737"/>
+          </a:xfrm>
+          <a:prstGeom prst="rect">
+            <a:avLst/>
+          </a:prstGeom>
+        </p:spPr>
+      </p:pic>
+      <p:sp>
+        <p:nvSpPr>
+          <p:cNvPr id="14" name="TextBox 13">
+            <a:extLst>
+              <a:ext uri="{FF2B5EF4-FFF2-40B4-BE49-F238E27FC236}">
+                <a16:creationId xmlns:a16="http://schemas.microsoft.com/office/drawing/2014/main" id="{DD137052-4726-394F-F92D-80411BDB5DF4}"/>
+              </a:ext>
+            </a:extLst>
+          </p:cNvPr>
+          <p:cNvSpPr txBox="1"/>
+          <p:nvPr/>
+        </p:nvSpPr>
+        <p:spPr>
+          <a:xfrm>
+            <a:off x="4958437" y="2046437"/>
+            <a:ext cx="6482769" cy="1169551"/>
+          </a:xfrm>
+          <a:prstGeom prst="rect">
+            <a:avLst/>
+          </a:prstGeom>
+        </p:spPr>
+        <p:style>
+          <a:lnRef idx="2">
+            <a:schemeClr val="accent1"/>
+          </a:lnRef>
+          <a:fillRef idx="1">
+            <a:schemeClr val="lt1"/>
+          </a:fillRef>
+          <a:effectRef idx="0">
+            <a:schemeClr val="accent1"/>
+          </a:effectRef>
+          <a:fontRef idx="minor">
+            <a:schemeClr val="dk1"/>
+          </a:fontRef>
+        </p:style>
+        <p:txBody>
+          <a:bodyPr rot="0" spcFirstLastPara="0" vertOverflow="overflow" horzOverflow="overflow" vert="horz" wrap="square" lIns="91440" tIns="45720" rIns="91440" bIns="45720" numCol="1" spcCol="0" rtlCol="0" fromWordArt="0" anchor="t" anchorCtr="0" forceAA="0" compatLnSpc="1">
+            <a:prstTxWarp prst="textNoShape">
+              <a:avLst/>
+            </a:prstTxWarp>
+            <a:spAutoFit/>
+          </a:bodyPr>
+          <a:lstStyle/>
+          <a:p>
+            <a:pPr algn="l"/>
+            <a:r>
+              <a:rPr lang="en-US" sz="1400" dirty="0"/>
+              <a:t>Filters patient records based on ICD-9 codes (428.x series) and drops duplicate patients using their unique IDs. Counts the gender distribution among unique patients and plots a </a:t>
+            </a:r>
+            <a:r>
+              <a:rPr lang="en-US" sz="1400" err="1"/>
+              <a:t>treemap</a:t>
+            </a:r>
+            <a:r>
+              <a:rPr lang="en-US" sz="1400" dirty="0"/>
+              <a:t>. Counts the occurrences of each ICD-9 code, prepares labels, and creates an interactive pie chart using </a:t>
+            </a:r>
+            <a:r>
+              <a:rPr lang="en-US" sz="1400" err="1"/>
+              <a:t>Plotly</a:t>
+            </a:r>
+            <a:r>
+              <a:rPr lang="en-US" sz="1400" dirty="0"/>
+              <a:t> Express.</a:t>
+            </a:r>
+          </a:p>
+        </p:txBody>
+      </p:sp>
+      <p:pic>
+        <p:nvPicPr>
+          <p:cNvPr id="15" name="Picture 14" descr="A screenshot of a computer program&#10;&#10;AI-generated content may be incorrect.">
+            <a:extLst>
+              <a:ext uri="{FF2B5EF4-FFF2-40B4-BE49-F238E27FC236}">
+                <a16:creationId xmlns:a16="http://schemas.microsoft.com/office/drawing/2014/main" id="{B693B519-E718-BA3A-E92A-A4D82CF0004E}"/>
+              </a:ext>
+            </a:extLst>
+          </p:cNvPr>
+          <p:cNvPicPr>
+            <a:picLocks noChangeAspect="1"/>
+          </p:cNvPicPr>
+          <p:nvPr/>
+        </p:nvPicPr>
+        <p:blipFill>
+          <a:blip r:embed="rId3"/>
+          <a:stretch>
+            <a:fillRect/>
+          </a:stretch>
+        </p:blipFill>
+        <p:spPr>
+          <a:xfrm>
+            <a:off x="610003" y="2040771"/>
+            <a:ext cx="4256061" cy="4042152"/>
+          </a:xfrm>
+          <a:prstGeom prst="rect">
+            <a:avLst/>
+          </a:prstGeom>
+        </p:spPr>
+      </p:pic>
+    </p:spTree>
+    <p:extLst>
+      <p:ext uri="{BB962C8B-B14F-4D97-AF65-F5344CB8AC3E}">
+        <p14:creationId xmlns:p14="http://schemas.microsoft.com/office/powerpoint/2010/main" val="3667998280"/>
+      </p:ext>
+    </p:extLst>
+  </p:cSld>
+  <p:clrMapOvr>
+    <a:masterClrMapping/>
+  </p:clrMapOvr>
+</p:sld>
+</file>
+
+<file path=ppt/slides/slide6.xml><?xml version="1.0" encoding="utf-8"?>
+<p:sld xmlns:a="http://schemas.openxmlformats.org/drawingml/2006/main" xmlns:r="http://schemas.openxmlformats.org/officeDocument/2006/relationships" xmlns:p="http://schemas.openxmlformats.org/presentationml/2006/main">
+  <p:cSld>
+    <p:spTree>
+      <p:nvGrpSpPr>
+        <p:cNvPr id="1" name=""/>
+        <p:cNvGrpSpPr/>
+        <p:nvPr/>
+      </p:nvGrpSpPr>
+      <p:grpSpPr>
+        <a:xfrm>
+          <a:off x="0" y="0"/>
+          <a:ext cx="0" cy="0"/>
+          <a:chOff x="0" y="0"/>
+          <a:chExt cx="0" cy="0"/>
+        </a:xfrm>
+      </p:grpSpPr>
+      <p:sp>
+        <p:nvSpPr>
+          <p:cNvPr id="2" name="Title 1">
+            <a:extLst>
+              <a:ext uri="{FF2B5EF4-FFF2-40B4-BE49-F238E27FC236}">
+                <a16:creationId xmlns:a16="http://schemas.microsoft.com/office/drawing/2014/main" id="{D4A847F5-FE7F-970F-30A8-F14DC30F0298}"/>
+              </a:ext>
+            </a:extLst>
+          </p:cNvPr>
+          <p:cNvSpPr>
+            <a:spLocks noGrp="1"/>
+          </p:cNvSpPr>
+          <p:nvPr>
+            <p:ph type="title"/>
+          </p:nvPr>
+        </p:nvSpPr>
+        <p:spPr/>
+        <p:txBody>
+          <a:bodyPr vert="horz" lIns="91440" tIns="45720" rIns="91440" bIns="45720" rtlCol="0" anchor="ctr">
+            <a:normAutofit/>
+          </a:bodyPr>
+          <a:lstStyle/>
+          <a:p>
+            <a:pPr>
+              <a:lnSpc>
+                <a:spcPct val="90000"/>
+              </a:lnSpc>
+            </a:pPr>
+            <a:r>
+              <a:rPr lang="en-US" sz="2900" dirty="0"/>
+              <a:t>Visual 2 - </a:t>
+            </a:r>
+            <a:r>
+              <a:rPr lang="en-US" sz="2900" dirty="0">
+                <a:ea typeface="+mj-lt"/>
+                <a:cs typeface="+mj-lt"/>
+              </a:rPr>
+              <a:t>Word Cloud of Most Prescribed Medicines</a:t>
+            </a:r>
+          </a:p>
+        </p:txBody>
+      </p:sp>
+      <p:sp>
+        <p:nvSpPr>
+          <p:cNvPr id="27" name="Text Placeholder 3">
+            <a:extLst>
+              <a:ext uri="{FF2B5EF4-FFF2-40B4-BE49-F238E27FC236}">
+                <a16:creationId xmlns:a16="http://schemas.microsoft.com/office/drawing/2014/main" id="{845D7DA4-0A30-F667-174F-8A99022B50FE}"/>
+              </a:ext>
+            </a:extLst>
+          </p:cNvPr>
+          <p:cNvSpPr>
+            <a:spLocks noGrp="1"/>
+          </p:cNvSpPr>
+          <p:nvPr>
+            <p:ph idx="1"/>
+          </p:nvPr>
+        </p:nvSpPr>
+        <p:spPr>
+          <a:xfrm>
+            <a:off x="520582" y="2237942"/>
+            <a:ext cx="2527252" cy="1522999"/>
+          </a:xfrm>
+        </p:spPr>
+        <p:txBody>
+          <a:bodyPr vert="horz" lIns="91440" tIns="45720" rIns="91440" bIns="45720" rtlCol="0" anchor="t">
+            <a:normAutofit/>
+          </a:bodyPr>
+          <a:lstStyle/>
+          <a:p>
+            <a:pPr marL="0" indent="0">
+              <a:buNone/>
+            </a:pPr>
+            <a:r>
+              <a:rPr lang="en-US" sz="1600" dirty="0">
+                <a:ea typeface="+mn-lt"/>
+                <a:cs typeface="+mn-lt"/>
+              </a:rPr>
+              <a:t>This visualization is a word cloud showcasing the top 50 most prescribed </a:t>
+            </a:r>
+            <a:r>
+              <a:rPr lang="en-US" sz="1600">
+                <a:ea typeface="+mn-lt"/>
+                <a:cs typeface="+mn-lt"/>
+              </a:rPr>
+              <a:t>medications.</a:t>
+            </a:r>
+            <a:endParaRPr lang="en-US" sz="1600" dirty="0"/>
+          </a:p>
+        </p:txBody>
+      </p:sp>
+      <p:sp>
+        <p:nvSpPr>
+          <p:cNvPr id="28" name="Date Placeholder 4">
+            <a:extLst>
+              <a:ext uri="{FF2B5EF4-FFF2-40B4-BE49-F238E27FC236}">
+                <a16:creationId xmlns:a16="http://schemas.microsoft.com/office/drawing/2014/main" id="{7A6840E9-E4CF-DCC4-9B0D-7D4B8FDC3F5A}"/>
+              </a:ext>
+            </a:extLst>
+          </p:cNvPr>
+          <p:cNvSpPr>
+            <a:spLocks noGrp="1"/>
+          </p:cNvSpPr>
+          <p:nvPr>
+            <p:ph type="dt" sz="half" idx="10"/>
+          </p:nvPr>
+        </p:nvSpPr>
+        <p:spPr/>
+        <p:txBody>
+          <a:bodyPr/>
+          <a:lstStyle/>
+          <a:p>
+            <a:pPr>
+              <a:spcAft>
+                <a:spcPts val="600"/>
+              </a:spcAft>
+            </a:pPr>
+            <a:fld id="{C7DB37F9-8192-43C5-8AD8-3A3669843520}" type="datetime1">
+              <a:pPr>
+                <a:spcAft>
+                  <a:spcPts val="600"/>
+                </a:spcAft>
+              </a:pPr>
+              <a:t>1/27/2025</a:t>
+            </a:fld>
+            <a:endParaRPr lang="en-US"/>
+          </a:p>
+        </p:txBody>
+      </p:sp>
+      <p:sp>
+        <p:nvSpPr>
+          <p:cNvPr id="29" name="Footer Placeholder 5">
+            <a:extLst>
+              <a:ext uri="{FF2B5EF4-FFF2-40B4-BE49-F238E27FC236}">
+                <a16:creationId xmlns:a16="http://schemas.microsoft.com/office/drawing/2014/main" id="{33BFA14B-AF0A-16F8-9A2F-D4A1F799D935}"/>
+              </a:ext>
+            </a:extLst>
+          </p:cNvPr>
+          <p:cNvSpPr>
+            <a:spLocks noGrp="1"/>
+          </p:cNvSpPr>
+          <p:nvPr>
+            <p:ph type="ftr" sz="quarter" idx="11"/>
+          </p:nvPr>
+        </p:nvSpPr>
+        <p:spPr/>
+        <p:txBody>
+          <a:bodyPr/>
+          <a:lstStyle/>
+          <a:p>
+            <a:endParaRPr lang="en-US"/>
+          </a:p>
+        </p:txBody>
+      </p:sp>
+      <p:sp>
+        <p:nvSpPr>
+          <p:cNvPr id="30" name="Slide Number Placeholder 6">
+            <a:extLst>
+              <a:ext uri="{FF2B5EF4-FFF2-40B4-BE49-F238E27FC236}">
+                <a16:creationId xmlns:a16="http://schemas.microsoft.com/office/drawing/2014/main" id="{B9FC7F56-BFF9-92C8-CFE9-7DD25BADAF55}"/>
+              </a:ext>
+            </a:extLst>
+          </p:cNvPr>
+          <p:cNvSpPr>
+            <a:spLocks noGrp="1"/>
+          </p:cNvSpPr>
+          <p:nvPr>
+            <p:ph type="sldNum" sz="quarter" idx="12"/>
+          </p:nvPr>
+        </p:nvSpPr>
+        <p:spPr/>
+        <p:txBody>
+          <a:bodyPr/>
+          <a:lstStyle/>
+          <a:p>
+            <a:pPr>
+              <a:spcAft>
+                <a:spcPts val="600"/>
+              </a:spcAft>
+            </a:pPr>
+            <a:fld id="{A65A5C87-DF58-40C8-B092-1DE63DB4547E}" type="slidenum">
+              <a:rPr lang="en-US" dirty="0"/>
+              <a:pPr>
+                <a:spcAft>
+                  <a:spcPts val="600"/>
+                </a:spcAft>
+              </a:pPr>
+              <a:t>6</a:t>
+            </a:fld>
+            <a:endParaRPr lang="en-US"/>
+          </a:p>
+        </p:txBody>
+      </p:sp>
+      <p:pic>
+        <p:nvPicPr>
+          <p:cNvPr id="3" name="Picture 2" descr="A close up of words&#10;&#10;AI-generated content may be incorrect.">
+            <a:extLst>
+              <a:ext uri="{FF2B5EF4-FFF2-40B4-BE49-F238E27FC236}">
+                <a16:creationId xmlns:a16="http://schemas.microsoft.com/office/drawing/2014/main" id="{BB552D2E-7FEB-FC4C-FD0F-9E6955DAB034}"/>
+              </a:ext>
+            </a:extLst>
+          </p:cNvPr>
+          <p:cNvPicPr>
+            <a:picLocks noChangeAspect="1"/>
+          </p:cNvPicPr>
+          <p:nvPr/>
+        </p:nvPicPr>
+        <p:blipFill>
+          <a:blip r:embed="rId2"/>
+          <a:stretch>
+            <a:fillRect/>
+          </a:stretch>
+        </p:blipFill>
+        <p:spPr>
+          <a:xfrm>
+            <a:off x="3749457" y="2238115"/>
+            <a:ext cx="7177415" cy="3811828"/>
+          </a:xfrm>
+          <a:prstGeom prst="rect">
+            <a:avLst/>
+          </a:prstGeom>
+        </p:spPr>
+      </p:pic>
+    </p:spTree>
+    <p:extLst>
+      <p:ext uri="{BB962C8B-B14F-4D97-AF65-F5344CB8AC3E}">
+        <p14:creationId xmlns:p14="http://schemas.microsoft.com/office/powerpoint/2010/main" val="3068163590"/>
+      </p:ext>
+    </p:extLst>
+  </p:cSld>
+  <p:clrMapOvr>
+    <a:masterClrMapping/>
+  </p:clrMapOvr>
+</p:sld>
+</file>
+
+<file path=ppt/slides/slide7.xml><?xml version="1.0" encoding="utf-8"?>
+<p:sld xmlns:a="http://schemas.openxmlformats.org/drawingml/2006/main" xmlns:r="http://schemas.openxmlformats.org/officeDocument/2006/relationships" xmlns:p="http://schemas.openxmlformats.org/presentationml/2006/main">
+  <p:cSld>
+    <p:spTree>
+      <p:nvGrpSpPr>
+        <p:cNvPr id="1" name=""/>
+        <p:cNvGrpSpPr/>
+        <p:nvPr/>
+      </p:nvGrpSpPr>
+      <p:grpSpPr>
+        <a:xfrm>
+          <a:off x="0" y="0"/>
+          <a:ext cx="0" cy="0"/>
+          <a:chOff x="0" y="0"/>
+          <a:chExt cx="0" cy="0"/>
+        </a:xfrm>
+      </p:grpSpPr>
+      <p:sp>
+        <p:nvSpPr>
+          <p:cNvPr id="2" name="Title 1">
+            <a:extLst>
+              <a:ext uri="{FF2B5EF4-FFF2-40B4-BE49-F238E27FC236}">
+                <a16:creationId xmlns:a16="http://schemas.microsoft.com/office/drawing/2014/main" id="{BF65AC6B-C37F-8594-FB87-8458012C9F88}"/>
+              </a:ext>
+            </a:extLst>
+          </p:cNvPr>
+          <p:cNvSpPr>
+            <a:spLocks noGrp="1"/>
+          </p:cNvSpPr>
+          <p:nvPr>
+            <p:ph type="title"/>
+          </p:nvPr>
+        </p:nvSpPr>
+        <p:spPr/>
+        <p:txBody>
+          <a:bodyPr/>
+          <a:lstStyle/>
+          <a:p>
+            <a:r>
+              <a:rPr lang="en-US" dirty="0"/>
+              <a:t>Visual 2 - </a:t>
+            </a:r>
+            <a:r>
+              <a:rPr lang="en-US" dirty="0">
+                <a:ea typeface="+mj-lt"/>
+                <a:cs typeface="+mj-lt"/>
+              </a:rPr>
+              <a:t>How to recreate</a:t>
+            </a:r>
+          </a:p>
+        </p:txBody>
+      </p:sp>
+      <p:sp>
+        <p:nvSpPr>
+          <p:cNvPr id="5" name="Date Placeholder 4">
+            <a:extLst>
+              <a:ext uri="{FF2B5EF4-FFF2-40B4-BE49-F238E27FC236}">
+                <a16:creationId xmlns:a16="http://schemas.microsoft.com/office/drawing/2014/main" id="{5D92F13A-6320-B67E-23B2-8F0D6BEC30F6}"/>
+              </a:ext>
+            </a:extLst>
+          </p:cNvPr>
+          <p:cNvSpPr>
+            <a:spLocks noGrp="1"/>
+          </p:cNvSpPr>
+          <p:nvPr>
+            <p:ph type="dt" sz="half" idx="10"/>
+          </p:nvPr>
+        </p:nvSpPr>
+        <p:spPr/>
+        <p:txBody>
+          <a:bodyPr/>
+          <a:lstStyle/>
+          <a:p>
+            <a:fld id="{A20EE442-7E2D-4B98-9210-7F067E6F4EDF}" type="datetime1">
+              <a:t>1/27/2025</a:t>
+            </a:fld>
+            <a:endParaRPr lang="en-US" dirty="0"/>
+          </a:p>
+        </p:txBody>
+      </p:sp>
+      <p:sp>
+        <p:nvSpPr>
+          <p:cNvPr id="6" name="Footer Placeholder 5">
+            <a:extLst>
+              <a:ext uri="{FF2B5EF4-FFF2-40B4-BE49-F238E27FC236}">
+                <a16:creationId xmlns:a16="http://schemas.microsoft.com/office/drawing/2014/main" id="{74AA2136-DCE3-3C43-480E-69E0B597C6BC}"/>
+              </a:ext>
+            </a:extLst>
+          </p:cNvPr>
+          <p:cNvSpPr>
+            <a:spLocks noGrp="1"/>
+          </p:cNvSpPr>
+          <p:nvPr>
+            <p:ph type="ftr" sz="quarter" idx="11"/>
+          </p:nvPr>
+        </p:nvSpPr>
+        <p:spPr/>
+        <p:txBody>
+          <a:bodyPr/>
+          <a:lstStyle/>
+          <a:p>
+            <a:endParaRPr lang="en-US" dirty="0"/>
+          </a:p>
+        </p:txBody>
+      </p:sp>
+      <p:sp>
+        <p:nvSpPr>
+          <p:cNvPr id="7" name="Slide Number Placeholder 6">
+            <a:extLst>
+              <a:ext uri="{FF2B5EF4-FFF2-40B4-BE49-F238E27FC236}">
+                <a16:creationId xmlns:a16="http://schemas.microsoft.com/office/drawing/2014/main" id="{3555EC99-46B4-888B-5297-AB12D7AB4C0C}"/>
+              </a:ext>
+            </a:extLst>
+          </p:cNvPr>
+          <p:cNvSpPr>
+            <a:spLocks noGrp="1"/>
+          </p:cNvSpPr>
+          <p:nvPr>
+            <p:ph type="sldNum" sz="quarter" idx="12"/>
+          </p:nvPr>
+        </p:nvSpPr>
+        <p:spPr/>
+        <p:txBody>
+          <a:bodyPr/>
+          <a:lstStyle/>
+          <a:p>
+            <a:fld id="{A65A5C87-DF58-40C8-B092-1DE63DB4547E}" type="slidenum">
+              <a:rPr lang="en-US" dirty="0"/>
+              <a:t>7</a:t>
+            </a:fld>
+            <a:endParaRPr lang="en-US" dirty="0"/>
+          </a:p>
+        </p:txBody>
+      </p:sp>
+      <p:sp>
+        <p:nvSpPr>
+          <p:cNvPr id="11" name="TextBox 10">
+            <a:extLst>
+              <a:ext uri="{FF2B5EF4-FFF2-40B4-BE49-F238E27FC236}">
+                <a16:creationId xmlns:a16="http://schemas.microsoft.com/office/drawing/2014/main" id="{38CFB88B-D0EC-A75F-1E88-435A3BA984DA}"/>
+              </a:ext>
+            </a:extLst>
+          </p:cNvPr>
+          <p:cNvSpPr txBox="1"/>
+          <p:nvPr/>
+        </p:nvSpPr>
+        <p:spPr>
+          <a:xfrm>
+            <a:off x="8147336" y="2834291"/>
+            <a:ext cx="3550754" cy="1661993"/>
+          </a:xfrm>
+          <a:prstGeom prst="rect">
+            <a:avLst/>
+          </a:prstGeom>
+        </p:spPr>
+        <p:style>
+          <a:lnRef idx="2">
+            <a:schemeClr val="accent1"/>
+          </a:lnRef>
+          <a:fillRef idx="1">
+            <a:schemeClr val="lt1"/>
+          </a:fillRef>
+          <a:effectRef idx="0">
+            <a:schemeClr val="accent1"/>
+          </a:effectRef>
+          <a:fontRef idx="minor">
+            <a:schemeClr val="dk1"/>
+          </a:fontRef>
+        </p:style>
+        <p:txBody>
+          <a:bodyPr rot="0" spcFirstLastPara="0" vertOverflow="overflow" horzOverflow="overflow" vert="horz" wrap="square" lIns="91440" tIns="45720" rIns="91440" bIns="45720" numCol="1" spcCol="0" rtlCol="0" fromWordArt="0" anchor="t" anchorCtr="0" forceAA="0" compatLnSpc="1">
+            <a:prstTxWarp prst="textNoShape">
+              <a:avLst/>
+            </a:prstTxWarp>
+            <a:spAutoFit/>
+          </a:bodyPr>
+          <a:lstStyle/>
+          <a:p>
+            <a:r>
+              <a:rPr lang="en-US" sz="1400" dirty="0">
+                <a:ea typeface="+mn-lt"/>
+                <a:cs typeface="+mn-lt"/>
+              </a:rPr>
+              <a:t>Extract the top 50 most prescribed medication names and their counts from the dataset. Create and display a word cloud using the frequency of these medications, with larger font sizes representing higher prescription counts.</a:t>
+            </a:r>
+            <a:endParaRPr lang="en-US"/>
+          </a:p>
+          <a:p>
+            <a:pPr marL="285750" indent="-285750">
+              <a:buFont typeface="Arial"/>
+              <a:buChar char="•"/>
+            </a:pPr>
+            <a:endParaRPr lang="en-US"/>
+          </a:p>
+        </p:txBody>
+      </p:sp>
+      <p:pic>
+        <p:nvPicPr>
+          <p:cNvPr id="4" name="Picture 3" descr="A screenshot of a computer code&#10;&#10;AI-generated content may be incorrect.">
+            <a:extLst>
+              <a:ext uri="{FF2B5EF4-FFF2-40B4-BE49-F238E27FC236}">
+                <a16:creationId xmlns:a16="http://schemas.microsoft.com/office/drawing/2014/main" id="{4744300E-8AA2-9915-8C28-B6889F3F75C5}"/>
+              </a:ext>
+            </a:extLst>
+          </p:cNvPr>
+          <p:cNvPicPr>
+            <a:picLocks noChangeAspect="1"/>
+          </p:cNvPicPr>
+          <p:nvPr/>
+        </p:nvPicPr>
+        <p:blipFill>
+          <a:blip r:embed="rId2"/>
+          <a:stretch>
+            <a:fillRect/>
+          </a:stretch>
+        </p:blipFill>
+        <p:spPr>
+          <a:xfrm>
+            <a:off x="722044" y="2837481"/>
+            <a:ext cx="7105812" cy="2061275"/>
+          </a:xfrm>
+          <a:prstGeom prst="rect">
+            <a:avLst/>
+          </a:prstGeom>
+        </p:spPr>
+      </p:pic>
+    </p:spTree>
+    <p:extLst>
+      <p:ext uri="{BB962C8B-B14F-4D97-AF65-F5344CB8AC3E}">
+        <p14:creationId xmlns:p14="http://schemas.microsoft.com/office/powerpoint/2010/main" val="2469089735"/>
+      </p:ext>
+    </p:extLst>
+  </p:cSld>
+  <p:clrMapOvr>
+    <a:masterClrMapping/>
+  </p:clrMapOvr>
+</p:sld>
+</file>
+
+<file path=ppt/slides/slide8.xml><?xml version="1.0" encoding="utf-8"?>
+<p:sld xmlns:a="http://schemas.openxmlformats.org/drawingml/2006/main" xmlns:r="http://schemas.openxmlformats.org/officeDocument/2006/relationships" xmlns:p="http://schemas.openxmlformats.org/presentationml/2006/main">
+  <p:cSld>
+    <p:spTree>
+      <p:nvGrpSpPr>
+        <p:cNvPr id="1" name=""/>
+        <p:cNvGrpSpPr/>
+        <p:nvPr/>
+      </p:nvGrpSpPr>
+      <p:grpSpPr>
+        <a:xfrm>
+          <a:off x="0" y="0"/>
+          <a:ext cx="0" cy="0"/>
+          <a:chOff x="0" y="0"/>
+          <a:chExt cx="0" cy="0"/>
+        </a:xfrm>
+      </p:grpSpPr>
+      <p:sp>
+        <p:nvSpPr>
+          <p:cNvPr id="2" name="Title 1">
+            <a:extLst>
+              <a:ext uri="{FF2B5EF4-FFF2-40B4-BE49-F238E27FC236}">
+                <a16:creationId xmlns:a16="http://schemas.microsoft.com/office/drawing/2014/main" id="{D4A847F5-FE7F-970F-30A8-F14DC30F0298}"/>
+              </a:ext>
+            </a:extLst>
+          </p:cNvPr>
+          <p:cNvSpPr>
+            <a:spLocks noGrp="1"/>
+          </p:cNvSpPr>
+          <p:nvPr>
+            <p:ph type="title"/>
+          </p:nvPr>
+        </p:nvSpPr>
+        <p:spPr/>
+        <p:txBody>
+          <a:bodyPr vert="horz" lIns="91440" tIns="45720" rIns="91440" bIns="45720" rtlCol="0" anchor="t">
+            <a:normAutofit fontScale="90000"/>
+          </a:bodyPr>
+          <a:lstStyle/>
+          <a:p>
+            <a:pPr>
+              <a:lnSpc>
+                <a:spcPct val="90000"/>
+              </a:lnSpc>
+            </a:pPr>
+            <a:r>
+              <a:rPr lang="en-US" sz="2900" dirty="0"/>
+              <a:t>Visual 3 - </a:t>
+            </a:r>
+            <a:r>
+              <a:rPr lang="en-US" sz="2900" dirty="0">
+                <a:ea typeface="+mj-lt"/>
+                <a:cs typeface="+mj-lt"/>
+              </a:rPr>
+              <a:t>Average Length of Stay by Care Unit and Year (ICD Code Filtered)"</a:t>
+            </a:r>
+            <a:endParaRPr lang="en-US" dirty="0">
+              <a:solidFill>
+                <a:srgbClr val="000000"/>
+              </a:solidFill>
+              <a:latin typeface="Avenir Next LT Pro"/>
+              <a:ea typeface="Roboto"/>
+              <a:cs typeface="Roboto"/>
+            </a:endParaRPr>
+          </a:p>
+          <a:p>
+            <a:pPr>
+              <a:lnSpc>
+                <a:spcPct val="90000"/>
+              </a:lnSpc>
+            </a:pPr>
+            <a:endParaRPr lang="en-US" sz="2900" dirty="0"/>
+          </a:p>
+          <a:p>
+            <a:pPr>
+              <a:lnSpc>
+                <a:spcPct val="90000"/>
+              </a:lnSpc>
+            </a:pPr>
+            <a:endParaRPr lang="en-US" sz="2900" dirty="0"/>
+          </a:p>
+        </p:txBody>
+      </p:sp>
+      <p:sp>
+        <p:nvSpPr>
+          <p:cNvPr id="5" name="Content Placeholder 4">
+            <a:extLst>
+              <a:ext uri="{FF2B5EF4-FFF2-40B4-BE49-F238E27FC236}">
+                <a16:creationId xmlns:a16="http://schemas.microsoft.com/office/drawing/2014/main" id="{C9570AEA-643A-2EE5-D654-3CA612BA10A2}"/>
+              </a:ext>
+            </a:extLst>
+          </p:cNvPr>
+          <p:cNvSpPr>
+            <a:spLocks noGrp="1"/>
+          </p:cNvSpPr>
+          <p:nvPr>
+            <p:ph idx="1"/>
+          </p:nvPr>
+        </p:nvSpPr>
+        <p:spPr/>
+        <p:txBody>
+          <a:bodyPr/>
+          <a:lstStyle/>
+          <a:p>
+            <a:endParaRPr lang="en-US"/>
+          </a:p>
+        </p:txBody>
+      </p:sp>
+      <p:sp>
+        <p:nvSpPr>
+          <p:cNvPr id="7" name="Text Placeholder 6">
+            <a:extLst>
+              <a:ext uri="{FF2B5EF4-FFF2-40B4-BE49-F238E27FC236}">
+                <a16:creationId xmlns:a16="http://schemas.microsoft.com/office/drawing/2014/main" id="{94241D7E-01EF-61AA-BE63-BBA0F9F679B0}"/>
+              </a:ext>
+            </a:extLst>
+          </p:cNvPr>
+          <p:cNvSpPr>
+            <a:spLocks noGrp="1"/>
+          </p:cNvSpPr>
+          <p:nvPr>
+            <p:ph type="body" sz="half" idx="2"/>
+          </p:nvPr>
+        </p:nvSpPr>
+        <p:spPr>
+          <a:xfrm>
+            <a:off x="933256" y="3609814"/>
+            <a:ext cx="3099816" cy="2066544"/>
+          </a:xfrm>
+        </p:spPr>
+        <p:txBody>
+          <a:bodyPr vert="horz" lIns="91440" tIns="45720" rIns="91440" bIns="45720" rtlCol="0" anchor="t">
+            <a:normAutofit/>
+          </a:bodyPr>
+          <a:lstStyle/>
+          <a:p>
+            <a:r>
+              <a:rPr lang="en-US" sz="1600" dirty="0"/>
+              <a:t>This visualization is an interactive line chart created with Altair, analyzing the average length of stay (LOS) by care unit and year, dynamically filtered by ICD-9 codes.</a:t>
+            </a:r>
+            <a:endParaRPr lang="en-US" dirty="0"/>
+          </a:p>
+        </p:txBody>
+      </p:sp>
+      <p:sp>
+        <p:nvSpPr>
+          <p:cNvPr id="28" name="Date Placeholder 4">
+            <a:extLst>
+              <a:ext uri="{FF2B5EF4-FFF2-40B4-BE49-F238E27FC236}">
+                <a16:creationId xmlns:a16="http://schemas.microsoft.com/office/drawing/2014/main" id="{7A6840E9-E4CF-DCC4-9B0D-7D4B8FDC3F5A}"/>
+              </a:ext>
+            </a:extLst>
+          </p:cNvPr>
+          <p:cNvSpPr>
+            <a:spLocks noGrp="1"/>
+          </p:cNvSpPr>
+          <p:nvPr>
+            <p:ph type="dt" sz="half" idx="10"/>
+          </p:nvPr>
+        </p:nvSpPr>
+        <p:spPr/>
+        <p:txBody>
+          <a:bodyPr/>
+          <a:lstStyle/>
+          <a:p>
+            <a:pPr>
+              <a:spcAft>
+                <a:spcPts val="600"/>
+              </a:spcAft>
+            </a:pPr>
+            <a:fld id="{C7DB37F9-8192-43C5-8AD8-3A3669843520}" type="datetime1">
+              <a:pPr>
+                <a:spcAft>
+                  <a:spcPts val="600"/>
+                </a:spcAft>
+              </a:pPr>
+              <a:t>1/27/2025</a:t>
+            </a:fld>
+            <a:endParaRPr lang="en-US"/>
+          </a:p>
+        </p:txBody>
+      </p:sp>
+      <p:sp>
+        <p:nvSpPr>
+          <p:cNvPr id="29" name="Footer Placeholder 5">
+            <a:extLst>
+              <a:ext uri="{FF2B5EF4-FFF2-40B4-BE49-F238E27FC236}">
+                <a16:creationId xmlns:a16="http://schemas.microsoft.com/office/drawing/2014/main" id="{33BFA14B-AF0A-16F8-9A2F-D4A1F799D935}"/>
+              </a:ext>
+            </a:extLst>
+          </p:cNvPr>
+          <p:cNvSpPr>
+            <a:spLocks noGrp="1"/>
+          </p:cNvSpPr>
+          <p:nvPr>
+            <p:ph type="ftr" sz="quarter" idx="11"/>
+          </p:nvPr>
+        </p:nvSpPr>
+        <p:spPr/>
+        <p:txBody>
+          <a:bodyPr/>
+          <a:lstStyle/>
+          <a:p>
+            <a:endParaRPr lang="en-US"/>
+          </a:p>
+        </p:txBody>
+      </p:sp>
+      <p:sp>
+        <p:nvSpPr>
+          <p:cNvPr id="30" name="Slide Number Placeholder 6">
+            <a:extLst>
+              <a:ext uri="{FF2B5EF4-FFF2-40B4-BE49-F238E27FC236}">
+                <a16:creationId xmlns:a16="http://schemas.microsoft.com/office/drawing/2014/main" id="{B9FC7F56-BFF9-92C8-CFE9-7DD25BADAF55}"/>
+              </a:ext>
+            </a:extLst>
+          </p:cNvPr>
+          <p:cNvSpPr>
+            <a:spLocks noGrp="1"/>
+          </p:cNvSpPr>
+          <p:nvPr>
+            <p:ph type="sldNum" sz="quarter" idx="12"/>
+          </p:nvPr>
+        </p:nvSpPr>
+        <p:spPr/>
+        <p:txBody>
+          <a:bodyPr/>
+          <a:lstStyle/>
+          <a:p>
+            <a:pPr>
+              <a:spcAft>
+                <a:spcPts val="600"/>
+              </a:spcAft>
+            </a:pPr>
+            <a:fld id="{A65A5C87-DF58-40C8-B092-1DE63DB4547E}" type="slidenum">
+              <a:rPr lang="en-US" dirty="0"/>
+              <a:pPr>
+                <a:spcAft>
+                  <a:spcPts val="600"/>
+                </a:spcAft>
+              </a:pPr>
+              <a:t>8</a:t>
             </a:fld>
             <a:endParaRPr lang="en-US"/>
           </a:p>
@@ -6731,7 +9892,7 @@
 </p:sld>
 </file>
 
-<file path=ppt/slides/slide11.xml><?xml version="1.0" encoding="utf-8"?>
+<file path=ppt/slides/slide9.xml><?xml version="1.0" encoding="utf-8"?>
 <p:sld xmlns:a="http://schemas.openxmlformats.org/drawingml/2006/main" xmlns:r="http://schemas.openxmlformats.org/officeDocument/2006/relationships" xmlns:p="http://schemas.openxmlformats.org/presentationml/2006/main">
   <p:cSld>
     <p:spTree>
@@ -6771,7 +9932,7 @@
           <a:p>
             <a:r>
               <a:rPr lang="en-US" dirty="0"/>
-              <a:t>Visual 4 - </a:t>
+              <a:t>Visual 3 - </a:t>
             </a:r>
             <a:r>
               <a:rPr lang="en-US" dirty="0">
@@ -6806,7 +9967,7 @@
           <a:p>
             <a:fld id="{A20EE442-7E2D-4B98-9210-7F067E6F4EDF}" type="datetime1">
               <a:rPr lang="en-US"/>
-              <a:t>1/24/2025</a:t>
+              <a:t>1/27/2025</a:t>
             </a:fld>
             <a:endParaRPr lang="en-US" dirty="0"/>
           </a:p>
@@ -6860,7 +10021,7 @@
           <a:p>
             <a:fld id="{A65A5C87-DF58-40C8-B092-1DE63DB4547E}" type="slidenum">
               <a:rPr lang="en-US" dirty="0"/>
-              <a:t>11</a:t>
+              <a:t>9</a:t>
             </a:fld>
             <a:endParaRPr lang="en-US" dirty="0"/>
           </a:p>
@@ -6881,13 +10042,26 @@
         <p:spPr>
           <a:xfrm>
             <a:off x="8263573" y="2291850"/>
-            <a:ext cx="3550754" cy="3416320"/>
+            <a:ext cx="3550754" cy="2600712"/>
           </a:xfrm>
           <a:prstGeom prst="rect">
             <a:avLst/>
           </a:prstGeom>
-          <a:noFill/>
         </p:spPr>
+        <p:style>
+          <a:lnRef idx="2">
+            <a:schemeClr val="accent1"/>
+          </a:lnRef>
+          <a:fillRef idx="1">
+            <a:schemeClr val="lt1"/>
+          </a:fillRef>
+          <a:effectRef idx="0">
+            <a:schemeClr val="accent1"/>
+          </a:effectRef>
+          <a:fontRef idx="minor">
+            <a:schemeClr val="dk1"/>
+          </a:fontRef>
+        </p:style>
         <p:txBody>
           <a:bodyPr rot="0" spcFirstLastPara="0" vertOverflow="overflow" horzOverflow="overflow" vert="horz" wrap="square" lIns="91440" tIns="45720" rIns="91440" bIns="45720" numCol="1" spcCol="0" rtlCol="0" fromWordArt="0" anchor="t" anchorCtr="0" forceAA="0" compatLnSpc="1">
             <a:prstTxWarp prst="textNoShape">
@@ -6902,13 +10076,13 @@
               <a:buChar char="•"/>
             </a:pPr>
             <a:r>
-              <a:rPr lang="en-US" dirty="0">
+              <a:rPr lang="en-US" sz="1400" dirty="0">
                 <a:ea typeface="+mn-lt"/>
                 <a:cs typeface="+mn-lt"/>
               </a:rPr>
               <a:t>Converts ICU stay times to datetime format and extracts the year and merges ICU stay data with ICD-9 diagnosis codes.</a:t>
             </a:r>
-            <a:endParaRPr lang="en-US" dirty="0"/>
+            <a:endParaRPr lang="en-US" sz="1400"/>
           </a:p>
           <a:p>
             <a:pPr marL="285750" indent="-285750">
@@ -6916,13 +10090,13 @@
               <a:buChar char="•"/>
             </a:pPr>
             <a:r>
-              <a:rPr lang="en-US" dirty="0">
+              <a:rPr lang="en-US" sz="1400" dirty="0">
                 <a:ea typeface="+mn-lt"/>
                 <a:cs typeface="+mn-lt"/>
               </a:rPr>
               <a:t>Calculates the mean LOS for each care unit and year.</a:t>
             </a:r>
-            <a:endParaRPr lang="en-US"/>
+            <a:endParaRPr lang="en-US" sz="1400"/>
           </a:p>
           <a:p>
             <a:pPr marL="285750" indent="-285750">
@@ -6930,13 +10104,27 @@
               <a:buChar char="•"/>
             </a:pPr>
             <a:r>
-              <a:rPr lang="en-US" dirty="0">
+              <a:rPr lang="en-US" sz="1400" dirty="0">
                 <a:ea typeface="+mn-lt"/>
                 <a:cs typeface="+mn-lt"/>
               </a:rPr>
-              <a:t>Creates and display a line chart showing trends in LOS by care unit and year with selection box for ICD-9 code.</a:t>
-            </a:r>
-            <a:endParaRPr lang="en-US" dirty="0"/>
+              <a:t>Creates and display a line chart(</a:t>
+            </a:r>
+            <a:r>
+              <a:rPr lang="en-US" sz="1400" dirty="0" err="1">
+                <a:ea typeface="+mn-lt"/>
+                <a:cs typeface="+mn-lt"/>
+              </a:rPr>
+              <a:t>altair</a:t>
+            </a:r>
+            <a:r>
+              <a:rPr lang="en-US" sz="1400" dirty="0">
+                <a:ea typeface="+mn-lt"/>
+                <a:cs typeface="+mn-lt"/>
+              </a:rPr>
+              <a:t>) showing trends in LOS by care unit and year with selection box for ICD-9 code.</a:t>
+            </a:r>
+            <a:endParaRPr lang="en-US" sz="1400" dirty="0"/>
           </a:p>
           <a:p>
             <a:pPr marL="285750" indent="-285750">
@@ -6981,3147 +10169,6 @@
     <p:extLst>
       <p:ext uri="{BB962C8B-B14F-4D97-AF65-F5344CB8AC3E}">
         <p14:creationId xmlns:p14="http://schemas.microsoft.com/office/powerpoint/2010/main" val="2008372941"/>
-      </p:ext>
-    </p:extLst>
-  </p:cSld>
-  <p:clrMapOvr>
-    <a:masterClrMapping/>
-  </p:clrMapOvr>
-</p:sld>
-</file>
-
-<file path=ppt/slides/slide12.xml><?xml version="1.0" encoding="utf-8"?>
-<p:sld xmlns:a="http://schemas.openxmlformats.org/drawingml/2006/main" xmlns:r="http://schemas.openxmlformats.org/officeDocument/2006/relationships" xmlns:p="http://schemas.openxmlformats.org/presentationml/2006/main">
-  <p:cSld>
-    <p:spTree>
-      <p:nvGrpSpPr>
-        <p:cNvPr id="1" name=""/>
-        <p:cNvGrpSpPr/>
-        <p:nvPr/>
-      </p:nvGrpSpPr>
-      <p:grpSpPr>
-        <a:xfrm>
-          <a:off x="0" y="0"/>
-          <a:ext cx="0" cy="0"/>
-          <a:chOff x="0" y="0"/>
-          <a:chExt cx="0" cy="0"/>
-        </a:xfrm>
-      </p:grpSpPr>
-      <p:sp>
-        <p:nvSpPr>
-          <p:cNvPr id="2" name="Title 1">
-            <a:extLst>
-              <a:ext uri="{FF2B5EF4-FFF2-40B4-BE49-F238E27FC236}">
-                <a16:creationId xmlns:a16="http://schemas.microsoft.com/office/drawing/2014/main" id="{D4A847F5-FE7F-970F-30A8-F14DC30F0298}"/>
-              </a:ext>
-            </a:extLst>
-          </p:cNvPr>
-          <p:cNvSpPr>
-            <a:spLocks noGrp="1"/>
-          </p:cNvSpPr>
-          <p:nvPr>
-            <p:ph type="title"/>
-          </p:nvPr>
-        </p:nvSpPr>
-        <p:spPr/>
-        <p:txBody>
-          <a:bodyPr vert="horz" lIns="91440" tIns="45720" rIns="91440" bIns="45720" rtlCol="0" anchor="t">
-            <a:normAutofit/>
-          </a:bodyPr>
-          <a:lstStyle/>
-          <a:p>
-            <a:pPr>
-              <a:lnSpc>
-                <a:spcPct val="90000"/>
-              </a:lnSpc>
-            </a:pPr>
-            <a:r>
-              <a:rPr lang="en-US" sz="2900" dirty="0"/>
-              <a:t>Visual 5 - </a:t>
-            </a:r>
-            <a:r>
-              <a:rPr lang="en-US" sz="2000" dirty="0">
-                <a:solidFill>
-                  <a:srgbClr val="1F1F1F"/>
-                </a:solidFill>
-                <a:latin typeface="Roboto"/>
-                <a:ea typeface="Roboto"/>
-                <a:cs typeface="Roboto"/>
-              </a:rPr>
-              <a:t>Analysis of Death Counts by Diagnosis and Gender</a:t>
-            </a:r>
-            <a:endParaRPr lang="en-US" dirty="0">
-              <a:solidFill>
-                <a:srgbClr val="000000"/>
-              </a:solidFill>
-              <a:latin typeface="Avenir Next LT Pro"/>
-              <a:ea typeface="Roboto"/>
-              <a:cs typeface="Roboto"/>
-            </a:endParaRPr>
-          </a:p>
-          <a:p>
-            <a:pPr>
-              <a:lnSpc>
-                <a:spcPct val="90000"/>
-              </a:lnSpc>
-            </a:pPr>
-            <a:endParaRPr lang="en-US" sz="2900" dirty="0">
-              <a:solidFill>
-                <a:srgbClr val="000000"/>
-              </a:solidFill>
-              <a:latin typeface="Avenir Next LT Pro"/>
-              <a:ea typeface="Roboto"/>
-              <a:cs typeface="Roboto"/>
-            </a:endParaRPr>
-          </a:p>
-          <a:p>
-            <a:pPr>
-              <a:lnSpc>
-                <a:spcPct val="90000"/>
-              </a:lnSpc>
-            </a:pPr>
-            <a:endParaRPr lang="en-US" sz="2900" dirty="0"/>
-          </a:p>
-          <a:p>
-            <a:pPr>
-              <a:lnSpc>
-                <a:spcPct val="90000"/>
-              </a:lnSpc>
-            </a:pPr>
-            <a:endParaRPr lang="en-US" sz="2900" dirty="0"/>
-          </a:p>
-        </p:txBody>
-      </p:sp>
-      <p:sp>
-        <p:nvSpPr>
-          <p:cNvPr id="27" name="Text Placeholder 3">
-            <a:extLst>
-              <a:ext uri="{FF2B5EF4-FFF2-40B4-BE49-F238E27FC236}">
-                <a16:creationId xmlns:a16="http://schemas.microsoft.com/office/drawing/2014/main" id="{845D7DA4-0A30-F667-174F-8A99022B50FE}"/>
-              </a:ext>
-            </a:extLst>
-          </p:cNvPr>
-          <p:cNvSpPr>
-            <a:spLocks noGrp="1"/>
-          </p:cNvSpPr>
-          <p:nvPr>
-            <p:ph type="body" sz="half" idx="2"/>
-          </p:nvPr>
-        </p:nvSpPr>
-        <p:spPr>
-          <a:xfrm>
-            <a:off x="941748" y="2990589"/>
-            <a:ext cx="3099816" cy="2066544"/>
-          </a:xfrm>
-        </p:spPr>
-        <p:txBody>
-          <a:bodyPr vert="horz" lIns="91440" tIns="45720" rIns="91440" bIns="45720" rtlCol="0" anchor="t">
-            <a:normAutofit/>
-          </a:bodyPr>
-          <a:lstStyle/>
-          <a:p>
-            <a:r>
-              <a:rPr lang="en-US" dirty="0">
-                <a:ea typeface="+mn-lt"/>
-                <a:cs typeface="+mn-lt"/>
-              </a:rPr>
-              <a:t>This visualization represents deceased patients categorized by their diagnosis and gender.</a:t>
-            </a:r>
-          </a:p>
-        </p:txBody>
-      </p:sp>
-      <p:sp>
-        <p:nvSpPr>
-          <p:cNvPr id="28" name="Date Placeholder 4">
-            <a:extLst>
-              <a:ext uri="{FF2B5EF4-FFF2-40B4-BE49-F238E27FC236}">
-                <a16:creationId xmlns:a16="http://schemas.microsoft.com/office/drawing/2014/main" id="{7A6840E9-E4CF-DCC4-9B0D-7D4B8FDC3F5A}"/>
-              </a:ext>
-            </a:extLst>
-          </p:cNvPr>
-          <p:cNvSpPr>
-            <a:spLocks noGrp="1"/>
-          </p:cNvSpPr>
-          <p:nvPr>
-            <p:ph type="dt" sz="half" idx="10"/>
-          </p:nvPr>
-        </p:nvSpPr>
-        <p:spPr/>
-        <p:txBody>
-          <a:bodyPr/>
-          <a:lstStyle/>
-          <a:p>
-            <a:pPr>
-              <a:spcAft>
-                <a:spcPts val="600"/>
-              </a:spcAft>
-            </a:pPr>
-            <a:fld id="{C7DB37F9-8192-43C5-8AD8-3A3669843520}" type="datetime1">
-              <a:pPr>
-                <a:spcAft>
-                  <a:spcPts val="600"/>
-                </a:spcAft>
-              </a:pPr>
-              <a:t>1/24/2025</a:t>
-            </a:fld>
-            <a:endParaRPr lang="en-US"/>
-          </a:p>
-        </p:txBody>
-      </p:sp>
-      <p:sp>
-        <p:nvSpPr>
-          <p:cNvPr id="29" name="Footer Placeholder 5">
-            <a:extLst>
-              <a:ext uri="{FF2B5EF4-FFF2-40B4-BE49-F238E27FC236}">
-                <a16:creationId xmlns:a16="http://schemas.microsoft.com/office/drawing/2014/main" id="{33BFA14B-AF0A-16F8-9A2F-D4A1F799D935}"/>
-              </a:ext>
-            </a:extLst>
-          </p:cNvPr>
-          <p:cNvSpPr>
-            <a:spLocks noGrp="1"/>
-          </p:cNvSpPr>
-          <p:nvPr>
-            <p:ph type="ftr" sz="quarter" idx="11"/>
-          </p:nvPr>
-        </p:nvSpPr>
-        <p:spPr/>
-        <p:txBody>
-          <a:bodyPr/>
-          <a:lstStyle/>
-          <a:p>
-            <a:endParaRPr lang="en-US"/>
-          </a:p>
-        </p:txBody>
-      </p:sp>
-      <p:sp>
-        <p:nvSpPr>
-          <p:cNvPr id="30" name="Slide Number Placeholder 6">
-            <a:extLst>
-              <a:ext uri="{FF2B5EF4-FFF2-40B4-BE49-F238E27FC236}">
-                <a16:creationId xmlns:a16="http://schemas.microsoft.com/office/drawing/2014/main" id="{B9FC7F56-BFF9-92C8-CFE9-7DD25BADAF55}"/>
-              </a:ext>
-            </a:extLst>
-          </p:cNvPr>
-          <p:cNvSpPr>
-            <a:spLocks noGrp="1"/>
-          </p:cNvSpPr>
-          <p:nvPr>
-            <p:ph type="sldNum" sz="quarter" idx="12"/>
-          </p:nvPr>
-        </p:nvSpPr>
-        <p:spPr/>
-        <p:txBody>
-          <a:bodyPr/>
-          <a:lstStyle/>
-          <a:p>
-            <a:pPr>
-              <a:spcAft>
-                <a:spcPts val="600"/>
-              </a:spcAft>
-            </a:pPr>
-            <a:fld id="{A65A5C87-DF58-40C8-B092-1DE63DB4547E}" type="slidenum">
-              <a:rPr lang="en-US" dirty="0"/>
-              <a:pPr>
-                <a:spcAft>
-                  <a:spcPts val="600"/>
-                </a:spcAft>
-              </a:pPr>
-              <a:t>12</a:t>
-            </a:fld>
-            <a:endParaRPr lang="en-US"/>
-          </a:p>
-        </p:txBody>
-      </p:sp>
-      <p:pic>
-        <p:nvPicPr>
-          <p:cNvPr id="3" name="Picture 2" descr="A chart with text overlay&#10;&#10;AI-generated content may be incorrect.">
-            <a:extLst>
-              <a:ext uri="{FF2B5EF4-FFF2-40B4-BE49-F238E27FC236}">
-                <a16:creationId xmlns:a16="http://schemas.microsoft.com/office/drawing/2014/main" id="{39697780-6C72-5486-8A6E-5A8421D799D3}"/>
-              </a:ext>
-            </a:extLst>
-          </p:cNvPr>
-          <p:cNvPicPr>
-            <a:picLocks noChangeAspect="1"/>
-          </p:cNvPicPr>
-          <p:nvPr/>
-        </p:nvPicPr>
-        <p:blipFill>
-          <a:blip r:embed="rId2"/>
-          <a:stretch>
-            <a:fillRect/>
-          </a:stretch>
-        </p:blipFill>
-        <p:spPr>
-          <a:xfrm>
-            <a:off x="4603924" y="918555"/>
-            <a:ext cx="7301739" cy="5435418"/>
-          </a:xfrm>
-          <a:prstGeom prst="rect">
-            <a:avLst/>
-          </a:prstGeom>
-        </p:spPr>
-      </p:pic>
-    </p:spTree>
-    <p:extLst>
-      <p:ext uri="{BB962C8B-B14F-4D97-AF65-F5344CB8AC3E}">
-        <p14:creationId xmlns:p14="http://schemas.microsoft.com/office/powerpoint/2010/main" val="3106800038"/>
-      </p:ext>
-    </p:extLst>
-  </p:cSld>
-  <p:clrMapOvr>
-    <a:masterClrMapping/>
-  </p:clrMapOvr>
-</p:sld>
-</file>
-
-<file path=ppt/slides/slide13.xml><?xml version="1.0" encoding="utf-8"?>
-<p:sld xmlns:a="http://schemas.openxmlformats.org/drawingml/2006/main" xmlns:r="http://schemas.openxmlformats.org/officeDocument/2006/relationships" xmlns:p="http://schemas.openxmlformats.org/presentationml/2006/main">
-  <p:cSld>
-    <p:spTree>
-      <p:nvGrpSpPr>
-        <p:cNvPr id="1" name=""/>
-        <p:cNvGrpSpPr/>
-        <p:nvPr/>
-      </p:nvGrpSpPr>
-      <p:grpSpPr>
-        <a:xfrm>
-          <a:off x="0" y="0"/>
-          <a:ext cx="0" cy="0"/>
-          <a:chOff x="0" y="0"/>
-          <a:chExt cx="0" cy="0"/>
-        </a:xfrm>
-      </p:grpSpPr>
-      <p:sp>
-        <p:nvSpPr>
-          <p:cNvPr id="2" name="Title 1">
-            <a:extLst>
-              <a:ext uri="{FF2B5EF4-FFF2-40B4-BE49-F238E27FC236}">
-                <a16:creationId xmlns:a16="http://schemas.microsoft.com/office/drawing/2014/main" id="{BF65AC6B-C37F-8594-FB87-8458012C9F88}"/>
-              </a:ext>
-            </a:extLst>
-          </p:cNvPr>
-          <p:cNvSpPr>
-            <a:spLocks noGrp="1"/>
-          </p:cNvSpPr>
-          <p:nvPr>
-            <p:ph type="title"/>
-          </p:nvPr>
-        </p:nvSpPr>
-        <p:spPr/>
-        <p:txBody>
-          <a:bodyPr/>
-          <a:lstStyle/>
-          <a:p>
-            <a:r>
-              <a:rPr lang="en-US" dirty="0"/>
-              <a:t>Visual 5 - </a:t>
-            </a:r>
-            <a:r>
-              <a:rPr lang="en-US" dirty="0">
-                <a:ea typeface="+mj-lt"/>
-                <a:cs typeface="+mj-lt"/>
-              </a:rPr>
-              <a:t>How to recreate</a:t>
-            </a:r>
-          </a:p>
-        </p:txBody>
-      </p:sp>
-      <p:sp>
-        <p:nvSpPr>
-          <p:cNvPr id="5" name="Date Placeholder 4">
-            <a:extLst>
-              <a:ext uri="{FF2B5EF4-FFF2-40B4-BE49-F238E27FC236}">
-                <a16:creationId xmlns:a16="http://schemas.microsoft.com/office/drawing/2014/main" id="{5D92F13A-6320-B67E-23B2-8F0D6BEC30F6}"/>
-              </a:ext>
-            </a:extLst>
-          </p:cNvPr>
-          <p:cNvSpPr>
-            <a:spLocks noGrp="1"/>
-          </p:cNvSpPr>
-          <p:nvPr>
-            <p:ph type="dt" sz="half" idx="10"/>
-          </p:nvPr>
-        </p:nvSpPr>
-        <p:spPr/>
-        <p:txBody>
-          <a:bodyPr/>
-          <a:lstStyle/>
-          <a:p>
-            <a:fld id="{A20EE442-7E2D-4B98-9210-7F067E6F4EDF}" type="datetime1">
-              <a:rPr lang="en-US"/>
-              <a:t>1/24/2025</a:t>
-            </a:fld>
-            <a:endParaRPr lang="en-US" dirty="0"/>
-          </a:p>
-        </p:txBody>
-      </p:sp>
-      <p:sp>
-        <p:nvSpPr>
-          <p:cNvPr id="6" name="Footer Placeholder 5">
-            <a:extLst>
-              <a:ext uri="{FF2B5EF4-FFF2-40B4-BE49-F238E27FC236}">
-                <a16:creationId xmlns:a16="http://schemas.microsoft.com/office/drawing/2014/main" id="{74AA2136-DCE3-3C43-480E-69E0B597C6BC}"/>
-              </a:ext>
-            </a:extLst>
-          </p:cNvPr>
-          <p:cNvSpPr>
-            <a:spLocks noGrp="1"/>
-          </p:cNvSpPr>
-          <p:nvPr>
-            <p:ph type="ftr" sz="quarter" idx="11"/>
-          </p:nvPr>
-        </p:nvSpPr>
-        <p:spPr/>
-        <p:txBody>
-          <a:bodyPr/>
-          <a:lstStyle/>
-          <a:p>
-            <a:endParaRPr lang="en-US" dirty="0"/>
-          </a:p>
-        </p:txBody>
-      </p:sp>
-      <p:sp>
-        <p:nvSpPr>
-          <p:cNvPr id="7" name="Slide Number Placeholder 6">
-            <a:extLst>
-              <a:ext uri="{FF2B5EF4-FFF2-40B4-BE49-F238E27FC236}">
-                <a16:creationId xmlns:a16="http://schemas.microsoft.com/office/drawing/2014/main" id="{3555EC99-46B4-888B-5297-AB12D7AB4C0C}"/>
-              </a:ext>
-            </a:extLst>
-          </p:cNvPr>
-          <p:cNvSpPr>
-            <a:spLocks noGrp="1"/>
-          </p:cNvSpPr>
-          <p:nvPr>
-            <p:ph type="sldNum" sz="quarter" idx="12"/>
-          </p:nvPr>
-        </p:nvSpPr>
-        <p:spPr/>
-        <p:txBody>
-          <a:bodyPr/>
-          <a:lstStyle/>
-          <a:p>
-            <a:fld id="{A65A5C87-DF58-40C8-B092-1DE63DB4547E}" type="slidenum">
-              <a:rPr lang="en-US" dirty="0"/>
-              <a:t>13</a:t>
-            </a:fld>
-            <a:endParaRPr lang="en-US" dirty="0"/>
-          </a:p>
-        </p:txBody>
-      </p:sp>
-      <p:sp>
-        <p:nvSpPr>
-          <p:cNvPr id="11" name="TextBox 10">
-            <a:extLst>
-              <a:ext uri="{FF2B5EF4-FFF2-40B4-BE49-F238E27FC236}">
-                <a16:creationId xmlns:a16="http://schemas.microsoft.com/office/drawing/2014/main" id="{38CFB88B-D0EC-A75F-1E88-435A3BA984DA}"/>
-              </a:ext>
-            </a:extLst>
-          </p:cNvPr>
-          <p:cNvSpPr txBox="1"/>
-          <p:nvPr/>
-        </p:nvSpPr>
-        <p:spPr>
-          <a:xfrm>
-            <a:off x="8263573" y="2291850"/>
-            <a:ext cx="3550754" cy="2862322"/>
-          </a:xfrm>
-          <a:prstGeom prst="rect">
-            <a:avLst/>
-          </a:prstGeom>
-          <a:noFill/>
-        </p:spPr>
-        <p:txBody>
-          <a:bodyPr rot="0" spcFirstLastPara="0" vertOverflow="overflow" horzOverflow="overflow" vert="horz" wrap="square" lIns="91440" tIns="45720" rIns="91440" bIns="45720" numCol="1" spcCol="0" rtlCol="0" fromWordArt="0" anchor="t" anchorCtr="0" forceAA="0" compatLnSpc="1">
-            <a:prstTxWarp prst="textNoShape">
-              <a:avLst/>
-            </a:prstTxWarp>
-            <a:spAutoFit/>
-          </a:bodyPr>
-          <a:lstStyle/>
-          <a:p>
-            <a:pPr marL="285750" indent="-285750">
-              <a:buFont typeface="Arial"/>
-              <a:buChar char="•"/>
-            </a:pPr>
-            <a:r>
-              <a:rPr lang="en-US" dirty="0">
-                <a:ea typeface="+mn-lt"/>
-                <a:cs typeface="+mn-lt"/>
-              </a:rPr>
-              <a:t>Filter the data for deceased patients.</a:t>
-            </a:r>
-          </a:p>
-          <a:p>
-            <a:pPr marL="285750" indent="-285750">
-              <a:buFont typeface="Arial"/>
-              <a:buChar char="•"/>
-            </a:pPr>
-            <a:r>
-              <a:rPr lang="en-US" dirty="0">
-                <a:ea typeface="+mn-lt"/>
-                <a:cs typeface="+mn-lt"/>
-              </a:rPr>
-              <a:t>Aggregate the death counts by diagnosis and gender.</a:t>
-            </a:r>
-          </a:p>
-          <a:p>
-            <a:pPr marL="285750" indent="-285750">
-              <a:buFont typeface="Arial"/>
-              <a:buChar char="•"/>
-            </a:pPr>
-            <a:r>
-              <a:rPr lang="en-US" dirty="0">
-                <a:ea typeface="+mn-lt"/>
-                <a:cs typeface="+mn-lt"/>
-              </a:rPr>
-              <a:t>Create and plot a heatmap to visually compare death counts across diagnoses and genders.</a:t>
-            </a:r>
-            <a:endParaRPr lang="en-US"/>
-          </a:p>
-          <a:p>
-            <a:pPr marL="285750" indent="-285750">
-              <a:buFont typeface="Arial"/>
-              <a:buChar char="•"/>
-            </a:pPr>
-            <a:endParaRPr lang="en-US" dirty="0"/>
-          </a:p>
-          <a:p>
-            <a:pPr marL="285750" indent="-285750">
-              <a:buFont typeface="Arial"/>
-              <a:buChar char="•"/>
-            </a:pPr>
-            <a:endParaRPr lang="en-US" dirty="0"/>
-          </a:p>
-        </p:txBody>
-      </p:sp>
-      <p:pic>
-        <p:nvPicPr>
-          <p:cNvPr id="3" name="Picture 2" descr="A screenshot of a computer program&#10;&#10;AI-generated content may be incorrect.">
-            <a:extLst>
-              <a:ext uri="{FF2B5EF4-FFF2-40B4-BE49-F238E27FC236}">
-                <a16:creationId xmlns:a16="http://schemas.microsoft.com/office/drawing/2014/main" id="{8E4979A1-C726-2F3B-12E2-5652B8D9C33E}"/>
-              </a:ext>
-            </a:extLst>
-          </p:cNvPr>
-          <p:cNvPicPr>
-            <a:picLocks noChangeAspect="1"/>
-          </p:cNvPicPr>
-          <p:nvPr/>
-        </p:nvPicPr>
-        <p:blipFill>
-          <a:blip r:embed="rId2"/>
-          <a:stretch>
-            <a:fillRect/>
-          </a:stretch>
-        </p:blipFill>
-        <p:spPr>
-          <a:xfrm>
-            <a:off x="572873" y="2285919"/>
-            <a:ext cx="5763917" cy="3913484"/>
-          </a:xfrm>
-          <a:prstGeom prst="rect">
-            <a:avLst/>
-          </a:prstGeom>
-        </p:spPr>
-      </p:pic>
-    </p:spTree>
-    <p:extLst>
-      <p:ext uri="{BB962C8B-B14F-4D97-AF65-F5344CB8AC3E}">
-        <p14:creationId xmlns:p14="http://schemas.microsoft.com/office/powerpoint/2010/main" val="2657411531"/>
-      </p:ext>
-    </p:extLst>
-  </p:cSld>
-  <p:clrMapOvr>
-    <a:masterClrMapping/>
-  </p:clrMapOvr>
-</p:sld>
-</file>
-
-<file path=ppt/slides/slide14.xml><?xml version="1.0" encoding="utf-8"?>
-<p:sld xmlns:a="http://schemas.openxmlformats.org/drawingml/2006/main" xmlns:r="http://schemas.openxmlformats.org/officeDocument/2006/relationships" xmlns:p="http://schemas.openxmlformats.org/presentationml/2006/main">
-  <p:cSld>
-    <p:spTree>
-      <p:nvGrpSpPr>
-        <p:cNvPr id="1" name=""/>
-        <p:cNvGrpSpPr/>
-        <p:nvPr/>
-      </p:nvGrpSpPr>
-      <p:grpSpPr>
-        <a:xfrm>
-          <a:off x="0" y="0"/>
-          <a:ext cx="0" cy="0"/>
-          <a:chOff x="0" y="0"/>
-          <a:chExt cx="0" cy="0"/>
-        </a:xfrm>
-      </p:grpSpPr>
-      <p:sp>
-        <p:nvSpPr>
-          <p:cNvPr id="2" name="Title 1">
-            <a:extLst>
-              <a:ext uri="{FF2B5EF4-FFF2-40B4-BE49-F238E27FC236}">
-                <a16:creationId xmlns:a16="http://schemas.microsoft.com/office/drawing/2014/main" id="{D4A847F5-FE7F-970F-30A8-F14DC30F0298}"/>
-              </a:ext>
-            </a:extLst>
-          </p:cNvPr>
-          <p:cNvSpPr>
-            <a:spLocks noGrp="1"/>
-          </p:cNvSpPr>
-          <p:nvPr>
-            <p:ph type="title"/>
-          </p:nvPr>
-        </p:nvSpPr>
-        <p:spPr/>
-        <p:txBody>
-          <a:bodyPr vert="horz" lIns="91440" tIns="45720" rIns="91440" bIns="45720" rtlCol="0" anchor="t">
-            <a:normAutofit/>
-          </a:bodyPr>
-          <a:lstStyle/>
-          <a:p>
-            <a:pPr>
-              <a:lnSpc>
-                <a:spcPct val="90000"/>
-              </a:lnSpc>
-            </a:pPr>
-            <a:r>
-              <a:rPr lang="en-US" sz="2900" dirty="0"/>
-              <a:t>Visual 6 - </a:t>
-            </a:r>
-            <a:r>
-              <a:rPr lang="en-US" sz="2000" dirty="0">
-                <a:solidFill>
-                  <a:srgbClr val="1F1F1F"/>
-                </a:solidFill>
-                <a:latin typeface="Roboto"/>
-                <a:ea typeface="Roboto"/>
-                <a:cs typeface="Roboto"/>
-              </a:rPr>
-              <a:t>Insurance Analysis based on Gender and Marital Status</a:t>
-            </a:r>
-            <a:endParaRPr lang="en-US" dirty="0">
-              <a:solidFill>
-                <a:srgbClr val="000000"/>
-              </a:solidFill>
-              <a:latin typeface="Avenir Next LT Pro"/>
-              <a:ea typeface="Roboto"/>
-              <a:cs typeface="Roboto"/>
-            </a:endParaRPr>
-          </a:p>
-          <a:p>
-            <a:pPr>
-              <a:lnSpc>
-                <a:spcPct val="90000"/>
-              </a:lnSpc>
-            </a:pPr>
-            <a:endParaRPr lang="en-US" sz="2900" dirty="0"/>
-          </a:p>
-          <a:p>
-            <a:pPr>
-              <a:lnSpc>
-                <a:spcPct val="90000"/>
-              </a:lnSpc>
-            </a:pPr>
-            <a:endParaRPr lang="en-US" sz="2900" dirty="0"/>
-          </a:p>
-        </p:txBody>
-      </p:sp>
-      <p:sp>
-        <p:nvSpPr>
-          <p:cNvPr id="27" name="Text Placeholder 3">
-            <a:extLst>
-              <a:ext uri="{FF2B5EF4-FFF2-40B4-BE49-F238E27FC236}">
-                <a16:creationId xmlns:a16="http://schemas.microsoft.com/office/drawing/2014/main" id="{845D7DA4-0A30-F667-174F-8A99022B50FE}"/>
-              </a:ext>
-            </a:extLst>
-          </p:cNvPr>
-          <p:cNvSpPr>
-            <a:spLocks noGrp="1"/>
-          </p:cNvSpPr>
-          <p:nvPr>
-            <p:ph type="body" sz="half" idx="2"/>
-          </p:nvPr>
-        </p:nvSpPr>
-        <p:spPr>
-          <a:xfrm>
-            <a:off x="941748" y="2990589"/>
-            <a:ext cx="3099816" cy="2066544"/>
-          </a:xfrm>
-        </p:spPr>
-        <p:txBody>
-          <a:bodyPr vert="horz" lIns="91440" tIns="45720" rIns="91440" bIns="45720" rtlCol="0" anchor="t">
-            <a:normAutofit fontScale="92500" lnSpcReduction="10000"/>
-          </a:bodyPr>
-          <a:lstStyle/>
-          <a:p>
-            <a:r>
-              <a:rPr lang="en-US" dirty="0">
-                <a:ea typeface="+mn-lt"/>
-                <a:cs typeface="+mn-lt"/>
-              </a:rPr>
-              <a:t>This visualization represents the distribution of age across insurance types, segmented by gender and marital status. It uses Seaborn's violin plots for detailed representation of the data.</a:t>
-            </a:r>
-          </a:p>
-        </p:txBody>
-      </p:sp>
-      <p:sp>
-        <p:nvSpPr>
-          <p:cNvPr id="28" name="Date Placeholder 4">
-            <a:extLst>
-              <a:ext uri="{FF2B5EF4-FFF2-40B4-BE49-F238E27FC236}">
-                <a16:creationId xmlns:a16="http://schemas.microsoft.com/office/drawing/2014/main" id="{7A6840E9-E4CF-DCC4-9B0D-7D4B8FDC3F5A}"/>
-              </a:ext>
-            </a:extLst>
-          </p:cNvPr>
-          <p:cNvSpPr>
-            <a:spLocks noGrp="1"/>
-          </p:cNvSpPr>
-          <p:nvPr>
-            <p:ph type="dt" sz="half" idx="10"/>
-          </p:nvPr>
-        </p:nvSpPr>
-        <p:spPr/>
-        <p:txBody>
-          <a:bodyPr/>
-          <a:lstStyle/>
-          <a:p>
-            <a:pPr>
-              <a:spcAft>
-                <a:spcPts val="600"/>
-              </a:spcAft>
-            </a:pPr>
-            <a:fld id="{C7DB37F9-8192-43C5-8AD8-3A3669843520}" type="datetime1">
-              <a:pPr>
-                <a:spcAft>
-                  <a:spcPts val="600"/>
-                </a:spcAft>
-              </a:pPr>
-              <a:t>1/24/2025</a:t>
-            </a:fld>
-            <a:endParaRPr lang="en-US"/>
-          </a:p>
-        </p:txBody>
-      </p:sp>
-      <p:sp>
-        <p:nvSpPr>
-          <p:cNvPr id="29" name="Footer Placeholder 5">
-            <a:extLst>
-              <a:ext uri="{FF2B5EF4-FFF2-40B4-BE49-F238E27FC236}">
-                <a16:creationId xmlns:a16="http://schemas.microsoft.com/office/drawing/2014/main" id="{33BFA14B-AF0A-16F8-9A2F-D4A1F799D935}"/>
-              </a:ext>
-            </a:extLst>
-          </p:cNvPr>
-          <p:cNvSpPr>
-            <a:spLocks noGrp="1"/>
-          </p:cNvSpPr>
-          <p:nvPr>
-            <p:ph type="ftr" sz="quarter" idx="11"/>
-          </p:nvPr>
-        </p:nvSpPr>
-        <p:spPr/>
-        <p:txBody>
-          <a:bodyPr/>
-          <a:lstStyle/>
-          <a:p>
-            <a:endParaRPr lang="en-US"/>
-          </a:p>
-        </p:txBody>
-      </p:sp>
-      <p:sp>
-        <p:nvSpPr>
-          <p:cNvPr id="30" name="Slide Number Placeholder 6">
-            <a:extLst>
-              <a:ext uri="{FF2B5EF4-FFF2-40B4-BE49-F238E27FC236}">
-                <a16:creationId xmlns:a16="http://schemas.microsoft.com/office/drawing/2014/main" id="{B9FC7F56-BFF9-92C8-CFE9-7DD25BADAF55}"/>
-              </a:ext>
-            </a:extLst>
-          </p:cNvPr>
-          <p:cNvSpPr>
-            <a:spLocks noGrp="1"/>
-          </p:cNvSpPr>
-          <p:nvPr>
-            <p:ph type="sldNum" sz="quarter" idx="12"/>
-          </p:nvPr>
-        </p:nvSpPr>
-        <p:spPr/>
-        <p:txBody>
-          <a:bodyPr/>
-          <a:lstStyle/>
-          <a:p>
-            <a:pPr>
-              <a:spcAft>
-                <a:spcPts val="600"/>
-              </a:spcAft>
-            </a:pPr>
-            <a:fld id="{A65A5C87-DF58-40C8-B092-1DE63DB4547E}" type="slidenum">
-              <a:rPr lang="en-US" dirty="0"/>
-              <a:pPr>
-                <a:spcAft>
-                  <a:spcPts val="600"/>
-                </a:spcAft>
-              </a:pPr>
-              <a:t>14</a:t>
-            </a:fld>
-            <a:endParaRPr lang="en-US"/>
-          </a:p>
-        </p:txBody>
-      </p:sp>
-      <p:pic>
-        <p:nvPicPr>
-          <p:cNvPr id="5" name="Content Placeholder 4" descr="A comparison of different colored lines&#10;&#10;AI-generated content may be incorrect.">
-            <a:extLst>
-              <a:ext uri="{FF2B5EF4-FFF2-40B4-BE49-F238E27FC236}">
-                <a16:creationId xmlns:a16="http://schemas.microsoft.com/office/drawing/2014/main" id="{EA2C5589-D538-E100-5A16-626F3D5A2E6F}"/>
-              </a:ext>
-            </a:extLst>
-          </p:cNvPr>
-          <p:cNvPicPr>
-            <a:picLocks noGrp="1" noChangeAspect="1"/>
-          </p:cNvPicPr>
-          <p:nvPr>
-            <p:ph idx="1"/>
-          </p:nvPr>
-        </p:nvPicPr>
-        <p:blipFill>
-          <a:blip r:embed="rId2"/>
-          <a:stretch>
-            <a:fillRect/>
-          </a:stretch>
-        </p:blipFill>
-        <p:spPr>
-          <a:xfrm>
-            <a:off x="4965192" y="2130439"/>
-            <a:ext cx="6729984" cy="3255489"/>
-          </a:xfrm>
-        </p:spPr>
-      </p:pic>
-    </p:spTree>
-    <p:extLst>
-      <p:ext uri="{BB962C8B-B14F-4D97-AF65-F5344CB8AC3E}">
-        <p14:creationId xmlns:p14="http://schemas.microsoft.com/office/powerpoint/2010/main" val="3450862647"/>
-      </p:ext>
-    </p:extLst>
-  </p:cSld>
-  <p:clrMapOvr>
-    <a:masterClrMapping/>
-  </p:clrMapOvr>
-</p:sld>
-</file>
-
-<file path=ppt/slides/slide15.xml><?xml version="1.0" encoding="utf-8"?>
-<p:sld xmlns:a="http://schemas.openxmlformats.org/drawingml/2006/main" xmlns:r="http://schemas.openxmlformats.org/officeDocument/2006/relationships" xmlns:p="http://schemas.openxmlformats.org/presentationml/2006/main">
-  <p:cSld>
-    <p:spTree>
-      <p:nvGrpSpPr>
-        <p:cNvPr id="1" name=""/>
-        <p:cNvGrpSpPr/>
-        <p:nvPr/>
-      </p:nvGrpSpPr>
-      <p:grpSpPr>
-        <a:xfrm>
-          <a:off x="0" y="0"/>
-          <a:ext cx="0" cy="0"/>
-          <a:chOff x="0" y="0"/>
-          <a:chExt cx="0" cy="0"/>
-        </a:xfrm>
-      </p:grpSpPr>
-      <p:sp>
-        <p:nvSpPr>
-          <p:cNvPr id="2" name="Title 1">
-            <a:extLst>
-              <a:ext uri="{FF2B5EF4-FFF2-40B4-BE49-F238E27FC236}">
-                <a16:creationId xmlns:a16="http://schemas.microsoft.com/office/drawing/2014/main" id="{BF65AC6B-C37F-8594-FB87-8458012C9F88}"/>
-              </a:ext>
-            </a:extLst>
-          </p:cNvPr>
-          <p:cNvSpPr>
-            <a:spLocks noGrp="1"/>
-          </p:cNvSpPr>
-          <p:nvPr>
-            <p:ph type="title"/>
-          </p:nvPr>
-        </p:nvSpPr>
-        <p:spPr/>
-        <p:txBody>
-          <a:bodyPr/>
-          <a:lstStyle/>
-          <a:p>
-            <a:r>
-              <a:rPr lang="en-US" dirty="0"/>
-              <a:t>Visual 6 - </a:t>
-            </a:r>
-            <a:r>
-              <a:rPr lang="en-US" dirty="0">
-                <a:ea typeface="+mj-lt"/>
-                <a:cs typeface="+mj-lt"/>
-              </a:rPr>
-              <a:t>How to build/recreate</a:t>
-            </a:r>
-          </a:p>
-        </p:txBody>
-      </p:sp>
-      <p:sp>
-        <p:nvSpPr>
-          <p:cNvPr id="5" name="Date Placeholder 4">
-            <a:extLst>
-              <a:ext uri="{FF2B5EF4-FFF2-40B4-BE49-F238E27FC236}">
-                <a16:creationId xmlns:a16="http://schemas.microsoft.com/office/drawing/2014/main" id="{5D92F13A-6320-B67E-23B2-8F0D6BEC30F6}"/>
-              </a:ext>
-            </a:extLst>
-          </p:cNvPr>
-          <p:cNvSpPr>
-            <a:spLocks noGrp="1"/>
-          </p:cNvSpPr>
-          <p:nvPr>
-            <p:ph type="dt" sz="half" idx="10"/>
-          </p:nvPr>
-        </p:nvSpPr>
-        <p:spPr/>
-        <p:txBody>
-          <a:bodyPr/>
-          <a:lstStyle/>
-          <a:p>
-            <a:fld id="{A20EE442-7E2D-4B98-9210-7F067E6F4EDF}" type="datetime1">
-              <a:t>1/24/2025</a:t>
-            </a:fld>
-            <a:endParaRPr lang="en-US" dirty="0"/>
-          </a:p>
-        </p:txBody>
-      </p:sp>
-      <p:sp>
-        <p:nvSpPr>
-          <p:cNvPr id="6" name="Footer Placeholder 5">
-            <a:extLst>
-              <a:ext uri="{FF2B5EF4-FFF2-40B4-BE49-F238E27FC236}">
-                <a16:creationId xmlns:a16="http://schemas.microsoft.com/office/drawing/2014/main" id="{74AA2136-DCE3-3C43-480E-69E0B597C6BC}"/>
-              </a:ext>
-            </a:extLst>
-          </p:cNvPr>
-          <p:cNvSpPr>
-            <a:spLocks noGrp="1"/>
-          </p:cNvSpPr>
-          <p:nvPr>
-            <p:ph type="ftr" sz="quarter" idx="11"/>
-          </p:nvPr>
-        </p:nvSpPr>
-        <p:spPr/>
-        <p:txBody>
-          <a:bodyPr/>
-          <a:lstStyle/>
-          <a:p>
-            <a:endParaRPr lang="en-US" dirty="0"/>
-          </a:p>
-        </p:txBody>
-      </p:sp>
-      <p:sp>
-        <p:nvSpPr>
-          <p:cNvPr id="7" name="Slide Number Placeholder 6">
-            <a:extLst>
-              <a:ext uri="{FF2B5EF4-FFF2-40B4-BE49-F238E27FC236}">
-                <a16:creationId xmlns:a16="http://schemas.microsoft.com/office/drawing/2014/main" id="{3555EC99-46B4-888B-5297-AB12D7AB4C0C}"/>
-              </a:ext>
-            </a:extLst>
-          </p:cNvPr>
-          <p:cNvSpPr>
-            <a:spLocks noGrp="1"/>
-          </p:cNvSpPr>
-          <p:nvPr>
-            <p:ph type="sldNum" sz="quarter" idx="12"/>
-          </p:nvPr>
-        </p:nvSpPr>
-        <p:spPr/>
-        <p:txBody>
-          <a:bodyPr/>
-          <a:lstStyle/>
-          <a:p>
-            <a:fld id="{A65A5C87-DF58-40C8-B092-1DE63DB4547E}" type="slidenum">
-              <a:rPr lang="en-US" dirty="0"/>
-              <a:t>15</a:t>
-            </a:fld>
-            <a:endParaRPr lang="en-US" dirty="0"/>
-          </a:p>
-        </p:txBody>
-      </p:sp>
-      <p:sp>
-        <p:nvSpPr>
-          <p:cNvPr id="11" name="TextBox 10">
-            <a:extLst>
-              <a:ext uri="{FF2B5EF4-FFF2-40B4-BE49-F238E27FC236}">
-                <a16:creationId xmlns:a16="http://schemas.microsoft.com/office/drawing/2014/main" id="{38CFB88B-D0EC-A75F-1E88-435A3BA984DA}"/>
-              </a:ext>
-            </a:extLst>
-          </p:cNvPr>
-          <p:cNvSpPr txBox="1"/>
-          <p:nvPr/>
-        </p:nvSpPr>
-        <p:spPr>
-          <a:xfrm>
-            <a:off x="8263573" y="2291850"/>
-            <a:ext cx="3550754" cy="2862322"/>
-          </a:xfrm>
-          <a:prstGeom prst="rect">
-            <a:avLst/>
-          </a:prstGeom>
-          <a:noFill/>
-        </p:spPr>
-        <p:txBody>
-          <a:bodyPr rot="0" spcFirstLastPara="0" vertOverflow="overflow" horzOverflow="overflow" vert="horz" wrap="square" lIns="91440" tIns="45720" rIns="91440" bIns="45720" numCol="1" spcCol="0" rtlCol="0" fromWordArt="0" anchor="t" anchorCtr="0" forceAA="0" compatLnSpc="1">
-            <a:prstTxWarp prst="textNoShape">
-              <a:avLst/>
-            </a:prstTxWarp>
-            <a:spAutoFit/>
-          </a:bodyPr>
-          <a:lstStyle/>
-          <a:p>
-            <a:pPr marL="285750" indent="-285750">
-              <a:buFont typeface="Arial"/>
-              <a:buChar char="•"/>
-            </a:pPr>
-            <a:r>
-              <a:rPr lang="en-US" dirty="0">
-                <a:ea typeface="+mn-lt"/>
-                <a:cs typeface="+mn-lt"/>
-              </a:rPr>
-              <a:t>Create and display </a:t>
-            </a:r>
-            <a:r>
-              <a:rPr lang="en-US" dirty="0" err="1">
-                <a:ea typeface="+mn-lt"/>
-                <a:cs typeface="+mn-lt"/>
-              </a:rPr>
-              <a:t>violinplot</a:t>
-            </a:r>
-            <a:r>
-              <a:rPr lang="en-US" dirty="0">
-                <a:ea typeface="+mn-lt"/>
-                <a:cs typeface="+mn-lt"/>
-              </a:rPr>
-              <a:t>  showing age distribution by insurance type, split by gender.</a:t>
-            </a:r>
-          </a:p>
-          <a:p>
-            <a:pPr marL="285750" indent="-285750">
-              <a:buFont typeface="Arial"/>
-              <a:buChar char="•"/>
-            </a:pPr>
-            <a:r>
-              <a:rPr lang="en-US" dirty="0">
-                <a:ea typeface="+mn-lt"/>
-                <a:cs typeface="+mn-lt"/>
-              </a:rPr>
-              <a:t>Create and display </a:t>
-            </a:r>
-            <a:r>
-              <a:rPr lang="en-US" dirty="0" err="1">
-                <a:ea typeface="+mn-lt"/>
-                <a:cs typeface="+mn-lt"/>
-              </a:rPr>
-              <a:t>violinplot</a:t>
-            </a:r>
-            <a:r>
-              <a:rPr lang="en-US" dirty="0">
-                <a:ea typeface="+mn-lt"/>
-                <a:cs typeface="+mn-lt"/>
-              </a:rPr>
-              <a:t> showing age distribution by insurance type, split by marital status</a:t>
-            </a:r>
-          </a:p>
-          <a:p>
-            <a:pPr marL="285750" indent="-285750">
-              <a:buFont typeface="Arial"/>
-              <a:buChar char="•"/>
-            </a:pPr>
-            <a:endParaRPr lang="en-US" dirty="0">
-              <a:ea typeface="+mn-lt"/>
-              <a:cs typeface="+mn-lt"/>
-            </a:endParaRPr>
-          </a:p>
-          <a:p>
-            <a:pPr marL="285750" indent="-285750">
-              <a:buFont typeface="Arial"/>
-              <a:buChar char="•"/>
-            </a:pPr>
-            <a:endParaRPr lang="en-US"/>
-          </a:p>
-        </p:txBody>
-      </p:sp>
-      <p:pic>
-        <p:nvPicPr>
-          <p:cNvPr id="3" name="Picture 2" descr="A screenshot of a computer code&#10;&#10;AI-generated content may be incorrect.">
-            <a:extLst>
-              <a:ext uri="{FF2B5EF4-FFF2-40B4-BE49-F238E27FC236}">
-                <a16:creationId xmlns:a16="http://schemas.microsoft.com/office/drawing/2014/main" id="{BBBCC482-A5EB-CD56-FF36-33C4913761D0}"/>
-              </a:ext>
-            </a:extLst>
-          </p:cNvPr>
-          <p:cNvPicPr>
-            <a:picLocks noChangeAspect="1"/>
-          </p:cNvPicPr>
-          <p:nvPr/>
-        </p:nvPicPr>
-        <p:blipFill>
-          <a:blip r:embed="rId2"/>
-          <a:stretch>
-            <a:fillRect/>
-          </a:stretch>
-        </p:blipFill>
-        <p:spPr>
-          <a:xfrm>
-            <a:off x="582735" y="2188430"/>
-            <a:ext cx="7560129" cy="3438525"/>
-          </a:xfrm>
-          <a:prstGeom prst="rect">
-            <a:avLst/>
-          </a:prstGeom>
-        </p:spPr>
-      </p:pic>
-    </p:spTree>
-    <p:extLst>
-      <p:ext uri="{BB962C8B-B14F-4D97-AF65-F5344CB8AC3E}">
-        <p14:creationId xmlns:p14="http://schemas.microsoft.com/office/powerpoint/2010/main" val="413670067"/>
-      </p:ext>
-    </p:extLst>
-  </p:cSld>
-  <p:clrMapOvr>
-    <a:masterClrMapping/>
-  </p:clrMapOvr>
-</p:sld>
-</file>
-
-<file path=ppt/slides/slide2.xml><?xml version="1.0" encoding="utf-8"?>
-<p:sld xmlns:a="http://schemas.openxmlformats.org/drawingml/2006/main" xmlns:r="http://schemas.openxmlformats.org/officeDocument/2006/relationships" xmlns:p="http://schemas.openxmlformats.org/presentationml/2006/main">
-  <p:cSld>
-    <p:spTree>
-      <p:nvGrpSpPr>
-        <p:cNvPr id="1" name=""/>
-        <p:cNvGrpSpPr/>
-        <p:nvPr/>
-      </p:nvGrpSpPr>
-      <p:grpSpPr>
-        <a:xfrm>
-          <a:off x="0" y="0"/>
-          <a:ext cx="0" cy="0"/>
-          <a:chOff x="0" y="0"/>
-          <a:chExt cx="0" cy="0"/>
-        </a:xfrm>
-      </p:grpSpPr>
-      <p:sp>
-        <p:nvSpPr>
-          <p:cNvPr id="2" name="Title 1">
-            <a:extLst>
-              <a:ext uri="{FF2B5EF4-FFF2-40B4-BE49-F238E27FC236}">
-                <a16:creationId xmlns:a16="http://schemas.microsoft.com/office/drawing/2014/main" id="{F5E4FFF9-9132-071F-AD42-796AA87EA136}"/>
-              </a:ext>
-            </a:extLst>
-          </p:cNvPr>
-          <p:cNvSpPr>
-            <a:spLocks noGrp="1"/>
-          </p:cNvSpPr>
-          <p:nvPr>
-            <p:ph type="title"/>
-          </p:nvPr>
-        </p:nvSpPr>
-        <p:spPr/>
-        <p:txBody>
-          <a:bodyPr/>
-          <a:lstStyle/>
-          <a:p>
-            <a:r>
-              <a:rPr lang="en-US" dirty="0"/>
-              <a:t>Coding environment and packages</a:t>
-            </a:r>
-          </a:p>
-        </p:txBody>
-      </p:sp>
-      <p:sp>
-        <p:nvSpPr>
-          <p:cNvPr id="3" name="Content Placeholder 2">
-            <a:extLst>
-              <a:ext uri="{FF2B5EF4-FFF2-40B4-BE49-F238E27FC236}">
-                <a16:creationId xmlns:a16="http://schemas.microsoft.com/office/drawing/2014/main" id="{DA433583-52C4-0DCE-FFA3-57B964F01E36}"/>
-              </a:ext>
-            </a:extLst>
-          </p:cNvPr>
-          <p:cNvSpPr>
-            <a:spLocks noGrp="1"/>
-          </p:cNvSpPr>
-          <p:nvPr>
-            <p:ph idx="1"/>
-          </p:nvPr>
-        </p:nvSpPr>
-        <p:spPr/>
-        <p:txBody>
-          <a:bodyPr vert="horz" lIns="91440" tIns="45720" rIns="91440" bIns="45720" rtlCol="0" anchor="t">
-            <a:normAutofit fontScale="92500" lnSpcReduction="10000"/>
-          </a:bodyPr>
-          <a:lstStyle/>
-          <a:p>
-            <a:r>
-              <a:rPr lang="en-US" sz="2000">
-                <a:ea typeface="+mn-lt"/>
-                <a:cs typeface="+mn-lt"/>
-              </a:rPr>
-              <a:t>Google Colab</a:t>
-            </a:r>
-            <a:endParaRPr lang="en-US" sz="2000" dirty="0">
-              <a:ea typeface="+mn-lt"/>
-              <a:cs typeface="+mn-lt"/>
-            </a:endParaRPr>
-          </a:p>
-          <a:p>
-            <a:r>
-              <a:rPr lang="en-US" sz="2000">
-                <a:ea typeface="+mn-lt"/>
-                <a:cs typeface="+mn-lt"/>
-              </a:rPr>
-              <a:t>MIMIC-III Demo Dataset</a:t>
-            </a:r>
-            <a:endParaRPr lang="en-US">
-              <a:ea typeface="+mn-lt"/>
-              <a:cs typeface="+mn-lt"/>
-            </a:endParaRPr>
-          </a:p>
-          <a:p>
-            <a:r>
-              <a:rPr lang="en-US" sz="2000">
-                <a:ea typeface="+mn-lt"/>
-                <a:cs typeface="+mn-lt"/>
-              </a:rPr>
-              <a:t>Used Google Drive for saving and loading MIMIC CSV data</a:t>
-            </a:r>
-            <a:endParaRPr lang="en-US">
-              <a:ea typeface="+mn-lt"/>
-              <a:cs typeface="+mn-lt"/>
-            </a:endParaRPr>
-          </a:p>
-          <a:p>
-            <a:r>
-              <a:rPr lang="en-US" sz="2000">
-                <a:ea typeface="+mn-lt"/>
-                <a:cs typeface="+mn-lt"/>
-              </a:rPr>
-              <a:t>Libraries Used: matplotlib, seaborn, plotly, WordCloud, altair</a:t>
-            </a:r>
-            <a:endParaRPr lang="en-US">
-              <a:ea typeface="+mn-lt"/>
-              <a:cs typeface="+mn-lt"/>
-            </a:endParaRPr>
-          </a:p>
-          <a:p>
-            <a:r>
-              <a:rPr lang="en-US" sz="2000">
-                <a:ea typeface="+mn-lt"/>
-                <a:cs typeface="+mn-lt"/>
-              </a:rPr>
-              <a:t>GitHub and Google Colab Links:</a:t>
-            </a:r>
-            <a:endParaRPr lang="en-US">
-              <a:ea typeface="+mn-lt"/>
-              <a:cs typeface="+mn-lt"/>
-            </a:endParaRPr>
-          </a:p>
-          <a:p>
-            <a:pPr marL="0" indent="0">
-              <a:buNone/>
-            </a:pPr>
-            <a:r>
-              <a:rPr lang="en-US" sz="2000" dirty="0">
-                <a:ea typeface="+mn-lt"/>
-                <a:cs typeface="+mn-lt"/>
-                <a:hlinkClick r:id="rId2"/>
-              </a:rPr>
-              <a:t>https://github.com/AnkitaSavaliya/AIH/blob/main/MIMIC_Visualization.ipynb</a:t>
-            </a:r>
-          </a:p>
-          <a:p>
-            <a:pPr marL="0" indent="0">
-              <a:buNone/>
-            </a:pPr>
-            <a:r>
-              <a:rPr lang="en-US" sz="2000" dirty="0">
-                <a:ea typeface="+mn-lt"/>
-                <a:cs typeface="+mn-lt"/>
-                <a:hlinkClick r:id="rId3"/>
-              </a:rPr>
-              <a:t>https://colab.research.google.com/github/AnkitaSavaliya/AIH/blob/main/MIMIC_Visualization.ipynb</a:t>
-            </a:r>
-            <a:endParaRPr lang="en-US" sz="2000" dirty="0">
-              <a:ea typeface="+mn-lt"/>
-              <a:cs typeface="+mn-lt"/>
-            </a:endParaRPr>
-          </a:p>
-          <a:p>
-            <a:pPr marL="0" indent="0">
-              <a:buNone/>
-            </a:pPr>
-            <a:r>
-              <a:rPr lang="en-US" sz="2000" dirty="0">
-                <a:ea typeface="+mn-lt"/>
-                <a:cs typeface="+mn-lt"/>
-                <a:hlinkClick r:id="rId4"/>
-              </a:rPr>
-              <a:t>https://github.com/AnkitaSavaliya/AIH/blob/main/MIMIC%20Visualization.pptx</a:t>
-            </a:r>
-          </a:p>
-          <a:p>
-            <a:endParaRPr lang="en-US" dirty="0"/>
-          </a:p>
-          <a:p>
-            <a:endParaRPr lang="en-US" dirty="0"/>
-          </a:p>
-          <a:p>
-            <a:endParaRPr lang="en-US" dirty="0"/>
-          </a:p>
-          <a:p>
-            <a:endParaRPr lang="en-US" dirty="0"/>
-          </a:p>
-          <a:p>
-            <a:endParaRPr lang="en-US" dirty="0"/>
-          </a:p>
-        </p:txBody>
-      </p:sp>
-      <p:sp>
-        <p:nvSpPr>
-          <p:cNvPr id="4" name="Date Placeholder 3">
-            <a:extLst>
-              <a:ext uri="{FF2B5EF4-FFF2-40B4-BE49-F238E27FC236}">
-                <a16:creationId xmlns:a16="http://schemas.microsoft.com/office/drawing/2014/main" id="{DDF34E3C-3E0E-B40E-9C66-8EC667BB5D98}"/>
-              </a:ext>
-            </a:extLst>
-          </p:cNvPr>
-          <p:cNvSpPr>
-            <a:spLocks noGrp="1"/>
-          </p:cNvSpPr>
-          <p:nvPr>
-            <p:ph type="dt" sz="half" idx="10"/>
-          </p:nvPr>
-        </p:nvSpPr>
-        <p:spPr/>
-        <p:txBody>
-          <a:bodyPr/>
-          <a:lstStyle/>
-          <a:p>
-            <a:fld id="{BCE79401-6E6D-4108-ADC3-94EF23165244}" type="datetime1">
-              <a:t>1/24/2025</a:t>
-            </a:fld>
-            <a:endParaRPr lang="en-US" dirty="0"/>
-          </a:p>
-        </p:txBody>
-      </p:sp>
-      <p:sp>
-        <p:nvSpPr>
-          <p:cNvPr id="5" name="Footer Placeholder 4">
-            <a:extLst>
-              <a:ext uri="{FF2B5EF4-FFF2-40B4-BE49-F238E27FC236}">
-                <a16:creationId xmlns:a16="http://schemas.microsoft.com/office/drawing/2014/main" id="{76A665EC-C0B9-88DD-1FBD-CF4A7BD38AC2}"/>
-              </a:ext>
-            </a:extLst>
-          </p:cNvPr>
-          <p:cNvSpPr>
-            <a:spLocks noGrp="1"/>
-          </p:cNvSpPr>
-          <p:nvPr>
-            <p:ph type="ftr" sz="quarter" idx="11"/>
-          </p:nvPr>
-        </p:nvSpPr>
-        <p:spPr/>
-        <p:txBody>
-          <a:bodyPr/>
-          <a:lstStyle/>
-          <a:p>
-            <a:endParaRPr lang="en-US" dirty="0"/>
-          </a:p>
-        </p:txBody>
-      </p:sp>
-      <p:sp>
-        <p:nvSpPr>
-          <p:cNvPr id="6" name="Slide Number Placeholder 5">
-            <a:extLst>
-              <a:ext uri="{FF2B5EF4-FFF2-40B4-BE49-F238E27FC236}">
-                <a16:creationId xmlns:a16="http://schemas.microsoft.com/office/drawing/2014/main" id="{D5EF9328-A11F-6340-0842-FA249B93BD6B}"/>
-              </a:ext>
-            </a:extLst>
-          </p:cNvPr>
-          <p:cNvSpPr>
-            <a:spLocks noGrp="1"/>
-          </p:cNvSpPr>
-          <p:nvPr>
-            <p:ph type="sldNum" sz="quarter" idx="12"/>
-          </p:nvPr>
-        </p:nvSpPr>
-        <p:spPr/>
-        <p:txBody>
-          <a:bodyPr/>
-          <a:lstStyle/>
-          <a:p>
-            <a:fld id="{A65A5C87-DF58-40C8-B092-1DE63DB4547E}" type="slidenum">
-              <a:rPr lang="en-US" dirty="0"/>
-              <a:t>2</a:t>
-            </a:fld>
-            <a:endParaRPr lang="en-US" dirty="0"/>
-          </a:p>
-        </p:txBody>
-      </p:sp>
-    </p:spTree>
-    <p:extLst>
-      <p:ext uri="{BB962C8B-B14F-4D97-AF65-F5344CB8AC3E}">
-        <p14:creationId xmlns:p14="http://schemas.microsoft.com/office/powerpoint/2010/main" val="3308962109"/>
-      </p:ext>
-    </p:extLst>
-  </p:cSld>
-  <p:clrMapOvr>
-    <a:masterClrMapping/>
-  </p:clrMapOvr>
-</p:sld>
-</file>
-
-<file path=ppt/slides/slide3.xml><?xml version="1.0" encoding="utf-8"?>
-<p:sld xmlns:a="http://schemas.openxmlformats.org/drawingml/2006/main" xmlns:r="http://schemas.openxmlformats.org/officeDocument/2006/relationships" xmlns:p="http://schemas.openxmlformats.org/presentationml/2006/main">
-  <p:cSld>
-    <p:spTree>
-      <p:nvGrpSpPr>
-        <p:cNvPr id="1" name=""/>
-        <p:cNvGrpSpPr/>
-        <p:nvPr/>
-      </p:nvGrpSpPr>
-      <p:grpSpPr>
-        <a:xfrm>
-          <a:off x="0" y="0"/>
-          <a:ext cx="0" cy="0"/>
-          <a:chOff x="0" y="0"/>
-          <a:chExt cx="0" cy="0"/>
-        </a:xfrm>
-      </p:grpSpPr>
-      <p:sp>
-        <p:nvSpPr>
-          <p:cNvPr id="11" name="Title 1">
-            <a:extLst>
-              <a:ext uri="{FF2B5EF4-FFF2-40B4-BE49-F238E27FC236}">
-                <a16:creationId xmlns:a16="http://schemas.microsoft.com/office/drawing/2014/main" id="{BAEF630F-7877-7583-F00D-2F3807A709F8}"/>
-              </a:ext>
-            </a:extLst>
-          </p:cNvPr>
-          <p:cNvSpPr>
-            <a:spLocks noGrp="1"/>
-          </p:cNvSpPr>
-          <p:nvPr>
-            <p:ph type="title"/>
-          </p:nvPr>
-        </p:nvSpPr>
-        <p:spPr/>
-        <p:txBody>
-          <a:bodyPr/>
-          <a:lstStyle/>
-          <a:p>
-            <a:r>
-              <a:rPr lang="en-US" dirty="0"/>
-              <a:t>Data Load and </a:t>
-            </a:r>
-            <a:r>
-              <a:rPr lang="en-US"/>
-              <a:t>Initial Setup</a:t>
-            </a:r>
-          </a:p>
-        </p:txBody>
-      </p:sp>
-      <p:sp>
-        <p:nvSpPr>
-          <p:cNvPr id="13" name="Content Placeholder 2">
-            <a:extLst>
-              <a:ext uri="{FF2B5EF4-FFF2-40B4-BE49-F238E27FC236}">
-                <a16:creationId xmlns:a16="http://schemas.microsoft.com/office/drawing/2014/main" id="{DDF4B768-7505-5B6C-ABEF-343021950256}"/>
-              </a:ext>
-            </a:extLst>
-          </p:cNvPr>
-          <p:cNvSpPr>
-            <a:spLocks noGrp="1"/>
-          </p:cNvSpPr>
-          <p:nvPr>
-            <p:ph idx="1"/>
-          </p:nvPr>
-        </p:nvSpPr>
-        <p:spPr/>
-        <p:txBody>
-          <a:bodyPr vert="horz" lIns="91440" tIns="45720" rIns="91440" bIns="45720" rtlCol="0" anchor="t">
-            <a:normAutofit/>
-          </a:bodyPr>
-          <a:lstStyle/>
-          <a:p>
-            <a:r>
-              <a:rPr lang="en-US">
-                <a:ea typeface="+mn-lt"/>
-                <a:cs typeface="+mn-lt"/>
-              </a:rPr>
-              <a:t>Used PATIENTS .CSV, ADMISSIONS.CSV , DIAGNOSES_ICD.CSV, D_ICD_DIAGNOSES.CSV, ICUSTAYS.CSV, PRESCRIPTIONS.CSV etc.</a:t>
-            </a:r>
-            <a:endParaRPr lang="en-US" dirty="0">
-              <a:ea typeface="+mn-lt"/>
-              <a:cs typeface="+mn-lt"/>
-            </a:endParaRPr>
-          </a:p>
-          <a:p>
-            <a:r>
-              <a:rPr lang="en-US">
-                <a:ea typeface="+mn-lt"/>
-                <a:cs typeface="+mn-lt"/>
-              </a:rPr>
-              <a:t>Created the initial dataframe using PATIENTS, ADMISSIONS, and DIAGNOSES_ICD.</a:t>
-            </a:r>
-            <a:endParaRPr lang="en-US"/>
-          </a:p>
-          <a:p>
-            <a:r>
-              <a:rPr lang="en-US">
-                <a:ea typeface="+mn-lt"/>
-                <a:cs typeface="+mn-lt"/>
-              </a:rPr>
-              <a:t>Merged the dataframe with other CSV files as needed for visualization requirements.</a:t>
-            </a:r>
-            <a:endParaRPr lang="en-US"/>
-          </a:p>
-          <a:p>
-            <a:endParaRPr lang="en-US" dirty="0"/>
-          </a:p>
-        </p:txBody>
-      </p:sp>
-      <p:sp>
-        <p:nvSpPr>
-          <p:cNvPr id="4" name="Date Placeholder 3">
-            <a:extLst>
-              <a:ext uri="{FF2B5EF4-FFF2-40B4-BE49-F238E27FC236}">
-                <a16:creationId xmlns:a16="http://schemas.microsoft.com/office/drawing/2014/main" id="{5BF8ED7D-29E5-DECA-7319-AA4FCC4E3849}"/>
-              </a:ext>
-            </a:extLst>
-          </p:cNvPr>
-          <p:cNvSpPr>
-            <a:spLocks noGrp="1"/>
-          </p:cNvSpPr>
-          <p:nvPr>
-            <p:ph type="dt" sz="half" idx="10"/>
-          </p:nvPr>
-        </p:nvSpPr>
-        <p:spPr/>
-        <p:txBody>
-          <a:bodyPr anchor="ctr">
-            <a:normAutofit/>
-          </a:bodyPr>
-          <a:lstStyle/>
-          <a:p>
-            <a:pPr>
-              <a:spcAft>
-                <a:spcPts val="600"/>
-              </a:spcAft>
-            </a:pPr>
-            <a:fld id="{C3184BA6-6710-47CD-85DD-07C7453AFE53}" type="datetime1">
-              <a:pPr>
-                <a:spcAft>
-                  <a:spcPts val="600"/>
-                </a:spcAft>
-              </a:pPr>
-              <a:t>1/24/2025</a:t>
-            </a:fld>
-            <a:endParaRPr lang="en-US"/>
-          </a:p>
-        </p:txBody>
-      </p:sp>
-      <p:sp>
-        <p:nvSpPr>
-          <p:cNvPr id="17" name="Footer Placeholder 5">
-            <a:extLst>
-              <a:ext uri="{FF2B5EF4-FFF2-40B4-BE49-F238E27FC236}">
-                <a16:creationId xmlns:a16="http://schemas.microsoft.com/office/drawing/2014/main" id="{37997F9B-1701-D32D-E56E-6127753CB6CA}"/>
-              </a:ext>
-            </a:extLst>
-          </p:cNvPr>
-          <p:cNvSpPr>
-            <a:spLocks noGrp="1"/>
-          </p:cNvSpPr>
-          <p:nvPr>
-            <p:ph type="ftr" sz="quarter" idx="11"/>
-          </p:nvPr>
-        </p:nvSpPr>
-        <p:spPr/>
-        <p:txBody>
-          <a:bodyPr/>
-          <a:lstStyle/>
-          <a:p>
-            <a:endParaRPr lang="en-US"/>
-          </a:p>
-        </p:txBody>
-      </p:sp>
-      <p:sp>
-        <p:nvSpPr>
-          <p:cNvPr id="6" name="Slide Number Placeholder 5">
-            <a:extLst>
-              <a:ext uri="{FF2B5EF4-FFF2-40B4-BE49-F238E27FC236}">
-                <a16:creationId xmlns:a16="http://schemas.microsoft.com/office/drawing/2014/main" id="{FCBF52FE-F15F-F061-5344-67FF5A066CE5}"/>
-              </a:ext>
-            </a:extLst>
-          </p:cNvPr>
-          <p:cNvSpPr>
-            <a:spLocks noGrp="1"/>
-          </p:cNvSpPr>
-          <p:nvPr>
-            <p:ph type="sldNum" sz="quarter" idx="12"/>
-          </p:nvPr>
-        </p:nvSpPr>
-        <p:spPr/>
-        <p:txBody>
-          <a:bodyPr anchor="ctr">
-            <a:normAutofit/>
-          </a:bodyPr>
-          <a:lstStyle/>
-          <a:p>
-            <a:pPr>
-              <a:spcAft>
-                <a:spcPts val="600"/>
-              </a:spcAft>
-            </a:pPr>
-            <a:fld id="{A65A5C87-DF58-40C8-B092-1DE63DB4547E}" type="slidenum">
-              <a:rPr lang="en-US" dirty="0"/>
-              <a:pPr>
-                <a:spcAft>
-                  <a:spcPts val="600"/>
-                </a:spcAft>
-              </a:pPr>
-              <a:t>3</a:t>
-            </a:fld>
-            <a:endParaRPr lang="en-US"/>
-          </a:p>
-        </p:txBody>
-      </p:sp>
-    </p:spTree>
-    <p:extLst>
-      <p:ext uri="{BB962C8B-B14F-4D97-AF65-F5344CB8AC3E}">
-        <p14:creationId xmlns:p14="http://schemas.microsoft.com/office/powerpoint/2010/main" val="1144616982"/>
-      </p:ext>
-    </p:extLst>
-  </p:cSld>
-  <p:clrMapOvr>
-    <a:masterClrMapping/>
-  </p:clrMapOvr>
-</p:sld>
-</file>
-
-<file path=ppt/slides/slide4.xml><?xml version="1.0" encoding="utf-8"?>
-<p:sld xmlns:a="http://schemas.openxmlformats.org/drawingml/2006/main" xmlns:r="http://schemas.openxmlformats.org/officeDocument/2006/relationships" xmlns:p="http://schemas.openxmlformats.org/presentationml/2006/main">
-  <p:cSld>
-    <p:spTree>
-      <p:nvGrpSpPr>
-        <p:cNvPr id="1" name=""/>
-        <p:cNvGrpSpPr/>
-        <p:nvPr/>
-      </p:nvGrpSpPr>
-      <p:grpSpPr>
-        <a:xfrm>
-          <a:off x="0" y="0"/>
-          <a:ext cx="0" cy="0"/>
-          <a:chOff x="0" y="0"/>
-          <a:chExt cx="0" cy="0"/>
-        </a:xfrm>
-      </p:grpSpPr>
-      <p:sp>
-        <p:nvSpPr>
-          <p:cNvPr id="2" name="Title 1">
-            <a:extLst>
-              <a:ext uri="{FF2B5EF4-FFF2-40B4-BE49-F238E27FC236}">
-                <a16:creationId xmlns:a16="http://schemas.microsoft.com/office/drawing/2014/main" id="{D4A847F5-FE7F-970F-30A8-F14DC30F0298}"/>
-              </a:ext>
-            </a:extLst>
-          </p:cNvPr>
-          <p:cNvSpPr>
-            <a:spLocks noGrp="1"/>
-          </p:cNvSpPr>
-          <p:nvPr>
-            <p:ph type="title"/>
-          </p:nvPr>
-        </p:nvSpPr>
-        <p:spPr/>
-        <p:txBody>
-          <a:bodyPr vert="horz" lIns="91440" tIns="45720" rIns="91440" bIns="45720" rtlCol="0" anchor="t">
-            <a:normAutofit/>
-          </a:bodyPr>
-          <a:lstStyle/>
-          <a:p>
-            <a:pPr>
-              <a:lnSpc>
-                <a:spcPct val="90000"/>
-              </a:lnSpc>
-            </a:pPr>
-            <a:r>
-              <a:rPr lang="en-US" sz="2900" dirty="0"/>
-              <a:t>Visual 1- Age and Gender-wise Distribution of Diabetes Patients</a:t>
-            </a:r>
-          </a:p>
-        </p:txBody>
-      </p:sp>
-      <p:pic>
-        <p:nvPicPr>
-          <p:cNvPr id="4" name="Content Placeholder 3" descr="A graph of diabetes and a number of patients&#10;&#10;AI-generated content may be incorrect.">
-            <a:extLst>
-              <a:ext uri="{FF2B5EF4-FFF2-40B4-BE49-F238E27FC236}">
-                <a16:creationId xmlns:a16="http://schemas.microsoft.com/office/drawing/2014/main" id="{67F7E326-4B29-1179-77EB-5DBE5B268BE4}"/>
-              </a:ext>
-            </a:extLst>
-          </p:cNvPr>
-          <p:cNvPicPr>
-            <a:picLocks noGrp="1" noChangeAspect="1"/>
-          </p:cNvPicPr>
-          <p:nvPr>
-            <p:ph idx="1"/>
-          </p:nvPr>
-        </p:nvPicPr>
-        <p:blipFill>
-          <a:blip r:embed="rId2"/>
-          <a:stretch/>
-        </p:blipFill>
-        <p:spPr>
-          <a:xfrm>
-            <a:off x="4333544" y="1711276"/>
-            <a:ext cx="7615459" cy="3779791"/>
-          </a:xfrm>
-          <a:prstGeom prst="rect">
-            <a:avLst/>
-          </a:prstGeom>
-        </p:spPr>
-      </p:pic>
-      <p:sp>
-        <p:nvSpPr>
-          <p:cNvPr id="27" name="Text Placeholder 3">
-            <a:extLst>
-              <a:ext uri="{FF2B5EF4-FFF2-40B4-BE49-F238E27FC236}">
-                <a16:creationId xmlns:a16="http://schemas.microsoft.com/office/drawing/2014/main" id="{845D7DA4-0A30-F667-174F-8A99022B50FE}"/>
-              </a:ext>
-            </a:extLst>
-          </p:cNvPr>
-          <p:cNvSpPr>
-            <a:spLocks noGrp="1"/>
-          </p:cNvSpPr>
-          <p:nvPr>
-            <p:ph type="body" sz="half" idx="2"/>
-          </p:nvPr>
-        </p:nvSpPr>
-        <p:spPr/>
-        <p:txBody>
-          <a:bodyPr vert="horz" lIns="91440" tIns="45720" rIns="91440" bIns="45720" rtlCol="0" anchor="t">
-            <a:normAutofit fontScale="92500" lnSpcReduction="20000"/>
-          </a:bodyPr>
-          <a:lstStyle/>
-          <a:p>
-            <a:r>
-              <a:rPr lang="en-US" dirty="0">
-                <a:ea typeface="+mn-lt"/>
-                <a:cs typeface="+mn-lt"/>
-              </a:rPr>
-              <a:t>This visualization represents diabetes patients, showcasing their age and gender distribution. It uses Seaborn to create a histogram for age-wise distribution and a </a:t>
-            </a:r>
-            <a:r>
-              <a:rPr lang="en-US" dirty="0" err="1">
-                <a:ea typeface="+mn-lt"/>
-                <a:cs typeface="+mn-lt"/>
-              </a:rPr>
-              <a:t>barplot</a:t>
-            </a:r>
-            <a:r>
-              <a:rPr lang="en-US" dirty="0">
-                <a:ea typeface="+mn-lt"/>
-                <a:cs typeface="+mn-lt"/>
-              </a:rPr>
-              <a:t> for gender-wise distribution.</a:t>
-            </a:r>
-          </a:p>
-        </p:txBody>
-      </p:sp>
-      <p:sp>
-        <p:nvSpPr>
-          <p:cNvPr id="28" name="Date Placeholder 4">
-            <a:extLst>
-              <a:ext uri="{FF2B5EF4-FFF2-40B4-BE49-F238E27FC236}">
-                <a16:creationId xmlns:a16="http://schemas.microsoft.com/office/drawing/2014/main" id="{7A6840E9-E4CF-DCC4-9B0D-7D4B8FDC3F5A}"/>
-              </a:ext>
-            </a:extLst>
-          </p:cNvPr>
-          <p:cNvSpPr>
-            <a:spLocks noGrp="1"/>
-          </p:cNvSpPr>
-          <p:nvPr>
-            <p:ph type="dt" sz="half" idx="10"/>
-          </p:nvPr>
-        </p:nvSpPr>
-        <p:spPr/>
-        <p:txBody>
-          <a:bodyPr/>
-          <a:lstStyle/>
-          <a:p>
-            <a:pPr>
-              <a:spcAft>
-                <a:spcPts val="600"/>
-              </a:spcAft>
-            </a:pPr>
-            <a:fld id="{C7DB37F9-8192-43C5-8AD8-3A3669843520}" type="datetime1">
-              <a:pPr>
-                <a:spcAft>
-                  <a:spcPts val="600"/>
-                </a:spcAft>
-              </a:pPr>
-              <a:t>1/24/2025</a:t>
-            </a:fld>
-            <a:endParaRPr lang="en-US"/>
-          </a:p>
-        </p:txBody>
-      </p:sp>
-      <p:sp>
-        <p:nvSpPr>
-          <p:cNvPr id="29" name="Footer Placeholder 5">
-            <a:extLst>
-              <a:ext uri="{FF2B5EF4-FFF2-40B4-BE49-F238E27FC236}">
-                <a16:creationId xmlns:a16="http://schemas.microsoft.com/office/drawing/2014/main" id="{33BFA14B-AF0A-16F8-9A2F-D4A1F799D935}"/>
-              </a:ext>
-            </a:extLst>
-          </p:cNvPr>
-          <p:cNvSpPr>
-            <a:spLocks noGrp="1"/>
-          </p:cNvSpPr>
-          <p:nvPr>
-            <p:ph type="ftr" sz="quarter" idx="11"/>
-          </p:nvPr>
-        </p:nvSpPr>
-        <p:spPr/>
-        <p:txBody>
-          <a:bodyPr/>
-          <a:lstStyle/>
-          <a:p>
-            <a:endParaRPr lang="en-US"/>
-          </a:p>
-        </p:txBody>
-      </p:sp>
-      <p:sp>
-        <p:nvSpPr>
-          <p:cNvPr id="30" name="Slide Number Placeholder 6">
-            <a:extLst>
-              <a:ext uri="{FF2B5EF4-FFF2-40B4-BE49-F238E27FC236}">
-                <a16:creationId xmlns:a16="http://schemas.microsoft.com/office/drawing/2014/main" id="{B9FC7F56-BFF9-92C8-CFE9-7DD25BADAF55}"/>
-              </a:ext>
-            </a:extLst>
-          </p:cNvPr>
-          <p:cNvSpPr>
-            <a:spLocks noGrp="1"/>
-          </p:cNvSpPr>
-          <p:nvPr>
-            <p:ph type="sldNum" sz="quarter" idx="12"/>
-          </p:nvPr>
-        </p:nvSpPr>
-        <p:spPr/>
-        <p:txBody>
-          <a:bodyPr/>
-          <a:lstStyle/>
-          <a:p>
-            <a:pPr>
-              <a:spcAft>
-                <a:spcPts val="600"/>
-              </a:spcAft>
-            </a:pPr>
-            <a:fld id="{A65A5C87-DF58-40C8-B092-1DE63DB4547E}" type="slidenum">
-              <a:rPr lang="en-US" dirty="0"/>
-              <a:pPr>
-                <a:spcAft>
-                  <a:spcPts val="600"/>
-                </a:spcAft>
-              </a:pPr>
-              <a:t>4</a:t>
-            </a:fld>
-            <a:endParaRPr lang="en-US"/>
-          </a:p>
-        </p:txBody>
-      </p:sp>
-    </p:spTree>
-    <p:extLst>
-      <p:ext uri="{BB962C8B-B14F-4D97-AF65-F5344CB8AC3E}">
-        <p14:creationId xmlns:p14="http://schemas.microsoft.com/office/powerpoint/2010/main" val="2325500405"/>
-      </p:ext>
-    </p:extLst>
-  </p:cSld>
-  <p:clrMapOvr>
-    <a:masterClrMapping/>
-  </p:clrMapOvr>
-</p:sld>
-</file>
-
-<file path=ppt/slides/slide5.xml><?xml version="1.0" encoding="utf-8"?>
-<p:sld xmlns:a="http://schemas.openxmlformats.org/drawingml/2006/main" xmlns:r="http://schemas.openxmlformats.org/officeDocument/2006/relationships" xmlns:p="http://schemas.openxmlformats.org/presentationml/2006/main">
-  <p:cSld>
-    <p:spTree>
-      <p:nvGrpSpPr>
-        <p:cNvPr id="1" name=""/>
-        <p:cNvGrpSpPr/>
-        <p:nvPr/>
-      </p:nvGrpSpPr>
-      <p:grpSpPr>
-        <a:xfrm>
-          <a:off x="0" y="0"/>
-          <a:ext cx="0" cy="0"/>
-          <a:chOff x="0" y="0"/>
-          <a:chExt cx="0" cy="0"/>
-        </a:xfrm>
-      </p:grpSpPr>
-      <p:sp>
-        <p:nvSpPr>
-          <p:cNvPr id="2" name="Title 1">
-            <a:extLst>
-              <a:ext uri="{FF2B5EF4-FFF2-40B4-BE49-F238E27FC236}">
-                <a16:creationId xmlns:a16="http://schemas.microsoft.com/office/drawing/2014/main" id="{BF65AC6B-C37F-8594-FB87-8458012C9F88}"/>
-              </a:ext>
-            </a:extLst>
-          </p:cNvPr>
-          <p:cNvSpPr>
-            <a:spLocks noGrp="1"/>
-          </p:cNvSpPr>
-          <p:nvPr>
-            <p:ph type="title"/>
-          </p:nvPr>
-        </p:nvSpPr>
-        <p:spPr/>
-        <p:txBody>
-          <a:bodyPr/>
-          <a:lstStyle/>
-          <a:p>
-            <a:r>
-              <a:rPr lang="en-US" dirty="0"/>
-              <a:t>Visual 1 - </a:t>
-            </a:r>
-            <a:r>
-              <a:rPr lang="en-US" dirty="0">
-                <a:ea typeface="+mj-lt"/>
-                <a:cs typeface="+mj-lt"/>
-              </a:rPr>
-              <a:t>How to recreate</a:t>
-            </a:r>
-          </a:p>
-        </p:txBody>
-      </p:sp>
-      <p:pic>
-        <p:nvPicPr>
-          <p:cNvPr id="8" name="Content Placeholder 7" descr="A screenshot of a computer program">
-            <a:extLst>
-              <a:ext uri="{FF2B5EF4-FFF2-40B4-BE49-F238E27FC236}">
-                <a16:creationId xmlns:a16="http://schemas.microsoft.com/office/drawing/2014/main" id="{9C1561B6-2DE7-3970-B530-E754B8F93107}"/>
-              </a:ext>
-            </a:extLst>
-          </p:cNvPr>
-          <p:cNvPicPr>
-            <a:picLocks noGrp="1" noChangeAspect="1"/>
-          </p:cNvPicPr>
-          <p:nvPr>
-            <p:ph idx="1"/>
-          </p:nvPr>
-        </p:nvPicPr>
-        <p:blipFill>
-          <a:blip r:embed="rId2"/>
-          <a:stretch>
-            <a:fillRect/>
-          </a:stretch>
-        </p:blipFill>
-        <p:spPr>
-          <a:xfrm>
-            <a:off x="1120654" y="2303072"/>
-            <a:ext cx="6517840" cy="3794734"/>
-          </a:xfrm>
-          <a:prstGeom prst="rect">
-            <a:avLst/>
-          </a:prstGeom>
-        </p:spPr>
-      </p:pic>
-      <p:sp>
-        <p:nvSpPr>
-          <p:cNvPr id="5" name="Date Placeholder 4">
-            <a:extLst>
-              <a:ext uri="{FF2B5EF4-FFF2-40B4-BE49-F238E27FC236}">
-                <a16:creationId xmlns:a16="http://schemas.microsoft.com/office/drawing/2014/main" id="{5D92F13A-6320-B67E-23B2-8F0D6BEC30F6}"/>
-              </a:ext>
-            </a:extLst>
-          </p:cNvPr>
-          <p:cNvSpPr>
-            <a:spLocks noGrp="1"/>
-          </p:cNvSpPr>
-          <p:nvPr>
-            <p:ph type="dt" sz="half" idx="10"/>
-          </p:nvPr>
-        </p:nvSpPr>
-        <p:spPr/>
-        <p:txBody>
-          <a:bodyPr/>
-          <a:lstStyle/>
-          <a:p>
-            <a:fld id="{A20EE442-7E2D-4B98-9210-7F067E6F4EDF}" type="datetime1">
-              <a:t>1/24/2025</a:t>
-            </a:fld>
-            <a:endParaRPr lang="en-US" dirty="0"/>
-          </a:p>
-        </p:txBody>
-      </p:sp>
-      <p:sp>
-        <p:nvSpPr>
-          <p:cNvPr id="6" name="Footer Placeholder 5">
-            <a:extLst>
-              <a:ext uri="{FF2B5EF4-FFF2-40B4-BE49-F238E27FC236}">
-                <a16:creationId xmlns:a16="http://schemas.microsoft.com/office/drawing/2014/main" id="{74AA2136-DCE3-3C43-480E-69E0B597C6BC}"/>
-              </a:ext>
-            </a:extLst>
-          </p:cNvPr>
-          <p:cNvSpPr>
-            <a:spLocks noGrp="1"/>
-          </p:cNvSpPr>
-          <p:nvPr>
-            <p:ph type="ftr" sz="quarter" idx="11"/>
-          </p:nvPr>
-        </p:nvSpPr>
-        <p:spPr/>
-        <p:txBody>
-          <a:bodyPr/>
-          <a:lstStyle/>
-          <a:p>
-            <a:endParaRPr lang="en-US" dirty="0"/>
-          </a:p>
-        </p:txBody>
-      </p:sp>
-      <p:sp>
-        <p:nvSpPr>
-          <p:cNvPr id="7" name="Slide Number Placeholder 6">
-            <a:extLst>
-              <a:ext uri="{FF2B5EF4-FFF2-40B4-BE49-F238E27FC236}">
-                <a16:creationId xmlns:a16="http://schemas.microsoft.com/office/drawing/2014/main" id="{3555EC99-46B4-888B-5297-AB12D7AB4C0C}"/>
-              </a:ext>
-            </a:extLst>
-          </p:cNvPr>
-          <p:cNvSpPr>
-            <a:spLocks noGrp="1"/>
-          </p:cNvSpPr>
-          <p:nvPr>
-            <p:ph type="sldNum" sz="quarter" idx="12"/>
-          </p:nvPr>
-        </p:nvSpPr>
-        <p:spPr/>
-        <p:txBody>
-          <a:bodyPr/>
-          <a:lstStyle/>
-          <a:p>
-            <a:fld id="{A65A5C87-DF58-40C8-B092-1DE63DB4547E}" type="slidenum">
-              <a:rPr lang="en-US" dirty="0"/>
-              <a:t>5</a:t>
-            </a:fld>
-            <a:endParaRPr lang="en-US" dirty="0"/>
-          </a:p>
-        </p:txBody>
-      </p:sp>
-      <p:sp>
-        <p:nvSpPr>
-          <p:cNvPr id="11" name="TextBox 10">
-            <a:extLst>
-              <a:ext uri="{FF2B5EF4-FFF2-40B4-BE49-F238E27FC236}">
-                <a16:creationId xmlns:a16="http://schemas.microsoft.com/office/drawing/2014/main" id="{38CFB88B-D0EC-A75F-1E88-435A3BA984DA}"/>
-              </a:ext>
-            </a:extLst>
-          </p:cNvPr>
-          <p:cNvSpPr txBox="1"/>
-          <p:nvPr/>
-        </p:nvSpPr>
-        <p:spPr>
-          <a:xfrm>
-            <a:off x="8263573" y="2291850"/>
-            <a:ext cx="3550754" cy="2308324"/>
-          </a:xfrm>
-          <a:prstGeom prst="rect">
-            <a:avLst/>
-          </a:prstGeom>
-          <a:noFill/>
-        </p:spPr>
-        <p:txBody>
-          <a:bodyPr rot="0" spcFirstLastPara="0" vertOverflow="overflow" horzOverflow="overflow" vert="horz" wrap="square" lIns="91440" tIns="45720" rIns="91440" bIns="45720" numCol="1" spcCol="0" rtlCol="0" fromWordArt="0" anchor="t" anchorCtr="0" forceAA="0" compatLnSpc="1">
-            <a:prstTxWarp prst="textNoShape">
-              <a:avLst/>
-            </a:prstTxWarp>
-            <a:spAutoFit/>
-          </a:bodyPr>
-          <a:lstStyle/>
-          <a:p>
-            <a:pPr marL="285750" indent="-285750">
-              <a:buFont typeface="Arial"/>
-              <a:buChar char="•"/>
-            </a:pPr>
-            <a:r>
-              <a:rPr lang="en-US" dirty="0">
-                <a:ea typeface="+mn-lt"/>
-                <a:cs typeface="+mn-lt"/>
-              </a:rPr>
-              <a:t>Filters patient records based on ICD-9 codes (250.x series)</a:t>
-            </a:r>
-            <a:endParaRPr lang="en-US" dirty="0"/>
-          </a:p>
-          <a:p>
-            <a:pPr marL="285750" indent="-285750">
-              <a:buFont typeface="Arial"/>
-              <a:buChar char="•"/>
-            </a:pPr>
-            <a:r>
-              <a:rPr lang="en-US" dirty="0">
-                <a:ea typeface="+mn-lt"/>
-                <a:cs typeface="+mn-lt"/>
-              </a:rPr>
-              <a:t>Eliminates duplicate patients by their unique IDs.</a:t>
-            </a:r>
-            <a:endParaRPr lang="en-US" dirty="0"/>
-          </a:p>
-          <a:p>
-            <a:pPr marL="285750" indent="-285750">
-              <a:buFont typeface="Arial"/>
-              <a:buChar char="•"/>
-            </a:pPr>
-            <a:r>
-              <a:rPr lang="en-US" dirty="0">
-                <a:ea typeface="+mn-lt"/>
-                <a:cs typeface="+mn-lt"/>
-              </a:rPr>
-              <a:t>Counts gender distribution among unique patients.</a:t>
-            </a:r>
-            <a:endParaRPr lang="en-US" dirty="0"/>
-          </a:p>
-          <a:p>
-            <a:pPr marL="285750" indent="-285750">
-              <a:buFont typeface="Arial"/>
-              <a:buChar char="•"/>
-            </a:pPr>
-            <a:r>
-              <a:rPr lang="en-US" dirty="0">
-                <a:ea typeface="+mn-lt"/>
-                <a:cs typeface="+mn-lt"/>
-              </a:rPr>
-              <a:t>Plot histogram and </a:t>
-            </a:r>
-            <a:r>
-              <a:rPr lang="en-US" err="1">
-                <a:ea typeface="+mn-lt"/>
-                <a:cs typeface="+mn-lt"/>
-              </a:rPr>
-              <a:t>barchart</a:t>
-            </a:r>
-            <a:endParaRPr lang="en-US" err="1"/>
-          </a:p>
-          <a:p>
-            <a:pPr algn="l"/>
-            <a:endParaRPr lang="en-US" dirty="0"/>
-          </a:p>
-        </p:txBody>
-      </p:sp>
-    </p:spTree>
-    <p:extLst>
-      <p:ext uri="{BB962C8B-B14F-4D97-AF65-F5344CB8AC3E}">
-        <p14:creationId xmlns:p14="http://schemas.microsoft.com/office/powerpoint/2010/main" val="3667998280"/>
-      </p:ext>
-    </p:extLst>
-  </p:cSld>
-  <p:clrMapOvr>
-    <a:masterClrMapping/>
-  </p:clrMapOvr>
-</p:sld>
-</file>
-
-<file path=ppt/slides/slide6.xml><?xml version="1.0" encoding="utf-8"?>
-<p:sld xmlns:a="http://schemas.openxmlformats.org/drawingml/2006/main" xmlns:r="http://schemas.openxmlformats.org/officeDocument/2006/relationships" xmlns:p="http://schemas.openxmlformats.org/presentationml/2006/main">
-  <p:cSld>
-    <p:spTree>
-      <p:nvGrpSpPr>
-        <p:cNvPr id="1" name=""/>
-        <p:cNvGrpSpPr/>
-        <p:nvPr/>
-      </p:nvGrpSpPr>
-      <p:grpSpPr>
-        <a:xfrm>
-          <a:off x="0" y="0"/>
-          <a:ext cx="0" cy="0"/>
-          <a:chOff x="0" y="0"/>
-          <a:chExt cx="0" cy="0"/>
-        </a:xfrm>
-      </p:grpSpPr>
-      <p:sp>
-        <p:nvSpPr>
-          <p:cNvPr id="2" name="Title 1">
-            <a:extLst>
-              <a:ext uri="{FF2B5EF4-FFF2-40B4-BE49-F238E27FC236}">
-                <a16:creationId xmlns:a16="http://schemas.microsoft.com/office/drawing/2014/main" id="{96860D78-5533-382B-8BC4-FB8AACB18B26}"/>
-              </a:ext>
-            </a:extLst>
-          </p:cNvPr>
-          <p:cNvSpPr>
-            <a:spLocks noGrp="1"/>
-          </p:cNvSpPr>
-          <p:nvPr>
-            <p:ph type="title"/>
-          </p:nvPr>
-        </p:nvSpPr>
-        <p:spPr/>
-        <p:txBody>
-          <a:bodyPr>
-            <a:normAutofit/>
-          </a:bodyPr>
-          <a:lstStyle/>
-          <a:p>
-            <a:r>
-              <a:rPr lang="en-US" sz="2900" dirty="0"/>
-              <a:t>Visual 2- </a:t>
-            </a:r>
-            <a:r>
-              <a:rPr lang="en-US" sz="1700" dirty="0">
-                <a:solidFill>
-                  <a:srgbClr val="1F1F1F"/>
-                </a:solidFill>
-                <a:latin typeface="Roboto"/>
-                <a:ea typeface="Roboto"/>
-                <a:cs typeface="Roboto"/>
-              </a:rPr>
-              <a:t>Proportional Distribution of Heart Failure Subtypes by ICD-9 Code</a:t>
-            </a:r>
-            <a:endParaRPr lang="en-US" dirty="0"/>
-          </a:p>
-          <a:p>
-            <a:endParaRPr lang="en-US" sz="2900" dirty="0"/>
-          </a:p>
-          <a:p>
-            <a:endParaRPr lang="en-US" dirty="0"/>
-          </a:p>
-        </p:txBody>
-      </p:sp>
-      <p:pic>
-        <p:nvPicPr>
-          <p:cNvPr id="8" name="Content Placeholder 7" descr="A graph showing the evolution of heart failure subtypes&#10;&#10;AI-generated content may be incorrect.">
-            <a:extLst>
-              <a:ext uri="{FF2B5EF4-FFF2-40B4-BE49-F238E27FC236}">
-                <a16:creationId xmlns:a16="http://schemas.microsoft.com/office/drawing/2014/main" id="{0CB682B8-0C6D-8142-36B1-AF8E2C5D1355}"/>
-              </a:ext>
-            </a:extLst>
-          </p:cNvPr>
-          <p:cNvPicPr>
-            <a:picLocks noGrp="1" noChangeAspect="1"/>
-          </p:cNvPicPr>
-          <p:nvPr>
-            <p:ph idx="1"/>
-          </p:nvPr>
-        </p:nvPicPr>
-        <p:blipFill>
-          <a:blip r:embed="rId2"/>
-          <a:stretch>
-            <a:fillRect/>
-          </a:stretch>
-        </p:blipFill>
-        <p:spPr>
-          <a:xfrm>
-            <a:off x="4965192" y="1947579"/>
-            <a:ext cx="6729984" cy="3621210"/>
-          </a:xfrm>
-        </p:spPr>
-      </p:pic>
-      <p:sp>
-        <p:nvSpPr>
-          <p:cNvPr id="4" name="Text Placeholder 3">
-            <a:extLst>
-              <a:ext uri="{FF2B5EF4-FFF2-40B4-BE49-F238E27FC236}">
-                <a16:creationId xmlns:a16="http://schemas.microsoft.com/office/drawing/2014/main" id="{66A83C4F-6C53-107B-881F-FDA6C5E8E56D}"/>
-              </a:ext>
-            </a:extLst>
-          </p:cNvPr>
-          <p:cNvSpPr>
-            <a:spLocks noGrp="1"/>
-          </p:cNvSpPr>
-          <p:nvPr>
-            <p:ph type="body" sz="half" idx="2"/>
-          </p:nvPr>
-        </p:nvSpPr>
-        <p:spPr>
-          <a:xfrm>
-            <a:off x="727166" y="3080657"/>
-            <a:ext cx="3099816" cy="2066544"/>
-          </a:xfrm>
-        </p:spPr>
-        <p:txBody>
-          <a:bodyPr vert="horz" lIns="91440" tIns="45720" rIns="91440" bIns="45720" rtlCol="0" anchor="t">
-            <a:normAutofit/>
-          </a:bodyPr>
-          <a:lstStyle/>
-          <a:p>
-            <a:r>
-              <a:rPr lang="en-US" sz="1500" dirty="0">
-                <a:ea typeface="+mn-lt"/>
-                <a:cs typeface="+mn-lt"/>
-              </a:rPr>
-              <a:t>This visualization is an interactive pie chart displaying the proportional distribution of heart failure subtypes.</a:t>
-            </a:r>
-            <a:endParaRPr lang="en-US" dirty="0">
-              <a:ea typeface="+mn-lt"/>
-              <a:cs typeface="+mn-lt"/>
-            </a:endParaRPr>
-          </a:p>
-          <a:p>
-            <a:endParaRPr lang="en-US" sz="1500" dirty="0"/>
-          </a:p>
-        </p:txBody>
-      </p:sp>
-      <p:sp>
-        <p:nvSpPr>
-          <p:cNvPr id="5" name="Date Placeholder 4">
-            <a:extLst>
-              <a:ext uri="{FF2B5EF4-FFF2-40B4-BE49-F238E27FC236}">
-                <a16:creationId xmlns:a16="http://schemas.microsoft.com/office/drawing/2014/main" id="{343B55A5-81C9-A991-18FA-7640C31AC471}"/>
-              </a:ext>
-            </a:extLst>
-          </p:cNvPr>
-          <p:cNvSpPr>
-            <a:spLocks noGrp="1"/>
-          </p:cNvSpPr>
-          <p:nvPr>
-            <p:ph type="dt" sz="half" idx="10"/>
-          </p:nvPr>
-        </p:nvSpPr>
-        <p:spPr/>
-        <p:txBody>
-          <a:bodyPr/>
-          <a:lstStyle/>
-          <a:p>
-            <a:fld id="{6995AFF3-DB6D-4D3A-8B80-0728150A1B0C}" type="datetime1">
-              <a:t>1/24/2025</a:t>
-            </a:fld>
-            <a:endParaRPr lang="en-US" dirty="0"/>
-          </a:p>
-        </p:txBody>
-      </p:sp>
-      <p:sp>
-        <p:nvSpPr>
-          <p:cNvPr id="6" name="Footer Placeholder 5">
-            <a:extLst>
-              <a:ext uri="{FF2B5EF4-FFF2-40B4-BE49-F238E27FC236}">
-                <a16:creationId xmlns:a16="http://schemas.microsoft.com/office/drawing/2014/main" id="{7720D3C6-41E8-E729-7EED-9763DAC15315}"/>
-              </a:ext>
-            </a:extLst>
-          </p:cNvPr>
-          <p:cNvSpPr>
-            <a:spLocks noGrp="1"/>
-          </p:cNvSpPr>
-          <p:nvPr>
-            <p:ph type="ftr" sz="quarter" idx="11"/>
-          </p:nvPr>
-        </p:nvSpPr>
-        <p:spPr/>
-        <p:txBody>
-          <a:bodyPr/>
-          <a:lstStyle/>
-          <a:p>
-            <a:endParaRPr lang="en-US" dirty="0"/>
-          </a:p>
-        </p:txBody>
-      </p:sp>
-      <p:sp>
-        <p:nvSpPr>
-          <p:cNvPr id="7" name="Slide Number Placeholder 6">
-            <a:extLst>
-              <a:ext uri="{FF2B5EF4-FFF2-40B4-BE49-F238E27FC236}">
-                <a16:creationId xmlns:a16="http://schemas.microsoft.com/office/drawing/2014/main" id="{14056A5B-DB00-FEF8-A95E-7DD1103955F8}"/>
-              </a:ext>
-            </a:extLst>
-          </p:cNvPr>
-          <p:cNvSpPr>
-            <a:spLocks noGrp="1"/>
-          </p:cNvSpPr>
-          <p:nvPr>
-            <p:ph type="sldNum" sz="quarter" idx="12"/>
-          </p:nvPr>
-        </p:nvSpPr>
-        <p:spPr/>
-        <p:txBody>
-          <a:bodyPr/>
-          <a:lstStyle/>
-          <a:p>
-            <a:fld id="{A65A5C87-DF58-40C8-B092-1DE63DB4547E}" type="slidenum">
-              <a:rPr lang="en-US" dirty="0"/>
-              <a:t>6</a:t>
-            </a:fld>
-            <a:endParaRPr lang="en-US" dirty="0"/>
-          </a:p>
-        </p:txBody>
-      </p:sp>
-    </p:spTree>
-    <p:extLst>
-      <p:ext uri="{BB962C8B-B14F-4D97-AF65-F5344CB8AC3E}">
-        <p14:creationId xmlns:p14="http://schemas.microsoft.com/office/powerpoint/2010/main" val="1500749005"/>
-      </p:ext>
-    </p:extLst>
-  </p:cSld>
-  <p:clrMapOvr>
-    <a:masterClrMapping/>
-  </p:clrMapOvr>
-</p:sld>
-</file>
-
-<file path=ppt/slides/slide7.xml><?xml version="1.0" encoding="utf-8"?>
-<p:sld xmlns:a="http://schemas.openxmlformats.org/drawingml/2006/main" xmlns:r="http://schemas.openxmlformats.org/officeDocument/2006/relationships" xmlns:p="http://schemas.openxmlformats.org/presentationml/2006/main">
-  <p:cSld>
-    <p:spTree>
-      <p:nvGrpSpPr>
-        <p:cNvPr id="1" name=""/>
-        <p:cNvGrpSpPr/>
-        <p:nvPr/>
-      </p:nvGrpSpPr>
-      <p:grpSpPr>
-        <a:xfrm>
-          <a:off x="0" y="0"/>
-          <a:ext cx="0" cy="0"/>
-          <a:chOff x="0" y="0"/>
-          <a:chExt cx="0" cy="0"/>
-        </a:xfrm>
-      </p:grpSpPr>
-      <p:sp>
-        <p:nvSpPr>
-          <p:cNvPr id="2" name="Title 1">
-            <a:extLst>
-              <a:ext uri="{FF2B5EF4-FFF2-40B4-BE49-F238E27FC236}">
-                <a16:creationId xmlns:a16="http://schemas.microsoft.com/office/drawing/2014/main" id="{BF65AC6B-C37F-8594-FB87-8458012C9F88}"/>
-              </a:ext>
-            </a:extLst>
-          </p:cNvPr>
-          <p:cNvSpPr>
-            <a:spLocks noGrp="1"/>
-          </p:cNvSpPr>
-          <p:nvPr>
-            <p:ph type="title"/>
-          </p:nvPr>
-        </p:nvSpPr>
-        <p:spPr/>
-        <p:txBody>
-          <a:bodyPr/>
-          <a:lstStyle/>
-          <a:p>
-            <a:r>
-              <a:rPr lang="en-US" dirty="0"/>
-              <a:t>Visual 2 - </a:t>
-            </a:r>
-            <a:r>
-              <a:rPr lang="en-US" dirty="0">
-                <a:ea typeface="+mj-lt"/>
-                <a:cs typeface="+mj-lt"/>
-              </a:rPr>
-              <a:t>How to recreate</a:t>
-            </a:r>
-          </a:p>
-        </p:txBody>
-      </p:sp>
-      <p:sp>
-        <p:nvSpPr>
-          <p:cNvPr id="5" name="Date Placeholder 4">
-            <a:extLst>
-              <a:ext uri="{FF2B5EF4-FFF2-40B4-BE49-F238E27FC236}">
-                <a16:creationId xmlns:a16="http://schemas.microsoft.com/office/drawing/2014/main" id="{5D92F13A-6320-B67E-23B2-8F0D6BEC30F6}"/>
-              </a:ext>
-            </a:extLst>
-          </p:cNvPr>
-          <p:cNvSpPr>
-            <a:spLocks noGrp="1"/>
-          </p:cNvSpPr>
-          <p:nvPr>
-            <p:ph type="dt" sz="half" idx="10"/>
-          </p:nvPr>
-        </p:nvSpPr>
-        <p:spPr/>
-        <p:txBody>
-          <a:bodyPr/>
-          <a:lstStyle/>
-          <a:p>
-            <a:fld id="{A20EE442-7E2D-4B98-9210-7F067E6F4EDF}" type="datetime1">
-              <a:t>1/24/2025</a:t>
-            </a:fld>
-            <a:endParaRPr lang="en-US" dirty="0"/>
-          </a:p>
-        </p:txBody>
-      </p:sp>
-      <p:sp>
-        <p:nvSpPr>
-          <p:cNvPr id="6" name="Footer Placeholder 5">
-            <a:extLst>
-              <a:ext uri="{FF2B5EF4-FFF2-40B4-BE49-F238E27FC236}">
-                <a16:creationId xmlns:a16="http://schemas.microsoft.com/office/drawing/2014/main" id="{74AA2136-DCE3-3C43-480E-69E0B597C6BC}"/>
-              </a:ext>
-            </a:extLst>
-          </p:cNvPr>
-          <p:cNvSpPr>
-            <a:spLocks noGrp="1"/>
-          </p:cNvSpPr>
-          <p:nvPr>
-            <p:ph type="ftr" sz="quarter" idx="11"/>
-          </p:nvPr>
-        </p:nvSpPr>
-        <p:spPr/>
-        <p:txBody>
-          <a:bodyPr/>
-          <a:lstStyle/>
-          <a:p>
-            <a:endParaRPr lang="en-US" dirty="0"/>
-          </a:p>
-        </p:txBody>
-      </p:sp>
-      <p:sp>
-        <p:nvSpPr>
-          <p:cNvPr id="7" name="Slide Number Placeholder 6">
-            <a:extLst>
-              <a:ext uri="{FF2B5EF4-FFF2-40B4-BE49-F238E27FC236}">
-                <a16:creationId xmlns:a16="http://schemas.microsoft.com/office/drawing/2014/main" id="{3555EC99-46B4-888B-5297-AB12D7AB4C0C}"/>
-              </a:ext>
-            </a:extLst>
-          </p:cNvPr>
-          <p:cNvSpPr>
-            <a:spLocks noGrp="1"/>
-          </p:cNvSpPr>
-          <p:nvPr>
-            <p:ph type="sldNum" sz="quarter" idx="12"/>
-          </p:nvPr>
-        </p:nvSpPr>
-        <p:spPr/>
-        <p:txBody>
-          <a:bodyPr/>
-          <a:lstStyle/>
-          <a:p>
-            <a:fld id="{A65A5C87-DF58-40C8-B092-1DE63DB4547E}" type="slidenum">
-              <a:rPr lang="en-US" dirty="0"/>
-              <a:t>7</a:t>
-            </a:fld>
-            <a:endParaRPr lang="en-US" dirty="0"/>
-          </a:p>
-        </p:txBody>
-      </p:sp>
-      <p:sp>
-        <p:nvSpPr>
-          <p:cNvPr id="11" name="TextBox 10">
-            <a:extLst>
-              <a:ext uri="{FF2B5EF4-FFF2-40B4-BE49-F238E27FC236}">
-                <a16:creationId xmlns:a16="http://schemas.microsoft.com/office/drawing/2014/main" id="{38CFB88B-D0EC-A75F-1E88-435A3BA984DA}"/>
-              </a:ext>
-            </a:extLst>
-          </p:cNvPr>
-          <p:cNvSpPr txBox="1"/>
-          <p:nvPr/>
-        </p:nvSpPr>
-        <p:spPr>
-          <a:xfrm>
-            <a:off x="8263573" y="2291850"/>
-            <a:ext cx="3550754" cy="2585323"/>
-          </a:xfrm>
-          <a:prstGeom prst="rect">
-            <a:avLst/>
-          </a:prstGeom>
-          <a:noFill/>
-        </p:spPr>
-        <p:txBody>
-          <a:bodyPr rot="0" spcFirstLastPara="0" vertOverflow="overflow" horzOverflow="overflow" vert="horz" wrap="square" lIns="91440" tIns="45720" rIns="91440" bIns="45720" numCol="1" spcCol="0" rtlCol="0" fromWordArt="0" anchor="t" anchorCtr="0" forceAA="0" compatLnSpc="1">
-            <a:prstTxWarp prst="textNoShape">
-              <a:avLst/>
-            </a:prstTxWarp>
-            <a:spAutoFit/>
-          </a:bodyPr>
-          <a:lstStyle/>
-          <a:p>
-            <a:pPr marL="285750" indent="-285750">
-              <a:buFont typeface="Arial"/>
-              <a:buChar char="•"/>
-            </a:pPr>
-            <a:r>
-              <a:rPr lang="en-US" dirty="0">
-                <a:ea typeface="+mn-lt"/>
-                <a:cs typeface="+mn-lt"/>
-              </a:rPr>
-              <a:t>Extracts patient records with ICD-9 codes (428.x series for heart failure).</a:t>
-            </a:r>
-          </a:p>
-          <a:p>
-            <a:pPr marL="285750" indent="-285750">
-              <a:buFont typeface="Arial"/>
-              <a:buChar char="•"/>
-            </a:pPr>
-            <a:r>
-              <a:rPr lang="en-US" dirty="0">
-                <a:ea typeface="+mn-lt"/>
-                <a:cs typeface="+mn-lt"/>
-              </a:rPr>
-              <a:t>Counts occurrences of each ICD-9 code and prepares labels. </a:t>
-            </a:r>
-            <a:endParaRPr lang="en-US"/>
-          </a:p>
-          <a:p>
-            <a:pPr marL="285750" indent="-285750">
-              <a:buFont typeface="Arial"/>
-              <a:buChar char="•"/>
-            </a:pPr>
-            <a:r>
-              <a:rPr lang="en-US" dirty="0">
-                <a:ea typeface="+mn-lt"/>
-                <a:cs typeface="+mn-lt"/>
-              </a:rPr>
-              <a:t>Creates an interactive pie chart using </a:t>
-            </a:r>
-            <a:r>
-              <a:rPr lang="en-US" dirty="0" err="1">
-                <a:ea typeface="+mn-lt"/>
-                <a:cs typeface="+mn-lt"/>
-              </a:rPr>
-              <a:t>Plotly</a:t>
-            </a:r>
-            <a:r>
-              <a:rPr lang="en-US" dirty="0">
-                <a:ea typeface="+mn-lt"/>
-                <a:cs typeface="+mn-lt"/>
-              </a:rPr>
-              <a:t> Express.</a:t>
-            </a:r>
-            <a:endParaRPr lang="en-US" dirty="0"/>
-          </a:p>
-          <a:p>
-            <a:pPr algn="l"/>
-            <a:endParaRPr lang="en-US" dirty="0"/>
-          </a:p>
-        </p:txBody>
-      </p:sp>
-      <p:pic>
-        <p:nvPicPr>
-          <p:cNvPr id="9" name="Content Placeholder 8" descr="A screenshot of a computer code&#10;&#10;AI-generated content may be incorrect.">
-            <a:extLst>
-              <a:ext uri="{FF2B5EF4-FFF2-40B4-BE49-F238E27FC236}">
-                <a16:creationId xmlns:a16="http://schemas.microsoft.com/office/drawing/2014/main" id="{FCF799C0-807C-1A08-51CC-F5104BF8583A}"/>
-              </a:ext>
-            </a:extLst>
-          </p:cNvPr>
-          <p:cNvPicPr>
-            <a:picLocks noGrp="1" noChangeAspect="1"/>
-          </p:cNvPicPr>
-          <p:nvPr>
-            <p:ph idx="1"/>
-          </p:nvPr>
-        </p:nvPicPr>
-        <p:blipFill>
-          <a:blip r:embed="rId2"/>
-          <a:stretch>
-            <a:fillRect/>
-          </a:stretch>
-        </p:blipFill>
-        <p:spPr>
-          <a:xfrm>
-            <a:off x="739672" y="2292967"/>
-            <a:ext cx="7120803" cy="3694176"/>
-          </a:xfrm>
-        </p:spPr>
-      </p:pic>
-    </p:spTree>
-    <p:extLst>
-      <p:ext uri="{BB962C8B-B14F-4D97-AF65-F5344CB8AC3E}">
-        <p14:creationId xmlns:p14="http://schemas.microsoft.com/office/powerpoint/2010/main" val="2838710785"/>
-      </p:ext>
-    </p:extLst>
-  </p:cSld>
-  <p:clrMapOvr>
-    <a:masterClrMapping/>
-  </p:clrMapOvr>
-</p:sld>
-</file>
-
-<file path=ppt/slides/slide8.xml><?xml version="1.0" encoding="utf-8"?>
-<p:sld xmlns:a="http://schemas.openxmlformats.org/drawingml/2006/main" xmlns:r="http://schemas.openxmlformats.org/officeDocument/2006/relationships" xmlns:p="http://schemas.openxmlformats.org/presentationml/2006/main">
-  <p:cSld>
-    <p:spTree>
-      <p:nvGrpSpPr>
-        <p:cNvPr id="1" name=""/>
-        <p:cNvGrpSpPr/>
-        <p:nvPr/>
-      </p:nvGrpSpPr>
-      <p:grpSpPr>
-        <a:xfrm>
-          <a:off x="0" y="0"/>
-          <a:ext cx="0" cy="0"/>
-          <a:chOff x="0" y="0"/>
-          <a:chExt cx="0" cy="0"/>
-        </a:xfrm>
-      </p:grpSpPr>
-      <p:sp>
-        <p:nvSpPr>
-          <p:cNvPr id="2" name="Title 1">
-            <a:extLst>
-              <a:ext uri="{FF2B5EF4-FFF2-40B4-BE49-F238E27FC236}">
-                <a16:creationId xmlns:a16="http://schemas.microsoft.com/office/drawing/2014/main" id="{D4A847F5-FE7F-970F-30A8-F14DC30F0298}"/>
-              </a:ext>
-            </a:extLst>
-          </p:cNvPr>
-          <p:cNvSpPr>
-            <a:spLocks noGrp="1"/>
-          </p:cNvSpPr>
-          <p:nvPr>
-            <p:ph type="title"/>
-          </p:nvPr>
-        </p:nvSpPr>
-        <p:spPr/>
-        <p:txBody>
-          <a:bodyPr vert="horz" lIns="91440" tIns="45720" rIns="91440" bIns="45720" rtlCol="0" anchor="t">
-            <a:normAutofit/>
-          </a:bodyPr>
-          <a:lstStyle/>
-          <a:p>
-            <a:pPr>
-              <a:lnSpc>
-                <a:spcPct val="90000"/>
-              </a:lnSpc>
-            </a:pPr>
-            <a:r>
-              <a:rPr lang="en-US" sz="2900" dirty="0"/>
-              <a:t>Visual 3 - </a:t>
-            </a:r>
-            <a:r>
-              <a:rPr lang="en-US" sz="2000" dirty="0">
-                <a:solidFill>
-                  <a:srgbClr val="1F1F1F"/>
-                </a:solidFill>
-                <a:latin typeface="Roboto"/>
-                <a:ea typeface="Roboto"/>
-                <a:cs typeface="Roboto"/>
-              </a:rPr>
-              <a:t>Word Cloud of the Top 50 Most Prescribed Medicines</a:t>
-            </a:r>
-            <a:endParaRPr lang="en-US" dirty="0"/>
-          </a:p>
-          <a:p>
-            <a:pPr>
-              <a:lnSpc>
-                <a:spcPct val="90000"/>
-              </a:lnSpc>
-            </a:pPr>
-            <a:endParaRPr lang="en-US" sz="2900" dirty="0"/>
-          </a:p>
-        </p:txBody>
-      </p:sp>
-      <p:sp>
-        <p:nvSpPr>
-          <p:cNvPr id="27" name="Text Placeholder 3">
-            <a:extLst>
-              <a:ext uri="{FF2B5EF4-FFF2-40B4-BE49-F238E27FC236}">
-                <a16:creationId xmlns:a16="http://schemas.microsoft.com/office/drawing/2014/main" id="{845D7DA4-0A30-F667-174F-8A99022B50FE}"/>
-              </a:ext>
-            </a:extLst>
-          </p:cNvPr>
-          <p:cNvSpPr>
-            <a:spLocks noGrp="1"/>
-          </p:cNvSpPr>
-          <p:nvPr>
-            <p:ph type="body" sz="half" idx="2"/>
-          </p:nvPr>
-        </p:nvSpPr>
-        <p:spPr>
-          <a:xfrm>
-            <a:off x="941748" y="2990589"/>
-            <a:ext cx="3099816" cy="2066544"/>
-          </a:xfrm>
-        </p:spPr>
-        <p:txBody>
-          <a:bodyPr vert="horz" lIns="91440" tIns="45720" rIns="91440" bIns="45720" rtlCol="0" anchor="t">
-            <a:normAutofit/>
-          </a:bodyPr>
-          <a:lstStyle/>
-          <a:p>
-            <a:r>
-              <a:rPr lang="en-US" dirty="0">
-                <a:ea typeface="+mn-lt"/>
-                <a:cs typeface="+mn-lt"/>
-              </a:rPr>
-              <a:t>This visualization is a word cloud showcasing the top 50 most prescribed </a:t>
-            </a:r>
-            <a:r>
-              <a:rPr lang="en-US">
-                <a:ea typeface="+mn-lt"/>
-                <a:cs typeface="+mn-lt"/>
-              </a:rPr>
-              <a:t>medications.</a:t>
-            </a:r>
-            <a:endParaRPr lang="en-US" dirty="0"/>
-          </a:p>
-        </p:txBody>
-      </p:sp>
-      <p:sp>
-        <p:nvSpPr>
-          <p:cNvPr id="28" name="Date Placeholder 4">
-            <a:extLst>
-              <a:ext uri="{FF2B5EF4-FFF2-40B4-BE49-F238E27FC236}">
-                <a16:creationId xmlns:a16="http://schemas.microsoft.com/office/drawing/2014/main" id="{7A6840E9-E4CF-DCC4-9B0D-7D4B8FDC3F5A}"/>
-              </a:ext>
-            </a:extLst>
-          </p:cNvPr>
-          <p:cNvSpPr>
-            <a:spLocks noGrp="1"/>
-          </p:cNvSpPr>
-          <p:nvPr>
-            <p:ph type="dt" sz="half" idx="10"/>
-          </p:nvPr>
-        </p:nvSpPr>
-        <p:spPr/>
-        <p:txBody>
-          <a:bodyPr/>
-          <a:lstStyle/>
-          <a:p>
-            <a:pPr>
-              <a:spcAft>
-                <a:spcPts val="600"/>
-              </a:spcAft>
-            </a:pPr>
-            <a:fld id="{C7DB37F9-8192-43C5-8AD8-3A3669843520}" type="datetime1">
-              <a:pPr>
-                <a:spcAft>
-                  <a:spcPts val="600"/>
-                </a:spcAft>
-              </a:pPr>
-              <a:t>1/24/2025</a:t>
-            </a:fld>
-            <a:endParaRPr lang="en-US"/>
-          </a:p>
-        </p:txBody>
-      </p:sp>
-      <p:sp>
-        <p:nvSpPr>
-          <p:cNvPr id="29" name="Footer Placeholder 5">
-            <a:extLst>
-              <a:ext uri="{FF2B5EF4-FFF2-40B4-BE49-F238E27FC236}">
-                <a16:creationId xmlns:a16="http://schemas.microsoft.com/office/drawing/2014/main" id="{33BFA14B-AF0A-16F8-9A2F-D4A1F799D935}"/>
-              </a:ext>
-            </a:extLst>
-          </p:cNvPr>
-          <p:cNvSpPr>
-            <a:spLocks noGrp="1"/>
-          </p:cNvSpPr>
-          <p:nvPr>
-            <p:ph type="ftr" sz="quarter" idx="11"/>
-          </p:nvPr>
-        </p:nvSpPr>
-        <p:spPr/>
-        <p:txBody>
-          <a:bodyPr/>
-          <a:lstStyle/>
-          <a:p>
-            <a:endParaRPr lang="en-US"/>
-          </a:p>
-        </p:txBody>
-      </p:sp>
-      <p:sp>
-        <p:nvSpPr>
-          <p:cNvPr id="30" name="Slide Number Placeholder 6">
-            <a:extLst>
-              <a:ext uri="{FF2B5EF4-FFF2-40B4-BE49-F238E27FC236}">
-                <a16:creationId xmlns:a16="http://schemas.microsoft.com/office/drawing/2014/main" id="{B9FC7F56-BFF9-92C8-CFE9-7DD25BADAF55}"/>
-              </a:ext>
-            </a:extLst>
-          </p:cNvPr>
-          <p:cNvSpPr>
-            <a:spLocks noGrp="1"/>
-          </p:cNvSpPr>
-          <p:nvPr>
-            <p:ph type="sldNum" sz="quarter" idx="12"/>
-          </p:nvPr>
-        </p:nvSpPr>
-        <p:spPr/>
-        <p:txBody>
-          <a:bodyPr/>
-          <a:lstStyle/>
-          <a:p>
-            <a:pPr>
-              <a:spcAft>
-                <a:spcPts val="600"/>
-              </a:spcAft>
-            </a:pPr>
-            <a:fld id="{A65A5C87-DF58-40C8-B092-1DE63DB4547E}" type="slidenum">
-              <a:rPr lang="en-US" dirty="0"/>
-              <a:pPr>
-                <a:spcAft>
-                  <a:spcPts val="600"/>
-                </a:spcAft>
-              </a:pPr>
-              <a:t>8</a:t>
-            </a:fld>
-            <a:endParaRPr lang="en-US"/>
-          </a:p>
-        </p:txBody>
-      </p:sp>
-      <p:pic>
-        <p:nvPicPr>
-          <p:cNvPr id="6" name="Content Placeholder 5" descr="A close up of words&#10;&#10;AI-generated content may be incorrect.">
-            <a:extLst>
-              <a:ext uri="{FF2B5EF4-FFF2-40B4-BE49-F238E27FC236}">
-                <a16:creationId xmlns:a16="http://schemas.microsoft.com/office/drawing/2014/main" id="{3865C398-C6D5-1F5C-D399-95AB24DBB17E}"/>
-              </a:ext>
-            </a:extLst>
-          </p:cNvPr>
-          <p:cNvPicPr>
-            <a:picLocks noGrp="1" noChangeAspect="1"/>
-          </p:cNvPicPr>
-          <p:nvPr>
-            <p:ph idx="1"/>
-          </p:nvPr>
-        </p:nvPicPr>
-        <p:blipFill>
-          <a:blip r:embed="rId2"/>
-          <a:stretch>
-            <a:fillRect/>
-          </a:stretch>
-        </p:blipFill>
-        <p:spPr>
-          <a:xfrm>
-            <a:off x="4965192" y="1947615"/>
-            <a:ext cx="6729984" cy="3621138"/>
-          </a:xfrm>
-        </p:spPr>
-      </p:pic>
-    </p:spTree>
-    <p:extLst>
-      <p:ext uri="{BB962C8B-B14F-4D97-AF65-F5344CB8AC3E}">
-        <p14:creationId xmlns:p14="http://schemas.microsoft.com/office/powerpoint/2010/main" val="3068163590"/>
-      </p:ext>
-    </p:extLst>
-  </p:cSld>
-  <p:clrMapOvr>
-    <a:masterClrMapping/>
-  </p:clrMapOvr>
-</p:sld>
-</file>
-
-<file path=ppt/slides/slide9.xml><?xml version="1.0" encoding="utf-8"?>
-<p:sld xmlns:a="http://schemas.openxmlformats.org/drawingml/2006/main" xmlns:r="http://schemas.openxmlformats.org/officeDocument/2006/relationships" xmlns:p="http://schemas.openxmlformats.org/presentationml/2006/main">
-  <p:cSld>
-    <p:spTree>
-      <p:nvGrpSpPr>
-        <p:cNvPr id="1" name=""/>
-        <p:cNvGrpSpPr/>
-        <p:nvPr/>
-      </p:nvGrpSpPr>
-      <p:grpSpPr>
-        <a:xfrm>
-          <a:off x="0" y="0"/>
-          <a:ext cx="0" cy="0"/>
-          <a:chOff x="0" y="0"/>
-          <a:chExt cx="0" cy="0"/>
-        </a:xfrm>
-      </p:grpSpPr>
-      <p:sp>
-        <p:nvSpPr>
-          <p:cNvPr id="2" name="Title 1">
-            <a:extLst>
-              <a:ext uri="{FF2B5EF4-FFF2-40B4-BE49-F238E27FC236}">
-                <a16:creationId xmlns:a16="http://schemas.microsoft.com/office/drawing/2014/main" id="{BF65AC6B-C37F-8594-FB87-8458012C9F88}"/>
-              </a:ext>
-            </a:extLst>
-          </p:cNvPr>
-          <p:cNvSpPr>
-            <a:spLocks noGrp="1"/>
-          </p:cNvSpPr>
-          <p:nvPr>
-            <p:ph type="title"/>
-          </p:nvPr>
-        </p:nvSpPr>
-        <p:spPr/>
-        <p:txBody>
-          <a:bodyPr/>
-          <a:lstStyle/>
-          <a:p>
-            <a:r>
-              <a:rPr lang="en-US" dirty="0"/>
-              <a:t>Visual 3 - </a:t>
-            </a:r>
-            <a:r>
-              <a:rPr lang="en-US" dirty="0">
-                <a:ea typeface="+mj-lt"/>
-                <a:cs typeface="+mj-lt"/>
-              </a:rPr>
-              <a:t>How to recreate</a:t>
-            </a:r>
-          </a:p>
-        </p:txBody>
-      </p:sp>
-      <p:sp>
-        <p:nvSpPr>
-          <p:cNvPr id="5" name="Date Placeholder 4">
-            <a:extLst>
-              <a:ext uri="{FF2B5EF4-FFF2-40B4-BE49-F238E27FC236}">
-                <a16:creationId xmlns:a16="http://schemas.microsoft.com/office/drawing/2014/main" id="{5D92F13A-6320-B67E-23B2-8F0D6BEC30F6}"/>
-              </a:ext>
-            </a:extLst>
-          </p:cNvPr>
-          <p:cNvSpPr>
-            <a:spLocks noGrp="1"/>
-          </p:cNvSpPr>
-          <p:nvPr>
-            <p:ph type="dt" sz="half" idx="10"/>
-          </p:nvPr>
-        </p:nvSpPr>
-        <p:spPr/>
-        <p:txBody>
-          <a:bodyPr/>
-          <a:lstStyle/>
-          <a:p>
-            <a:fld id="{A20EE442-7E2D-4B98-9210-7F067E6F4EDF}" type="datetime1">
-              <a:t>1/24/2025</a:t>
-            </a:fld>
-            <a:endParaRPr lang="en-US" dirty="0"/>
-          </a:p>
-        </p:txBody>
-      </p:sp>
-      <p:sp>
-        <p:nvSpPr>
-          <p:cNvPr id="6" name="Footer Placeholder 5">
-            <a:extLst>
-              <a:ext uri="{FF2B5EF4-FFF2-40B4-BE49-F238E27FC236}">
-                <a16:creationId xmlns:a16="http://schemas.microsoft.com/office/drawing/2014/main" id="{74AA2136-DCE3-3C43-480E-69E0B597C6BC}"/>
-              </a:ext>
-            </a:extLst>
-          </p:cNvPr>
-          <p:cNvSpPr>
-            <a:spLocks noGrp="1"/>
-          </p:cNvSpPr>
-          <p:nvPr>
-            <p:ph type="ftr" sz="quarter" idx="11"/>
-          </p:nvPr>
-        </p:nvSpPr>
-        <p:spPr/>
-        <p:txBody>
-          <a:bodyPr/>
-          <a:lstStyle/>
-          <a:p>
-            <a:endParaRPr lang="en-US" dirty="0"/>
-          </a:p>
-        </p:txBody>
-      </p:sp>
-      <p:sp>
-        <p:nvSpPr>
-          <p:cNvPr id="7" name="Slide Number Placeholder 6">
-            <a:extLst>
-              <a:ext uri="{FF2B5EF4-FFF2-40B4-BE49-F238E27FC236}">
-                <a16:creationId xmlns:a16="http://schemas.microsoft.com/office/drawing/2014/main" id="{3555EC99-46B4-888B-5297-AB12D7AB4C0C}"/>
-              </a:ext>
-            </a:extLst>
-          </p:cNvPr>
-          <p:cNvSpPr>
-            <a:spLocks noGrp="1"/>
-          </p:cNvSpPr>
-          <p:nvPr>
-            <p:ph type="sldNum" sz="quarter" idx="12"/>
-          </p:nvPr>
-        </p:nvSpPr>
-        <p:spPr/>
-        <p:txBody>
-          <a:bodyPr/>
-          <a:lstStyle/>
-          <a:p>
-            <a:fld id="{A65A5C87-DF58-40C8-B092-1DE63DB4547E}" type="slidenum">
-              <a:rPr lang="en-US" dirty="0"/>
-              <a:t>9</a:t>
-            </a:fld>
-            <a:endParaRPr lang="en-US" dirty="0"/>
-          </a:p>
-        </p:txBody>
-      </p:sp>
-      <p:sp>
-        <p:nvSpPr>
-          <p:cNvPr id="11" name="TextBox 10">
-            <a:extLst>
-              <a:ext uri="{FF2B5EF4-FFF2-40B4-BE49-F238E27FC236}">
-                <a16:creationId xmlns:a16="http://schemas.microsoft.com/office/drawing/2014/main" id="{38CFB88B-D0EC-A75F-1E88-435A3BA984DA}"/>
-              </a:ext>
-            </a:extLst>
-          </p:cNvPr>
-          <p:cNvSpPr txBox="1"/>
-          <p:nvPr/>
-        </p:nvSpPr>
-        <p:spPr>
-          <a:xfrm>
-            <a:off x="8263573" y="2291850"/>
-            <a:ext cx="3550754" cy="2862322"/>
-          </a:xfrm>
-          <a:prstGeom prst="rect">
-            <a:avLst/>
-          </a:prstGeom>
-          <a:noFill/>
-        </p:spPr>
-        <p:txBody>
-          <a:bodyPr rot="0" spcFirstLastPara="0" vertOverflow="overflow" horzOverflow="overflow" vert="horz" wrap="square" lIns="91440" tIns="45720" rIns="91440" bIns="45720" numCol="1" spcCol="0" rtlCol="0" fromWordArt="0" anchor="t" anchorCtr="0" forceAA="0" compatLnSpc="1">
-            <a:prstTxWarp prst="textNoShape">
-              <a:avLst/>
-            </a:prstTxWarp>
-            <a:spAutoFit/>
-          </a:bodyPr>
-          <a:lstStyle/>
-          <a:p>
-            <a:pPr marL="285750" indent="-285750">
-              <a:buFont typeface="Arial"/>
-              <a:buChar char="•"/>
-            </a:pPr>
-            <a:r>
-              <a:rPr lang="en-US" dirty="0">
-                <a:ea typeface="+mn-lt"/>
-                <a:cs typeface="+mn-lt"/>
-              </a:rPr>
-              <a:t>Extracts the top 50 most prescribed medication names and their counts from the dataset.</a:t>
-            </a:r>
-            <a:endParaRPr lang="en-US"/>
-          </a:p>
-          <a:p>
-            <a:pPr marL="285750" indent="-285750">
-              <a:buFont typeface="Arial"/>
-              <a:buChar char="•"/>
-            </a:pPr>
-            <a:r>
-              <a:rPr lang="en-US" dirty="0">
-                <a:ea typeface="+mn-lt"/>
-                <a:cs typeface="+mn-lt"/>
-              </a:rPr>
-              <a:t>Creates and display a word cloud using the frequency of these medications, with larger font sizes representing higher prescription counts.</a:t>
-            </a:r>
-          </a:p>
-          <a:p>
-            <a:pPr marL="285750" indent="-285750">
-              <a:buFont typeface="Arial"/>
-              <a:buChar char="•"/>
-            </a:pPr>
-            <a:endParaRPr lang="en-US"/>
-          </a:p>
-        </p:txBody>
-      </p:sp>
-      <p:pic>
-        <p:nvPicPr>
-          <p:cNvPr id="14" name="Picture 13" descr="A screenshot of a computer code&#10;&#10;AI-generated content may be incorrect.">
-            <a:extLst>
-              <a:ext uri="{FF2B5EF4-FFF2-40B4-BE49-F238E27FC236}">
-                <a16:creationId xmlns:a16="http://schemas.microsoft.com/office/drawing/2014/main" id="{7AC79389-110C-A72B-87FA-C9C4682AF93F}"/>
-              </a:ext>
-            </a:extLst>
-          </p:cNvPr>
-          <p:cNvPicPr>
-            <a:picLocks noChangeAspect="1"/>
-          </p:cNvPicPr>
-          <p:nvPr/>
-        </p:nvPicPr>
-        <p:blipFill>
-          <a:blip r:embed="rId2"/>
-          <a:stretch>
-            <a:fillRect/>
-          </a:stretch>
-        </p:blipFill>
-        <p:spPr>
-          <a:xfrm>
-            <a:off x="499382" y="2294164"/>
-            <a:ext cx="7764236" cy="3009900"/>
-          </a:xfrm>
-          <a:prstGeom prst="rect">
-            <a:avLst/>
-          </a:prstGeom>
-        </p:spPr>
-      </p:pic>
-    </p:spTree>
-    <p:extLst>
-      <p:ext uri="{BB962C8B-B14F-4D97-AF65-F5344CB8AC3E}">
-        <p14:creationId xmlns:p14="http://schemas.microsoft.com/office/powerpoint/2010/main" val="2469089735"/>
       </p:ext>
     </p:extLst>
   </p:cSld>

--- a/MIMIC Visualization.pptx
+++ b/MIMIC Visualization.pptx
@@ -129,13 +129,38 @@
   <p1510:revLst>
     <p1510:client id="{68E7B1AE-4B6B-5F4C-F6FE-F3F044889379}" v="296" dt="2025-01-27T17:03:21.440"/>
     <p1510:client id="{6E3D84ED-85DB-ACBE-3EAC-3EB6DEEF4BA2}" v="59" dt="2025-01-27T17:12:31.989"/>
-    <p1510:client id="{ADA39817-F571-3247-D0BE-A78E3A813ED8}" v="78" dt="2025-01-27T17:24:30.056"/>
+    <p1510:client id="{72A000A3-F965-2526-16BB-8534FA73F69B}" v="74" dt="2025-01-27T18:52:57.604"/>
+    <p1510:client id="{ADA39817-F571-3247-D0BE-A78E3A813ED8}" v="84" dt="2025-01-27T17:34:18.343"/>
   </p1510:revLst>
 </p1510:revInfo>
 </file>
 
 <file path=ppt/changesInfos/changesInfo1.xml><?xml version="1.0" encoding="utf-8"?>
 <pc:chgInfo xmlns:a="http://schemas.openxmlformats.org/drawingml/2006/main" xmlns:r="http://schemas.openxmlformats.org/officeDocument/2006/relationships" xmlns:ac="http://schemas.microsoft.com/office/drawing/2013/main/command" xmlns:pc="http://schemas.microsoft.com/office/powerpoint/2013/main/command">
+  <pc:docChgLst>
+    <pc:chgData name="Ankita L Savaliya" userId="S::als8453@my.utexas.edu::45302890-fb20-4ef9-a20b-62d8ea27512f" providerId="AD" clId="Web-{72A000A3-F965-2526-16BB-8534FA73F69B}"/>
+    <pc:docChg chg="modSld">
+      <pc:chgData name="Ankita L Savaliya" userId="S::als8453@my.utexas.edu::45302890-fb20-4ef9-a20b-62d8ea27512f" providerId="AD" clId="Web-{72A000A3-F965-2526-16BB-8534FA73F69B}" dt="2025-01-27T18:52:57.604" v="80" actId="20577"/>
+      <pc:docMkLst>
+        <pc:docMk/>
+      </pc:docMkLst>
+      <pc:sldChg chg="modSp">
+        <pc:chgData name="Ankita L Savaliya" userId="S::als8453@my.utexas.edu::45302890-fb20-4ef9-a20b-62d8ea27512f" providerId="AD" clId="Web-{72A000A3-F965-2526-16BB-8534FA73F69B}" dt="2025-01-27T18:52:57.604" v="80" actId="20577"/>
+        <pc:sldMkLst>
+          <pc:docMk/>
+          <pc:sldMk cId="3308962109" sldId="269"/>
+        </pc:sldMkLst>
+        <pc:spChg chg="mod">
+          <ac:chgData name="Ankita L Savaliya" userId="S::als8453@my.utexas.edu::45302890-fb20-4ef9-a20b-62d8ea27512f" providerId="AD" clId="Web-{72A000A3-F965-2526-16BB-8534FA73F69B}" dt="2025-01-27T18:52:57.604" v="80" actId="20577"/>
+          <ac:spMkLst>
+            <pc:docMk/>
+            <pc:sldMk cId="3308962109" sldId="269"/>
+            <ac:spMk id="3" creationId="{DA433583-52C4-0DCE-FFA3-57B964F01E36}"/>
+          </ac:spMkLst>
+        </pc:spChg>
+      </pc:sldChg>
+    </pc:docChg>
+  </pc:docChgLst>
   <pc:docChgLst>
     <pc:chgData name="Ankita L Savaliya" userId="S::als8453@my.utexas.edu::45302890-fb20-4ef9-a20b-62d8ea27512f" providerId="AD" clId="Web-{C91C6CB5-30EE-1138-D55B-4440F6758D12}"/>
     <pc:docChg chg="addSld delSld modSld sldOrd addMainMaster delMainMaster">
@@ -1109,58 +1134,65 @@
     </pc:docChg>
   </pc:docChgLst>
   <pc:docChgLst>
-    <pc:chgData name="Ankita L Savaliya" userId="S::als8453@my.utexas.edu::45302890-fb20-4ef9-a20b-62d8ea27512f" providerId="AD" clId="Web-{ADA39817-F571-3247-D0BE-A78E3A813ED8}"/>
+    <pc:chgData name="Ankita L Savaliya" userId="S::als8453@my.utexas.edu::45302890-fb20-4ef9-a20b-62d8ea27512f" providerId="AD" clId="Web-{6E3D84ED-85DB-ACBE-3EAC-3EB6DEEF4BA2}"/>
     <pc:docChg chg="modSld">
-      <pc:chgData name="Ankita L Savaliya" userId="S::als8453@my.utexas.edu::45302890-fb20-4ef9-a20b-62d8ea27512f" providerId="AD" clId="Web-{ADA39817-F571-3247-D0BE-A78E3A813ED8}" dt="2025-01-27T17:24:30.056" v="66" actId="20577"/>
+      <pc:chgData name="Ankita L Savaliya" userId="S::als8453@my.utexas.edu::45302890-fb20-4ef9-a20b-62d8ea27512f" providerId="AD" clId="Web-{6E3D84ED-85DB-ACBE-3EAC-3EB6DEEF4BA2}" dt="2025-01-27T17:12:29.770" v="53" actId="20577"/>
       <pc:docMkLst>
         <pc:docMk/>
       </pc:docMkLst>
       <pc:sldChg chg="modSp">
-        <pc:chgData name="Ankita L Savaliya" userId="S::als8453@my.utexas.edu::45302890-fb20-4ef9-a20b-62d8ea27512f" providerId="AD" clId="Web-{ADA39817-F571-3247-D0BE-A78E3A813ED8}" dt="2025-01-27T17:19:48.014" v="16" actId="20577"/>
+        <pc:chgData name="Ankita L Savaliya" userId="S::als8453@my.utexas.edu::45302890-fb20-4ef9-a20b-62d8ea27512f" providerId="AD" clId="Web-{6E3D84ED-85DB-ACBE-3EAC-3EB6DEEF4BA2}" dt="2025-01-27T17:12:29.770" v="53" actId="20577"/>
         <pc:sldMkLst>
           <pc:docMk/>
           <pc:sldMk cId="2325500405" sldId="257"/>
         </pc:sldMkLst>
         <pc:spChg chg="mod">
-          <ac:chgData name="Ankita L Savaliya" userId="S::als8453@my.utexas.edu::45302890-fb20-4ef9-a20b-62d8ea27512f" providerId="AD" clId="Web-{ADA39817-F571-3247-D0BE-A78E3A813ED8}" dt="2025-01-27T17:19:48.014" v="16" actId="20577"/>
+          <ac:chgData name="Ankita L Savaliya" userId="S::als8453@my.utexas.edu::45302890-fb20-4ef9-a20b-62d8ea27512f" providerId="AD" clId="Web-{6E3D84ED-85DB-ACBE-3EAC-3EB6DEEF4BA2}" dt="2025-01-27T17:12:29.770" v="53" actId="20577"/>
           <ac:spMkLst>
             <pc:docMk/>
             <pc:sldMk cId="2325500405" sldId="257"/>
             <ac:spMk id="2" creationId="{D4A847F5-FE7F-970F-30A8-F14DC30F0298}"/>
           </ac:spMkLst>
         </pc:spChg>
-        <pc:spChg chg="mod">
-          <ac:chgData name="Ankita L Savaliya" userId="S::als8453@my.utexas.edu::45302890-fb20-4ef9-a20b-62d8ea27512f" providerId="AD" clId="Web-{ADA39817-F571-3247-D0BE-A78E3A813ED8}" dt="2025-01-27T17:14:01.735" v="1" actId="20577"/>
-          <ac:spMkLst>
-            <pc:docMk/>
-            <pc:sldMk cId="2325500405" sldId="257"/>
-            <ac:spMk id="27" creationId="{845D7DA4-0A30-F667-174F-8A99022B50FE}"/>
-          </ac:spMkLst>
-        </pc:spChg>
       </pc:sldChg>
       <pc:sldChg chg="modSp">
-        <pc:chgData name="Ankita L Savaliya" userId="S::als8453@my.utexas.edu::45302890-fb20-4ef9-a20b-62d8ea27512f" providerId="AD" clId="Web-{ADA39817-F571-3247-D0BE-A78E3A813ED8}" dt="2025-01-27T17:20:14.187" v="18" actId="20577"/>
+        <pc:chgData name="Ankita L Savaliya" userId="S::als8453@my.utexas.edu::45302890-fb20-4ef9-a20b-62d8ea27512f" providerId="AD" clId="Web-{6E3D84ED-85DB-ACBE-3EAC-3EB6DEEF4BA2}" dt="2025-01-27T17:05:05.860" v="2" actId="14100"/>
         <pc:sldMkLst>
           <pc:docMk/>
-          <pc:sldMk cId="3068163590" sldId="262"/>
+          <pc:sldMk cId="3667998280" sldId="258"/>
         </pc:sldMkLst>
         <pc:spChg chg="mod">
-          <ac:chgData name="Ankita L Savaliya" userId="S::als8453@my.utexas.edu::45302890-fb20-4ef9-a20b-62d8ea27512f" providerId="AD" clId="Web-{ADA39817-F571-3247-D0BE-A78E3A813ED8}" dt="2025-01-27T17:20:14.187" v="18" actId="20577"/>
-          <ac:spMkLst>
-            <pc:docMk/>
-            <pc:sldMk cId="3068163590" sldId="262"/>
-            <ac:spMk id="2" creationId="{D4A847F5-FE7F-970F-30A8-F14DC30F0298}"/>
+          <ac:chgData name="Ankita L Savaliya" userId="S::als8453@my.utexas.edu::45302890-fb20-4ef9-a20b-62d8ea27512f" providerId="AD" clId="Web-{6E3D84ED-85DB-ACBE-3EAC-3EB6DEEF4BA2}" dt="2025-01-27T17:05:05.860" v="2" actId="14100"/>
+          <ac:spMkLst>
+            <pc:docMk/>
+            <pc:sldMk cId="3667998280" sldId="258"/>
+            <ac:spMk id="14" creationId="{DD137052-4726-394F-F92D-80411BDB5DF4}"/>
           </ac:spMkLst>
         </pc:spChg>
       </pc:sldChg>
       <pc:sldChg chg="modSp">
-        <pc:chgData name="Ankita L Savaliya" userId="S::als8453@my.utexas.edu::45302890-fb20-4ef9-a20b-62d8ea27512f" providerId="AD" clId="Web-{ADA39817-F571-3247-D0BE-A78E3A813ED8}" dt="2025-01-27T17:24:30.056" v="66" actId="20577"/>
+        <pc:chgData name="Ankita L Savaliya" userId="S::als8453@my.utexas.edu::45302890-fb20-4ef9-a20b-62d8ea27512f" providerId="AD" clId="Web-{6E3D84ED-85DB-ACBE-3EAC-3EB6DEEF4BA2}" dt="2025-01-27T17:05:43.628" v="9" actId="1076"/>
+        <pc:sldMkLst>
+          <pc:docMk/>
+          <pc:sldMk cId="2469089735" sldId="261"/>
+        </pc:sldMkLst>
+        <pc:spChg chg="mod">
+          <ac:chgData name="Ankita L Savaliya" userId="S::als8453@my.utexas.edu::45302890-fb20-4ef9-a20b-62d8ea27512f" providerId="AD" clId="Web-{6E3D84ED-85DB-ACBE-3EAC-3EB6DEEF4BA2}" dt="2025-01-27T17:05:43.628" v="9" actId="1076"/>
+          <ac:spMkLst>
+            <pc:docMk/>
+            <pc:sldMk cId="2469089735" sldId="261"/>
+            <ac:spMk id="11" creationId="{38CFB88B-D0EC-A75F-1E88-435A3BA984DA}"/>
+          </ac:spMkLst>
+        </pc:spChg>
+      </pc:sldChg>
+      <pc:sldChg chg="modSp">
+        <pc:chgData name="Ankita L Savaliya" userId="S::als8453@my.utexas.edu::45302890-fb20-4ef9-a20b-62d8ea27512f" providerId="AD" clId="Web-{6E3D84ED-85DB-ACBE-3EAC-3EB6DEEF4BA2}" dt="2025-01-27T17:08:53.448" v="31"/>
         <pc:sldMkLst>
           <pc:docMk/>
           <pc:sldMk cId="2008372941" sldId="263"/>
         </pc:sldMkLst>
         <pc:spChg chg="mod">
-          <ac:chgData name="Ankita L Savaliya" userId="S::als8453@my.utexas.edu::45302890-fb20-4ef9-a20b-62d8ea27512f" providerId="AD" clId="Web-{ADA39817-F571-3247-D0BE-A78E3A813ED8}" dt="2025-01-27T17:24:30.056" v="66" actId="20577"/>
+          <ac:chgData name="Ankita L Savaliya" userId="S::als8453@my.utexas.edu::45302890-fb20-4ef9-a20b-62d8ea27512f" providerId="AD" clId="Web-{6E3D84ED-85DB-ACBE-3EAC-3EB6DEEF4BA2}" dt="2025-01-27T17:08:53.448" v="31"/>
           <ac:spMkLst>
             <pc:docMk/>
             <pc:sldMk cId="2008372941" sldId="263"/>
@@ -1168,87 +1200,143 @@
           </ac:spMkLst>
         </pc:spChg>
       </pc:sldChg>
-      <pc:sldChg chg="modSp">
-        <pc:chgData name="Ankita L Savaliya" userId="S::als8453@my.utexas.edu::45302890-fb20-4ef9-a20b-62d8ea27512f" providerId="AD" clId="Web-{ADA39817-F571-3247-D0BE-A78E3A813ED8}" dt="2025-01-27T17:20:39.766" v="22" actId="1076"/>
+      <pc:sldChg chg="addSp delSp modSp mod modClrScheme chgLayout">
+        <pc:chgData name="Ankita L Savaliya" userId="S::als8453@my.utexas.edu::45302890-fb20-4ef9-a20b-62d8ea27512f" providerId="AD" clId="Web-{6E3D84ED-85DB-ACBE-3EAC-3EB6DEEF4BA2}" dt="2025-01-27T17:10:58.297" v="44" actId="20577"/>
         <pc:sldMkLst>
           <pc:docMk/>
           <pc:sldMk cId="581286553" sldId="264"/>
         </pc:sldMkLst>
-        <pc:spChg chg="mod">
-          <ac:chgData name="Ankita L Savaliya" userId="S::als8453@my.utexas.edu::45302890-fb20-4ef9-a20b-62d8ea27512f" providerId="AD" clId="Web-{ADA39817-F571-3247-D0BE-A78E3A813ED8}" dt="2025-01-27T17:20:35.031" v="21" actId="20577"/>
+        <pc:spChg chg="mod ord">
+          <ac:chgData name="Ankita L Savaliya" userId="S::als8453@my.utexas.edu::45302890-fb20-4ef9-a20b-62d8ea27512f" providerId="AD" clId="Web-{6E3D84ED-85DB-ACBE-3EAC-3EB6DEEF4BA2}" dt="2025-01-27T17:10:43.234" v="42"/>
           <ac:spMkLst>
             <pc:docMk/>
             <pc:sldMk cId="581286553" sldId="264"/>
             <ac:spMk id="2" creationId="{D4A847F5-FE7F-970F-30A8-F14DC30F0298}"/>
           </ac:spMkLst>
         </pc:spChg>
-        <pc:spChg chg="mod">
-          <ac:chgData name="Ankita L Savaliya" userId="S::als8453@my.utexas.edu::45302890-fb20-4ef9-a20b-62d8ea27512f" providerId="AD" clId="Web-{ADA39817-F571-3247-D0BE-A78E3A813ED8}" dt="2025-01-27T17:20:39.766" v="22" actId="1076"/>
+        <pc:spChg chg="add del mod ord">
+          <ac:chgData name="Ankita L Savaliya" userId="S::als8453@my.utexas.edu::45302890-fb20-4ef9-a20b-62d8ea27512f" providerId="AD" clId="Web-{6E3D84ED-85DB-ACBE-3EAC-3EB6DEEF4BA2}" dt="2025-01-27T17:09:43.763" v="33"/>
+          <ac:spMkLst>
+            <pc:docMk/>
+            <pc:sldMk cId="581286553" sldId="264"/>
+            <ac:spMk id="3" creationId="{CBF8A50E-A18F-E2A0-D32C-14D4DDC77392}"/>
+          </ac:spMkLst>
+        </pc:spChg>
+        <pc:spChg chg="add del mod ord">
+          <ac:chgData name="Ankita L Savaliya" userId="S::als8453@my.utexas.edu::45302890-fb20-4ef9-a20b-62d8ea27512f" providerId="AD" clId="Web-{6E3D84ED-85DB-ACBE-3EAC-3EB6DEEF4BA2}" dt="2025-01-27T17:10:35.750" v="41"/>
+          <ac:spMkLst>
+            <pc:docMk/>
+            <pc:sldMk cId="581286553" sldId="264"/>
+            <ac:spMk id="4" creationId="{FDA286DF-1AEF-165C-8B28-EE3788787EE4}"/>
+          </ac:spMkLst>
+        </pc:spChg>
+        <pc:spChg chg="add mod ord">
+          <ac:chgData name="Ankita L Savaliya" userId="S::als8453@my.utexas.edu::45302890-fb20-4ef9-a20b-62d8ea27512f" providerId="AD" clId="Web-{6E3D84ED-85DB-ACBE-3EAC-3EB6DEEF4BA2}" dt="2025-01-27T17:10:43.234" v="42"/>
+          <ac:spMkLst>
+            <pc:docMk/>
+            <pc:sldMk cId="581286553" sldId="264"/>
+            <ac:spMk id="5" creationId="{C9570AEA-643A-2EE5-D654-3CA612BA10A2}"/>
+          </ac:spMkLst>
+        </pc:spChg>
+        <pc:spChg chg="add mod ord">
+          <ac:chgData name="Ankita L Savaliya" userId="S::als8453@my.utexas.edu::45302890-fb20-4ef9-a20b-62d8ea27512f" providerId="AD" clId="Web-{6E3D84ED-85DB-ACBE-3EAC-3EB6DEEF4BA2}" dt="2025-01-27T17:10:58.297" v="44" actId="20577"/>
           <ac:spMkLst>
             <pc:docMk/>
             <pc:sldMk cId="581286553" sldId="264"/>
             <ac:spMk id="7" creationId="{94241D7E-01EF-61AA-BE63-BBA0F9F679B0}"/>
           </ac:spMkLst>
         </pc:spChg>
+        <pc:spChg chg="del mod ord">
+          <ac:chgData name="Ankita L Savaliya" userId="S::als8453@my.utexas.edu::45302890-fb20-4ef9-a20b-62d8ea27512f" providerId="AD" clId="Web-{6E3D84ED-85DB-ACBE-3EAC-3EB6DEEF4BA2}" dt="2025-01-27T17:09:54.608" v="35"/>
+          <ac:spMkLst>
+            <pc:docMk/>
+            <pc:sldMk cId="581286553" sldId="264"/>
+            <ac:spMk id="27" creationId="{845D7DA4-0A30-F667-174F-8A99022B50FE}"/>
+          </ac:spMkLst>
+        </pc:spChg>
+        <pc:spChg chg="mod ord">
+          <ac:chgData name="Ankita L Savaliya" userId="S::als8453@my.utexas.edu::45302890-fb20-4ef9-a20b-62d8ea27512f" providerId="AD" clId="Web-{6E3D84ED-85DB-ACBE-3EAC-3EB6DEEF4BA2}" dt="2025-01-27T17:10:43.234" v="42"/>
+          <ac:spMkLst>
+            <pc:docMk/>
+            <pc:sldMk cId="581286553" sldId="264"/>
+            <ac:spMk id="28" creationId="{7A6840E9-E4CF-DCC4-9B0D-7D4B8FDC3F5A}"/>
+          </ac:spMkLst>
+        </pc:spChg>
+        <pc:spChg chg="mod ord">
+          <ac:chgData name="Ankita L Savaliya" userId="S::als8453@my.utexas.edu::45302890-fb20-4ef9-a20b-62d8ea27512f" providerId="AD" clId="Web-{6E3D84ED-85DB-ACBE-3EAC-3EB6DEEF4BA2}" dt="2025-01-27T17:10:43.234" v="42"/>
+          <ac:spMkLst>
+            <pc:docMk/>
+            <pc:sldMk cId="581286553" sldId="264"/>
+            <ac:spMk id="29" creationId="{33BFA14B-AF0A-16F8-9A2F-D4A1F799D935}"/>
+          </ac:spMkLst>
+        </pc:spChg>
+        <pc:spChg chg="mod ord">
+          <ac:chgData name="Ankita L Savaliya" userId="S::als8453@my.utexas.edu::45302890-fb20-4ef9-a20b-62d8ea27512f" providerId="AD" clId="Web-{6E3D84ED-85DB-ACBE-3EAC-3EB6DEEF4BA2}" dt="2025-01-27T17:10:43.234" v="42"/>
+          <ac:spMkLst>
+            <pc:docMk/>
+            <pc:sldMk cId="581286553" sldId="264"/>
+            <ac:spMk id="30" creationId="{B9FC7F56-BFF9-92C8-CFE9-7DD25BADAF55}"/>
+          </ac:spMkLst>
+        </pc:spChg>
+        <pc:picChg chg="mod">
+          <ac:chgData name="Ankita L Savaliya" userId="S::als8453@my.utexas.edu::45302890-fb20-4ef9-a20b-62d8ea27512f" providerId="AD" clId="Web-{6E3D84ED-85DB-ACBE-3EAC-3EB6DEEF4BA2}" dt="2025-01-27T17:06:52.334" v="19" actId="1076"/>
+          <ac:picMkLst>
+            <pc:docMk/>
+            <pc:sldMk cId="581286553" sldId="264"/>
+            <ac:picMk id="6" creationId="{9112A72F-E326-8FEF-F226-03C7004FC633}"/>
+          </ac:picMkLst>
+        </pc:picChg>
+        <pc:picChg chg="mod">
+          <ac:chgData name="Ankita L Savaliya" userId="S::als8453@my.utexas.edu::45302890-fb20-4ef9-a20b-62d8ea27512f" providerId="AD" clId="Web-{6E3D84ED-85DB-ACBE-3EAC-3EB6DEEF4BA2}" dt="2025-01-27T17:06:51.318" v="18" actId="1076"/>
+          <ac:picMkLst>
+            <pc:docMk/>
+            <pc:sldMk cId="581286553" sldId="264"/>
+            <ac:picMk id="8" creationId="{FC65F96E-A65D-19DD-A121-2E22DA30AE58}"/>
+          </ac:picMkLst>
+        </pc:picChg>
       </pc:sldChg>
       <pc:sldChg chg="modSp">
-        <pc:chgData name="Ankita L Savaliya" userId="S::als8453@my.utexas.edu::45302890-fb20-4ef9-a20b-62d8ea27512f" providerId="AD" clId="Web-{ADA39817-F571-3247-D0BE-A78E3A813ED8}" dt="2025-01-27T17:21:27.393" v="27" actId="20577"/>
+        <pc:chgData name="Ankita L Savaliya" userId="S::als8453@my.utexas.edu::45302890-fb20-4ef9-a20b-62d8ea27512f" providerId="AD" clId="Web-{6E3D84ED-85DB-ACBE-3EAC-3EB6DEEF4BA2}" dt="2025-01-27T17:11:47.612" v="52"/>
         <pc:sldMkLst>
           <pc:docMk/>
-          <pc:sldMk cId="3450862647" sldId="266"/>
+          <pc:sldMk cId="413670067" sldId="265"/>
         </pc:sldMkLst>
         <pc:spChg chg="mod">
-          <ac:chgData name="Ankita L Savaliya" userId="S::als8453@my.utexas.edu::45302890-fb20-4ef9-a20b-62d8ea27512f" providerId="AD" clId="Web-{ADA39817-F571-3247-D0BE-A78E3A813ED8}" dt="2025-01-27T17:21:27.393" v="27" actId="20577"/>
-          <ac:spMkLst>
-            <pc:docMk/>
-            <pc:sldMk cId="3450862647" sldId="266"/>
-            <ac:spMk id="2" creationId="{D4A847F5-FE7F-970F-30A8-F14DC30F0298}"/>
-          </ac:spMkLst>
-        </pc:spChg>
-        <pc:spChg chg="mod">
-          <ac:chgData name="Ankita L Savaliya" userId="S::als8453@my.utexas.edu::45302890-fb20-4ef9-a20b-62d8ea27512f" providerId="AD" clId="Web-{ADA39817-F571-3247-D0BE-A78E3A813ED8}" dt="2025-01-27T17:18:40.527" v="9" actId="20577"/>
-          <ac:spMkLst>
-            <pc:docMk/>
-            <pc:sldMk cId="3450862647" sldId="266"/>
-            <ac:spMk id="27" creationId="{845D7DA4-0A30-F667-174F-8A99022B50FE}"/>
+          <ac:chgData name="Ankita L Savaliya" userId="S::als8453@my.utexas.edu::45302890-fb20-4ef9-a20b-62d8ea27512f" providerId="AD" clId="Web-{6E3D84ED-85DB-ACBE-3EAC-3EB6DEEF4BA2}" dt="2025-01-27T17:11:47.612" v="52"/>
+          <ac:spMkLst>
+            <pc:docMk/>
+            <pc:sldMk cId="413670067" sldId="265"/>
+            <ac:spMk id="9" creationId="{62FE4A32-6191-0B20-889B-664BBAF40614}"/>
           </ac:spMkLst>
         </pc:spChg>
       </pc:sldChg>
       <pc:sldChg chg="modSp">
-        <pc:chgData name="Ankita L Savaliya" userId="S::als8453@my.utexas.edu::45302890-fb20-4ef9-a20b-62d8ea27512f" providerId="AD" clId="Web-{ADA39817-F571-3247-D0BE-A78E3A813ED8}" dt="2025-01-27T17:21:06.439" v="25" actId="1076"/>
+        <pc:chgData name="Ankita L Savaliya" userId="S::als8453@my.utexas.edu::45302890-fb20-4ef9-a20b-62d8ea27512f" providerId="AD" clId="Web-{6E3D84ED-85DB-ACBE-3EAC-3EB6DEEF4BA2}" dt="2025-01-27T17:11:26.736" v="48"/>
+        <pc:sldMkLst>
+          <pc:docMk/>
+          <pc:sldMk cId="2657411531" sldId="267"/>
+        </pc:sldMkLst>
+        <pc:spChg chg="mod">
+          <ac:chgData name="Ankita L Savaliya" userId="S::als8453@my.utexas.edu::45302890-fb20-4ef9-a20b-62d8ea27512f" providerId="AD" clId="Web-{6E3D84ED-85DB-ACBE-3EAC-3EB6DEEF4BA2}" dt="2025-01-27T17:11:26.736" v="48"/>
+          <ac:spMkLst>
+            <pc:docMk/>
+            <pc:sldMk cId="2657411531" sldId="267"/>
+            <ac:spMk id="11" creationId="{38CFB88B-D0EC-A75F-1E88-435A3BA984DA}"/>
+          </ac:spMkLst>
+        </pc:spChg>
+      </pc:sldChg>
+      <pc:sldChg chg="modSp">
+        <pc:chgData name="Ankita L Savaliya" userId="S::als8453@my.utexas.edu::45302890-fb20-4ef9-a20b-62d8ea27512f" providerId="AD" clId="Web-{6E3D84ED-85DB-ACBE-3EAC-3EB6DEEF4BA2}" dt="2025-01-27T17:11:11.501" v="45" actId="20577"/>
         <pc:sldMkLst>
           <pc:docMk/>
           <pc:sldMk cId="3106800038" sldId="268"/>
         </pc:sldMkLst>
         <pc:spChg chg="mod">
-          <ac:chgData name="Ankita L Savaliya" userId="S::als8453@my.utexas.edu::45302890-fb20-4ef9-a20b-62d8ea27512f" providerId="AD" clId="Web-{ADA39817-F571-3247-D0BE-A78E3A813ED8}" dt="2025-01-27T17:21:03.189" v="24" actId="20577"/>
-          <ac:spMkLst>
-            <pc:docMk/>
-            <pc:sldMk cId="3106800038" sldId="268"/>
-            <ac:spMk id="2" creationId="{D4A847F5-FE7F-970F-30A8-F14DC30F0298}"/>
-          </ac:spMkLst>
-        </pc:spChg>
-        <pc:spChg chg="mod">
-          <ac:chgData name="Ankita L Savaliya" userId="S::als8453@my.utexas.edu::45302890-fb20-4ef9-a20b-62d8ea27512f" providerId="AD" clId="Web-{ADA39817-F571-3247-D0BE-A78E3A813ED8}" dt="2025-01-27T17:21:06.439" v="25" actId="1076"/>
+          <ac:chgData name="Ankita L Savaliya" userId="S::als8453@my.utexas.edu::45302890-fb20-4ef9-a20b-62d8ea27512f" providerId="AD" clId="Web-{6E3D84ED-85DB-ACBE-3EAC-3EB6DEEF4BA2}" dt="2025-01-27T17:11:11.501" v="45" actId="20577"/>
           <ac:spMkLst>
             <pc:docMk/>
             <pc:sldMk cId="3106800038" sldId="268"/>
             <ac:spMk id="27" creationId="{845D7DA4-0A30-F667-174F-8A99022B50FE}"/>
-          </ac:spMkLst>
-        </pc:spChg>
-      </pc:sldChg>
-      <pc:sldChg chg="modSp">
-        <pc:chgData name="Ankita L Savaliya" userId="S::als8453@my.utexas.edu::45302890-fb20-4ef9-a20b-62d8ea27512f" providerId="AD" clId="Web-{ADA39817-F571-3247-D0BE-A78E3A813ED8}" dt="2025-01-27T17:23:03.271" v="61" actId="20577"/>
-        <pc:sldMkLst>
-          <pc:docMk/>
-          <pc:sldMk cId="1144616982" sldId="270"/>
-        </pc:sldMkLst>
-        <pc:spChg chg="mod">
-          <ac:chgData name="Ankita L Savaliya" userId="S::als8453@my.utexas.edu::45302890-fb20-4ef9-a20b-62d8ea27512f" providerId="AD" clId="Web-{ADA39817-F571-3247-D0BE-A78E3A813ED8}" dt="2025-01-27T17:23:03.271" v="61" actId="20577"/>
-          <ac:spMkLst>
-            <pc:docMk/>
-            <pc:sldMk cId="1144616982" sldId="270"/>
-            <ac:spMk id="13" creationId="{DDF4B768-7505-5B6C-ABEF-343021950256}"/>
           </ac:spMkLst>
         </pc:spChg>
       </pc:sldChg>
@@ -1531,65 +1619,58 @@
     </pc:docChg>
   </pc:docChgLst>
   <pc:docChgLst>
-    <pc:chgData name="Ankita L Savaliya" userId="S::als8453@my.utexas.edu::45302890-fb20-4ef9-a20b-62d8ea27512f" providerId="AD" clId="Web-{6E3D84ED-85DB-ACBE-3EAC-3EB6DEEF4BA2}"/>
+    <pc:chgData name="Ankita L Savaliya" userId="S::als8453@my.utexas.edu::45302890-fb20-4ef9-a20b-62d8ea27512f" providerId="AD" clId="Web-{ADA39817-F571-3247-D0BE-A78E3A813ED8}"/>
     <pc:docChg chg="modSld">
-      <pc:chgData name="Ankita L Savaliya" userId="S::als8453@my.utexas.edu::45302890-fb20-4ef9-a20b-62d8ea27512f" providerId="AD" clId="Web-{6E3D84ED-85DB-ACBE-3EAC-3EB6DEEF4BA2}" dt="2025-01-27T17:12:29.770" v="53" actId="20577"/>
+      <pc:chgData name="Ankita L Savaliya" userId="S::als8453@my.utexas.edu::45302890-fb20-4ef9-a20b-62d8ea27512f" providerId="AD" clId="Web-{ADA39817-F571-3247-D0BE-A78E3A813ED8}" dt="2025-01-27T17:34:18.343" v="78" actId="20577"/>
       <pc:docMkLst>
         <pc:docMk/>
       </pc:docMkLst>
       <pc:sldChg chg="modSp">
-        <pc:chgData name="Ankita L Savaliya" userId="S::als8453@my.utexas.edu::45302890-fb20-4ef9-a20b-62d8ea27512f" providerId="AD" clId="Web-{6E3D84ED-85DB-ACBE-3EAC-3EB6DEEF4BA2}" dt="2025-01-27T17:12:29.770" v="53" actId="20577"/>
+        <pc:chgData name="Ankita L Savaliya" userId="S::als8453@my.utexas.edu::45302890-fb20-4ef9-a20b-62d8ea27512f" providerId="AD" clId="Web-{ADA39817-F571-3247-D0BE-A78E3A813ED8}" dt="2025-01-27T17:19:48.014" v="16" actId="20577"/>
         <pc:sldMkLst>
           <pc:docMk/>
           <pc:sldMk cId="2325500405" sldId="257"/>
         </pc:sldMkLst>
         <pc:spChg chg="mod">
-          <ac:chgData name="Ankita L Savaliya" userId="S::als8453@my.utexas.edu::45302890-fb20-4ef9-a20b-62d8ea27512f" providerId="AD" clId="Web-{6E3D84ED-85DB-ACBE-3EAC-3EB6DEEF4BA2}" dt="2025-01-27T17:12:29.770" v="53" actId="20577"/>
+          <ac:chgData name="Ankita L Savaliya" userId="S::als8453@my.utexas.edu::45302890-fb20-4ef9-a20b-62d8ea27512f" providerId="AD" clId="Web-{ADA39817-F571-3247-D0BE-A78E3A813ED8}" dt="2025-01-27T17:19:48.014" v="16" actId="20577"/>
           <ac:spMkLst>
             <pc:docMk/>
             <pc:sldMk cId="2325500405" sldId="257"/>
             <ac:spMk id="2" creationId="{D4A847F5-FE7F-970F-30A8-F14DC30F0298}"/>
           </ac:spMkLst>
         </pc:spChg>
+        <pc:spChg chg="mod">
+          <ac:chgData name="Ankita L Savaliya" userId="S::als8453@my.utexas.edu::45302890-fb20-4ef9-a20b-62d8ea27512f" providerId="AD" clId="Web-{ADA39817-F571-3247-D0BE-A78E3A813ED8}" dt="2025-01-27T17:14:01.735" v="1" actId="20577"/>
+          <ac:spMkLst>
+            <pc:docMk/>
+            <pc:sldMk cId="2325500405" sldId="257"/>
+            <ac:spMk id="27" creationId="{845D7DA4-0A30-F667-174F-8A99022B50FE}"/>
+          </ac:spMkLst>
+        </pc:spChg>
       </pc:sldChg>
       <pc:sldChg chg="modSp">
-        <pc:chgData name="Ankita L Savaliya" userId="S::als8453@my.utexas.edu::45302890-fb20-4ef9-a20b-62d8ea27512f" providerId="AD" clId="Web-{6E3D84ED-85DB-ACBE-3EAC-3EB6DEEF4BA2}" dt="2025-01-27T17:05:05.860" v="2" actId="14100"/>
+        <pc:chgData name="Ankita L Savaliya" userId="S::als8453@my.utexas.edu::45302890-fb20-4ef9-a20b-62d8ea27512f" providerId="AD" clId="Web-{ADA39817-F571-3247-D0BE-A78E3A813ED8}" dt="2025-01-27T17:20:14.187" v="18" actId="20577"/>
         <pc:sldMkLst>
           <pc:docMk/>
-          <pc:sldMk cId="3667998280" sldId="258"/>
+          <pc:sldMk cId="3068163590" sldId="262"/>
         </pc:sldMkLst>
         <pc:spChg chg="mod">
-          <ac:chgData name="Ankita L Savaliya" userId="S::als8453@my.utexas.edu::45302890-fb20-4ef9-a20b-62d8ea27512f" providerId="AD" clId="Web-{6E3D84ED-85DB-ACBE-3EAC-3EB6DEEF4BA2}" dt="2025-01-27T17:05:05.860" v="2" actId="14100"/>
-          <ac:spMkLst>
-            <pc:docMk/>
-            <pc:sldMk cId="3667998280" sldId="258"/>
-            <ac:spMk id="14" creationId="{DD137052-4726-394F-F92D-80411BDB5DF4}"/>
+          <ac:chgData name="Ankita L Savaliya" userId="S::als8453@my.utexas.edu::45302890-fb20-4ef9-a20b-62d8ea27512f" providerId="AD" clId="Web-{ADA39817-F571-3247-D0BE-A78E3A813ED8}" dt="2025-01-27T17:20:14.187" v="18" actId="20577"/>
+          <ac:spMkLst>
+            <pc:docMk/>
+            <pc:sldMk cId="3068163590" sldId="262"/>
+            <ac:spMk id="2" creationId="{D4A847F5-FE7F-970F-30A8-F14DC30F0298}"/>
           </ac:spMkLst>
         </pc:spChg>
       </pc:sldChg>
       <pc:sldChg chg="modSp">
-        <pc:chgData name="Ankita L Savaliya" userId="S::als8453@my.utexas.edu::45302890-fb20-4ef9-a20b-62d8ea27512f" providerId="AD" clId="Web-{6E3D84ED-85DB-ACBE-3EAC-3EB6DEEF4BA2}" dt="2025-01-27T17:05:43.628" v="9" actId="1076"/>
-        <pc:sldMkLst>
-          <pc:docMk/>
-          <pc:sldMk cId="2469089735" sldId="261"/>
-        </pc:sldMkLst>
-        <pc:spChg chg="mod">
-          <ac:chgData name="Ankita L Savaliya" userId="S::als8453@my.utexas.edu::45302890-fb20-4ef9-a20b-62d8ea27512f" providerId="AD" clId="Web-{6E3D84ED-85DB-ACBE-3EAC-3EB6DEEF4BA2}" dt="2025-01-27T17:05:43.628" v="9" actId="1076"/>
-          <ac:spMkLst>
-            <pc:docMk/>
-            <pc:sldMk cId="2469089735" sldId="261"/>
-            <ac:spMk id="11" creationId="{38CFB88B-D0EC-A75F-1E88-435A3BA984DA}"/>
-          </ac:spMkLst>
-        </pc:spChg>
-      </pc:sldChg>
-      <pc:sldChg chg="modSp">
-        <pc:chgData name="Ankita L Savaliya" userId="S::als8453@my.utexas.edu::45302890-fb20-4ef9-a20b-62d8ea27512f" providerId="AD" clId="Web-{6E3D84ED-85DB-ACBE-3EAC-3EB6DEEF4BA2}" dt="2025-01-27T17:08:53.448" v="31"/>
+        <pc:chgData name="Ankita L Savaliya" userId="S::als8453@my.utexas.edu::45302890-fb20-4ef9-a20b-62d8ea27512f" providerId="AD" clId="Web-{ADA39817-F571-3247-D0BE-A78E3A813ED8}" dt="2025-01-27T17:24:30.056" v="66" actId="20577"/>
         <pc:sldMkLst>
           <pc:docMk/>
           <pc:sldMk cId="2008372941" sldId="263"/>
         </pc:sldMkLst>
         <pc:spChg chg="mod">
-          <ac:chgData name="Ankita L Savaliya" userId="S::als8453@my.utexas.edu::45302890-fb20-4ef9-a20b-62d8ea27512f" providerId="AD" clId="Web-{6E3D84ED-85DB-ACBE-3EAC-3EB6DEEF4BA2}" dt="2025-01-27T17:08:53.448" v="31"/>
+          <ac:chgData name="Ankita L Savaliya" userId="S::als8453@my.utexas.edu::45302890-fb20-4ef9-a20b-62d8ea27512f" providerId="AD" clId="Web-{ADA39817-F571-3247-D0BE-A78E3A813ED8}" dt="2025-01-27T17:24:30.056" v="66" actId="20577"/>
           <ac:spMkLst>
             <pc:docMk/>
             <pc:sldMk cId="2008372941" sldId="263"/>
@@ -1597,143 +1678,102 @@
           </ac:spMkLst>
         </pc:spChg>
       </pc:sldChg>
-      <pc:sldChg chg="addSp delSp modSp mod modClrScheme chgLayout">
-        <pc:chgData name="Ankita L Savaliya" userId="S::als8453@my.utexas.edu::45302890-fb20-4ef9-a20b-62d8ea27512f" providerId="AD" clId="Web-{6E3D84ED-85DB-ACBE-3EAC-3EB6DEEF4BA2}" dt="2025-01-27T17:10:58.297" v="44" actId="20577"/>
+      <pc:sldChg chg="modSp">
+        <pc:chgData name="Ankita L Savaliya" userId="S::als8453@my.utexas.edu::45302890-fb20-4ef9-a20b-62d8ea27512f" providerId="AD" clId="Web-{ADA39817-F571-3247-D0BE-A78E3A813ED8}" dt="2025-01-27T17:20:39.766" v="22" actId="1076"/>
         <pc:sldMkLst>
           <pc:docMk/>
           <pc:sldMk cId="581286553" sldId="264"/>
         </pc:sldMkLst>
-        <pc:spChg chg="mod ord">
-          <ac:chgData name="Ankita L Savaliya" userId="S::als8453@my.utexas.edu::45302890-fb20-4ef9-a20b-62d8ea27512f" providerId="AD" clId="Web-{6E3D84ED-85DB-ACBE-3EAC-3EB6DEEF4BA2}" dt="2025-01-27T17:10:43.234" v="42"/>
+        <pc:spChg chg="mod">
+          <ac:chgData name="Ankita L Savaliya" userId="S::als8453@my.utexas.edu::45302890-fb20-4ef9-a20b-62d8ea27512f" providerId="AD" clId="Web-{ADA39817-F571-3247-D0BE-A78E3A813ED8}" dt="2025-01-27T17:20:35.031" v="21" actId="20577"/>
           <ac:spMkLst>
             <pc:docMk/>
             <pc:sldMk cId="581286553" sldId="264"/>
             <ac:spMk id="2" creationId="{D4A847F5-FE7F-970F-30A8-F14DC30F0298}"/>
           </ac:spMkLst>
         </pc:spChg>
-        <pc:spChg chg="add del mod ord">
-          <ac:chgData name="Ankita L Savaliya" userId="S::als8453@my.utexas.edu::45302890-fb20-4ef9-a20b-62d8ea27512f" providerId="AD" clId="Web-{6E3D84ED-85DB-ACBE-3EAC-3EB6DEEF4BA2}" dt="2025-01-27T17:09:43.763" v="33"/>
-          <ac:spMkLst>
-            <pc:docMk/>
-            <pc:sldMk cId="581286553" sldId="264"/>
-            <ac:spMk id="3" creationId="{CBF8A50E-A18F-E2A0-D32C-14D4DDC77392}"/>
-          </ac:spMkLst>
-        </pc:spChg>
-        <pc:spChg chg="add del mod ord">
-          <ac:chgData name="Ankita L Savaliya" userId="S::als8453@my.utexas.edu::45302890-fb20-4ef9-a20b-62d8ea27512f" providerId="AD" clId="Web-{6E3D84ED-85DB-ACBE-3EAC-3EB6DEEF4BA2}" dt="2025-01-27T17:10:35.750" v="41"/>
-          <ac:spMkLst>
-            <pc:docMk/>
-            <pc:sldMk cId="581286553" sldId="264"/>
-            <ac:spMk id="4" creationId="{FDA286DF-1AEF-165C-8B28-EE3788787EE4}"/>
-          </ac:spMkLst>
-        </pc:spChg>
-        <pc:spChg chg="add mod ord">
-          <ac:chgData name="Ankita L Savaliya" userId="S::als8453@my.utexas.edu::45302890-fb20-4ef9-a20b-62d8ea27512f" providerId="AD" clId="Web-{6E3D84ED-85DB-ACBE-3EAC-3EB6DEEF4BA2}" dt="2025-01-27T17:10:43.234" v="42"/>
-          <ac:spMkLst>
-            <pc:docMk/>
-            <pc:sldMk cId="581286553" sldId="264"/>
-            <ac:spMk id="5" creationId="{C9570AEA-643A-2EE5-D654-3CA612BA10A2}"/>
-          </ac:spMkLst>
-        </pc:spChg>
-        <pc:spChg chg="add mod ord">
-          <ac:chgData name="Ankita L Savaliya" userId="S::als8453@my.utexas.edu::45302890-fb20-4ef9-a20b-62d8ea27512f" providerId="AD" clId="Web-{6E3D84ED-85DB-ACBE-3EAC-3EB6DEEF4BA2}" dt="2025-01-27T17:10:58.297" v="44" actId="20577"/>
+        <pc:spChg chg="mod">
+          <ac:chgData name="Ankita L Savaliya" userId="S::als8453@my.utexas.edu::45302890-fb20-4ef9-a20b-62d8ea27512f" providerId="AD" clId="Web-{ADA39817-F571-3247-D0BE-A78E3A813ED8}" dt="2025-01-27T17:20:39.766" v="22" actId="1076"/>
           <ac:spMkLst>
             <pc:docMk/>
             <pc:sldMk cId="581286553" sldId="264"/>
             <ac:spMk id="7" creationId="{94241D7E-01EF-61AA-BE63-BBA0F9F679B0}"/>
           </ac:spMkLst>
         </pc:spChg>
-        <pc:spChg chg="del mod ord">
-          <ac:chgData name="Ankita L Savaliya" userId="S::als8453@my.utexas.edu::45302890-fb20-4ef9-a20b-62d8ea27512f" providerId="AD" clId="Web-{6E3D84ED-85DB-ACBE-3EAC-3EB6DEEF4BA2}" dt="2025-01-27T17:09:54.608" v="35"/>
-          <ac:spMkLst>
-            <pc:docMk/>
-            <pc:sldMk cId="581286553" sldId="264"/>
-            <ac:spMk id="27" creationId="{845D7DA4-0A30-F667-174F-8A99022B50FE}"/>
-          </ac:spMkLst>
-        </pc:spChg>
-        <pc:spChg chg="mod ord">
-          <ac:chgData name="Ankita L Savaliya" userId="S::als8453@my.utexas.edu::45302890-fb20-4ef9-a20b-62d8ea27512f" providerId="AD" clId="Web-{6E3D84ED-85DB-ACBE-3EAC-3EB6DEEF4BA2}" dt="2025-01-27T17:10:43.234" v="42"/>
-          <ac:spMkLst>
-            <pc:docMk/>
-            <pc:sldMk cId="581286553" sldId="264"/>
-            <ac:spMk id="28" creationId="{7A6840E9-E4CF-DCC4-9B0D-7D4B8FDC3F5A}"/>
-          </ac:spMkLst>
-        </pc:spChg>
-        <pc:spChg chg="mod ord">
-          <ac:chgData name="Ankita L Savaliya" userId="S::als8453@my.utexas.edu::45302890-fb20-4ef9-a20b-62d8ea27512f" providerId="AD" clId="Web-{6E3D84ED-85DB-ACBE-3EAC-3EB6DEEF4BA2}" dt="2025-01-27T17:10:43.234" v="42"/>
-          <ac:spMkLst>
-            <pc:docMk/>
-            <pc:sldMk cId="581286553" sldId="264"/>
-            <ac:spMk id="29" creationId="{33BFA14B-AF0A-16F8-9A2F-D4A1F799D935}"/>
-          </ac:spMkLst>
-        </pc:spChg>
-        <pc:spChg chg="mod ord">
-          <ac:chgData name="Ankita L Savaliya" userId="S::als8453@my.utexas.edu::45302890-fb20-4ef9-a20b-62d8ea27512f" providerId="AD" clId="Web-{6E3D84ED-85DB-ACBE-3EAC-3EB6DEEF4BA2}" dt="2025-01-27T17:10:43.234" v="42"/>
-          <ac:spMkLst>
-            <pc:docMk/>
-            <pc:sldMk cId="581286553" sldId="264"/>
-            <ac:spMk id="30" creationId="{B9FC7F56-BFF9-92C8-CFE9-7DD25BADAF55}"/>
-          </ac:spMkLst>
-        </pc:spChg>
-        <pc:picChg chg="mod">
-          <ac:chgData name="Ankita L Savaliya" userId="S::als8453@my.utexas.edu::45302890-fb20-4ef9-a20b-62d8ea27512f" providerId="AD" clId="Web-{6E3D84ED-85DB-ACBE-3EAC-3EB6DEEF4BA2}" dt="2025-01-27T17:06:52.334" v="19" actId="1076"/>
-          <ac:picMkLst>
-            <pc:docMk/>
-            <pc:sldMk cId="581286553" sldId="264"/>
-            <ac:picMk id="6" creationId="{9112A72F-E326-8FEF-F226-03C7004FC633}"/>
-          </ac:picMkLst>
-        </pc:picChg>
-        <pc:picChg chg="mod">
-          <ac:chgData name="Ankita L Savaliya" userId="S::als8453@my.utexas.edu::45302890-fb20-4ef9-a20b-62d8ea27512f" providerId="AD" clId="Web-{6E3D84ED-85DB-ACBE-3EAC-3EB6DEEF4BA2}" dt="2025-01-27T17:06:51.318" v="18" actId="1076"/>
-          <ac:picMkLst>
-            <pc:docMk/>
-            <pc:sldMk cId="581286553" sldId="264"/>
-            <ac:picMk id="8" creationId="{FC65F96E-A65D-19DD-A121-2E22DA30AE58}"/>
-          </ac:picMkLst>
-        </pc:picChg>
       </pc:sldChg>
       <pc:sldChg chg="modSp">
-        <pc:chgData name="Ankita L Savaliya" userId="S::als8453@my.utexas.edu::45302890-fb20-4ef9-a20b-62d8ea27512f" providerId="AD" clId="Web-{6E3D84ED-85DB-ACBE-3EAC-3EB6DEEF4BA2}" dt="2025-01-27T17:11:47.612" v="52"/>
+        <pc:chgData name="Ankita L Savaliya" userId="S::als8453@my.utexas.edu::45302890-fb20-4ef9-a20b-62d8ea27512f" providerId="AD" clId="Web-{ADA39817-F571-3247-D0BE-A78E3A813ED8}" dt="2025-01-27T17:21:27.393" v="27" actId="20577"/>
         <pc:sldMkLst>
           <pc:docMk/>
-          <pc:sldMk cId="413670067" sldId="265"/>
+          <pc:sldMk cId="3450862647" sldId="266"/>
         </pc:sldMkLst>
         <pc:spChg chg="mod">
-          <ac:chgData name="Ankita L Savaliya" userId="S::als8453@my.utexas.edu::45302890-fb20-4ef9-a20b-62d8ea27512f" providerId="AD" clId="Web-{6E3D84ED-85DB-ACBE-3EAC-3EB6DEEF4BA2}" dt="2025-01-27T17:11:47.612" v="52"/>
-          <ac:spMkLst>
-            <pc:docMk/>
-            <pc:sldMk cId="413670067" sldId="265"/>
-            <ac:spMk id="9" creationId="{62FE4A32-6191-0B20-889B-664BBAF40614}"/>
+          <ac:chgData name="Ankita L Savaliya" userId="S::als8453@my.utexas.edu::45302890-fb20-4ef9-a20b-62d8ea27512f" providerId="AD" clId="Web-{ADA39817-F571-3247-D0BE-A78E3A813ED8}" dt="2025-01-27T17:21:27.393" v="27" actId="20577"/>
+          <ac:spMkLst>
+            <pc:docMk/>
+            <pc:sldMk cId="3450862647" sldId="266"/>
+            <ac:spMk id="2" creationId="{D4A847F5-FE7F-970F-30A8-F14DC30F0298}"/>
+          </ac:spMkLst>
+        </pc:spChg>
+        <pc:spChg chg="mod">
+          <ac:chgData name="Ankita L Savaliya" userId="S::als8453@my.utexas.edu::45302890-fb20-4ef9-a20b-62d8ea27512f" providerId="AD" clId="Web-{ADA39817-F571-3247-D0BE-A78E3A813ED8}" dt="2025-01-27T17:18:40.527" v="9" actId="20577"/>
+          <ac:spMkLst>
+            <pc:docMk/>
+            <pc:sldMk cId="3450862647" sldId="266"/>
+            <ac:spMk id="27" creationId="{845D7DA4-0A30-F667-174F-8A99022B50FE}"/>
           </ac:spMkLst>
         </pc:spChg>
       </pc:sldChg>
       <pc:sldChg chg="modSp">
-        <pc:chgData name="Ankita L Savaliya" userId="S::als8453@my.utexas.edu::45302890-fb20-4ef9-a20b-62d8ea27512f" providerId="AD" clId="Web-{6E3D84ED-85DB-ACBE-3EAC-3EB6DEEF4BA2}" dt="2025-01-27T17:11:26.736" v="48"/>
-        <pc:sldMkLst>
-          <pc:docMk/>
-          <pc:sldMk cId="2657411531" sldId="267"/>
-        </pc:sldMkLst>
-        <pc:spChg chg="mod">
-          <ac:chgData name="Ankita L Savaliya" userId="S::als8453@my.utexas.edu::45302890-fb20-4ef9-a20b-62d8ea27512f" providerId="AD" clId="Web-{6E3D84ED-85DB-ACBE-3EAC-3EB6DEEF4BA2}" dt="2025-01-27T17:11:26.736" v="48"/>
-          <ac:spMkLst>
-            <pc:docMk/>
-            <pc:sldMk cId="2657411531" sldId="267"/>
-            <ac:spMk id="11" creationId="{38CFB88B-D0EC-A75F-1E88-435A3BA984DA}"/>
-          </ac:spMkLst>
-        </pc:spChg>
-      </pc:sldChg>
-      <pc:sldChg chg="modSp">
-        <pc:chgData name="Ankita L Savaliya" userId="S::als8453@my.utexas.edu::45302890-fb20-4ef9-a20b-62d8ea27512f" providerId="AD" clId="Web-{6E3D84ED-85DB-ACBE-3EAC-3EB6DEEF4BA2}" dt="2025-01-27T17:11:11.501" v="45" actId="20577"/>
+        <pc:chgData name="Ankita L Savaliya" userId="S::als8453@my.utexas.edu::45302890-fb20-4ef9-a20b-62d8ea27512f" providerId="AD" clId="Web-{ADA39817-F571-3247-D0BE-A78E3A813ED8}" dt="2025-01-27T17:21:06.439" v="25" actId="1076"/>
         <pc:sldMkLst>
           <pc:docMk/>
           <pc:sldMk cId="3106800038" sldId="268"/>
         </pc:sldMkLst>
         <pc:spChg chg="mod">
-          <ac:chgData name="Ankita L Savaliya" userId="S::als8453@my.utexas.edu::45302890-fb20-4ef9-a20b-62d8ea27512f" providerId="AD" clId="Web-{6E3D84ED-85DB-ACBE-3EAC-3EB6DEEF4BA2}" dt="2025-01-27T17:11:11.501" v="45" actId="20577"/>
+          <ac:chgData name="Ankita L Savaliya" userId="S::als8453@my.utexas.edu::45302890-fb20-4ef9-a20b-62d8ea27512f" providerId="AD" clId="Web-{ADA39817-F571-3247-D0BE-A78E3A813ED8}" dt="2025-01-27T17:21:03.189" v="24" actId="20577"/>
+          <ac:spMkLst>
+            <pc:docMk/>
+            <pc:sldMk cId="3106800038" sldId="268"/>
+            <ac:spMk id="2" creationId="{D4A847F5-FE7F-970F-30A8-F14DC30F0298}"/>
+          </ac:spMkLst>
+        </pc:spChg>
+        <pc:spChg chg="mod">
+          <ac:chgData name="Ankita L Savaliya" userId="S::als8453@my.utexas.edu::45302890-fb20-4ef9-a20b-62d8ea27512f" providerId="AD" clId="Web-{ADA39817-F571-3247-D0BE-A78E3A813ED8}" dt="2025-01-27T17:21:06.439" v="25" actId="1076"/>
           <ac:spMkLst>
             <pc:docMk/>
             <pc:sldMk cId="3106800038" sldId="268"/>
             <ac:spMk id="27" creationId="{845D7DA4-0A30-F667-174F-8A99022B50FE}"/>
+          </ac:spMkLst>
+        </pc:spChg>
+      </pc:sldChg>
+      <pc:sldChg chg="modSp">
+        <pc:chgData name="Ankita L Savaliya" userId="S::als8453@my.utexas.edu::45302890-fb20-4ef9-a20b-62d8ea27512f" providerId="AD" clId="Web-{ADA39817-F571-3247-D0BE-A78E3A813ED8}" dt="2025-01-27T17:34:18.343" v="78" actId="20577"/>
+        <pc:sldMkLst>
+          <pc:docMk/>
+          <pc:sldMk cId="3308962109" sldId="269"/>
+        </pc:sldMkLst>
+        <pc:spChg chg="mod">
+          <ac:chgData name="Ankita L Savaliya" userId="S::als8453@my.utexas.edu::45302890-fb20-4ef9-a20b-62d8ea27512f" providerId="AD" clId="Web-{ADA39817-F571-3247-D0BE-A78E3A813ED8}" dt="2025-01-27T17:34:18.343" v="78" actId="20577"/>
+          <ac:spMkLst>
+            <pc:docMk/>
+            <pc:sldMk cId="3308962109" sldId="269"/>
+            <ac:spMk id="3" creationId="{DA433583-52C4-0DCE-FFA3-57B964F01E36}"/>
+          </ac:spMkLst>
+        </pc:spChg>
+      </pc:sldChg>
+      <pc:sldChg chg="modSp">
+        <pc:chgData name="Ankita L Savaliya" userId="S::als8453@my.utexas.edu::45302890-fb20-4ef9-a20b-62d8ea27512f" providerId="AD" clId="Web-{ADA39817-F571-3247-D0BE-A78E3A813ED8}" dt="2025-01-27T17:23:03.271" v="61" actId="20577"/>
+        <pc:sldMkLst>
+          <pc:docMk/>
+          <pc:sldMk cId="1144616982" sldId="270"/>
+        </pc:sldMkLst>
+        <pc:spChg chg="mod">
+          <ac:chgData name="Ankita L Savaliya" userId="S::als8453@my.utexas.edu::45302890-fb20-4ef9-a20b-62d8ea27512f" providerId="AD" clId="Web-{ADA39817-F571-3247-D0BE-A78E3A813ED8}" dt="2025-01-27T17:23:03.271" v="61" actId="20577"/>
+          <ac:spMkLst>
+            <pc:docMk/>
+            <pc:sldMk cId="1144616982" sldId="270"/>
+            <ac:spMk id="13" creationId="{DDF4B768-7505-5B6C-ABEF-343021950256}"/>
           </ac:spMkLst>
         </pc:spChg>
       </pc:sldChg>
@@ -8038,7 +8078,7 @@
         <p:spPr/>
         <p:txBody>
           <a:bodyPr vert="horz" lIns="91440" tIns="45720" rIns="91440" bIns="45720" rtlCol="0" anchor="t">
-            <a:normAutofit fontScale="92500" lnSpcReduction="10000"/>
+            <a:normAutofit fontScale="70000" lnSpcReduction="20000"/>
           </a:bodyPr>
           <a:lstStyle/>
           <a:p>
@@ -8099,7 +8139,21 @@
                 <a:ea typeface="+mn-lt"/>
                 <a:cs typeface="+mn-lt"/>
               </a:rPr>
-              <a:t>GitHub and Google Colab Links:</a:t>
+              <a:t>GitHub and Google </a:t>
+            </a:r>
+            <a:r>
+              <a:rPr lang="en-US" sz="2000" err="1">
+                <a:ea typeface="+mn-lt"/>
+                <a:cs typeface="+mn-lt"/>
+              </a:rPr>
+              <a:t>Colab</a:t>
+            </a:r>
+            <a:r>
+              <a:rPr lang="en-US" sz="2000">
+                <a:ea typeface="+mn-lt"/>
+                <a:cs typeface="+mn-lt"/>
+              </a:rPr>
+              <a:t> Links:</a:t>
             </a:r>
             <a:endParaRPr lang="en-US">
               <a:ea typeface="+mn-lt"/>
@@ -8116,24 +8170,59 @@
                 <a:cs typeface="+mn-lt"/>
                 <a:hlinkClick r:id="rId2"/>
               </a:rPr>
-              <a:t>https://github.com/AnkitaSavaliya/AIH/blob/main/MIMIC_Visualization.ipynb</a:t>
-            </a:r>
+              <a:t>https://colab.research.google.com/github/AnkitaSavaliya/AIH/blob/main/MIMIC_Visualization.ipynb</a:t>
+            </a:r>
+            <a:endParaRPr lang="en-US" sz="2000" dirty="0">
+              <a:ea typeface="+mn-lt"/>
+              <a:cs typeface="+mn-lt"/>
+            </a:endParaRPr>
           </a:p>
           <a:p>
             <a:pPr marL="0" indent="0">
               <a:buNone/>
             </a:pPr>
             <a:r>
-              <a:rPr lang="en-US" sz="2000" dirty="0">
+              <a:rPr lang="en-US" sz="1900" dirty="0">
                 <a:ea typeface="+mn-lt"/>
                 <a:cs typeface="+mn-lt"/>
                 <a:hlinkClick r:id="rId3"/>
               </a:rPr>
-              <a:t>https://colab.research.google.com/github/AnkitaSavaliya/AIH/blob/main/MIMIC_Visualization.ipynb</a:t>
-            </a:r>
-            <a:endParaRPr lang="en-US" sz="2000" dirty="0">
-              <a:ea typeface="+mn-lt"/>
-              <a:cs typeface="+mn-lt"/>
+              <a:t>https://github.com/AnkitaSavaliya/AIH/blob/main/MIMIC_Visualization.ipynb</a:t>
+            </a:r>
+            <a:r>
+              <a:rPr lang="en-US" dirty="0">
+                <a:solidFill>
+                  <a:srgbClr val="FF0000"/>
+                </a:solidFill>
+                <a:ea typeface="+mn-lt"/>
+                <a:cs typeface="+mn-lt"/>
+              </a:rPr>
+              <a:t> (Note: Visualizations from certain libraries may not render properly in the raw (blob) view on the GitHub link due to known limitations. Please use the provided </a:t>
+            </a:r>
+            <a:r>
+              <a:rPr lang="en-US" dirty="0" err="1">
+                <a:solidFill>
+                  <a:srgbClr val="FF0000"/>
+                </a:solidFill>
+                <a:ea typeface="+mn-lt"/>
+                <a:cs typeface="+mn-lt"/>
+              </a:rPr>
+              <a:t>Colab</a:t>
+            </a:r>
+            <a:r>
+              <a:rPr lang="en-US" dirty="0">
+                <a:solidFill>
+                  <a:srgbClr val="FF0000"/>
+                </a:solidFill>
+                <a:ea typeface="+mn-lt"/>
+                <a:cs typeface="+mn-lt"/>
+              </a:rPr>
+              <a:t> link to view all visuals correctly.)</a:t>
+            </a:r>
+            <a:endParaRPr lang="en-US" dirty="0">
+              <a:solidFill>
+                <a:srgbClr val="FF0000"/>
+              </a:solidFill>
             </a:endParaRPr>
           </a:p>
           <a:p>
